--- a/presentation.pptx
+++ b/presentation.pptx
@@ -5,29 +5,31 @@
     <p:sldMasterId id="2147483648" r:id="rId1"/>
   </p:sldMasterIdLst>
   <p:notesMasterIdLst>
-    <p:notesMasterId r:id="rId22"/>
+    <p:notesMasterId r:id="rId24"/>
   </p:notesMasterIdLst>
   <p:sldIdLst>
     <p:sldId id="320" r:id="rId2"/>
     <p:sldId id="347" r:id="rId3"/>
     <p:sldId id="387" r:id="rId4"/>
     <p:sldId id="415" r:id="rId5"/>
-    <p:sldId id="420" r:id="rId6"/>
-    <p:sldId id="421" r:id="rId7"/>
-    <p:sldId id="417" r:id="rId8"/>
-    <p:sldId id="422" r:id="rId9"/>
-    <p:sldId id="423" r:id="rId10"/>
-    <p:sldId id="424" r:id="rId11"/>
-    <p:sldId id="418" r:id="rId12"/>
-    <p:sldId id="425" r:id="rId13"/>
-    <p:sldId id="426" r:id="rId14"/>
-    <p:sldId id="427" r:id="rId15"/>
-    <p:sldId id="419" r:id="rId16"/>
-    <p:sldId id="429" r:id="rId17"/>
-    <p:sldId id="428" r:id="rId18"/>
-    <p:sldId id="430" r:id="rId19"/>
-    <p:sldId id="431" r:id="rId20"/>
-    <p:sldId id="432" r:id="rId21"/>
+    <p:sldId id="433" r:id="rId6"/>
+    <p:sldId id="420" r:id="rId7"/>
+    <p:sldId id="421" r:id="rId8"/>
+    <p:sldId id="417" r:id="rId9"/>
+    <p:sldId id="422" r:id="rId10"/>
+    <p:sldId id="434" r:id="rId11"/>
+    <p:sldId id="423" r:id="rId12"/>
+    <p:sldId id="424" r:id="rId13"/>
+    <p:sldId id="418" r:id="rId14"/>
+    <p:sldId id="425" r:id="rId15"/>
+    <p:sldId id="426" r:id="rId16"/>
+    <p:sldId id="427" r:id="rId17"/>
+    <p:sldId id="419" r:id="rId18"/>
+    <p:sldId id="429" r:id="rId19"/>
+    <p:sldId id="428" r:id="rId20"/>
+    <p:sldId id="430" r:id="rId21"/>
+    <p:sldId id="431" r:id="rId22"/>
+    <p:sldId id="432" r:id="rId23"/>
   </p:sldIdLst>
   <p:sldSz cx="9144000" cy="5715000" type="screen16x10"/>
   <p:notesSz cx="6819900" cy="9918700"/>
@@ -254,7 +256,7 @@
             <a:fld id="{070F88E6-4CBB-A74B-86AD-EFD452B6FFED}" type="datetimeFigureOut">
               <a:rPr lang="fr-FR" smtClean="0"/>
               <a:pPr/>
-              <a:t>02/09/2015</a:t>
+              <a:t>03/09/2015</a:t>
             </a:fld>
             <a:endParaRPr lang="fr-FR"/>
           </a:p>
@@ -6094,11 +6096,7 @@
           <a:p>
             <a:r>
               <a:rPr lang="fr-FR" dirty="0" smtClean="0"/>
-              <a:t>MAITRE DE STAGE : </a:t>
-            </a:r>
-            <a:r>
-              <a:rPr lang="fr-FR" dirty="0" smtClean="0"/>
-              <a:t> </a:t>
+              <a:t>MAITRE DE STAGE :  </a:t>
             </a:r>
             <a:r>
               <a:rPr lang="fr-FR" dirty="0" smtClean="0">
@@ -6254,7 +6252,6 @@
               <a:rPr lang="fr-FR" dirty="0"/>
               <a:t> Nouvelle Offre</a:t>
             </a:r>
-            <a:endParaRPr lang="fr-FR" dirty="0"/>
           </a:p>
         </p:txBody>
       </p:sp>
@@ -6273,16 +6270,7 @@
           <a:bodyPr/>
           <a:lstStyle/>
           <a:p>
-            <a:pPr lvl="1"/>
-            <a:endParaRPr lang="fr-FR" dirty="0" smtClean="0"/>
-          </a:p>
-          <a:p>
-            <a:pPr lvl="1"/>
-            <a:endParaRPr lang="fr-FR" dirty="0" smtClean="0"/>
-          </a:p>
-          <a:p>
-            <a:pPr lvl="1"/>
-            <a:endParaRPr lang="fr-FR" dirty="0"/>
+            <a:endParaRPr lang="fr-FR" sz="1400" dirty="0"/>
           </a:p>
         </p:txBody>
       </p:sp>
@@ -6338,7 +6326,7 @@
                 <a:ea typeface="+mj-ea"/>
                 <a:cs typeface="Segoe UI" pitchFamily="34" charset="0"/>
               </a:rPr>
-              <a:t>Architecture 2/2</a:t>
+              <a:t>Présentation 2/2</a:t>
             </a:r>
             <a:endParaRPr lang="fr-FR" b="1" dirty="0">
               <a:solidFill>
@@ -6362,7 +6350,7 @@
     </p:spTree>
     <p:extLst>
       <p:ext uri="{BB962C8B-B14F-4D97-AF65-F5344CB8AC3E}">
-        <p14:creationId xmlns:p14="http://schemas.microsoft.com/office/powerpoint/2010/main" val="4238071138"/>
+        <p14:creationId xmlns:p14="http://schemas.microsoft.com/office/powerpoint/2010/main" val="855695964"/>
       </p:ext>
     </p:extLst>
   </p:cSld>
@@ -6401,69 +6389,159 @@
       </p:grpSpPr>
       <p:sp>
         <p:nvSpPr>
-          <p:cNvPr id="2" name="Titre 1"/>
-          <p:cNvSpPr>
-            <a:spLocks noGrp="1"/>
-          </p:cNvSpPr>
-          <p:nvPr>
-            <p:ph type="title"/>
-          </p:nvPr>
+          <p:cNvPr id="57" name="Rectangle 56"/>
+          <p:cNvSpPr/>
+          <p:nvPr/>
         </p:nvSpPr>
         <p:spPr>
           <a:xfrm>
-            <a:off x="2555776" y="2281597"/>
-            <a:ext cx="5940154" cy="864096"/>
+            <a:off x="405377" y="1467995"/>
+            <a:ext cx="2800278" cy="3619011"/>
           </a:xfrm>
+          <a:prstGeom prst="rect">
+            <a:avLst/>
+          </a:prstGeom>
+          <a:solidFill>
+            <a:schemeClr val="accent1"/>
+          </a:solidFill>
+          <a:ln w="3175" cmpd="sng">
+            <a:solidFill>
+              <a:schemeClr val="accent1">
+                <a:lumMod val="75000"/>
+              </a:schemeClr>
+            </a:solidFill>
+          </a:ln>
         </p:spPr>
+        <p:style>
+          <a:lnRef idx="2">
+            <a:schemeClr val="accent1">
+              <a:shade val="50000"/>
+            </a:schemeClr>
+          </a:lnRef>
+          <a:fillRef idx="1">
+            <a:schemeClr val="accent1"/>
+          </a:fillRef>
+          <a:effectRef idx="0">
+            <a:schemeClr val="accent1"/>
+          </a:effectRef>
+          <a:fontRef idx="minor">
+            <a:schemeClr val="lt1"/>
+          </a:fontRef>
+        </p:style>
         <p:txBody>
-          <a:bodyPr/>
-          <a:lstStyle/>
-          <a:p>
-            <a:pPr>
+          <a:bodyPr rtlCol="0" anchor="t"/>
+          <a:lstStyle>
+            <a:defPPr>
+              <a:defRPr lang="fr-FR"/>
+            </a:defPPr>
+            <a:lvl1pPr marL="0" algn="l" defTabSz="914376" rtl="0" eaLnBrk="1" latinLnBrk="0" hangingPunct="1">
+              <a:defRPr sz="1800" kern="1200">
+                <a:solidFill>
+                  <a:schemeClr val="lt1"/>
+                </a:solidFill>
+                <a:latin typeface="+mn-lt"/>
+                <a:ea typeface="+mn-ea"/>
+                <a:cs typeface="+mn-cs"/>
+              </a:defRPr>
+            </a:lvl1pPr>
+            <a:lvl2pPr marL="457188" algn="l" defTabSz="914376" rtl="0" eaLnBrk="1" latinLnBrk="0" hangingPunct="1">
+              <a:defRPr sz="1800" kern="1200">
+                <a:solidFill>
+                  <a:schemeClr val="lt1"/>
+                </a:solidFill>
+                <a:latin typeface="+mn-lt"/>
+                <a:ea typeface="+mn-ea"/>
+                <a:cs typeface="+mn-cs"/>
+              </a:defRPr>
+            </a:lvl2pPr>
+            <a:lvl3pPr marL="914376" algn="l" defTabSz="914376" rtl="0" eaLnBrk="1" latinLnBrk="0" hangingPunct="1">
+              <a:defRPr sz="1800" kern="1200">
+                <a:solidFill>
+                  <a:schemeClr val="lt1"/>
+                </a:solidFill>
+                <a:latin typeface="+mn-lt"/>
+                <a:ea typeface="+mn-ea"/>
+                <a:cs typeface="+mn-cs"/>
+              </a:defRPr>
+            </a:lvl3pPr>
+            <a:lvl4pPr marL="1371564" algn="l" defTabSz="914376" rtl="0" eaLnBrk="1" latinLnBrk="0" hangingPunct="1">
+              <a:defRPr sz="1800" kern="1200">
+                <a:solidFill>
+                  <a:schemeClr val="lt1"/>
+                </a:solidFill>
+                <a:latin typeface="+mn-lt"/>
+                <a:ea typeface="+mn-ea"/>
+                <a:cs typeface="+mn-cs"/>
+              </a:defRPr>
+            </a:lvl4pPr>
+            <a:lvl5pPr marL="1828752" algn="l" defTabSz="914376" rtl="0" eaLnBrk="1" latinLnBrk="0" hangingPunct="1">
+              <a:defRPr sz="1800" kern="1200">
+                <a:solidFill>
+                  <a:schemeClr val="lt1"/>
+                </a:solidFill>
+                <a:latin typeface="+mn-lt"/>
+                <a:ea typeface="+mn-ea"/>
+                <a:cs typeface="+mn-cs"/>
+              </a:defRPr>
+            </a:lvl5pPr>
+            <a:lvl6pPr marL="2285940" algn="l" defTabSz="914376" rtl="0" eaLnBrk="1" latinLnBrk="0" hangingPunct="1">
+              <a:defRPr sz="1800" kern="1200">
+                <a:solidFill>
+                  <a:schemeClr val="lt1"/>
+                </a:solidFill>
+                <a:latin typeface="+mn-lt"/>
+                <a:ea typeface="+mn-ea"/>
+                <a:cs typeface="+mn-cs"/>
+              </a:defRPr>
+            </a:lvl6pPr>
+            <a:lvl7pPr marL="2743128" algn="l" defTabSz="914376" rtl="0" eaLnBrk="1" latinLnBrk="0" hangingPunct="1">
+              <a:defRPr sz="1800" kern="1200">
+                <a:solidFill>
+                  <a:schemeClr val="lt1"/>
+                </a:solidFill>
+                <a:latin typeface="+mn-lt"/>
+                <a:ea typeface="+mn-ea"/>
+                <a:cs typeface="+mn-cs"/>
+              </a:defRPr>
+            </a:lvl7pPr>
+            <a:lvl8pPr marL="3200316" algn="l" defTabSz="914376" rtl="0" eaLnBrk="1" latinLnBrk="0" hangingPunct="1">
+              <a:defRPr sz="1800" kern="1200">
+                <a:solidFill>
+                  <a:schemeClr val="lt1"/>
+                </a:solidFill>
+                <a:latin typeface="+mn-lt"/>
+                <a:ea typeface="+mn-ea"/>
+                <a:cs typeface="+mn-cs"/>
+              </a:defRPr>
+            </a:lvl8pPr>
+            <a:lvl9pPr marL="3657504" algn="l" defTabSz="914376" rtl="0" eaLnBrk="1" latinLnBrk="0" hangingPunct="1">
+              <a:defRPr sz="1800" kern="1200">
+                <a:solidFill>
+                  <a:schemeClr val="lt1"/>
+                </a:solidFill>
+                <a:latin typeface="+mn-lt"/>
+                <a:ea typeface="+mn-ea"/>
+                <a:cs typeface="+mn-cs"/>
+              </a:defRPr>
+            </a:lvl9pPr>
+          </a:lstStyle>
+          <a:p>
+            <a:pPr algn="ctr">
               <a:lnSpc>
-                <a:spcPct val="120000"/>
+                <a:spcPct val="130000"/>
               </a:lnSpc>
             </a:pPr>
-            <a:r>
-              <a:rPr lang="fr-FR" dirty="0" smtClean="0"/>
-              <a:t>Contribution </a:t>
-            </a:r>
-            <a:r>
-              <a:rPr lang="fr-FR" dirty="0"/>
-              <a:t>au </a:t>
-            </a:r>
-            <a:r>
-              <a:rPr lang="fr-FR" dirty="0" smtClean="0"/>
-              <a:t>projet</a:t>
-            </a:r>
-            <a:r>
-              <a:rPr lang="fr-FR" dirty="0"/>
-              <a:t/>
-            </a:r>
-            <a:br>
-              <a:rPr lang="fr-FR" dirty="0"/>
-            </a:br>
-            <a:r>
-              <a:rPr lang="fr-FR" dirty="0" smtClean="0"/>
-              <a:t/>
-            </a:r>
-            <a:br>
-              <a:rPr lang="fr-FR" dirty="0" smtClean="0"/>
-            </a:br>
-            <a:r>
-              <a:rPr lang="fr-FR" dirty="0"/>
-              <a:t/>
-            </a:r>
-            <a:br>
-              <a:rPr lang="fr-FR" dirty="0"/>
-            </a:br>
-            <a:endParaRPr lang="fr-FR" dirty="0"/>
+            <a:endParaRPr lang="fr-FR" sz="1050" dirty="0">
+              <a:solidFill>
+                <a:schemeClr val="bg1"/>
+              </a:solidFill>
+            </a:endParaRPr>
           </a:p>
         </p:txBody>
       </p:sp>
       <p:sp>
         <p:nvSpPr>
-          <p:cNvPr id="3" name="Espace réservé du numéro de diapositive 2"/>
+          <p:cNvPr id="2" name="Espace réservé du numéro de diapositive 1"/>
           <p:cNvSpPr>
             <a:spLocks noGrp="1"/>
           </p:cNvSpPr>
@@ -6487,7 +6565,59 @@
       </p:sp>
       <p:sp>
         <p:nvSpPr>
-          <p:cNvPr id="4" name="Titre 1"/>
+          <p:cNvPr id="4" name="Titre 3"/>
+          <p:cNvSpPr>
+            <a:spLocks noGrp="1"/>
+          </p:cNvSpPr>
+          <p:nvPr>
+            <p:ph type="title"/>
+          </p:nvPr>
+        </p:nvSpPr>
+        <p:spPr/>
+        <p:txBody>
+          <a:bodyPr/>
+          <a:lstStyle/>
+          <a:p>
+            <a:r>
+              <a:rPr lang="fr-FR" dirty="0" smtClean="0"/>
+              <a:t>Projet </a:t>
+            </a:r>
+            <a:r>
+              <a:rPr lang="fr-FR" dirty="0" err="1"/>
+              <a:t>Coheris</a:t>
+            </a:r>
+            <a:r>
+              <a:rPr lang="fr-FR" dirty="0"/>
+              <a:t> Nouvelle Offre</a:t>
+            </a:r>
+          </a:p>
+        </p:txBody>
+      </p:sp>
+      <p:sp>
+        <p:nvSpPr>
+          <p:cNvPr id="5" name="Espace réservé du texte 4"/>
+          <p:cNvSpPr>
+            <a:spLocks noGrp="1"/>
+          </p:cNvSpPr>
+          <p:nvPr>
+            <p:ph type="body" sz="quarter" idx="12"/>
+          </p:nvPr>
+        </p:nvSpPr>
+        <p:spPr/>
+        <p:txBody>
+          <a:bodyPr/>
+          <a:lstStyle/>
+          <a:p>
+            <a:pPr marL="180000" lvl="1" indent="0">
+              <a:buNone/>
+            </a:pPr>
+            <a:endParaRPr lang="fr-FR" dirty="0" smtClean="0"/>
+          </a:p>
+        </p:txBody>
+      </p:sp>
+      <p:sp>
+        <p:nvSpPr>
+          <p:cNvPr id="6" name="Titre 3"/>
           <p:cNvSpPr txBox="1">
             <a:spLocks/>
           </p:cNvSpPr>
@@ -6495,15 +6625,17 @@
         </p:nvSpPr>
         <p:spPr>
           <a:xfrm>
-            <a:off x="2624093" y="2275907"/>
-            <a:ext cx="5940154" cy="864096"/>
+            <a:off x="524235" y="680365"/>
+            <a:ext cx="8064000" cy="468000"/>
           </a:xfrm>
           <a:prstGeom prst="rect">
             <a:avLst/>
           </a:prstGeom>
         </p:spPr>
         <p:txBody>
-          <a:bodyPr wrap="square" anchor="b" anchorCtr="0"/>
+          <a:bodyPr vert="horz" wrap="square" lIns="0" tIns="0" rIns="0" bIns="0" rtlCol="0" anchor="t" anchorCtr="0">
+            <a:noAutofit/>
+          </a:bodyPr>
           <a:lstStyle>
             <a:lvl1pPr algn="l" defTabSz="914376" rtl="0" eaLnBrk="1" latinLnBrk="0" hangingPunct="1">
               <a:spcBef>
@@ -6512,7 +6644,7 @@
               <a:buNone/>
               <a:defRPr sz="2400" b="1" kern="1200" cap="all" spc="0" baseline="0">
                 <a:solidFill>
-                  <a:schemeClr val="bg1"/>
+                  <a:srgbClr val="776271"/>
                 </a:solidFill>
                 <a:latin typeface="+mj-lt"/>
                 <a:ea typeface="+mj-ea"/>
@@ -6521,41 +6653,25 @@
             </a:lvl1pPr>
           </a:lstStyle>
           <a:p>
-            <a:pPr marL="457200" lvl="1" indent="-457200">
-              <a:lnSpc>
-                <a:spcPct val="120000"/>
-              </a:lnSpc>
+            <a:pPr marL="0" lvl="1" algn="r">
               <a:spcBef>
                 <a:spcPct val="0"/>
               </a:spcBef>
-              <a:buFont typeface="+mj-lt"/>
-              <a:buAutoNum type="arabicPeriod"/>
             </a:pPr>
             <a:r>
-              <a:rPr lang="fr-FR" sz="2000" b="1" dirty="0" smtClean="0">
-                <a:solidFill>
-                  <a:schemeClr val="bg1"/>
+              <a:rPr lang="fr-FR" b="1" dirty="0" smtClean="0">
+                <a:solidFill>
+                  <a:srgbClr val="776271"/>
                 </a:solidFill>
                 <a:latin typeface="+mj-lt"/>
                 <a:ea typeface="+mj-ea"/>
                 <a:cs typeface="Segoe UI" pitchFamily="34" charset="0"/>
               </a:rPr>
-              <a:t>Module </a:t>
-            </a:r>
-            <a:r>
-              <a:rPr lang="fr-FR" sz="2000" b="1" dirty="0" err="1" smtClean="0">
-                <a:solidFill>
-                  <a:schemeClr val="bg1"/>
-                </a:solidFill>
-                <a:latin typeface="+mj-lt"/>
-                <a:ea typeface="+mj-ea"/>
-                <a:cs typeface="Segoe UI" pitchFamily="34" charset="0"/>
-              </a:rPr>
-              <a:t>Scheduler</a:t>
-            </a:r>
-            <a:endParaRPr lang="fr-FR" sz="2000" b="1" dirty="0" smtClean="0">
+              <a:t>Architecture 1/2</a:t>
+            </a:r>
+            <a:endParaRPr lang="fr-FR" b="1" dirty="0">
               <a:solidFill>
-                <a:schemeClr val="bg1"/>
+                <a:srgbClr val="776271"/>
               </a:solidFill>
               <a:latin typeface="+mj-lt"/>
               <a:ea typeface="+mj-ea"/>
@@ -6563,57 +6679,6056 @@
             </a:endParaRPr>
           </a:p>
           <a:p>
-            <a:pPr marL="457200" lvl="1" indent="-457200">
+            <a:pPr algn="r"/>
+            <a:r>
+              <a:rPr lang="fr-FR" sz="1800" cap="none" dirty="0" smtClean="0"/>
+              <a:t> </a:t>
+            </a:r>
+            <a:endParaRPr lang="fr-FR" sz="1800" cap="none" dirty="0"/>
+          </a:p>
+        </p:txBody>
+      </p:sp>
+      <p:sp>
+        <p:nvSpPr>
+          <p:cNvPr id="12" name="Cube 11"/>
+          <p:cNvSpPr/>
+          <p:nvPr/>
+        </p:nvSpPr>
+        <p:spPr>
+          <a:xfrm>
+            <a:off x="503287" y="1603687"/>
+            <a:ext cx="1630314" cy="540355"/>
+          </a:xfrm>
+          <a:prstGeom prst="cube">
+            <a:avLst/>
+          </a:prstGeom>
+          <a:solidFill>
+            <a:schemeClr val="accent1"/>
+          </a:solidFill>
+          <a:ln w="3175" cmpd="sng">
+            <a:solidFill>
+              <a:schemeClr val="accent1">
+                <a:lumMod val="75000"/>
+              </a:schemeClr>
+            </a:solidFill>
+          </a:ln>
+        </p:spPr>
+        <p:style>
+          <a:lnRef idx="2">
+            <a:schemeClr val="accent1">
+              <a:shade val="50000"/>
+            </a:schemeClr>
+          </a:lnRef>
+          <a:fillRef idx="1">
+            <a:schemeClr val="accent1"/>
+          </a:fillRef>
+          <a:effectRef idx="0">
+            <a:schemeClr val="accent1"/>
+          </a:effectRef>
+          <a:fontRef idx="minor">
+            <a:schemeClr val="lt1"/>
+          </a:fontRef>
+        </p:style>
+        <p:txBody>
+          <a:bodyPr rtlCol="0" anchor="t"/>
+          <a:lstStyle>
+            <a:defPPr>
+              <a:defRPr lang="fr-FR"/>
+            </a:defPPr>
+            <a:lvl1pPr marL="0" algn="l" defTabSz="914376" rtl="0" eaLnBrk="1" latinLnBrk="0" hangingPunct="1">
+              <a:defRPr sz="1800" kern="1200">
+                <a:solidFill>
+                  <a:schemeClr val="lt1"/>
+                </a:solidFill>
+                <a:latin typeface="+mn-lt"/>
+                <a:ea typeface="+mn-ea"/>
+                <a:cs typeface="+mn-cs"/>
+              </a:defRPr>
+            </a:lvl1pPr>
+            <a:lvl2pPr marL="457188" algn="l" defTabSz="914376" rtl="0" eaLnBrk="1" latinLnBrk="0" hangingPunct="1">
+              <a:defRPr sz="1800" kern="1200">
+                <a:solidFill>
+                  <a:schemeClr val="lt1"/>
+                </a:solidFill>
+                <a:latin typeface="+mn-lt"/>
+                <a:ea typeface="+mn-ea"/>
+                <a:cs typeface="+mn-cs"/>
+              </a:defRPr>
+            </a:lvl2pPr>
+            <a:lvl3pPr marL="914376" algn="l" defTabSz="914376" rtl="0" eaLnBrk="1" latinLnBrk="0" hangingPunct="1">
+              <a:defRPr sz="1800" kern="1200">
+                <a:solidFill>
+                  <a:schemeClr val="lt1"/>
+                </a:solidFill>
+                <a:latin typeface="+mn-lt"/>
+                <a:ea typeface="+mn-ea"/>
+                <a:cs typeface="+mn-cs"/>
+              </a:defRPr>
+            </a:lvl3pPr>
+            <a:lvl4pPr marL="1371564" algn="l" defTabSz="914376" rtl="0" eaLnBrk="1" latinLnBrk="0" hangingPunct="1">
+              <a:defRPr sz="1800" kern="1200">
+                <a:solidFill>
+                  <a:schemeClr val="lt1"/>
+                </a:solidFill>
+                <a:latin typeface="+mn-lt"/>
+                <a:ea typeface="+mn-ea"/>
+                <a:cs typeface="+mn-cs"/>
+              </a:defRPr>
+            </a:lvl4pPr>
+            <a:lvl5pPr marL="1828752" algn="l" defTabSz="914376" rtl="0" eaLnBrk="1" latinLnBrk="0" hangingPunct="1">
+              <a:defRPr sz="1800" kern="1200">
+                <a:solidFill>
+                  <a:schemeClr val="lt1"/>
+                </a:solidFill>
+                <a:latin typeface="+mn-lt"/>
+                <a:ea typeface="+mn-ea"/>
+                <a:cs typeface="+mn-cs"/>
+              </a:defRPr>
+            </a:lvl5pPr>
+            <a:lvl6pPr marL="2285940" algn="l" defTabSz="914376" rtl="0" eaLnBrk="1" latinLnBrk="0" hangingPunct="1">
+              <a:defRPr sz="1800" kern="1200">
+                <a:solidFill>
+                  <a:schemeClr val="lt1"/>
+                </a:solidFill>
+                <a:latin typeface="+mn-lt"/>
+                <a:ea typeface="+mn-ea"/>
+                <a:cs typeface="+mn-cs"/>
+              </a:defRPr>
+            </a:lvl6pPr>
+            <a:lvl7pPr marL="2743128" algn="l" defTabSz="914376" rtl="0" eaLnBrk="1" latinLnBrk="0" hangingPunct="1">
+              <a:defRPr sz="1800" kern="1200">
+                <a:solidFill>
+                  <a:schemeClr val="lt1"/>
+                </a:solidFill>
+                <a:latin typeface="+mn-lt"/>
+                <a:ea typeface="+mn-ea"/>
+                <a:cs typeface="+mn-cs"/>
+              </a:defRPr>
+            </a:lvl7pPr>
+            <a:lvl8pPr marL="3200316" algn="l" defTabSz="914376" rtl="0" eaLnBrk="1" latinLnBrk="0" hangingPunct="1">
+              <a:defRPr sz="1800" kern="1200">
+                <a:solidFill>
+                  <a:schemeClr val="lt1"/>
+                </a:solidFill>
+                <a:latin typeface="+mn-lt"/>
+                <a:ea typeface="+mn-ea"/>
+                <a:cs typeface="+mn-cs"/>
+              </a:defRPr>
+            </a:lvl8pPr>
+            <a:lvl9pPr marL="3657504" algn="l" defTabSz="914376" rtl="0" eaLnBrk="1" latinLnBrk="0" hangingPunct="1">
+              <a:defRPr sz="1800" kern="1200">
+                <a:solidFill>
+                  <a:schemeClr val="lt1"/>
+                </a:solidFill>
+                <a:latin typeface="+mn-lt"/>
+                <a:ea typeface="+mn-ea"/>
+                <a:cs typeface="+mn-cs"/>
+              </a:defRPr>
+            </a:lvl9pPr>
+          </a:lstStyle>
+          <a:p>
+            <a:pPr algn="ctr">
               <a:lnSpc>
-                <a:spcPct val="120000"/>
+                <a:spcPct val="130000"/>
               </a:lnSpc>
-              <a:spcBef>
-                <a:spcPct val="0"/>
-              </a:spcBef>
-              <a:buFont typeface="+mj-lt"/>
-              <a:buAutoNum type="arabicPeriod"/>
             </a:pPr>
-            <a:r>
-              <a:rPr lang="fr-FR" sz="2000" b="1" dirty="0" smtClean="0">
+            <a:endParaRPr lang="fr-FR" sz="1000">
+              <a:solidFill>
+                <a:schemeClr val="bg1"/>
+              </a:solidFill>
+            </a:endParaRPr>
+          </a:p>
+        </p:txBody>
+      </p:sp>
+      <p:sp>
+        <p:nvSpPr>
+          <p:cNvPr id="13" name="Pentagone 11"/>
+          <p:cNvSpPr/>
+          <p:nvPr/>
+        </p:nvSpPr>
+        <p:spPr>
+          <a:xfrm>
+            <a:off x="4287203" y="1765623"/>
+            <a:ext cx="505327" cy="3007896"/>
+          </a:xfrm>
+          <a:prstGeom prst="homePlate">
+            <a:avLst>
+              <a:gd name="adj" fmla="val 77926"/>
+            </a:avLst>
+          </a:prstGeom>
+          <a:solidFill>
+            <a:schemeClr val="accent1"/>
+          </a:solidFill>
+          <a:ln w="3175" cmpd="sng">
+            <a:solidFill>
+              <a:schemeClr val="accent1">
+                <a:lumMod val="75000"/>
+              </a:schemeClr>
+            </a:solidFill>
+          </a:ln>
+        </p:spPr>
+        <p:style>
+          <a:lnRef idx="2">
+            <a:schemeClr val="accent1">
+              <a:shade val="50000"/>
+            </a:schemeClr>
+          </a:lnRef>
+          <a:fillRef idx="1">
+            <a:schemeClr val="accent1"/>
+          </a:fillRef>
+          <a:effectRef idx="0">
+            <a:schemeClr val="accent1"/>
+          </a:effectRef>
+          <a:fontRef idx="minor">
+            <a:schemeClr val="lt1"/>
+          </a:fontRef>
+        </p:style>
+        <p:txBody>
+          <a:bodyPr lIns="0" tIns="0" rIns="0" bIns="46800" rtlCol="0" anchor="ctr"/>
+          <a:lstStyle>
+            <a:defPPr>
+              <a:defRPr lang="fr-FR"/>
+            </a:defPPr>
+            <a:lvl1pPr marL="0" algn="l" defTabSz="914376" rtl="0" eaLnBrk="1" latinLnBrk="0" hangingPunct="1">
+              <a:defRPr sz="1800" kern="1200">
+                <a:solidFill>
+                  <a:schemeClr val="lt1"/>
+                </a:solidFill>
+                <a:latin typeface="+mn-lt"/>
+                <a:ea typeface="+mn-ea"/>
+                <a:cs typeface="+mn-cs"/>
+              </a:defRPr>
+            </a:lvl1pPr>
+            <a:lvl2pPr marL="457188" algn="l" defTabSz="914376" rtl="0" eaLnBrk="1" latinLnBrk="0" hangingPunct="1">
+              <a:defRPr sz="1800" kern="1200">
+                <a:solidFill>
+                  <a:schemeClr val="lt1"/>
+                </a:solidFill>
+                <a:latin typeface="+mn-lt"/>
+                <a:ea typeface="+mn-ea"/>
+                <a:cs typeface="+mn-cs"/>
+              </a:defRPr>
+            </a:lvl2pPr>
+            <a:lvl3pPr marL="914376" algn="l" defTabSz="914376" rtl="0" eaLnBrk="1" latinLnBrk="0" hangingPunct="1">
+              <a:defRPr sz="1800" kern="1200">
+                <a:solidFill>
+                  <a:schemeClr val="lt1"/>
+                </a:solidFill>
+                <a:latin typeface="+mn-lt"/>
+                <a:ea typeface="+mn-ea"/>
+                <a:cs typeface="+mn-cs"/>
+              </a:defRPr>
+            </a:lvl3pPr>
+            <a:lvl4pPr marL="1371564" algn="l" defTabSz="914376" rtl="0" eaLnBrk="1" latinLnBrk="0" hangingPunct="1">
+              <a:defRPr sz="1800" kern="1200">
+                <a:solidFill>
+                  <a:schemeClr val="lt1"/>
+                </a:solidFill>
+                <a:latin typeface="+mn-lt"/>
+                <a:ea typeface="+mn-ea"/>
+                <a:cs typeface="+mn-cs"/>
+              </a:defRPr>
+            </a:lvl4pPr>
+            <a:lvl5pPr marL="1828752" algn="l" defTabSz="914376" rtl="0" eaLnBrk="1" latinLnBrk="0" hangingPunct="1">
+              <a:defRPr sz="1800" kern="1200">
+                <a:solidFill>
+                  <a:schemeClr val="lt1"/>
+                </a:solidFill>
+                <a:latin typeface="+mn-lt"/>
+                <a:ea typeface="+mn-ea"/>
+                <a:cs typeface="+mn-cs"/>
+              </a:defRPr>
+            </a:lvl5pPr>
+            <a:lvl6pPr marL="2285940" algn="l" defTabSz="914376" rtl="0" eaLnBrk="1" latinLnBrk="0" hangingPunct="1">
+              <a:defRPr sz="1800" kern="1200">
+                <a:solidFill>
+                  <a:schemeClr val="lt1"/>
+                </a:solidFill>
+                <a:latin typeface="+mn-lt"/>
+                <a:ea typeface="+mn-ea"/>
+                <a:cs typeface="+mn-cs"/>
+              </a:defRPr>
+            </a:lvl6pPr>
+            <a:lvl7pPr marL="2743128" algn="l" defTabSz="914376" rtl="0" eaLnBrk="1" latinLnBrk="0" hangingPunct="1">
+              <a:defRPr sz="1800" kern="1200">
+                <a:solidFill>
+                  <a:schemeClr val="lt1"/>
+                </a:solidFill>
+                <a:latin typeface="+mn-lt"/>
+                <a:ea typeface="+mn-ea"/>
+                <a:cs typeface="+mn-cs"/>
+              </a:defRPr>
+            </a:lvl7pPr>
+            <a:lvl8pPr marL="3200316" algn="l" defTabSz="914376" rtl="0" eaLnBrk="1" latinLnBrk="0" hangingPunct="1">
+              <a:defRPr sz="1800" kern="1200">
+                <a:solidFill>
+                  <a:schemeClr val="lt1"/>
+                </a:solidFill>
+                <a:latin typeface="+mn-lt"/>
+                <a:ea typeface="+mn-ea"/>
+                <a:cs typeface="+mn-cs"/>
+              </a:defRPr>
+            </a:lvl8pPr>
+            <a:lvl9pPr marL="3657504" algn="l" defTabSz="914376" rtl="0" eaLnBrk="1" latinLnBrk="0" hangingPunct="1">
+              <a:defRPr sz="1800" kern="1200">
+                <a:solidFill>
+                  <a:schemeClr val="lt1"/>
+                </a:solidFill>
+                <a:latin typeface="+mn-lt"/>
+                <a:ea typeface="+mn-ea"/>
+                <a:cs typeface="+mn-cs"/>
+              </a:defRPr>
+            </a:lvl9pPr>
+          </a:lstStyle>
+          <a:p>
+            <a:pPr algn="ctr">
+              <a:lnSpc>
+                <a:spcPct val="130000"/>
+              </a:lnSpc>
+            </a:pPr>
+            <a:endParaRPr lang="fr-FR" sz="1400">
+              <a:solidFill>
+                <a:schemeClr val="bg1"/>
+              </a:solidFill>
+            </a:endParaRPr>
+          </a:p>
+        </p:txBody>
+      </p:sp>
+      <p:sp>
+        <p:nvSpPr>
+          <p:cNvPr id="14" name="Rectangle 13"/>
+          <p:cNvSpPr/>
+          <p:nvPr/>
+        </p:nvSpPr>
+        <p:spPr>
+          <a:xfrm>
+            <a:off x="5909602" y="1081142"/>
+            <a:ext cx="1289392" cy="276999"/>
+          </a:xfrm>
+          <a:prstGeom prst="rect">
+            <a:avLst/>
+          </a:prstGeom>
+        </p:spPr>
+        <p:txBody>
+          <a:bodyPr wrap="none">
+            <a:spAutoFit/>
+          </a:bodyPr>
+          <a:lstStyle>
+            <a:defPPr>
+              <a:defRPr lang="fr-FR"/>
+            </a:defPPr>
+            <a:lvl1pPr marL="0" algn="l" defTabSz="914376" rtl="0" eaLnBrk="1" latinLnBrk="0" hangingPunct="1">
+              <a:defRPr sz="1800" kern="1200">
+                <a:solidFill>
+                  <a:schemeClr val="tx1"/>
+                </a:solidFill>
+                <a:latin typeface="+mn-lt"/>
+                <a:ea typeface="+mn-ea"/>
+                <a:cs typeface="+mn-cs"/>
+              </a:defRPr>
+            </a:lvl1pPr>
+            <a:lvl2pPr marL="457188" algn="l" defTabSz="914376" rtl="0" eaLnBrk="1" latinLnBrk="0" hangingPunct="1">
+              <a:defRPr sz="1800" kern="1200">
+                <a:solidFill>
+                  <a:schemeClr val="tx1"/>
+                </a:solidFill>
+                <a:latin typeface="+mn-lt"/>
+                <a:ea typeface="+mn-ea"/>
+                <a:cs typeface="+mn-cs"/>
+              </a:defRPr>
+            </a:lvl2pPr>
+            <a:lvl3pPr marL="914376" algn="l" defTabSz="914376" rtl="0" eaLnBrk="1" latinLnBrk="0" hangingPunct="1">
+              <a:defRPr sz="1800" kern="1200">
+                <a:solidFill>
+                  <a:schemeClr val="tx1"/>
+                </a:solidFill>
+                <a:latin typeface="+mn-lt"/>
+                <a:ea typeface="+mn-ea"/>
+                <a:cs typeface="+mn-cs"/>
+              </a:defRPr>
+            </a:lvl3pPr>
+            <a:lvl4pPr marL="1371564" algn="l" defTabSz="914376" rtl="0" eaLnBrk="1" latinLnBrk="0" hangingPunct="1">
+              <a:defRPr sz="1800" kern="1200">
+                <a:solidFill>
+                  <a:schemeClr val="tx1"/>
+                </a:solidFill>
+                <a:latin typeface="+mn-lt"/>
+                <a:ea typeface="+mn-ea"/>
+                <a:cs typeface="+mn-cs"/>
+              </a:defRPr>
+            </a:lvl4pPr>
+            <a:lvl5pPr marL="1828752" algn="l" defTabSz="914376" rtl="0" eaLnBrk="1" latinLnBrk="0" hangingPunct="1">
+              <a:defRPr sz="1800" kern="1200">
+                <a:solidFill>
+                  <a:schemeClr val="tx1"/>
+                </a:solidFill>
+                <a:latin typeface="+mn-lt"/>
+                <a:ea typeface="+mn-ea"/>
+                <a:cs typeface="+mn-cs"/>
+              </a:defRPr>
+            </a:lvl5pPr>
+            <a:lvl6pPr marL="2285940" algn="l" defTabSz="914376" rtl="0" eaLnBrk="1" latinLnBrk="0" hangingPunct="1">
+              <a:defRPr sz="1800" kern="1200">
+                <a:solidFill>
+                  <a:schemeClr val="tx1"/>
+                </a:solidFill>
+                <a:latin typeface="+mn-lt"/>
+                <a:ea typeface="+mn-ea"/>
+                <a:cs typeface="+mn-cs"/>
+              </a:defRPr>
+            </a:lvl6pPr>
+            <a:lvl7pPr marL="2743128" algn="l" defTabSz="914376" rtl="0" eaLnBrk="1" latinLnBrk="0" hangingPunct="1">
+              <a:defRPr sz="1800" kern="1200">
+                <a:solidFill>
+                  <a:schemeClr val="tx1"/>
+                </a:solidFill>
+                <a:latin typeface="+mn-lt"/>
+                <a:ea typeface="+mn-ea"/>
+                <a:cs typeface="+mn-cs"/>
+              </a:defRPr>
+            </a:lvl7pPr>
+            <a:lvl8pPr marL="3200316" algn="l" defTabSz="914376" rtl="0" eaLnBrk="1" latinLnBrk="0" hangingPunct="1">
+              <a:defRPr sz="1800" kern="1200">
+                <a:solidFill>
+                  <a:schemeClr val="tx1"/>
+                </a:solidFill>
+                <a:latin typeface="+mn-lt"/>
+                <a:ea typeface="+mn-ea"/>
+                <a:cs typeface="+mn-cs"/>
+              </a:defRPr>
+            </a:lvl8pPr>
+            <a:lvl9pPr marL="3657504" algn="l" defTabSz="914376" rtl="0" eaLnBrk="1" latinLnBrk="0" hangingPunct="1">
+              <a:defRPr sz="1800" kern="1200">
+                <a:solidFill>
+                  <a:schemeClr val="tx1"/>
+                </a:solidFill>
+                <a:latin typeface="+mn-lt"/>
+                <a:ea typeface="+mn-ea"/>
+                <a:cs typeface="+mn-cs"/>
+              </a:defRPr>
+            </a:lvl9pPr>
+          </a:lstStyle>
+          <a:p>
+            <a:pPr algn="ctr"/>
+            <a:r>
+              <a:rPr lang="fr-FR" sz="1200" dirty="0" smtClean="0"/>
+              <a:t>Nouvelle Offre</a:t>
+            </a:r>
+            <a:endParaRPr lang="fr-FR" sz="1200" dirty="0" smtClean="0"/>
+          </a:p>
+        </p:txBody>
+      </p:sp>
+      <p:cxnSp>
+        <p:nvCxnSpPr>
+          <p:cNvPr id="15" name="Connecteur droit avec flèche 34"/>
+          <p:cNvCxnSpPr>
+            <a:endCxn id="14" idx="1"/>
+          </p:cNvCxnSpPr>
+          <p:nvPr/>
+        </p:nvCxnSpPr>
+        <p:spPr>
+          <a:xfrm flipV="1">
+            <a:off x="1944486" y="1219642"/>
+            <a:ext cx="3965116" cy="739"/>
+          </a:xfrm>
+          <a:prstGeom prst="straightConnector1">
+            <a:avLst/>
+          </a:prstGeom>
+          <a:ln>
+            <a:headEnd type="none"/>
+            <a:tailEnd type="triangle"/>
+          </a:ln>
+        </p:spPr>
+        <p:style>
+          <a:lnRef idx="1">
+            <a:schemeClr val="accent1"/>
+          </a:lnRef>
+          <a:fillRef idx="0">
+            <a:schemeClr val="accent1"/>
+          </a:fillRef>
+          <a:effectRef idx="0">
+            <a:schemeClr val="accent1"/>
+          </a:effectRef>
+          <a:fontRef idx="minor">
+            <a:schemeClr val="tx1"/>
+          </a:fontRef>
+        </p:style>
+      </p:cxnSp>
+      <p:grpSp>
+        <p:nvGrpSpPr>
+          <p:cNvPr id="16" name="Grouper 49"/>
+          <p:cNvGrpSpPr/>
+          <p:nvPr/>
+        </p:nvGrpSpPr>
+        <p:grpSpPr>
+          <a:xfrm>
+            <a:off x="3783148" y="5346375"/>
+            <a:ext cx="2074728" cy="233384"/>
+            <a:chOff x="3867451" y="5345382"/>
+            <a:chExt cx="2074728" cy="233384"/>
+          </a:xfrm>
+        </p:grpSpPr>
+        <p:sp>
+          <p:nvSpPr>
+            <p:cNvPr id="46" name="Rectangle 45"/>
+            <p:cNvSpPr/>
+            <p:nvPr/>
+          </p:nvSpPr>
+          <p:spPr>
+            <a:xfrm>
+              <a:off x="3867451" y="5401788"/>
+              <a:ext cx="179615" cy="176978"/>
+            </a:xfrm>
+            <a:prstGeom prst="rect">
+              <a:avLst/>
+            </a:prstGeom>
+            <a:ln w="3175" cmpd="sng">
+              <a:solidFill>
+                <a:srgbClr val="FFFFFF"/>
+              </a:solidFill>
+            </a:ln>
+          </p:spPr>
+          <p:style>
+            <a:lnRef idx="2">
+              <a:schemeClr val="accent1">
+                <a:shade val="50000"/>
+              </a:schemeClr>
+            </a:lnRef>
+            <a:fillRef idx="1">
+              <a:schemeClr val="accent1"/>
+            </a:fillRef>
+            <a:effectRef idx="0">
+              <a:schemeClr val="accent1"/>
+            </a:effectRef>
+            <a:fontRef idx="minor">
+              <a:schemeClr val="lt1"/>
+            </a:fontRef>
+          </p:style>
+          <p:txBody>
+            <a:bodyPr rtlCol="0" anchor="t"/>
+            <a:lstStyle>
+              <a:defPPr>
+                <a:defRPr lang="fr-FR"/>
+              </a:defPPr>
+              <a:lvl1pPr marL="0" algn="l" defTabSz="914376" rtl="0" eaLnBrk="1" latinLnBrk="0" hangingPunct="1">
+                <a:defRPr sz="1800" kern="1200">
+                  <a:solidFill>
+                    <a:schemeClr val="lt1"/>
+                  </a:solidFill>
+                  <a:latin typeface="+mn-lt"/>
+                  <a:ea typeface="+mn-ea"/>
+                  <a:cs typeface="+mn-cs"/>
+                </a:defRPr>
+              </a:lvl1pPr>
+              <a:lvl2pPr marL="457188" algn="l" defTabSz="914376" rtl="0" eaLnBrk="1" latinLnBrk="0" hangingPunct="1">
+                <a:defRPr sz="1800" kern="1200">
+                  <a:solidFill>
+                    <a:schemeClr val="lt1"/>
+                  </a:solidFill>
+                  <a:latin typeface="+mn-lt"/>
+                  <a:ea typeface="+mn-ea"/>
+                  <a:cs typeface="+mn-cs"/>
+                </a:defRPr>
+              </a:lvl2pPr>
+              <a:lvl3pPr marL="914376" algn="l" defTabSz="914376" rtl="0" eaLnBrk="1" latinLnBrk="0" hangingPunct="1">
+                <a:defRPr sz="1800" kern="1200">
+                  <a:solidFill>
+                    <a:schemeClr val="lt1"/>
+                  </a:solidFill>
+                  <a:latin typeface="+mn-lt"/>
+                  <a:ea typeface="+mn-ea"/>
+                  <a:cs typeface="+mn-cs"/>
+                </a:defRPr>
+              </a:lvl3pPr>
+              <a:lvl4pPr marL="1371564" algn="l" defTabSz="914376" rtl="0" eaLnBrk="1" latinLnBrk="0" hangingPunct="1">
+                <a:defRPr sz="1800" kern="1200">
+                  <a:solidFill>
+                    <a:schemeClr val="lt1"/>
+                  </a:solidFill>
+                  <a:latin typeface="+mn-lt"/>
+                  <a:ea typeface="+mn-ea"/>
+                  <a:cs typeface="+mn-cs"/>
+                </a:defRPr>
+              </a:lvl4pPr>
+              <a:lvl5pPr marL="1828752" algn="l" defTabSz="914376" rtl="0" eaLnBrk="1" latinLnBrk="0" hangingPunct="1">
+                <a:defRPr sz="1800" kern="1200">
+                  <a:solidFill>
+                    <a:schemeClr val="lt1"/>
+                  </a:solidFill>
+                  <a:latin typeface="+mn-lt"/>
+                  <a:ea typeface="+mn-ea"/>
+                  <a:cs typeface="+mn-cs"/>
+                </a:defRPr>
+              </a:lvl5pPr>
+              <a:lvl6pPr marL="2285940" algn="l" defTabSz="914376" rtl="0" eaLnBrk="1" latinLnBrk="0" hangingPunct="1">
+                <a:defRPr sz="1800" kern="1200">
+                  <a:solidFill>
+                    <a:schemeClr val="lt1"/>
+                  </a:solidFill>
+                  <a:latin typeface="+mn-lt"/>
+                  <a:ea typeface="+mn-ea"/>
+                  <a:cs typeface="+mn-cs"/>
+                </a:defRPr>
+              </a:lvl6pPr>
+              <a:lvl7pPr marL="2743128" algn="l" defTabSz="914376" rtl="0" eaLnBrk="1" latinLnBrk="0" hangingPunct="1">
+                <a:defRPr sz="1800" kern="1200">
+                  <a:solidFill>
+                    <a:schemeClr val="lt1"/>
+                  </a:solidFill>
+                  <a:latin typeface="+mn-lt"/>
+                  <a:ea typeface="+mn-ea"/>
+                  <a:cs typeface="+mn-cs"/>
+                </a:defRPr>
+              </a:lvl7pPr>
+              <a:lvl8pPr marL="3200316" algn="l" defTabSz="914376" rtl="0" eaLnBrk="1" latinLnBrk="0" hangingPunct="1">
+                <a:defRPr sz="1800" kern="1200">
+                  <a:solidFill>
+                    <a:schemeClr val="lt1"/>
+                  </a:solidFill>
+                  <a:latin typeface="+mn-lt"/>
+                  <a:ea typeface="+mn-ea"/>
+                  <a:cs typeface="+mn-cs"/>
+                </a:defRPr>
+              </a:lvl8pPr>
+              <a:lvl9pPr marL="3657504" algn="l" defTabSz="914376" rtl="0" eaLnBrk="1" latinLnBrk="0" hangingPunct="1">
+                <a:defRPr sz="1800" kern="1200">
+                  <a:solidFill>
+                    <a:schemeClr val="lt1"/>
+                  </a:solidFill>
+                  <a:latin typeface="+mn-lt"/>
+                  <a:ea typeface="+mn-ea"/>
+                  <a:cs typeface="+mn-cs"/>
+                </a:defRPr>
+              </a:lvl9pPr>
+            </a:lstStyle>
+            <a:p>
+              <a:pPr algn="ctr"/>
+              <a:endParaRPr lang="fr-FR" sz="1100" dirty="0">
                 <a:solidFill>
                   <a:schemeClr val="bg1"/>
                 </a:solidFill>
-                <a:latin typeface="+mj-lt"/>
-                <a:ea typeface="+mj-ea"/>
-                <a:cs typeface="Segoe UI" pitchFamily="34" charset="0"/>
+              </a:endParaRPr>
+            </a:p>
+          </p:txBody>
+        </p:sp>
+        <p:sp>
+          <p:nvSpPr>
+            <p:cNvPr id="47" name="Rectangle 46"/>
+            <p:cNvSpPr/>
+            <p:nvPr/>
+          </p:nvSpPr>
+          <p:spPr>
+            <a:xfrm>
+              <a:off x="4024552" y="5345382"/>
+              <a:ext cx="702887" cy="228695"/>
+            </a:xfrm>
+            <a:prstGeom prst="rect">
+              <a:avLst/>
+            </a:prstGeom>
+          </p:spPr>
+          <p:txBody>
+            <a:bodyPr wrap="none" tIns="0" bIns="0">
+              <a:spAutoFit/>
+            </a:bodyPr>
+            <a:lstStyle>
+              <a:defPPr>
+                <a:defRPr lang="fr-FR"/>
+              </a:defPPr>
+              <a:lvl1pPr marL="0" algn="l" defTabSz="914376" rtl="0" eaLnBrk="1" latinLnBrk="0" hangingPunct="1">
+                <a:defRPr sz="1800" kern="1200">
+                  <a:solidFill>
+                    <a:schemeClr val="tx1"/>
+                  </a:solidFill>
+                  <a:latin typeface="+mn-lt"/>
+                  <a:ea typeface="+mn-ea"/>
+                  <a:cs typeface="+mn-cs"/>
+                </a:defRPr>
+              </a:lvl1pPr>
+              <a:lvl2pPr marL="457188" algn="l" defTabSz="914376" rtl="0" eaLnBrk="1" latinLnBrk="0" hangingPunct="1">
+                <a:defRPr sz="1800" kern="1200">
+                  <a:solidFill>
+                    <a:schemeClr val="tx1"/>
+                  </a:solidFill>
+                  <a:latin typeface="+mn-lt"/>
+                  <a:ea typeface="+mn-ea"/>
+                  <a:cs typeface="+mn-cs"/>
+                </a:defRPr>
+              </a:lvl2pPr>
+              <a:lvl3pPr marL="914376" algn="l" defTabSz="914376" rtl="0" eaLnBrk="1" latinLnBrk="0" hangingPunct="1">
+                <a:defRPr sz="1800" kern="1200">
+                  <a:solidFill>
+                    <a:schemeClr val="tx1"/>
+                  </a:solidFill>
+                  <a:latin typeface="+mn-lt"/>
+                  <a:ea typeface="+mn-ea"/>
+                  <a:cs typeface="+mn-cs"/>
+                </a:defRPr>
+              </a:lvl3pPr>
+              <a:lvl4pPr marL="1371564" algn="l" defTabSz="914376" rtl="0" eaLnBrk="1" latinLnBrk="0" hangingPunct="1">
+                <a:defRPr sz="1800" kern="1200">
+                  <a:solidFill>
+                    <a:schemeClr val="tx1"/>
+                  </a:solidFill>
+                  <a:latin typeface="+mn-lt"/>
+                  <a:ea typeface="+mn-ea"/>
+                  <a:cs typeface="+mn-cs"/>
+                </a:defRPr>
+              </a:lvl4pPr>
+              <a:lvl5pPr marL="1828752" algn="l" defTabSz="914376" rtl="0" eaLnBrk="1" latinLnBrk="0" hangingPunct="1">
+                <a:defRPr sz="1800" kern="1200">
+                  <a:solidFill>
+                    <a:schemeClr val="tx1"/>
+                  </a:solidFill>
+                  <a:latin typeface="+mn-lt"/>
+                  <a:ea typeface="+mn-ea"/>
+                  <a:cs typeface="+mn-cs"/>
+                </a:defRPr>
+              </a:lvl5pPr>
+              <a:lvl6pPr marL="2285940" algn="l" defTabSz="914376" rtl="0" eaLnBrk="1" latinLnBrk="0" hangingPunct="1">
+                <a:defRPr sz="1800" kern="1200">
+                  <a:solidFill>
+                    <a:schemeClr val="tx1"/>
+                  </a:solidFill>
+                  <a:latin typeface="+mn-lt"/>
+                  <a:ea typeface="+mn-ea"/>
+                  <a:cs typeface="+mn-cs"/>
+                </a:defRPr>
+              </a:lvl6pPr>
+              <a:lvl7pPr marL="2743128" algn="l" defTabSz="914376" rtl="0" eaLnBrk="1" latinLnBrk="0" hangingPunct="1">
+                <a:defRPr sz="1800" kern="1200">
+                  <a:solidFill>
+                    <a:schemeClr val="tx1"/>
+                  </a:solidFill>
+                  <a:latin typeface="+mn-lt"/>
+                  <a:ea typeface="+mn-ea"/>
+                  <a:cs typeface="+mn-cs"/>
+                </a:defRPr>
+              </a:lvl7pPr>
+              <a:lvl8pPr marL="3200316" algn="l" defTabSz="914376" rtl="0" eaLnBrk="1" latinLnBrk="0" hangingPunct="1">
+                <a:defRPr sz="1800" kern="1200">
+                  <a:solidFill>
+                    <a:schemeClr val="tx1"/>
+                  </a:solidFill>
+                  <a:latin typeface="+mn-lt"/>
+                  <a:ea typeface="+mn-ea"/>
+                  <a:cs typeface="+mn-cs"/>
+                </a:defRPr>
+              </a:lvl8pPr>
+              <a:lvl9pPr marL="3657504" algn="l" defTabSz="914376" rtl="0" eaLnBrk="1" latinLnBrk="0" hangingPunct="1">
+                <a:defRPr sz="1800" kern="1200">
+                  <a:solidFill>
+                    <a:schemeClr val="tx1"/>
+                  </a:solidFill>
+                  <a:latin typeface="+mn-lt"/>
+                  <a:ea typeface="+mn-ea"/>
+                  <a:cs typeface="+mn-cs"/>
+                </a:defRPr>
+              </a:lvl9pPr>
+            </a:lstStyle>
+            <a:p>
+              <a:pPr>
+                <a:lnSpc>
+                  <a:spcPts val="1900"/>
+                </a:lnSpc>
+              </a:pPr>
+              <a:r>
+                <a:rPr lang="fr-FR" sz="1000" dirty="0" smtClean="0"/>
+                <a:t>Existant</a:t>
+              </a:r>
+            </a:p>
+          </p:txBody>
+        </p:sp>
+        <p:sp>
+          <p:nvSpPr>
+            <p:cNvPr id="48" name="Rectangle 47"/>
+            <p:cNvSpPr/>
+            <p:nvPr/>
+          </p:nvSpPr>
+          <p:spPr>
+            <a:xfrm>
+              <a:off x="4991208" y="5401788"/>
+              <a:ext cx="179615" cy="176978"/>
+            </a:xfrm>
+            <a:prstGeom prst="rect">
+              <a:avLst/>
+            </a:prstGeom>
+            <a:solidFill>
+              <a:schemeClr val="accent6"/>
+            </a:solidFill>
+            <a:ln w="3175" cmpd="sng">
+              <a:solidFill>
+                <a:srgbClr val="FFFFFF"/>
+              </a:solidFill>
+            </a:ln>
+          </p:spPr>
+          <p:style>
+            <a:lnRef idx="2">
+              <a:schemeClr val="accent1">
+                <a:shade val="50000"/>
+              </a:schemeClr>
+            </a:lnRef>
+            <a:fillRef idx="1">
+              <a:schemeClr val="accent1"/>
+            </a:fillRef>
+            <a:effectRef idx="0">
+              <a:schemeClr val="accent1"/>
+            </a:effectRef>
+            <a:fontRef idx="minor">
+              <a:schemeClr val="lt1"/>
+            </a:fontRef>
+          </p:style>
+          <p:txBody>
+            <a:bodyPr rtlCol="0" anchor="t"/>
+            <a:lstStyle>
+              <a:defPPr>
+                <a:defRPr lang="fr-FR"/>
+              </a:defPPr>
+              <a:lvl1pPr marL="0" algn="l" defTabSz="914376" rtl="0" eaLnBrk="1" latinLnBrk="0" hangingPunct="1">
+                <a:defRPr sz="1800" kern="1200">
+                  <a:solidFill>
+                    <a:schemeClr val="lt1"/>
+                  </a:solidFill>
+                  <a:latin typeface="+mn-lt"/>
+                  <a:ea typeface="+mn-ea"/>
+                  <a:cs typeface="+mn-cs"/>
+                </a:defRPr>
+              </a:lvl1pPr>
+              <a:lvl2pPr marL="457188" algn="l" defTabSz="914376" rtl="0" eaLnBrk="1" latinLnBrk="0" hangingPunct="1">
+                <a:defRPr sz="1800" kern="1200">
+                  <a:solidFill>
+                    <a:schemeClr val="lt1"/>
+                  </a:solidFill>
+                  <a:latin typeface="+mn-lt"/>
+                  <a:ea typeface="+mn-ea"/>
+                  <a:cs typeface="+mn-cs"/>
+                </a:defRPr>
+              </a:lvl2pPr>
+              <a:lvl3pPr marL="914376" algn="l" defTabSz="914376" rtl="0" eaLnBrk="1" latinLnBrk="0" hangingPunct="1">
+                <a:defRPr sz="1800" kern="1200">
+                  <a:solidFill>
+                    <a:schemeClr val="lt1"/>
+                  </a:solidFill>
+                  <a:latin typeface="+mn-lt"/>
+                  <a:ea typeface="+mn-ea"/>
+                  <a:cs typeface="+mn-cs"/>
+                </a:defRPr>
+              </a:lvl3pPr>
+              <a:lvl4pPr marL="1371564" algn="l" defTabSz="914376" rtl="0" eaLnBrk="1" latinLnBrk="0" hangingPunct="1">
+                <a:defRPr sz="1800" kern="1200">
+                  <a:solidFill>
+                    <a:schemeClr val="lt1"/>
+                  </a:solidFill>
+                  <a:latin typeface="+mn-lt"/>
+                  <a:ea typeface="+mn-ea"/>
+                  <a:cs typeface="+mn-cs"/>
+                </a:defRPr>
+              </a:lvl4pPr>
+              <a:lvl5pPr marL="1828752" algn="l" defTabSz="914376" rtl="0" eaLnBrk="1" latinLnBrk="0" hangingPunct="1">
+                <a:defRPr sz="1800" kern="1200">
+                  <a:solidFill>
+                    <a:schemeClr val="lt1"/>
+                  </a:solidFill>
+                  <a:latin typeface="+mn-lt"/>
+                  <a:ea typeface="+mn-ea"/>
+                  <a:cs typeface="+mn-cs"/>
+                </a:defRPr>
+              </a:lvl5pPr>
+              <a:lvl6pPr marL="2285940" algn="l" defTabSz="914376" rtl="0" eaLnBrk="1" latinLnBrk="0" hangingPunct="1">
+                <a:defRPr sz="1800" kern="1200">
+                  <a:solidFill>
+                    <a:schemeClr val="lt1"/>
+                  </a:solidFill>
+                  <a:latin typeface="+mn-lt"/>
+                  <a:ea typeface="+mn-ea"/>
+                  <a:cs typeface="+mn-cs"/>
+                </a:defRPr>
+              </a:lvl6pPr>
+              <a:lvl7pPr marL="2743128" algn="l" defTabSz="914376" rtl="0" eaLnBrk="1" latinLnBrk="0" hangingPunct="1">
+                <a:defRPr sz="1800" kern="1200">
+                  <a:solidFill>
+                    <a:schemeClr val="lt1"/>
+                  </a:solidFill>
+                  <a:latin typeface="+mn-lt"/>
+                  <a:ea typeface="+mn-ea"/>
+                  <a:cs typeface="+mn-cs"/>
+                </a:defRPr>
+              </a:lvl7pPr>
+              <a:lvl8pPr marL="3200316" algn="l" defTabSz="914376" rtl="0" eaLnBrk="1" latinLnBrk="0" hangingPunct="1">
+                <a:defRPr sz="1800" kern="1200">
+                  <a:solidFill>
+                    <a:schemeClr val="lt1"/>
+                  </a:solidFill>
+                  <a:latin typeface="+mn-lt"/>
+                  <a:ea typeface="+mn-ea"/>
+                  <a:cs typeface="+mn-cs"/>
+                </a:defRPr>
+              </a:lvl8pPr>
+              <a:lvl9pPr marL="3657504" algn="l" defTabSz="914376" rtl="0" eaLnBrk="1" latinLnBrk="0" hangingPunct="1">
+                <a:defRPr sz="1800" kern="1200">
+                  <a:solidFill>
+                    <a:schemeClr val="lt1"/>
+                  </a:solidFill>
+                  <a:latin typeface="+mn-lt"/>
+                  <a:ea typeface="+mn-ea"/>
+                  <a:cs typeface="+mn-cs"/>
+                </a:defRPr>
+              </a:lvl9pPr>
+            </a:lstStyle>
+            <a:p>
+              <a:pPr algn="ctr"/>
+              <a:endParaRPr lang="fr-FR" sz="1100" dirty="0">
+                <a:solidFill>
+                  <a:schemeClr val="bg1"/>
+                </a:solidFill>
+              </a:endParaRPr>
+            </a:p>
+          </p:txBody>
+        </p:sp>
+        <p:sp>
+          <p:nvSpPr>
+            <p:cNvPr id="49" name="Rectangle 48"/>
+            <p:cNvSpPr/>
+            <p:nvPr/>
+          </p:nvSpPr>
+          <p:spPr>
+            <a:xfrm>
+              <a:off x="5148309" y="5345382"/>
+              <a:ext cx="793870" cy="228695"/>
+            </a:xfrm>
+            <a:prstGeom prst="rect">
+              <a:avLst/>
+            </a:prstGeom>
+          </p:spPr>
+          <p:txBody>
+            <a:bodyPr wrap="none" tIns="0" bIns="0">
+              <a:spAutoFit/>
+            </a:bodyPr>
+            <a:lstStyle>
+              <a:defPPr>
+                <a:defRPr lang="fr-FR"/>
+              </a:defPPr>
+              <a:lvl1pPr marL="0" algn="l" defTabSz="914376" rtl="0" eaLnBrk="1" latinLnBrk="0" hangingPunct="1">
+                <a:defRPr sz="1800" kern="1200">
+                  <a:solidFill>
+                    <a:schemeClr val="tx1"/>
+                  </a:solidFill>
+                  <a:latin typeface="+mn-lt"/>
+                  <a:ea typeface="+mn-ea"/>
+                  <a:cs typeface="+mn-cs"/>
+                </a:defRPr>
+              </a:lvl1pPr>
+              <a:lvl2pPr marL="457188" algn="l" defTabSz="914376" rtl="0" eaLnBrk="1" latinLnBrk="0" hangingPunct="1">
+                <a:defRPr sz="1800" kern="1200">
+                  <a:solidFill>
+                    <a:schemeClr val="tx1"/>
+                  </a:solidFill>
+                  <a:latin typeface="+mn-lt"/>
+                  <a:ea typeface="+mn-ea"/>
+                  <a:cs typeface="+mn-cs"/>
+                </a:defRPr>
+              </a:lvl2pPr>
+              <a:lvl3pPr marL="914376" algn="l" defTabSz="914376" rtl="0" eaLnBrk="1" latinLnBrk="0" hangingPunct="1">
+                <a:defRPr sz="1800" kern="1200">
+                  <a:solidFill>
+                    <a:schemeClr val="tx1"/>
+                  </a:solidFill>
+                  <a:latin typeface="+mn-lt"/>
+                  <a:ea typeface="+mn-ea"/>
+                  <a:cs typeface="+mn-cs"/>
+                </a:defRPr>
+              </a:lvl3pPr>
+              <a:lvl4pPr marL="1371564" algn="l" defTabSz="914376" rtl="0" eaLnBrk="1" latinLnBrk="0" hangingPunct="1">
+                <a:defRPr sz="1800" kern="1200">
+                  <a:solidFill>
+                    <a:schemeClr val="tx1"/>
+                  </a:solidFill>
+                  <a:latin typeface="+mn-lt"/>
+                  <a:ea typeface="+mn-ea"/>
+                  <a:cs typeface="+mn-cs"/>
+                </a:defRPr>
+              </a:lvl4pPr>
+              <a:lvl5pPr marL="1828752" algn="l" defTabSz="914376" rtl="0" eaLnBrk="1" latinLnBrk="0" hangingPunct="1">
+                <a:defRPr sz="1800" kern="1200">
+                  <a:solidFill>
+                    <a:schemeClr val="tx1"/>
+                  </a:solidFill>
+                  <a:latin typeface="+mn-lt"/>
+                  <a:ea typeface="+mn-ea"/>
+                  <a:cs typeface="+mn-cs"/>
+                </a:defRPr>
+              </a:lvl5pPr>
+              <a:lvl6pPr marL="2285940" algn="l" defTabSz="914376" rtl="0" eaLnBrk="1" latinLnBrk="0" hangingPunct="1">
+                <a:defRPr sz="1800" kern="1200">
+                  <a:solidFill>
+                    <a:schemeClr val="tx1"/>
+                  </a:solidFill>
+                  <a:latin typeface="+mn-lt"/>
+                  <a:ea typeface="+mn-ea"/>
+                  <a:cs typeface="+mn-cs"/>
+                </a:defRPr>
+              </a:lvl6pPr>
+              <a:lvl7pPr marL="2743128" algn="l" defTabSz="914376" rtl="0" eaLnBrk="1" latinLnBrk="0" hangingPunct="1">
+                <a:defRPr sz="1800" kern="1200">
+                  <a:solidFill>
+                    <a:schemeClr val="tx1"/>
+                  </a:solidFill>
+                  <a:latin typeface="+mn-lt"/>
+                  <a:ea typeface="+mn-ea"/>
+                  <a:cs typeface="+mn-cs"/>
+                </a:defRPr>
+              </a:lvl7pPr>
+              <a:lvl8pPr marL="3200316" algn="l" defTabSz="914376" rtl="0" eaLnBrk="1" latinLnBrk="0" hangingPunct="1">
+                <a:defRPr sz="1800" kern="1200">
+                  <a:solidFill>
+                    <a:schemeClr val="tx1"/>
+                  </a:solidFill>
+                  <a:latin typeface="+mn-lt"/>
+                  <a:ea typeface="+mn-ea"/>
+                  <a:cs typeface="+mn-cs"/>
+                </a:defRPr>
+              </a:lvl8pPr>
+              <a:lvl9pPr marL="3657504" algn="l" defTabSz="914376" rtl="0" eaLnBrk="1" latinLnBrk="0" hangingPunct="1">
+                <a:defRPr sz="1800" kern="1200">
+                  <a:solidFill>
+                    <a:schemeClr val="tx1"/>
+                  </a:solidFill>
+                  <a:latin typeface="+mn-lt"/>
+                  <a:ea typeface="+mn-ea"/>
+                  <a:cs typeface="+mn-cs"/>
+                </a:defRPr>
+              </a:lvl9pPr>
+            </a:lstStyle>
+            <a:p>
+              <a:pPr>
+                <a:lnSpc>
+                  <a:spcPts val="1900"/>
+                </a:lnSpc>
+              </a:pPr>
+              <a:r>
+                <a:rPr lang="fr-FR" sz="1000" dirty="0" smtClean="0"/>
+                <a:t>A réaliser</a:t>
+              </a:r>
+            </a:p>
+          </p:txBody>
+        </p:sp>
+      </p:grpSp>
+      <p:sp>
+        <p:nvSpPr>
+          <p:cNvPr id="17" name="ZoneTexte 4"/>
+          <p:cNvSpPr txBox="1"/>
+          <p:nvPr/>
+        </p:nvSpPr>
+        <p:spPr>
+          <a:xfrm>
+            <a:off x="1339201" y="1081882"/>
+            <a:ext cx="529312" cy="276999"/>
+          </a:xfrm>
+          <a:prstGeom prst="rect">
+            <a:avLst/>
+          </a:prstGeom>
+          <a:noFill/>
+        </p:spPr>
+        <p:txBody>
+          <a:bodyPr wrap="none" rtlCol="0">
+            <a:spAutoFit/>
+          </a:bodyPr>
+          <a:lstStyle>
+            <a:defPPr>
+              <a:defRPr lang="fr-FR"/>
+            </a:defPPr>
+            <a:lvl1pPr marL="0" algn="l" defTabSz="914376" rtl="0" eaLnBrk="1" latinLnBrk="0" hangingPunct="1">
+              <a:defRPr sz="1800" kern="1200">
+                <a:solidFill>
+                  <a:schemeClr val="tx1"/>
+                </a:solidFill>
+                <a:latin typeface="+mn-lt"/>
+                <a:ea typeface="+mn-ea"/>
+                <a:cs typeface="+mn-cs"/>
+              </a:defRPr>
+            </a:lvl1pPr>
+            <a:lvl2pPr marL="457188" algn="l" defTabSz="914376" rtl="0" eaLnBrk="1" latinLnBrk="0" hangingPunct="1">
+              <a:defRPr sz="1800" kern="1200">
+                <a:solidFill>
+                  <a:schemeClr val="tx1"/>
+                </a:solidFill>
+                <a:latin typeface="+mn-lt"/>
+                <a:ea typeface="+mn-ea"/>
+                <a:cs typeface="+mn-cs"/>
+              </a:defRPr>
+            </a:lvl2pPr>
+            <a:lvl3pPr marL="914376" algn="l" defTabSz="914376" rtl="0" eaLnBrk="1" latinLnBrk="0" hangingPunct="1">
+              <a:defRPr sz="1800" kern="1200">
+                <a:solidFill>
+                  <a:schemeClr val="tx1"/>
+                </a:solidFill>
+                <a:latin typeface="+mn-lt"/>
+                <a:ea typeface="+mn-ea"/>
+                <a:cs typeface="+mn-cs"/>
+              </a:defRPr>
+            </a:lvl3pPr>
+            <a:lvl4pPr marL="1371564" algn="l" defTabSz="914376" rtl="0" eaLnBrk="1" latinLnBrk="0" hangingPunct="1">
+              <a:defRPr sz="1800" kern="1200">
+                <a:solidFill>
+                  <a:schemeClr val="tx1"/>
+                </a:solidFill>
+                <a:latin typeface="+mn-lt"/>
+                <a:ea typeface="+mn-ea"/>
+                <a:cs typeface="+mn-cs"/>
+              </a:defRPr>
+            </a:lvl4pPr>
+            <a:lvl5pPr marL="1828752" algn="l" defTabSz="914376" rtl="0" eaLnBrk="1" latinLnBrk="0" hangingPunct="1">
+              <a:defRPr sz="1800" kern="1200">
+                <a:solidFill>
+                  <a:schemeClr val="tx1"/>
+                </a:solidFill>
+                <a:latin typeface="+mn-lt"/>
+                <a:ea typeface="+mn-ea"/>
+                <a:cs typeface="+mn-cs"/>
+              </a:defRPr>
+            </a:lvl5pPr>
+            <a:lvl6pPr marL="2285940" algn="l" defTabSz="914376" rtl="0" eaLnBrk="1" latinLnBrk="0" hangingPunct="1">
+              <a:defRPr sz="1800" kern="1200">
+                <a:solidFill>
+                  <a:schemeClr val="tx1"/>
+                </a:solidFill>
+                <a:latin typeface="+mn-lt"/>
+                <a:ea typeface="+mn-ea"/>
+                <a:cs typeface="+mn-cs"/>
+              </a:defRPr>
+            </a:lvl6pPr>
+            <a:lvl7pPr marL="2743128" algn="l" defTabSz="914376" rtl="0" eaLnBrk="1" latinLnBrk="0" hangingPunct="1">
+              <a:defRPr sz="1800" kern="1200">
+                <a:solidFill>
+                  <a:schemeClr val="tx1"/>
+                </a:solidFill>
+                <a:latin typeface="+mn-lt"/>
+                <a:ea typeface="+mn-ea"/>
+                <a:cs typeface="+mn-cs"/>
+              </a:defRPr>
+            </a:lvl7pPr>
+            <a:lvl8pPr marL="3200316" algn="l" defTabSz="914376" rtl="0" eaLnBrk="1" latinLnBrk="0" hangingPunct="1">
+              <a:defRPr sz="1800" kern="1200">
+                <a:solidFill>
+                  <a:schemeClr val="tx1"/>
+                </a:solidFill>
+                <a:latin typeface="+mn-lt"/>
+                <a:ea typeface="+mn-ea"/>
+                <a:cs typeface="+mn-cs"/>
+              </a:defRPr>
+            </a:lvl8pPr>
+            <a:lvl9pPr marL="3657504" algn="l" defTabSz="914376" rtl="0" eaLnBrk="1" latinLnBrk="0" hangingPunct="1">
+              <a:defRPr sz="1800" kern="1200">
+                <a:solidFill>
+                  <a:schemeClr val="tx1"/>
+                </a:solidFill>
+                <a:latin typeface="+mn-lt"/>
+                <a:ea typeface="+mn-ea"/>
+                <a:cs typeface="+mn-cs"/>
+              </a:defRPr>
+            </a:lvl9pPr>
+          </a:lstStyle>
+          <a:p>
+            <a:r>
+              <a:rPr lang="fr-FR" sz="1200" dirty="0" smtClean="0"/>
+              <a:t>CRM</a:t>
+            </a:r>
+            <a:endParaRPr lang="fr-FR" sz="1200" dirty="0"/>
+          </a:p>
+        </p:txBody>
+      </p:sp>
+      <p:sp>
+        <p:nvSpPr>
+          <p:cNvPr id="18" name="Cube 17"/>
+          <p:cNvSpPr/>
+          <p:nvPr/>
+        </p:nvSpPr>
+        <p:spPr>
+          <a:xfrm>
+            <a:off x="503287" y="4380304"/>
+            <a:ext cx="1630314" cy="540355"/>
+          </a:xfrm>
+          <a:prstGeom prst="cube">
+            <a:avLst/>
+          </a:prstGeom>
+          <a:solidFill>
+            <a:schemeClr val="bg1">
+              <a:alpha val="30000"/>
+            </a:schemeClr>
+          </a:solidFill>
+          <a:ln w="3175" cmpd="sng">
+            <a:solidFill>
+              <a:schemeClr val="accent1">
+                <a:lumMod val="75000"/>
+              </a:schemeClr>
+            </a:solidFill>
+            <a:prstDash val="dash"/>
+          </a:ln>
+        </p:spPr>
+        <p:style>
+          <a:lnRef idx="2">
+            <a:schemeClr val="accent1">
+              <a:shade val="50000"/>
+            </a:schemeClr>
+          </a:lnRef>
+          <a:fillRef idx="1">
+            <a:schemeClr val="accent1"/>
+          </a:fillRef>
+          <a:effectRef idx="0">
+            <a:schemeClr val="accent1"/>
+          </a:effectRef>
+          <a:fontRef idx="minor">
+            <a:schemeClr val="lt1"/>
+          </a:fontRef>
+        </p:style>
+        <p:txBody>
+          <a:bodyPr rtlCol="0" anchor="t"/>
+          <a:lstStyle>
+            <a:defPPr>
+              <a:defRPr lang="fr-FR"/>
+            </a:defPPr>
+            <a:lvl1pPr marL="0" algn="l" defTabSz="914376" rtl="0" eaLnBrk="1" latinLnBrk="0" hangingPunct="1">
+              <a:defRPr sz="1800" kern="1200">
+                <a:solidFill>
+                  <a:schemeClr val="lt1"/>
+                </a:solidFill>
+                <a:latin typeface="+mn-lt"/>
+                <a:ea typeface="+mn-ea"/>
+                <a:cs typeface="+mn-cs"/>
+              </a:defRPr>
+            </a:lvl1pPr>
+            <a:lvl2pPr marL="457188" algn="l" defTabSz="914376" rtl="0" eaLnBrk="1" latinLnBrk="0" hangingPunct="1">
+              <a:defRPr sz="1800" kern="1200">
+                <a:solidFill>
+                  <a:schemeClr val="lt1"/>
+                </a:solidFill>
+                <a:latin typeface="+mn-lt"/>
+                <a:ea typeface="+mn-ea"/>
+                <a:cs typeface="+mn-cs"/>
+              </a:defRPr>
+            </a:lvl2pPr>
+            <a:lvl3pPr marL="914376" algn="l" defTabSz="914376" rtl="0" eaLnBrk="1" latinLnBrk="0" hangingPunct="1">
+              <a:defRPr sz="1800" kern="1200">
+                <a:solidFill>
+                  <a:schemeClr val="lt1"/>
+                </a:solidFill>
+                <a:latin typeface="+mn-lt"/>
+                <a:ea typeface="+mn-ea"/>
+                <a:cs typeface="+mn-cs"/>
+              </a:defRPr>
+            </a:lvl3pPr>
+            <a:lvl4pPr marL="1371564" algn="l" defTabSz="914376" rtl="0" eaLnBrk="1" latinLnBrk="0" hangingPunct="1">
+              <a:defRPr sz="1800" kern="1200">
+                <a:solidFill>
+                  <a:schemeClr val="lt1"/>
+                </a:solidFill>
+                <a:latin typeface="+mn-lt"/>
+                <a:ea typeface="+mn-ea"/>
+                <a:cs typeface="+mn-cs"/>
+              </a:defRPr>
+            </a:lvl4pPr>
+            <a:lvl5pPr marL="1828752" algn="l" defTabSz="914376" rtl="0" eaLnBrk="1" latinLnBrk="0" hangingPunct="1">
+              <a:defRPr sz="1800" kern="1200">
+                <a:solidFill>
+                  <a:schemeClr val="lt1"/>
+                </a:solidFill>
+                <a:latin typeface="+mn-lt"/>
+                <a:ea typeface="+mn-ea"/>
+                <a:cs typeface="+mn-cs"/>
+              </a:defRPr>
+            </a:lvl5pPr>
+            <a:lvl6pPr marL="2285940" algn="l" defTabSz="914376" rtl="0" eaLnBrk="1" latinLnBrk="0" hangingPunct="1">
+              <a:defRPr sz="1800" kern="1200">
+                <a:solidFill>
+                  <a:schemeClr val="lt1"/>
+                </a:solidFill>
+                <a:latin typeface="+mn-lt"/>
+                <a:ea typeface="+mn-ea"/>
+                <a:cs typeface="+mn-cs"/>
+              </a:defRPr>
+            </a:lvl6pPr>
+            <a:lvl7pPr marL="2743128" algn="l" defTabSz="914376" rtl="0" eaLnBrk="1" latinLnBrk="0" hangingPunct="1">
+              <a:defRPr sz="1800" kern="1200">
+                <a:solidFill>
+                  <a:schemeClr val="lt1"/>
+                </a:solidFill>
+                <a:latin typeface="+mn-lt"/>
+                <a:ea typeface="+mn-ea"/>
+                <a:cs typeface="+mn-cs"/>
+              </a:defRPr>
+            </a:lvl7pPr>
+            <a:lvl8pPr marL="3200316" algn="l" defTabSz="914376" rtl="0" eaLnBrk="1" latinLnBrk="0" hangingPunct="1">
+              <a:defRPr sz="1800" kern="1200">
+                <a:solidFill>
+                  <a:schemeClr val="lt1"/>
+                </a:solidFill>
+                <a:latin typeface="+mn-lt"/>
+                <a:ea typeface="+mn-ea"/>
+                <a:cs typeface="+mn-cs"/>
+              </a:defRPr>
+            </a:lvl8pPr>
+            <a:lvl9pPr marL="3657504" algn="l" defTabSz="914376" rtl="0" eaLnBrk="1" latinLnBrk="0" hangingPunct="1">
+              <a:defRPr sz="1800" kern="1200">
+                <a:solidFill>
+                  <a:schemeClr val="lt1"/>
+                </a:solidFill>
+                <a:latin typeface="+mn-lt"/>
+                <a:ea typeface="+mn-ea"/>
+                <a:cs typeface="+mn-cs"/>
+              </a:defRPr>
+            </a:lvl9pPr>
+          </a:lstStyle>
+          <a:p>
+            <a:pPr algn="ctr">
+              <a:lnSpc>
+                <a:spcPct val="130000"/>
+              </a:lnSpc>
+            </a:pPr>
+            <a:r>
+              <a:rPr lang="fr-FR" sz="1100" dirty="0" smtClean="0">
+                <a:solidFill>
+                  <a:schemeClr val="tx1"/>
+                </a:solidFill>
               </a:rPr>
-              <a:t>Module Social</a:t>
-            </a:r>
-          </a:p>
-          <a:p>
-            <a:pPr marL="457200" lvl="1" indent="-457200">
+              <a:t>?</a:t>
+            </a:r>
+            <a:endParaRPr lang="fr-FR" sz="1100" dirty="0">
+              <a:solidFill>
+                <a:schemeClr val="tx1"/>
+              </a:solidFill>
+            </a:endParaRPr>
+          </a:p>
+        </p:txBody>
+      </p:sp>
+      <p:grpSp>
+        <p:nvGrpSpPr>
+          <p:cNvPr id="19" name="Groupe 15"/>
+          <p:cNvGrpSpPr/>
+          <p:nvPr/>
+        </p:nvGrpSpPr>
+        <p:grpSpPr>
+          <a:xfrm>
+            <a:off x="5320478" y="1325458"/>
+            <a:ext cx="3158138" cy="3838205"/>
+            <a:chOff x="5404781" y="1324465"/>
+            <a:chExt cx="3158138" cy="3838205"/>
+          </a:xfrm>
+        </p:grpSpPr>
+        <p:sp>
+          <p:nvSpPr>
+            <p:cNvPr id="21" name="Rectangle 20"/>
+            <p:cNvSpPr/>
+            <p:nvPr/>
+          </p:nvSpPr>
+          <p:spPr>
+            <a:xfrm>
+              <a:off x="5428231" y="4659088"/>
+              <a:ext cx="2396960" cy="503582"/>
+            </a:xfrm>
+            <a:prstGeom prst="rect">
+              <a:avLst/>
+            </a:prstGeom>
+            <a:solidFill>
+              <a:schemeClr val="accent1"/>
+            </a:solidFill>
+            <a:ln w="3175" cmpd="sng">
+              <a:solidFill>
+                <a:schemeClr val="accent1">
+                  <a:lumMod val="75000"/>
+                </a:schemeClr>
+              </a:solidFill>
+            </a:ln>
+          </p:spPr>
+          <p:style>
+            <a:lnRef idx="2">
+              <a:schemeClr val="accent1">
+                <a:shade val="50000"/>
+              </a:schemeClr>
+            </a:lnRef>
+            <a:fillRef idx="1">
+              <a:schemeClr val="accent1"/>
+            </a:fillRef>
+            <a:effectRef idx="0">
+              <a:schemeClr val="accent1"/>
+            </a:effectRef>
+            <a:fontRef idx="minor">
+              <a:schemeClr val="lt1"/>
+            </a:fontRef>
+          </p:style>
+          <p:txBody>
+            <a:bodyPr rtlCol="0" anchor="t"/>
+            <a:lstStyle>
+              <a:defPPr>
+                <a:defRPr lang="fr-FR"/>
+              </a:defPPr>
+              <a:lvl1pPr marL="0" algn="l" defTabSz="914376" rtl="0" eaLnBrk="1" latinLnBrk="0" hangingPunct="1">
+                <a:defRPr sz="1800" kern="1200">
+                  <a:solidFill>
+                    <a:schemeClr val="lt1"/>
+                  </a:solidFill>
+                  <a:latin typeface="+mn-lt"/>
+                  <a:ea typeface="+mn-ea"/>
+                  <a:cs typeface="+mn-cs"/>
+                </a:defRPr>
+              </a:lvl1pPr>
+              <a:lvl2pPr marL="457188" algn="l" defTabSz="914376" rtl="0" eaLnBrk="1" latinLnBrk="0" hangingPunct="1">
+                <a:defRPr sz="1800" kern="1200">
+                  <a:solidFill>
+                    <a:schemeClr val="lt1"/>
+                  </a:solidFill>
+                  <a:latin typeface="+mn-lt"/>
+                  <a:ea typeface="+mn-ea"/>
+                  <a:cs typeface="+mn-cs"/>
+                </a:defRPr>
+              </a:lvl2pPr>
+              <a:lvl3pPr marL="914376" algn="l" defTabSz="914376" rtl="0" eaLnBrk="1" latinLnBrk="0" hangingPunct="1">
+                <a:defRPr sz="1800" kern="1200">
+                  <a:solidFill>
+                    <a:schemeClr val="lt1"/>
+                  </a:solidFill>
+                  <a:latin typeface="+mn-lt"/>
+                  <a:ea typeface="+mn-ea"/>
+                  <a:cs typeface="+mn-cs"/>
+                </a:defRPr>
+              </a:lvl3pPr>
+              <a:lvl4pPr marL="1371564" algn="l" defTabSz="914376" rtl="0" eaLnBrk="1" latinLnBrk="0" hangingPunct="1">
+                <a:defRPr sz="1800" kern="1200">
+                  <a:solidFill>
+                    <a:schemeClr val="lt1"/>
+                  </a:solidFill>
+                  <a:latin typeface="+mn-lt"/>
+                  <a:ea typeface="+mn-ea"/>
+                  <a:cs typeface="+mn-cs"/>
+                </a:defRPr>
+              </a:lvl4pPr>
+              <a:lvl5pPr marL="1828752" algn="l" defTabSz="914376" rtl="0" eaLnBrk="1" latinLnBrk="0" hangingPunct="1">
+                <a:defRPr sz="1800" kern="1200">
+                  <a:solidFill>
+                    <a:schemeClr val="lt1"/>
+                  </a:solidFill>
+                  <a:latin typeface="+mn-lt"/>
+                  <a:ea typeface="+mn-ea"/>
+                  <a:cs typeface="+mn-cs"/>
+                </a:defRPr>
+              </a:lvl5pPr>
+              <a:lvl6pPr marL="2285940" algn="l" defTabSz="914376" rtl="0" eaLnBrk="1" latinLnBrk="0" hangingPunct="1">
+                <a:defRPr sz="1800" kern="1200">
+                  <a:solidFill>
+                    <a:schemeClr val="lt1"/>
+                  </a:solidFill>
+                  <a:latin typeface="+mn-lt"/>
+                  <a:ea typeface="+mn-ea"/>
+                  <a:cs typeface="+mn-cs"/>
+                </a:defRPr>
+              </a:lvl6pPr>
+              <a:lvl7pPr marL="2743128" algn="l" defTabSz="914376" rtl="0" eaLnBrk="1" latinLnBrk="0" hangingPunct="1">
+                <a:defRPr sz="1800" kern="1200">
+                  <a:solidFill>
+                    <a:schemeClr val="lt1"/>
+                  </a:solidFill>
+                  <a:latin typeface="+mn-lt"/>
+                  <a:ea typeface="+mn-ea"/>
+                  <a:cs typeface="+mn-cs"/>
+                </a:defRPr>
+              </a:lvl7pPr>
+              <a:lvl8pPr marL="3200316" algn="l" defTabSz="914376" rtl="0" eaLnBrk="1" latinLnBrk="0" hangingPunct="1">
+                <a:defRPr sz="1800" kern="1200">
+                  <a:solidFill>
+                    <a:schemeClr val="lt1"/>
+                  </a:solidFill>
+                  <a:latin typeface="+mn-lt"/>
+                  <a:ea typeface="+mn-ea"/>
+                  <a:cs typeface="+mn-cs"/>
+                </a:defRPr>
+              </a:lvl8pPr>
+              <a:lvl9pPr marL="3657504" algn="l" defTabSz="914376" rtl="0" eaLnBrk="1" latinLnBrk="0" hangingPunct="1">
+                <a:defRPr sz="1800" kern="1200">
+                  <a:solidFill>
+                    <a:schemeClr val="lt1"/>
+                  </a:solidFill>
+                  <a:latin typeface="+mn-lt"/>
+                  <a:ea typeface="+mn-ea"/>
+                  <a:cs typeface="+mn-cs"/>
+                </a:defRPr>
+              </a:lvl9pPr>
+            </a:lstStyle>
+            <a:p>
+              <a:pPr algn="ctr">
+                <a:lnSpc>
+                  <a:spcPct val="130000"/>
+                </a:lnSpc>
+              </a:pPr>
+              <a:r>
+                <a:rPr lang="fr-FR" sz="1000" dirty="0" smtClean="0">
+                  <a:solidFill>
+                    <a:schemeClr val="bg1"/>
+                  </a:solidFill>
+                </a:rPr>
+                <a:t>Trade NG &amp; </a:t>
+              </a:r>
+              <a:r>
+                <a:rPr lang="fr-FR" sz="1000" dirty="0" err="1" smtClean="0">
+                  <a:solidFill>
+                    <a:schemeClr val="bg1"/>
+                  </a:solidFill>
+                </a:rPr>
+                <a:t>Merch</a:t>
+              </a:r>
+              <a:r>
+                <a:rPr lang="fr-FR" sz="1000" dirty="0" smtClean="0">
+                  <a:solidFill>
+                    <a:schemeClr val="bg1"/>
+                  </a:solidFill>
+                </a:rPr>
+                <a:t> NG</a:t>
+              </a:r>
+              <a:br>
+                <a:rPr lang="fr-FR" sz="1000" dirty="0" smtClean="0">
+                  <a:solidFill>
+                    <a:schemeClr val="bg1"/>
+                  </a:solidFill>
+                </a:rPr>
+              </a:br>
+              <a:r>
+                <a:rPr lang="fr-FR" sz="900" dirty="0" smtClean="0">
+                  <a:solidFill>
+                    <a:schemeClr val="bg1"/>
+                  </a:solidFill>
+                </a:rPr>
+                <a:t>(Nomadisme)</a:t>
+              </a:r>
+              <a:endParaRPr lang="fr-FR" sz="1050" dirty="0">
+                <a:solidFill>
+                  <a:schemeClr val="bg1"/>
+                </a:solidFill>
+              </a:endParaRPr>
+            </a:p>
+          </p:txBody>
+        </p:sp>
+        <p:sp>
+          <p:nvSpPr>
+            <p:cNvPr id="22" name="Rectangle 21"/>
+            <p:cNvSpPr/>
+            <p:nvPr/>
+          </p:nvSpPr>
+          <p:spPr>
+            <a:xfrm>
+              <a:off x="5423972" y="2673595"/>
+              <a:ext cx="2396960" cy="1842393"/>
+            </a:xfrm>
+            <a:prstGeom prst="rect">
+              <a:avLst/>
+            </a:prstGeom>
+            <a:solidFill>
+              <a:srgbClr val="F37D80"/>
+            </a:solidFill>
+            <a:ln w="3175" cmpd="sng">
+              <a:solidFill>
+                <a:schemeClr val="accent6">
+                  <a:lumMod val="50000"/>
+                </a:schemeClr>
+              </a:solidFill>
+            </a:ln>
+          </p:spPr>
+          <p:style>
+            <a:lnRef idx="2">
+              <a:schemeClr val="accent1">
+                <a:shade val="50000"/>
+              </a:schemeClr>
+            </a:lnRef>
+            <a:fillRef idx="1">
+              <a:schemeClr val="accent1"/>
+            </a:fillRef>
+            <a:effectRef idx="0">
+              <a:schemeClr val="accent1"/>
+            </a:effectRef>
+            <a:fontRef idx="minor">
+              <a:schemeClr val="lt1"/>
+            </a:fontRef>
+          </p:style>
+          <p:txBody>
+            <a:bodyPr rtlCol="0" anchor="ctr"/>
+            <a:lstStyle>
+              <a:defPPr>
+                <a:defRPr lang="fr-FR"/>
+              </a:defPPr>
+              <a:lvl1pPr marL="0" algn="l" defTabSz="914376" rtl="0" eaLnBrk="1" latinLnBrk="0" hangingPunct="1">
+                <a:defRPr sz="1800" kern="1200">
+                  <a:solidFill>
+                    <a:schemeClr val="lt1"/>
+                  </a:solidFill>
+                  <a:latin typeface="+mn-lt"/>
+                  <a:ea typeface="+mn-ea"/>
+                  <a:cs typeface="+mn-cs"/>
+                </a:defRPr>
+              </a:lvl1pPr>
+              <a:lvl2pPr marL="457188" algn="l" defTabSz="914376" rtl="0" eaLnBrk="1" latinLnBrk="0" hangingPunct="1">
+                <a:defRPr sz="1800" kern="1200">
+                  <a:solidFill>
+                    <a:schemeClr val="lt1"/>
+                  </a:solidFill>
+                  <a:latin typeface="+mn-lt"/>
+                  <a:ea typeface="+mn-ea"/>
+                  <a:cs typeface="+mn-cs"/>
+                </a:defRPr>
+              </a:lvl2pPr>
+              <a:lvl3pPr marL="914376" algn="l" defTabSz="914376" rtl="0" eaLnBrk="1" latinLnBrk="0" hangingPunct="1">
+                <a:defRPr sz="1800" kern="1200">
+                  <a:solidFill>
+                    <a:schemeClr val="lt1"/>
+                  </a:solidFill>
+                  <a:latin typeface="+mn-lt"/>
+                  <a:ea typeface="+mn-ea"/>
+                  <a:cs typeface="+mn-cs"/>
+                </a:defRPr>
+              </a:lvl3pPr>
+              <a:lvl4pPr marL="1371564" algn="l" defTabSz="914376" rtl="0" eaLnBrk="1" latinLnBrk="0" hangingPunct="1">
+                <a:defRPr sz="1800" kern="1200">
+                  <a:solidFill>
+                    <a:schemeClr val="lt1"/>
+                  </a:solidFill>
+                  <a:latin typeface="+mn-lt"/>
+                  <a:ea typeface="+mn-ea"/>
+                  <a:cs typeface="+mn-cs"/>
+                </a:defRPr>
+              </a:lvl4pPr>
+              <a:lvl5pPr marL="1828752" algn="l" defTabSz="914376" rtl="0" eaLnBrk="1" latinLnBrk="0" hangingPunct="1">
+                <a:defRPr sz="1800" kern="1200">
+                  <a:solidFill>
+                    <a:schemeClr val="lt1"/>
+                  </a:solidFill>
+                  <a:latin typeface="+mn-lt"/>
+                  <a:ea typeface="+mn-ea"/>
+                  <a:cs typeface="+mn-cs"/>
+                </a:defRPr>
+              </a:lvl5pPr>
+              <a:lvl6pPr marL="2285940" algn="l" defTabSz="914376" rtl="0" eaLnBrk="1" latinLnBrk="0" hangingPunct="1">
+                <a:defRPr sz="1800" kern="1200">
+                  <a:solidFill>
+                    <a:schemeClr val="lt1"/>
+                  </a:solidFill>
+                  <a:latin typeface="+mn-lt"/>
+                  <a:ea typeface="+mn-ea"/>
+                  <a:cs typeface="+mn-cs"/>
+                </a:defRPr>
+              </a:lvl6pPr>
+              <a:lvl7pPr marL="2743128" algn="l" defTabSz="914376" rtl="0" eaLnBrk="1" latinLnBrk="0" hangingPunct="1">
+                <a:defRPr sz="1800" kern="1200">
+                  <a:solidFill>
+                    <a:schemeClr val="lt1"/>
+                  </a:solidFill>
+                  <a:latin typeface="+mn-lt"/>
+                  <a:ea typeface="+mn-ea"/>
+                  <a:cs typeface="+mn-cs"/>
+                </a:defRPr>
+              </a:lvl7pPr>
+              <a:lvl8pPr marL="3200316" algn="l" defTabSz="914376" rtl="0" eaLnBrk="1" latinLnBrk="0" hangingPunct="1">
+                <a:defRPr sz="1800" kern="1200">
+                  <a:solidFill>
+                    <a:schemeClr val="lt1"/>
+                  </a:solidFill>
+                  <a:latin typeface="+mn-lt"/>
+                  <a:ea typeface="+mn-ea"/>
+                  <a:cs typeface="+mn-cs"/>
+                </a:defRPr>
+              </a:lvl8pPr>
+              <a:lvl9pPr marL="3657504" algn="l" defTabSz="914376" rtl="0" eaLnBrk="1" latinLnBrk="0" hangingPunct="1">
+                <a:defRPr sz="1800" kern="1200">
+                  <a:solidFill>
+                    <a:schemeClr val="lt1"/>
+                  </a:solidFill>
+                  <a:latin typeface="+mn-lt"/>
+                  <a:ea typeface="+mn-ea"/>
+                  <a:cs typeface="+mn-cs"/>
+                </a:defRPr>
+              </a:lvl9pPr>
+            </a:lstStyle>
+            <a:p>
+              <a:endParaRPr lang="fr-FR" sz="1000" dirty="0">
+                <a:solidFill>
+                  <a:schemeClr val="bg1"/>
+                </a:solidFill>
+              </a:endParaRPr>
+            </a:p>
+          </p:txBody>
+        </p:sp>
+        <p:sp>
+          <p:nvSpPr>
+            <p:cNvPr id="23" name="Rectangle 22"/>
+            <p:cNvSpPr/>
+            <p:nvPr/>
+          </p:nvSpPr>
+          <p:spPr>
+            <a:xfrm>
+              <a:off x="5459794" y="3702114"/>
+              <a:ext cx="554475" cy="503582"/>
+            </a:xfrm>
+            <a:prstGeom prst="rect">
+              <a:avLst/>
+            </a:prstGeom>
+            <a:solidFill>
+              <a:schemeClr val="accent6"/>
+            </a:solidFill>
+            <a:ln w="3175" cmpd="sng">
+              <a:solidFill>
+                <a:schemeClr val="accent6">
+                  <a:lumMod val="50000"/>
+                </a:schemeClr>
+              </a:solidFill>
+            </a:ln>
+          </p:spPr>
+          <p:style>
+            <a:lnRef idx="2">
+              <a:schemeClr val="accent1">
+                <a:shade val="50000"/>
+              </a:schemeClr>
+            </a:lnRef>
+            <a:fillRef idx="1">
+              <a:schemeClr val="accent1"/>
+            </a:fillRef>
+            <a:effectRef idx="0">
+              <a:schemeClr val="accent1"/>
+            </a:effectRef>
+            <a:fontRef idx="minor">
+              <a:schemeClr val="lt1"/>
+            </a:fontRef>
+          </p:style>
+          <p:txBody>
+            <a:bodyPr lIns="36000" rIns="36000" rtlCol="0" anchor="ctr"/>
+            <a:lstStyle>
+              <a:defPPr>
+                <a:defRPr lang="fr-FR"/>
+              </a:defPPr>
+              <a:lvl1pPr marL="0" algn="l" defTabSz="914376" rtl="0" eaLnBrk="1" latinLnBrk="0" hangingPunct="1">
+                <a:defRPr sz="1800" kern="1200">
+                  <a:solidFill>
+                    <a:schemeClr val="lt1"/>
+                  </a:solidFill>
+                  <a:latin typeface="+mn-lt"/>
+                  <a:ea typeface="+mn-ea"/>
+                  <a:cs typeface="+mn-cs"/>
+                </a:defRPr>
+              </a:lvl1pPr>
+              <a:lvl2pPr marL="457188" algn="l" defTabSz="914376" rtl="0" eaLnBrk="1" latinLnBrk="0" hangingPunct="1">
+                <a:defRPr sz="1800" kern="1200">
+                  <a:solidFill>
+                    <a:schemeClr val="lt1"/>
+                  </a:solidFill>
+                  <a:latin typeface="+mn-lt"/>
+                  <a:ea typeface="+mn-ea"/>
+                  <a:cs typeface="+mn-cs"/>
+                </a:defRPr>
+              </a:lvl2pPr>
+              <a:lvl3pPr marL="914376" algn="l" defTabSz="914376" rtl="0" eaLnBrk="1" latinLnBrk="0" hangingPunct="1">
+                <a:defRPr sz="1800" kern="1200">
+                  <a:solidFill>
+                    <a:schemeClr val="lt1"/>
+                  </a:solidFill>
+                  <a:latin typeface="+mn-lt"/>
+                  <a:ea typeface="+mn-ea"/>
+                  <a:cs typeface="+mn-cs"/>
+                </a:defRPr>
+              </a:lvl3pPr>
+              <a:lvl4pPr marL="1371564" algn="l" defTabSz="914376" rtl="0" eaLnBrk="1" latinLnBrk="0" hangingPunct="1">
+                <a:defRPr sz="1800" kern="1200">
+                  <a:solidFill>
+                    <a:schemeClr val="lt1"/>
+                  </a:solidFill>
+                  <a:latin typeface="+mn-lt"/>
+                  <a:ea typeface="+mn-ea"/>
+                  <a:cs typeface="+mn-cs"/>
+                </a:defRPr>
+              </a:lvl4pPr>
+              <a:lvl5pPr marL="1828752" algn="l" defTabSz="914376" rtl="0" eaLnBrk="1" latinLnBrk="0" hangingPunct="1">
+                <a:defRPr sz="1800" kern="1200">
+                  <a:solidFill>
+                    <a:schemeClr val="lt1"/>
+                  </a:solidFill>
+                  <a:latin typeface="+mn-lt"/>
+                  <a:ea typeface="+mn-ea"/>
+                  <a:cs typeface="+mn-cs"/>
+                </a:defRPr>
+              </a:lvl5pPr>
+              <a:lvl6pPr marL="2285940" algn="l" defTabSz="914376" rtl="0" eaLnBrk="1" latinLnBrk="0" hangingPunct="1">
+                <a:defRPr sz="1800" kern="1200">
+                  <a:solidFill>
+                    <a:schemeClr val="lt1"/>
+                  </a:solidFill>
+                  <a:latin typeface="+mn-lt"/>
+                  <a:ea typeface="+mn-ea"/>
+                  <a:cs typeface="+mn-cs"/>
+                </a:defRPr>
+              </a:lvl6pPr>
+              <a:lvl7pPr marL="2743128" algn="l" defTabSz="914376" rtl="0" eaLnBrk="1" latinLnBrk="0" hangingPunct="1">
+                <a:defRPr sz="1800" kern="1200">
+                  <a:solidFill>
+                    <a:schemeClr val="lt1"/>
+                  </a:solidFill>
+                  <a:latin typeface="+mn-lt"/>
+                  <a:ea typeface="+mn-ea"/>
+                  <a:cs typeface="+mn-cs"/>
+                </a:defRPr>
+              </a:lvl7pPr>
+              <a:lvl8pPr marL="3200316" algn="l" defTabSz="914376" rtl="0" eaLnBrk="1" latinLnBrk="0" hangingPunct="1">
+                <a:defRPr sz="1800" kern="1200">
+                  <a:solidFill>
+                    <a:schemeClr val="lt1"/>
+                  </a:solidFill>
+                  <a:latin typeface="+mn-lt"/>
+                  <a:ea typeface="+mn-ea"/>
+                  <a:cs typeface="+mn-cs"/>
+                </a:defRPr>
+              </a:lvl8pPr>
+              <a:lvl9pPr marL="3657504" algn="l" defTabSz="914376" rtl="0" eaLnBrk="1" latinLnBrk="0" hangingPunct="1">
+                <a:defRPr sz="1800" kern="1200">
+                  <a:solidFill>
+                    <a:schemeClr val="lt1"/>
+                  </a:solidFill>
+                  <a:latin typeface="+mn-lt"/>
+                  <a:ea typeface="+mn-ea"/>
+                  <a:cs typeface="+mn-cs"/>
+                </a:defRPr>
+              </a:lvl9pPr>
+            </a:lstStyle>
+            <a:p>
+              <a:pPr algn="ctr"/>
+              <a:r>
+                <a:rPr lang="fr-FR" sz="900" dirty="0" smtClean="0">
+                  <a:solidFill>
+                    <a:schemeClr val="bg1"/>
+                  </a:solidFill>
+                </a:rPr>
+                <a:t>Service Client</a:t>
+              </a:r>
+              <a:endParaRPr lang="fr-FR" sz="900" dirty="0">
+                <a:solidFill>
+                  <a:schemeClr val="bg1"/>
+                </a:solidFill>
+              </a:endParaRPr>
+            </a:p>
+          </p:txBody>
+        </p:sp>
+        <p:sp>
+          <p:nvSpPr>
+            <p:cNvPr id="24" name="Rectangle 23"/>
+            <p:cNvSpPr/>
+            <p:nvPr/>
+          </p:nvSpPr>
+          <p:spPr>
+            <a:xfrm>
+              <a:off x="6050091" y="3702114"/>
+              <a:ext cx="441326" cy="503582"/>
+            </a:xfrm>
+            <a:prstGeom prst="rect">
+              <a:avLst/>
+            </a:prstGeom>
+            <a:solidFill>
+              <a:schemeClr val="accent6"/>
+            </a:solidFill>
+            <a:ln w="3175" cmpd="sng">
+              <a:solidFill>
+                <a:schemeClr val="accent6">
+                  <a:lumMod val="50000"/>
+                </a:schemeClr>
+              </a:solidFill>
+            </a:ln>
+          </p:spPr>
+          <p:style>
+            <a:lnRef idx="2">
+              <a:schemeClr val="accent1">
+                <a:shade val="50000"/>
+              </a:schemeClr>
+            </a:lnRef>
+            <a:fillRef idx="1">
+              <a:schemeClr val="accent1"/>
+            </a:fillRef>
+            <a:effectRef idx="0">
+              <a:schemeClr val="accent1"/>
+            </a:effectRef>
+            <a:fontRef idx="minor">
+              <a:schemeClr val="lt1"/>
+            </a:fontRef>
+          </p:style>
+          <p:txBody>
+            <a:bodyPr lIns="36000" rIns="36000" rtlCol="0" anchor="ctr"/>
+            <a:lstStyle>
+              <a:defPPr>
+                <a:defRPr lang="fr-FR"/>
+              </a:defPPr>
+              <a:lvl1pPr marL="0" algn="l" defTabSz="914376" rtl="0" eaLnBrk="1" latinLnBrk="0" hangingPunct="1">
+                <a:defRPr sz="1800" kern="1200">
+                  <a:solidFill>
+                    <a:schemeClr val="lt1"/>
+                  </a:solidFill>
+                  <a:latin typeface="+mn-lt"/>
+                  <a:ea typeface="+mn-ea"/>
+                  <a:cs typeface="+mn-cs"/>
+                </a:defRPr>
+              </a:lvl1pPr>
+              <a:lvl2pPr marL="457188" algn="l" defTabSz="914376" rtl="0" eaLnBrk="1" latinLnBrk="0" hangingPunct="1">
+                <a:defRPr sz="1800" kern="1200">
+                  <a:solidFill>
+                    <a:schemeClr val="lt1"/>
+                  </a:solidFill>
+                  <a:latin typeface="+mn-lt"/>
+                  <a:ea typeface="+mn-ea"/>
+                  <a:cs typeface="+mn-cs"/>
+                </a:defRPr>
+              </a:lvl2pPr>
+              <a:lvl3pPr marL="914376" algn="l" defTabSz="914376" rtl="0" eaLnBrk="1" latinLnBrk="0" hangingPunct="1">
+                <a:defRPr sz="1800" kern="1200">
+                  <a:solidFill>
+                    <a:schemeClr val="lt1"/>
+                  </a:solidFill>
+                  <a:latin typeface="+mn-lt"/>
+                  <a:ea typeface="+mn-ea"/>
+                  <a:cs typeface="+mn-cs"/>
+                </a:defRPr>
+              </a:lvl3pPr>
+              <a:lvl4pPr marL="1371564" algn="l" defTabSz="914376" rtl="0" eaLnBrk="1" latinLnBrk="0" hangingPunct="1">
+                <a:defRPr sz="1800" kern="1200">
+                  <a:solidFill>
+                    <a:schemeClr val="lt1"/>
+                  </a:solidFill>
+                  <a:latin typeface="+mn-lt"/>
+                  <a:ea typeface="+mn-ea"/>
+                  <a:cs typeface="+mn-cs"/>
+                </a:defRPr>
+              </a:lvl4pPr>
+              <a:lvl5pPr marL="1828752" algn="l" defTabSz="914376" rtl="0" eaLnBrk="1" latinLnBrk="0" hangingPunct="1">
+                <a:defRPr sz="1800" kern="1200">
+                  <a:solidFill>
+                    <a:schemeClr val="lt1"/>
+                  </a:solidFill>
+                  <a:latin typeface="+mn-lt"/>
+                  <a:ea typeface="+mn-ea"/>
+                  <a:cs typeface="+mn-cs"/>
+                </a:defRPr>
+              </a:lvl5pPr>
+              <a:lvl6pPr marL="2285940" algn="l" defTabSz="914376" rtl="0" eaLnBrk="1" latinLnBrk="0" hangingPunct="1">
+                <a:defRPr sz="1800" kern="1200">
+                  <a:solidFill>
+                    <a:schemeClr val="lt1"/>
+                  </a:solidFill>
+                  <a:latin typeface="+mn-lt"/>
+                  <a:ea typeface="+mn-ea"/>
+                  <a:cs typeface="+mn-cs"/>
+                </a:defRPr>
+              </a:lvl6pPr>
+              <a:lvl7pPr marL="2743128" algn="l" defTabSz="914376" rtl="0" eaLnBrk="1" latinLnBrk="0" hangingPunct="1">
+                <a:defRPr sz="1800" kern="1200">
+                  <a:solidFill>
+                    <a:schemeClr val="lt1"/>
+                  </a:solidFill>
+                  <a:latin typeface="+mn-lt"/>
+                  <a:ea typeface="+mn-ea"/>
+                  <a:cs typeface="+mn-cs"/>
+                </a:defRPr>
+              </a:lvl7pPr>
+              <a:lvl8pPr marL="3200316" algn="l" defTabSz="914376" rtl="0" eaLnBrk="1" latinLnBrk="0" hangingPunct="1">
+                <a:defRPr sz="1800" kern="1200">
+                  <a:solidFill>
+                    <a:schemeClr val="lt1"/>
+                  </a:solidFill>
+                  <a:latin typeface="+mn-lt"/>
+                  <a:ea typeface="+mn-ea"/>
+                  <a:cs typeface="+mn-cs"/>
+                </a:defRPr>
+              </a:lvl8pPr>
+              <a:lvl9pPr marL="3657504" algn="l" defTabSz="914376" rtl="0" eaLnBrk="1" latinLnBrk="0" hangingPunct="1">
+                <a:defRPr sz="1800" kern="1200">
+                  <a:solidFill>
+                    <a:schemeClr val="lt1"/>
+                  </a:solidFill>
+                  <a:latin typeface="+mn-lt"/>
+                  <a:ea typeface="+mn-ea"/>
+                  <a:cs typeface="+mn-cs"/>
+                </a:defRPr>
+              </a:lvl9pPr>
+            </a:lstStyle>
+            <a:p>
+              <a:pPr algn="ctr"/>
+              <a:r>
+                <a:rPr lang="fr-FR" sz="900" dirty="0" smtClean="0">
+                  <a:solidFill>
+                    <a:schemeClr val="bg1"/>
+                  </a:solidFill>
+                </a:rPr>
+                <a:t>SFA Trade</a:t>
+              </a:r>
+              <a:endParaRPr lang="fr-FR" sz="900" dirty="0">
+                <a:solidFill>
+                  <a:schemeClr val="bg1"/>
+                </a:solidFill>
+              </a:endParaRPr>
+            </a:p>
+          </p:txBody>
+        </p:sp>
+        <p:sp>
+          <p:nvSpPr>
+            <p:cNvPr id="25" name="Rectangle 24"/>
+            <p:cNvSpPr/>
+            <p:nvPr/>
+          </p:nvSpPr>
+          <p:spPr>
+            <a:xfrm>
+              <a:off x="6541531" y="3702114"/>
+              <a:ext cx="482924" cy="503582"/>
+            </a:xfrm>
+            <a:prstGeom prst="rect">
+              <a:avLst/>
+            </a:prstGeom>
+            <a:solidFill>
+              <a:schemeClr val="accent6"/>
+            </a:solidFill>
+            <a:ln w="3175" cmpd="sng">
+              <a:solidFill>
+                <a:schemeClr val="accent6">
+                  <a:lumMod val="50000"/>
+                </a:schemeClr>
+              </a:solidFill>
+            </a:ln>
+          </p:spPr>
+          <p:style>
+            <a:lnRef idx="2">
+              <a:schemeClr val="accent1">
+                <a:shade val="50000"/>
+              </a:schemeClr>
+            </a:lnRef>
+            <a:fillRef idx="1">
+              <a:schemeClr val="accent1"/>
+            </a:fillRef>
+            <a:effectRef idx="0">
+              <a:schemeClr val="accent1"/>
+            </a:effectRef>
+            <a:fontRef idx="minor">
+              <a:schemeClr val="lt1"/>
+            </a:fontRef>
+          </p:style>
+          <p:txBody>
+            <a:bodyPr lIns="36000" rIns="36000" rtlCol="0" anchor="ctr"/>
+            <a:lstStyle>
+              <a:defPPr>
+                <a:defRPr lang="fr-FR"/>
+              </a:defPPr>
+              <a:lvl1pPr marL="0" algn="l" defTabSz="914376" rtl="0" eaLnBrk="1" latinLnBrk="0" hangingPunct="1">
+                <a:defRPr sz="1800" kern="1200">
+                  <a:solidFill>
+                    <a:schemeClr val="lt1"/>
+                  </a:solidFill>
+                  <a:latin typeface="+mn-lt"/>
+                  <a:ea typeface="+mn-ea"/>
+                  <a:cs typeface="+mn-cs"/>
+                </a:defRPr>
+              </a:lvl1pPr>
+              <a:lvl2pPr marL="457188" algn="l" defTabSz="914376" rtl="0" eaLnBrk="1" latinLnBrk="0" hangingPunct="1">
+                <a:defRPr sz="1800" kern="1200">
+                  <a:solidFill>
+                    <a:schemeClr val="lt1"/>
+                  </a:solidFill>
+                  <a:latin typeface="+mn-lt"/>
+                  <a:ea typeface="+mn-ea"/>
+                  <a:cs typeface="+mn-cs"/>
+                </a:defRPr>
+              </a:lvl2pPr>
+              <a:lvl3pPr marL="914376" algn="l" defTabSz="914376" rtl="0" eaLnBrk="1" latinLnBrk="0" hangingPunct="1">
+                <a:defRPr sz="1800" kern="1200">
+                  <a:solidFill>
+                    <a:schemeClr val="lt1"/>
+                  </a:solidFill>
+                  <a:latin typeface="+mn-lt"/>
+                  <a:ea typeface="+mn-ea"/>
+                  <a:cs typeface="+mn-cs"/>
+                </a:defRPr>
+              </a:lvl3pPr>
+              <a:lvl4pPr marL="1371564" algn="l" defTabSz="914376" rtl="0" eaLnBrk="1" latinLnBrk="0" hangingPunct="1">
+                <a:defRPr sz="1800" kern="1200">
+                  <a:solidFill>
+                    <a:schemeClr val="lt1"/>
+                  </a:solidFill>
+                  <a:latin typeface="+mn-lt"/>
+                  <a:ea typeface="+mn-ea"/>
+                  <a:cs typeface="+mn-cs"/>
+                </a:defRPr>
+              </a:lvl4pPr>
+              <a:lvl5pPr marL="1828752" algn="l" defTabSz="914376" rtl="0" eaLnBrk="1" latinLnBrk="0" hangingPunct="1">
+                <a:defRPr sz="1800" kern="1200">
+                  <a:solidFill>
+                    <a:schemeClr val="lt1"/>
+                  </a:solidFill>
+                  <a:latin typeface="+mn-lt"/>
+                  <a:ea typeface="+mn-ea"/>
+                  <a:cs typeface="+mn-cs"/>
+                </a:defRPr>
+              </a:lvl5pPr>
+              <a:lvl6pPr marL="2285940" algn="l" defTabSz="914376" rtl="0" eaLnBrk="1" latinLnBrk="0" hangingPunct="1">
+                <a:defRPr sz="1800" kern="1200">
+                  <a:solidFill>
+                    <a:schemeClr val="lt1"/>
+                  </a:solidFill>
+                  <a:latin typeface="+mn-lt"/>
+                  <a:ea typeface="+mn-ea"/>
+                  <a:cs typeface="+mn-cs"/>
+                </a:defRPr>
+              </a:lvl6pPr>
+              <a:lvl7pPr marL="2743128" algn="l" defTabSz="914376" rtl="0" eaLnBrk="1" latinLnBrk="0" hangingPunct="1">
+                <a:defRPr sz="1800" kern="1200">
+                  <a:solidFill>
+                    <a:schemeClr val="lt1"/>
+                  </a:solidFill>
+                  <a:latin typeface="+mn-lt"/>
+                  <a:ea typeface="+mn-ea"/>
+                  <a:cs typeface="+mn-cs"/>
+                </a:defRPr>
+              </a:lvl7pPr>
+              <a:lvl8pPr marL="3200316" algn="l" defTabSz="914376" rtl="0" eaLnBrk="1" latinLnBrk="0" hangingPunct="1">
+                <a:defRPr sz="1800" kern="1200">
+                  <a:solidFill>
+                    <a:schemeClr val="lt1"/>
+                  </a:solidFill>
+                  <a:latin typeface="+mn-lt"/>
+                  <a:ea typeface="+mn-ea"/>
+                  <a:cs typeface="+mn-cs"/>
+                </a:defRPr>
+              </a:lvl8pPr>
+              <a:lvl9pPr marL="3657504" algn="l" defTabSz="914376" rtl="0" eaLnBrk="1" latinLnBrk="0" hangingPunct="1">
+                <a:defRPr sz="1800" kern="1200">
+                  <a:solidFill>
+                    <a:schemeClr val="lt1"/>
+                  </a:solidFill>
+                  <a:latin typeface="+mn-lt"/>
+                  <a:ea typeface="+mn-ea"/>
+                  <a:cs typeface="+mn-cs"/>
+                </a:defRPr>
+              </a:lvl9pPr>
+            </a:lstStyle>
+            <a:p>
+              <a:pPr algn="ctr"/>
+              <a:r>
+                <a:rPr lang="fr-FR" sz="900" dirty="0">
+                  <a:solidFill>
+                    <a:schemeClr val="bg1"/>
+                  </a:solidFill>
+                </a:rPr>
+                <a:t>SFA </a:t>
+              </a:r>
+              <a:r>
+                <a:rPr lang="fr-FR" sz="900" dirty="0" err="1" smtClean="0">
+                  <a:solidFill>
+                    <a:schemeClr val="bg1"/>
+                  </a:solidFill>
+                </a:rPr>
+                <a:t>Merch</a:t>
+              </a:r>
+              <a:endParaRPr lang="fr-FR" sz="900" dirty="0">
+                <a:solidFill>
+                  <a:schemeClr val="bg1"/>
+                </a:solidFill>
+              </a:endParaRPr>
+            </a:p>
+          </p:txBody>
+        </p:sp>
+        <p:sp>
+          <p:nvSpPr>
+            <p:cNvPr id="26" name="Rectangle 25"/>
+            <p:cNvSpPr/>
+            <p:nvPr/>
+          </p:nvSpPr>
+          <p:spPr>
+            <a:xfrm>
+              <a:off x="7074570" y="3702114"/>
+              <a:ext cx="710588" cy="503582"/>
+            </a:xfrm>
+            <a:prstGeom prst="rect">
+              <a:avLst/>
+            </a:prstGeom>
+            <a:solidFill>
+              <a:schemeClr val="accent6"/>
+            </a:solidFill>
+            <a:ln w="3175" cmpd="sng">
+              <a:solidFill>
+                <a:schemeClr val="tx1"/>
+              </a:solidFill>
+            </a:ln>
+          </p:spPr>
+          <p:style>
+            <a:lnRef idx="2">
+              <a:schemeClr val="accent1">
+                <a:shade val="50000"/>
+              </a:schemeClr>
+            </a:lnRef>
+            <a:fillRef idx="1">
+              <a:schemeClr val="accent1"/>
+            </a:fillRef>
+            <a:effectRef idx="0">
+              <a:schemeClr val="accent1"/>
+            </a:effectRef>
+            <a:fontRef idx="minor">
+              <a:schemeClr val="lt1"/>
+            </a:fontRef>
+          </p:style>
+          <p:txBody>
+            <a:bodyPr lIns="36000" rIns="36000" rtlCol="0" anchor="ctr"/>
+            <a:lstStyle>
+              <a:defPPr>
+                <a:defRPr lang="fr-FR"/>
+              </a:defPPr>
+              <a:lvl1pPr marL="0" algn="l" defTabSz="914376" rtl="0" eaLnBrk="1" latinLnBrk="0" hangingPunct="1">
+                <a:defRPr sz="1800" kern="1200">
+                  <a:solidFill>
+                    <a:schemeClr val="lt1"/>
+                  </a:solidFill>
+                  <a:latin typeface="+mn-lt"/>
+                  <a:ea typeface="+mn-ea"/>
+                  <a:cs typeface="+mn-cs"/>
+                </a:defRPr>
+              </a:lvl1pPr>
+              <a:lvl2pPr marL="457188" algn="l" defTabSz="914376" rtl="0" eaLnBrk="1" latinLnBrk="0" hangingPunct="1">
+                <a:defRPr sz="1800" kern="1200">
+                  <a:solidFill>
+                    <a:schemeClr val="lt1"/>
+                  </a:solidFill>
+                  <a:latin typeface="+mn-lt"/>
+                  <a:ea typeface="+mn-ea"/>
+                  <a:cs typeface="+mn-cs"/>
+                </a:defRPr>
+              </a:lvl2pPr>
+              <a:lvl3pPr marL="914376" algn="l" defTabSz="914376" rtl="0" eaLnBrk="1" latinLnBrk="0" hangingPunct="1">
+                <a:defRPr sz="1800" kern="1200">
+                  <a:solidFill>
+                    <a:schemeClr val="lt1"/>
+                  </a:solidFill>
+                  <a:latin typeface="+mn-lt"/>
+                  <a:ea typeface="+mn-ea"/>
+                  <a:cs typeface="+mn-cs"/>
+                </a:defRPr>
+              </a:lvl3pPr>
+              <a:lvl4pPr marL="1371564" algn="l" defTabSz="914376" rtl="0" eaLnBrk="1" latinLnBrk="0" hangingPunct="1">
+                <a:defRPr sz="1800" kern="1200">
+                  <a:solidFill>
+                    <a:schemeClr val="lt1"/>
+                  </a:solidFill>
+                  <a:latin typeface="+mn-lt"/>
+                  <a:ea typeface="+mn-ea"/>
+                  <a:cs typeface="+mn-cs"/>
+                </a:defRPr>
+              </a:lvl4pPr>
+              <a:lvl5pPr marL="1828752" algn="l" defTabSz="914376" rtl="0" eaLnBrk="1" latinLnBrk="0" hangingPunct="1">
+                <a:defRPr sz="1800" kern="1200">
+                  <a:solidFill>
+                    <a:schemeClr val="lt1"/>
+                  </a:solidFill>
+                  <a:latin typeface="+mn-lt"/>
+                  <a:ea typeface="+mn-ea"/>
+                  <a:cs typeface="+mn-cs"/>
+                </a:defRPr>
+              </a:lvl5pPr>
+              <a:lvl6pPr marL="2285940" algn="l" defTabSz="914376" rtl="0" eaLnBrk="1" latinLnBrk="0" hangingPunct="1">
+                <a:defRPr sz="1800" kern="1200">
+                  <a:solidFill>
+                    <a:schemeClr val="lt1"/>
+                  </a:solidFill>
+                  <a:latin typeface="+mn-lt"/>
+                  <a:ea typeface="+mn-ea"/>
+                  <a:cs typeface="+mn-cs"/>
+                </a:defRPr>
+              </a:lvl6pPr>
+              <a:lvl7pPr marL="2743128" algn="l" defTabSz="914376" rtl="0" eaLnBrk="1" latinLnBrk="0" hangingPunct="1">
+                <a:defRPr sz="1800" kern="1200">
+                  <a:solidFill>
+                    <a:schemeClr val="lt1"/>
+                  </a:solidFill>
+                  <a:latin typeface="+mn-lt"/>
+                  <a:ea typeface="+mn-ea"/>
+                  <a:cs typeface="+mn-cs"/>
+                </a:defRPr>
+              </a:lvl7pPr>
+              <a:lvl8pPr marL="3200316" algn="l" defTabSz="914376" rtl="0" eaLnBrk="1" latinLnBrk="0" hangingPunct="1">
+                <a:defRPr sz="1800" kern="1200">
+                  <a:solidFill>
+                    <a:schemeClr val="lt1"/>
+                  </a:solidFill>
+                  <a:latin typeface="+mn-lt"/>
+                  <a:ea typeface="+mn-ea"/>
+                  <a:cs typeface="+mn-cs"/>
+                </a:defRPr>
+              </a:lvl8pPr>
+              <a:lvl9pPr marL="3657504" algn="l" defTabSz="914376" rtl="0" eaLnBrk="1" latinLnBrk="0" hangingPunct="1">
+                <a:defRPr sz="1800" kern="1200">
+                  <a:solidFill>
+                    <a:schemeClr val="lt1"/>
+                  </a:solidFill>
+                  <a:latin typeface="+mn-lt"/>
+                  <a:ea typeface="+mn-ea"/>
+                  <a:cs typeface="+mn-cs"/>
+                </a:defRPr>
+              </a:lvl9pPr>
+            </a:lstStyle>
+            <a:p>
+              <a:pPr algn="ctr"/>
+              <a:r>
+                <a:rPr lang="fr-FR" sz="900" dirty="0" smtClean="0">
+                  <a:solidFill>
+                    <a:schemeClr val="bg1"/>
+                  </a:solidFill>
+                </a:rPr>
+                <a:t>Campagne </a:t>
+              </a:r>
+              <a:r>
+                <a:rPr lang="fr-FR" sz="900" dirty="0" err="1" smtClean="0">
+                  <a:solidFill>
+                    <a:schemeClr val="bg1"/>
+                  </a:solidFill>
+                </a:rPr>
+                <a:t>Mkt</a:t>
+              </a:r>
+              <a:endParaRPr lang="fr-FR" sz="900" dirty="0">
+                <a:solidFill>
+                  <a:schemeClr val="bg1"/>
+                </a:solidFill>
+              </a:endParaRPr>
+            </a:p>
+          </p:txBody>
+        </p:sp>
+        <p:sp>
+          <p:nvSpPr>
+            <p:cNvPr id="27" name="Rectangle 26"/>
+            <p:cNvSpPr/>
+            <p:nvPr/>
+          </p:nvSpPr>
+          <p:spPr>
+            <a:xfrm>
+              <a:off x="5459794" y="2977677"/>
+              <a:ext cx="912230" cy="691400"/>
+            </a:xfrm>
+            <a:prstGeom prst="rect">
+              <a:avLst/>
+            </a:prstGeom>
+            <a:solidFill>
+              <a:srgbClr val="D4E2E6"/>
+            </a:solidFill>
+            <a:ln w="6350" cmpd="sng">
+              <a:solidFill>
+                <a:schemeClr val="bg1">
+                  <a:lumMod val="50000"/>
+                </a:schemeClr>
+              </a:solidFill>
+            </a:ln>
+          </p:spPr>
+          <p:style>
+            <a:lnRef idx="2">
+              <a:schemeClr val="accent1">
+                <a:shade val="50000"/>
+              </a:schemeClr>
+            </a:lnRef>
+            <a:fillRef idx="1">
+              <a:schemeClr val="accent1"/>
+            </a:fillRef>
+            <a:effectRef idx="0">
+              <a:schemeClr val="accent1"/>
+            </a:effectRef>
+            <a:fontRef idx="minor">
+              <a:schemeClr val="lt1"/>
+            </a:fontRef>
+          </p:style>
+          <p:txBody>
+            <a:bodyPr lIns="36000" rIns="36000" rtlCol="0" anchor="ctr"/>
+            <a:lstStyle>
+              <a:defPPr>
+                <a:defRPr lang="fr-FR"/>
+              </a:defPPr>
+              <a:lvl1pPr marL="0" algn="l" defTabSz="914376" rtl="0" eaLnBrk="1" latinLnBrk="0" hangingPunct="1">
+                <a:defRPr sz="1800" kern="1200">
+                  <a:solidFill>
+                    <a:schemeClr val="lt1"/>
+                  </a:solidFill>
+                  <a:latin typeface="+mn-lt"/>
+                  <a:ea typeface="+mn-ea"/>
+                  <a:cs typeface="+mn-cs"/>
+                </a:defRPr>
+              </a:lvl1pPr>
+              <a:lvl2pPr marL="457188" algn="l" defTabSz="914376" rtl="0" eaLnBrk="1" latinLnBrk="0" hangingPunct="1">
+                <a:defRPr sz="1800" kern="1200">
+                  <a:solidFill>
+                    <a:schemeClr val="lt1"/>
+                  </a:solidFill>
+                  <a:latin typeface="+mn-lt"/>
+                  <a:ea typeface="+mn-ea"/>
+                  <a:cs typeface="+mn-cs"/>
+                </a:defRPr>
+              </a:lvl2pPr>
+              <a:lvl3pPr marL="914376" algn="l" defTabSz="914376" rtl="0" eaLnBrk="1" latinLnBrk="0" hangingPunct="1">
+                <a:defRPr sz="1800" kern="1200">
+                  <a:solidFill>
+                    <a:schemeClr val="lt1"/>
+                  </a:solidFill>
+                  <a:latin typeface="+mn-lt"/>
+                  <a:ea typeface="+mn-ea"/>
+                  <a:cs typeface="+mn-cs"/>
+                </a:defRPr>
+              </a:lvl3pPr>
+              <a:lvl4pPr marL="1371564" algn="l" defTabSz="914376" rtl="0" eaLnBrk="1" latinLnBrk="0" hangingPunct="1">
+                <a:defRPr sz="1800" kern="1200">
+                  <a:solidFill>
+                    <a:schemeClr val="lt1"/>
+                  </a:solidFill>
+                  <a:latin typeface="+mn-lt"/>
+                  <a:ea typeface="+mn-ea"/>
+                  <a:cs typeface="+mn-cs"/>
+                </a:defRPr>
+              </a:lvl4pPr>
+              <a:lvl5pPr marL="1828752" algn="l" defTabSz="914376" rtl="0" eaLnBrk="1" latinLnBrk="0" hangingPunct="1">
+                <a:defRPr sz="1800" kern="1200">
+                  <a:solidFill>
+                    <a:schemeClr val="lt1"/>
+                  </a:solidFill>
+                  <a:latin typeface="+mn-lt"/>
+                  <a:ea typeface="+mn-ea"/>
+                  <a:cs typeface="+mn-cs"/>
+                </a:defRPr>
+              </a:lvl5pPr>
+              <a:lvl6pPr marL="2285940" algn="l" defTabSz="914376" rtl="0" eaLnBrk="1" latinLnBrk="0" hangingPunct="1">
+                <a:defRPr sz="1800" kern="1200">
+                  <a:solidFill>
+                    <a:schemeClr val="lt1"/>
+                  </a:solidFill>
+                  <a:latin typeface="+mn-lt"/>
+                  <a:ea typeface="+mn-ea"/>
+                  <a:cs typeface="+mn-cs"/>
+                </a:defRPr>
+              </a:lvl6pPr>
+              <a:lvl7pPr marL="2743128" algn="l" defTabSz="914376" rtl="0" eaLnBrk="1" latinLnBrk="0" hangingPunct="1">
+                <a:defRPr sz="1800" kern="1200">
+                  <a:solidFill>
+                    <a:schemeClr val="lt1"/>
+                  </a:solidFill>
+                  <a:latin typeface="+mn-lt"/>
+                  <a:ea typeface="+mn-ea"/>
+                  <a:cs typeface="+mn-cs"/>
+                </a:defRPr>
+              </a:lvl7pPr>
+              <a:lvl8pPr marL="3200316" algn="l" defTabSz="914376" rtl="0" eaLnBrk="1" latinLnBrk="0" hangingPunct="1">
+                <a:defRPr sz="1800" kern="1200">
+                  <a:solidFill>
+                    <a:schemeClr val="lt1"/>
+                  </a:solidFill>
+                  <a:latin typeface="+mn-lt"/>
+                  <a:ea typeface="+mn-ea"/>
+                  <a:cs typeface="+mn-cs"/>
+                </a:defRPr>
+              </a:lvl8pPr>
+              <a:lvl9pPr marL="3657504" algn="l" defTabSz="914376" rtl="0" eaLnBrk="1" latinLnBrk="0" hangingPunct="1">
+                <a:defRPr sz="1800" kern="1200">
+                  <a:solidFill>
+                    <a:schemeClr val="lt1"/>
+                  </a:solidFill>
+                  <a:latin typeface="+mn-lt"/>
+                  <a:ea typeface="+mn-ea"/>
+                  <a:cs typeface="+mn-cs"/>
+                </a:defRPr>
+              </a:lvl9pPr>
+            </a:lstStyle>
+            <a:p>
+              <a:pPr algn="ctr"/>
+              <a:r>
+                <a:rPr lang="fr-FR" sz="1000" dirty="0" smtClean="0">
+                  <a:solidFill>
+                    <a:srgbClr val="000000"/>
+                  </a:solidFill>
+                </a:rPr>
+                <a:t>Omni-Canal</a:t>
+              </a:r>
+              <a:br>
+                <a:rPr lang="fr-FR" sz="1000" dirty="0" smtClean="0">
+                  <a:solidFill>
+                    <a:srgbClr val="000000"/>
+                  </a:solidFill>
+                </a:rPr>
+              </a:br>
+              <a:r>
+                <a:rPr lang="fr-FR" sz="1000" dirty="0" smtClean="0">
+                  <a:solidFill>
+                    <a:srgbClr val="000000"/>
+                  </a:solidFill>
+                </a:rPr>
+                <a:t>(</a:t>
+              </a:r>
+              <a:r>
+                <a:rPr lang="fr-FR" sz="900" dirty="0" smtClean="0">
+                  <a:solidFill>
+                    <a:srgbClr val="000000"/>
+                  </a:solidFill>
+                </a:rPr>
+                <a:t>Mass SMS &amp; MAIL)</a:t>
+              </a:r>
+              <a:endParaRPr lang="fr-FR" sz="900" dirty="0">
+                <a:solidFill>
+                  <a:srgbClr val="000000"/>
+                </a:solidFill>
+              </a:endParaRPr>
+            </a:p>
+          </p:txBody>
+        </p:sp>
+        <p:sp>
+          <p:nvSpPr>
+            <p:cNvPr id="28" name="Rectangle 27"/>
+            <p:cNvSpPr/>
+            <p:nvPr/>
+          </p:nvSpPr>
+          <p:spPr>
+            <a:xfrm>
+              <a:off x="6407845" y="2977677"/>
+              <a:ext cx="715465" cy="691400"/>
+            </a:xfrm>
+            <a:prstGeom prst="rect">
+              <a:avLst/>
+            </a:prstGeom>
+            <a:solidFill>
+              <a:srgbClr val="D4E2E6"/>
+            </a:solidFill>
+            <a:ln w="6350" cmpd="sng">
+              <a:solidFill>
+                <a:schemeClr val="bg1">
+                  <a:lumMod val="50000"/>
+                </a:schemeClr>
+              </a:solidFill>
+            </a:ln>
+          </p:spPr>
+          <p:style>
+            <a:lnRef idx="2">
+              <a:schemeClr val="accent1">
+                <a:shade val="50000"/>
+              </a:schemeClr>
+            </a:lnRef>
+            <a:fillRef idx="1">
+              <a:schemeClr val="accent1"/>
+            </a:fillRef>
+            <a:effectRef idx="0">
+              <a:schemeClr val="accent1"/>
+            </a:effectRef>
+            <a:fontRef idx="minor">
+              <a:schemeClr val="lt1"/>
+            </a:fontRef>
+          </p:style>
+          <p:txBody>
+            <a:bodyPr lIns="36000" rIns="36000" rtlCol="0" anchor="ctr"/>
+            <a:lstStyle>
+              <a:defPPr>
+                <a:defRPr lang="fr-FR"/>
+              </a:defPPr>
+              <a:lvl1pPr marL="0" algn="l" defTabSz="914376" rtl="0" eaLnBrk="1" latinLnBrk="0" hangingPunct="1">
+                <a:defRPr sz="1800" kern="1200">
+                  <a:solidFill>
+                    <a:schemeClr val="lt1"/>
+                  </a:solidFill>
+                  <a:latin typeface="+mn-lt"/>
+                  <a:ea typeface="+mn-ea"/>
+                  <a:cs typeface="+mn-cs"/>
+                </a:defRPr>
+              </a:lvl1pPr>
+              <a:lvl2pPr marL="457188" algn="l" defTabSz="914376" rtl="0" eaLnBrk="1" latinLnBrk="0" hangingPunct="1">
+                <a:defRPr sz="1800" kern="1200">
+                  <a:solidFill>
+                    <a:schemeClr val="lt1"/>
+                  </a:solidFill>
+                  <a:latin typeface="+mn-lt"/>
+                  <a:ea typeface="+mn-ea"/>
+                  <a:cs typeface="+mn-cs"/>
+                </a:defRPr>
+              </a:lvl2pPr>
+              <a:lvl3pPr marL="914376" algn="l" defTabSz="914376" rtl="0" eaLnBrk="1" latinLnBrk="0" hangingPunct="1">
+                <a:defRPr sz="1800" kern="1200">
+                  <a:solidFill>
+                    <a:schemeClr val="lt1"/>
+                  </a:solidFill>
+                  <a:latin typeface="+mn-lt"/>
+                  <a:ea typeface="+mn-ea"/>
+                  <a:cs typeface="+mn-cs"/>
+                </a:defRPr>
+              </a:lvl3pPr>
+              <a:lvl4pPr marL="1371564" algn="l" defTabSz="914376" rtl="0" eaLnBrk="1" latinLnBrk="0" hangingPunct="1">
+                <a:defRPr sz="1800" kern="1200">
+                  <a:solidFill>
+                    <a:schemeClr val="lt1"/>
+                  </a:solidFill>
+                  <a:latin typeface="+mn-lt"/>
+                  <a:ea typeface="+mn-ea"/>
+                  <a:cs typeface="+mn-cs"/>
+                </a:defRPr>
+              </a:lvl4pPr>
+              <a:lvl5pPr marL="1828752" algn="l" defTabSz="914376" rtl="0" eaLnBrk="1" latinLnBrk="0" hangingPunct="1">
+                <a:defRPr sz="1800" kern="1200">
+                  <a:solidFill>
+                    <a:schemeClr val="lt1"/>
+                  </a:solidFill>
+                  <a:latin typeface="+mn-lt"/>
+                  <a:ea typeface="+mn-ea"/>
+                  <a:cs typeface="+mn-cs"/>
+                </a:defRPr>
+              </a:lvl5pPr>
+              <a:lvl6pPr marL="2285940" algn="l" defTabSz="914376" rtl="0" eaLnBrk="1" latinLnBrk="0" hangingPunct="1">
+                <a:defRPr sz="1800" kern="1200">
+                  <a:solidFill>
+                    <a:schemeClr val="lt1"/>
+                  </a:solidFill>
+                  <a:latin typeface="+mn-lt"/>
+                  <a:ea typeface="+mn-ea"/>
+                  <a:cs typeface="+mn-cs"/>
+                </a:defRPr>
+              </a:lvl6pPr>
+              <a:lvl7pPr marL="2743128" algn="l" defTabSz="914376" rtl="0" eaLnBrk="1" latinLnBrk="0" hangingPunct="1">
+                <a:defRPr sz="1800" kern="1200">
+                  <a:solidFill>
+                    <a:schemeClr val="lt1"/>
+                  </a:solidFill>
+                  <a:latin typeface="+mn-lt"/>
+                  <a:ea typeface="+mn-ea"/>
+                  <a:cs typeface="+mn-cs"/>
+                </a:defRPr>
+              </a:lvl7pPr>
+              <a:lvl8pPr marL="3200316" algn="l" defTabSz="914376" rtl="0" eaLnBrk="1" latinLnBrk="0" hangingPunct="1">
+                <a:defRPr sz="1800" kern="1200">
+                  <a:solidFill>
+                    <a:schemeClr val="lt1"/>
+                  </a:solidFill>
+                  <a:latin typeface="+mn-lt"/>
+                  <a:ea typeface="+mn-ea"/>
+                  <a:cs typeface="+mn-cs"/>
+                </a:defRPr>
+              </a:lvl8pPr>
+              <a:lvl9pPr marL="3657504" algn="l" defTabSz="914376" rtl="0" eaLnBrk="1" latinLnBrk="0" hangingPunct="1">
+                <a:defRPr sz="1800" kern="1200">
+                  <a:solidFill>
+                    <a:schemeClr val="lt1"/>
+                  </a:solidFill>
+                  <a:latin typeface="+mn-lt"/>
+                  <a:ea typeface="+mn-ea"/>
+                  <a:cs typeface="+mn-cs"/>
+                </a:defRPr>
+              </a:lvl9pPr>
+            </a:lstStyle>
+            <a:p>
+              <a:pPr algn="ctr"/>
+              <a:r>
+                <a:rPr lang="fr-FR" sz="900" dirty="0" smtClean="0">
+                  <a:solidFill>
+                    <a:srgbClr val="000000"/>
+                  </a:solidFill>
+                </a:rPr>
+                <a:t>Book </a:t>
+              </a:r>
+              <a:r>
+                <a:rPr lang="fr-FR" sz="900" dirty="0" err="1" smtClean="0">
+                  <a:solidFill>
+                    <a:srgbClr val="000000"/>
+                  </a:solidFill>
+                </a:rPr>
+                <a:t>Multimedia</a:t>
+              </a:r>
+              <a:endParaRPr lang="fr-FR" sz="800" dirty="0">
+                <a:solidFill>
+                  <a:srgbClr val="000000"/>
+                </a:solidFill>
+              </a:endParaRPr>
+            </a:p>
+          </p:txBody>
+        </p:sp>
+        <p:sp>
+          <p:nvSpPr>
+            <p:cNvPr id="29" name="Rectangle 28"/>
+            <p:cNvSpPr/>
+            <p:nvPr/>
+          </p:nvSpPr>
+          <p:spPr>
+            <a:xfrm>
+              <a:off x="7159086" y="2977677"/>
+              <a:ext cx="626072" cy="691400"/>
+            </a:xfrm>
+            <a:prstGeom prst="rect">
+              <a:avLst/>
+            </a:prstGeom>
+            <a:solidFill>
+              <a:srgbClr val="D4E2E6"/>
+            </a:solidFill>
+            <a:ln w="6350" cmpd="sng">
+              <a:solidFill>
+                <a:schemeClr val="bg1">
+                  <a:lumMod val="50000"/>
+                </a:schemeClr>
+              </a:solidFill>
+            </a:ln>
+          </p:spPr>
+          <p:style>
+            <a:lnRef idx="2">
+              <a:schemeClr val="accent1">
+                <a:shade val="50000"/>
+              </a:schemeClr>
+            </a:lnRef>
+            <a:fillRef idx="1">
+              <a:schemeClr val="accent1"/>
+            </a:fillRef>
+            <a:effectRef idx="0">
+              <a:schemeClr val="accent1"/>
+            </a:effectRef>
+            <a:fontRef idx="minor">
+              <a:schemeClr val="lt1"/>
+            </a:fontRef>
+          </p:style>
+          <p:txBody>
+            <a:bodyPr lIns="36000" rIns="36000" rtlCol="0" anchor="ctr"/>
+            <a:lstStyle>
+              <a:defPPr>
+                <a:defRPr lang="fr-FR"/>
+              </a:defPPr>
+              <a:lvl1pPr marL="0" algn="l" defTabSz="914376" rtl="0" eaLnBrk="1" latinLnBrk="0" hangingPunct="1">
+                <a:defRPr sz="1800" kern="1200">
+                  <a:solidFill>
+                    <a:schemeClr val="lt1"/>
+                  </a:solidFill>
+                  <a:latin typeface="+mn-lt"/>
+                  <a:ea typeface="+mn-ea"/>
+                  <a:cs typeface="+mn-cs"/>
+                </a:defRPr>
+              </a:lvl1pPr>
+              <a:lvl2pPr marL="457188" algn="l" defTabSz="914376" rtl="0" eaLnBrk="1" latinLnBrk="0" hangingPunct="1">
+                <a:defRPr sz="1800" kern="1200">
+                  <a:solidFill>
+                    <a:schemeClr val="lt1"/>
+                  </a:solidFill>
+                  <a:latin typeface="+mn-lt"/>
+                  <a:ea typeface="+mn-ea"/>
+                  <a:cs typeface="+mn-cs"/>
+                </a:defRPr>
+              </a:lvl2pPr>
+              <a:lvl3pPr marL="914376" algn="l" defTabSz="914376" rtl="0" eaLnBrk="1" latinLnBrk="0" hangingPunct="1">
+                <a:defRPr sz="1800" kern="1200">
+                  <a:solidFill>
+                    <a:schemeClr val="lt1"/>
+                  </a:solidFill>
+                  <a:latin typeface="+mn-lt"/>
+                  <a:ea typeface="+mn-ea"/>
+                  <a:cs typeface="+mn-cs"/>
+                </a:defRPr>
+              </a:lvl3pPr>
+              <a:lvl4pPr marL="1371564" algn="l" defTabSz="914376" rtl="0" eaLnBrk="1" latinLnBrk="0" hangingPunct="1">
+                <a:defRPr sz="1800" kern="1200">
+                  <a:solidFill>
+                    <a:schemeClr val="lt1"/>
+                  </a:solidFill>
+                  <a:latin typeface="+mn-lt"/>
+                  <a:ea typeface="+mn-ea"/>
+                  <a:cs typeface="+mn-cs"/>
+                </a:defRPr>
+              </a:lvl4pPr>
+              <a:lvl5pPr marL="1828752" algn="l" defTabSz="914376" rtl="0" eaLnBrk="1" latinLnBrk="0" hangingPunct="1">
+                <a:defRPr sz="1800" kern="1200">
+                  <a:solidFill>
+                    <a:schemeClr val="lt1"/>
+                  </a:solidFill>
+                  <a:latin typeface="+mn-lt"/>
+                  <a:ea typeface="+mn-ea"/>
+                  <a:cs typeface="+mn-cs"/>
+                </a:defRPr>
+              </a:lvl5pPr>
+              <a:lvl6pPr marL="2285940" algn="l" defTabSz="914376" rtl="0" eaLnBrk="1" latinLnBrk="0" hangingPunct="1">
+                <a:defRPr sz="1800" kern="1200">
+                  <a:solidFill>
+                    <a:schemeClr val="lt1"/>
+                  </a:solidFill>
+                  <a:latin typeface="+mn-lt"/>
+                  <a:ea typeface="+mn-ea"/>
+                  <a:cs typeface="+mn-cs"/>
+                </a:defRPr>
+              </a:lvl6pPr>
+              <a:lvl7pPr marL="2743128" algn="l" defTabSz="914376" rtl="0" eaLnBrk="1" latinLnBrk="0" hangingPunct="1">
+                <a:defRPr sz="1800" kern="1200">
+                  <a:solidFill>
+                    <a:schemeClr val="lt1"/>
+                  </a:solidFill>
+                  <a:latin typeface="+mn-lt"/>
+                  <a:ea typeface="+mn-ea"/>
+                  <a:cs typeface="+mn-cs"/>
+                </a:defRPr>
+              </a:lvl7pPr>
+              <a:lvl8pPr marL="3200316" algn="l" defTabSz="914376" rtl="0" eaLnBrk="1" latinLnBrk="0" hangingPunct="1">
+                <a:defRPr sz="1800" kern="1200">
+                  <a:solidFill>
+                    <a:schemeClr val="lt1"/>
+                  </a:solidFill>
+                  <a:latin typeface="+mn-lt"/>
+                  <a:ea typeface="+mn-ea"/>
+                  <a:cs typeface="+mn-cs"/>
+                </a:defRPr>
+              </a:lvl8pPr>
+              <a:lvl9pPr marL="3657504" algn="l" defTabSz="914376" rtl="0" eaLnBrk="1" latinLnBrk="0" hangingPunct="1">
+                <a:defRPr sz="1800" kern="1200">
+                  <a:solidFill>
+                    <a:schemeClr val="lt1"/>
+                  </a:solidFill>
+                  <a:latin typeface="+mn-lt"/>
+                  <a:ea typeface="+mn-ea"/>
+                  <a:cs typeface="+mn-cs"/>
+                </a:defRPr>
+              </a:lvl9pPr>
+            </a:lstStyle>
+            <a:p>
+              <a:pPr algn="ctr"/>
+              <a:r>
+                <a:rPr lang="fr-FR" sz="900" dirty="0" smtClean="0">
+                  <a:solidFill>
+                    <a:srgbClr val="000000"/>
+                  </a:solidFill>
+                </a:rPr>
+                <a:t>Enquête</a:t>
+              </a:r>
+              <a:endParaRPr lang="fr-FR" sz="800" dirty="0">
+                <a:solidFill>
+                  <a:srgbClr val="000000"/>
+                </a:solidFill>
+              </a:endParaRPr>
+            </a:p>
+          </p:txBody>
+        </p:sp>
+        <p:sp>
+          <p:nvSpPr>
+            <p:cNvPr id="30" name="Rectangle 29"/>
+            <p:cNvSpPr/>
+            <p:nvPr/>
+          </p:nvSpPr>
+          <p:spPr>
+            <a:xfrm>
+              <a:off x="5423972" y="1324465"/>
+              <a:ext cx="2396960" cy="1206030"/>
+            </a:xfrm>
+            <a:prstGeom prst="rect">
+              <a:avLst/>
+            </a:prstGeom>
+            <a:solidFill>
+              <a:schemeClr val="accent6"/>
+            </a:solidFill>
+            <a:ln w="3175" cmpd="sng">
+              <a:solidFill>
+                <a:schemeClr val="accent6">
+                  <a:lumMod val="50000"/>
+                </a:schemeClr>
+              </a:solidFill>
+            </a:ln>
+          </p:spPr>
+          <p:style>
+            <a:lnRef idx="2">
+              <a:schemeClr val="accent1">
+                <a:shade val="50000"/>
+              </a:schemeClr>
+            </a:lnRef>
+            <a:fillRef idx="1">
+              <a:schemeClr val="accent1"/>
+            </a:fillRef>
+            <a:effectRef idx="0">
+              <a:schemeClr val="accent1"/>
+            </a:effectRef>
+            <a:fontRef idx="minor">
+              <a:schemeClr val="lt1"/>
+            </a:fontRef>
+          </p:style>
+          <p:txBody>
+            <a:bodyPr rtlCol="0" anchor="ctr"/>
+            <a:lstStyle>
+              <a:defPPr>
+                <a:defRPr lang="fr-FR"/>
+              </a:defPPr>
+              <a:lvl1pPr marL="0" algn="l" defTabSz="914376" rtl="0" eaLnBrk="1" latinLnBrk="0" hangingPunct="1">
+                <a:defRPr sz="1800" kern="1200">
+                  <a:solidFill>
+                    <a:schemeClr val="lt1"/>
+                  </a:solidFill>
+                  <a:latin typeface="+mn-lt"/>
+                  <a:ea typeface="+mn-ea"/>
+                  <a:cs typeface="+mn-cs"/>
+                </a:defRPr>
+              </a:lvl1pPr>
+              <a:lvl2pPr marL="457188" algn="l" defTabSz="914376" rtl="0" eaLnBrk="1" latinLnBrk="0" hangingPunct="1">
+                <a:defRPr sz="1800" kern="1200">
+                  <a:solidFill>
+                    <a:schemeClr val="lt1"/>
+                  </a:solidFill>
+                  <a:latin typeface="+mn-lt"/>
+                  <a:ea typeface="+mn-ea"/>
+                  <a:cs typeface="+mn-cs"/>
+                </a:defRPr>
+              </a:lvl2pPr>
+              <a:lvl3pPr marL="914376" algn="l" defTabSz="914376" rtl="0" eaLnBrk="1" latinLnBrk="0" hangingPunct="1">
+                <a:defRPr sz="1800" kern="1200">
+                  <a:solidFill>
+                    <a:schemeClr val="lt1"/>
+                  </a:solidFill>
+                  <a:latin typeface="+mn-lt"/>
+                  <a:ea typeface="+mn-ea"/>
+                  <a:cs typeface="+mn-cs"/>
+                </a:defRPr>
+              </a:lvl3pPr>
+              <a:lvl4pPr marL="1371564" algn="l" defTabSz="914376" rtl="0" eaLnBrk="1" latinLnBrk="0" hangingPunct="1">
+                <a:defRPr sz="1800" kern="1200">
+                  <a:solidFill>
+                    <a:schemeClr val="lt1"/>
+                  </a:solidFill>
+                  <a:latin typeface="+mn-lt"/>
+                  <a:ea typeface="+mn-ea"/>
+                  <a:cs typeface="+mn-cs"/>
+                </a:defRPr>
+              </a:lvl4pPr>
+              <a:lvl5pPr marL="1828752" algn="l" defTabSz="914376" rtl="0" eaLnBrk="1" latinLnBrk="0" hangingPunct="1">
+                <a:defRPr sz="1800" kern="1200">
+                  <a:solidFill>
+                    <a:schemeClr val="lt1"/>
+                  </a:solidFill>
+                  <a:latin typeface="+mn-lt"/>
+                  <a:ea typeface="+mn-ea"/>
+                  <a:cs typeface="+mn-cs"/>
+                </a:defRPr>
+              </a:lvl5pPr>
+              <a:lvl6pPr marL="2285940" algn="l" defTabSz="914376" rtl="0" eaLnBrk="1" latinLnBrk="0" hangingPunct="1">
+                <a:defRPr sz="1800" kern="1200">
+                  <a:solidFill>
+                    <a:schemeClr val="lt1"/>
+                  </a:solidFill>
+                  <a:latin typeface="+mn-lt"/>
+                  <a:ea typeface="+mn-ea"/>
+                  <a:cs typeface="+mn-cs"/>
+                </a:defRPr>
+              </a:lvl6pPr>
+              <a:lvl7pPr marL="2743128" algn="l" defTabSz="914376" rtl="0" eaLnBrk="1" latinLnBrk="0" hangingPunct="1">
+                <a:defRPr sz="1800" kern="1200">
+                  <a:solidFill>
+                    <a:schemeClr val="lt1"/>
+                  </a:solidFill>
+                  <a:latin typeface="+mn-lt"/>
+                  <a:ea typeface="+mn-ea"/>
+                  <a:cs typeface="+mn-cs"/>
+                </a:defRPr>
+              </a:lvl7pPr>
+              <a:lvl8pPr marL="3200316" algn="l" defTabSz="914376" rtl="0" eaLnBrk="1" latinLnBrk="0" hangingPunct="1">
+                <a:defRPr sz="1800" kern="1200">
+                  <a:solidFill>
+                    <a:schemeClr val="lt1"/>
+                  </a:solidFill>
+                  <a:latin typeface="+mn-lt"/>
+                  <a:ea typeface="+mn-ea"/>
+                  <a:cs typeface="+mn-cs"/>
+                </a:defRPr>
+              </a:lvl8pPr>
+              <a:lvl9pPr marL="3657504" algn="l" defTabSz="914376" rtl="0" eaLnBrk="1" latinLnBrk="0" hangingPunct="1">
+                <a:defRPr sz="1800" kern="1200">
+                  <a:solidFill>
+                    <a:schemeClr val="lt1"/>
+                  </a:solidFill>
+                  <a:latin typeface="+mn-lt"/>
+                  <a:ea typeface="+mn-ea"/>
+                  <a:cs typeface="+mn-cs"/>
+                </a:defRPr>
+              </a:lvl9pPr>
+            </a:lstStyle>
+            <a:p>
+              <a:r>
+                <a:rPr lang="fr-FR" sz="1000" dirty="0">
+                  <a:solidFill>
+                    <a:schemeClr val="bg1"/>
+                  </a:solidFill>
+                </a:rPr>
+                <a:t> </a:t>
+              </a:r>
+              <a:r>
+                <a:rPr lang="fr-FR" sz="1000" dirty="0" smtClean="0">
+                  <a:solidFill>
+                    <a:schemeClr val="bg1"/>
+                  </a:solidFill>
+                </a:rPr>
+                <a:t>         </a:t>
+              </a:r>
+              <a:endParaRPr lang="fr-FR" sz="900" dirty="0">
+                <a:solidFill>
+                  <a:schemeClr val="bg1"/>
+                </a:solidFill>
+              </a:endParaRPr>
+            </a:p>
+          </p:txBody>
+        </p:sp>
+        <p:sp>
+          <p:nvSpPr>
+            <p:cNvPr id="31" name="Rectangle 30"/>
+            <p:cNvSpPr/>
+            <p:nvPr/>
+          </p:nvSpPr>
+          <p:spPr>
+            <a:xfrm>
+              <a:off x="5459749" y="4247679"/>
+              <a:ext cx="2325408" cy="223592"/>
+            </a:xfrm>
+            <a:prstGeom prst="rect">
+              <a:avLst/>
+            </a:prstGeom>
+            <a:solidFill>
+              <a:srgbClr val="D4E2E6"/>
+            </a:solidFill>
+            <a:ln w="3175" cmpd="sng">
+              <a:solidFill>
+                <a:srgbClr val="9C1413"/>
+              </a:solidFill>
+            </a:ln>
+          </p:spPr>
+          <p:style>
+            <a:lnRef idx="2">
+              <a:schemeClr val="accent1">
+                <a:shade val="50000"/>
+              </a:schemeClr>
+            </a:lnRef>
+            <a:fillRef idx="1">
+              <a:schemeClr val="accent1"/>
+            </a:fillRef>
+            <a:effectRef idx="0">
+              <a:schemeClr val="accent1"/>
+            </a:effectRef>
+            <a:fontRef idx="minor">
+              <a:schemeClr val="lt1"/>
+            </a:fontRef>
+          </p:style>
+          <p:txBody>
+            <a:bodyPr rtlCol="0" anchor="ctr"/>
+            <a:lstStyle>
+              <a:defPPr>
+                <a:defRPr lang="fr-FR"/>
+              </a:defPPr>
+              <a:lvl1pPr marL="0" algn="l" defTabSz="914376" rtl="0" eaLnBrk="1" latinLnBrk="0" hangingPunct="1">
+                <a:defRPr sz="1800" kern="1200">
+                  <a:solidFill>
+                    <a:schemeClr val="lt1"/>
+                  </a:solidFill>
+                  <a:latin typeface="+mn-lt"/>
+                  <a:ea typeface="+mn-ea"/>
+                  <a:cs typeface="+mn-cs"/>
+                </a:defRPr>
+              </a:lvl1pPr>
+              <a:lvl2pPr marL="457188" algn="l" defTabSz="914376" rtl="0" eaLnBrk="1" latinLnBrk="0" hangingPunct="1">
+                <a:defRPr sz="1800" kern="1200">
+                  <a:solidFill>
+                    <a:schemeClr val="lt1"/>
+                  </a:solidFill>
+                  <a:latin typeface="+mn-lt"/>
+                  <a:ea typeface="+mn-ea"/>
+                  <a:cs typeface="+mn-cs"/>
+                </a:defRPr>
+              </a:lvl2pPr>
+              <a:lvl3pPr marL="914376" algn="l" defTabSz="914376" rtl="0" eaLnBrk="1" latinLnBrk="0" hangingPunct="1">
+                <a:defRPr sz="1800" kern="1200">
+                  <a:solidFill>
+                    <a:schemeClr val="lt1"/>
+                  </a:solidFill>
+                  <a:latin typeface="+mn-lt"/>
+                  <a:ea typeface="+mn-ea"/>
+                  <a:cs typeface="+mn-cs"/>
+                </a:defRPr>
+              </a:lvl3pPr>
+              <a:lvl4pPr marL="1371564" algn="l" defTabSz="914376" rtl="0" eaLnBrk="1" latinLnBrk="0" hangingPunct="1">
+                <a:defRPr sz="1800" kern="1200">
+                  <a:solidFill>
+                    <a:schemeClr val="lt1"/>
+                  </a:solidFill>
+                  <a:latin typeface="+mn-lt"/>
+                  <a:ea typeface="+mn-ea"/>
+                  <a:cs typeface="+mn-cs"/>
+                </a:defRPr>
+              </a:lvl4pPr>
+              <a:lvl5pPr marL="1828752" algn="l" defTabSz="914376" rtl="0" eaLnBrk="1" latinLnBrk="0" hangingPunct="1">
+                <a:defRPr sz="1800" kern="1200">
+                  <a:solidFill>
+                    <a:schemeClr val="lt1"/>
+                  </a:solidFill>
+                  <a:latin typeface="+mn-lt"/>
+                  <a:ea typeface="+mn-ea"/>
+                  <a:cs typeface="+mn-cs"/>
+                </a:defRPr>
+              </a:lvl5pPr>
+              <a:lvl6pPr marL="2285940" algn="l" defTabSz="914376" rtl="0" eaLnBrk="1" latinLnBrk="0" hangingPunct="1">
+                <a:defRPr sz="1800" kern="1200">
+                  <a:solidFill>
+                    <a:schemeClr val="lt1"/>
+                  </a:solidFill>
+                  <a:latin typeface="+mn-lt"/>
+                  <a:ea typeface="+mn-ea"/>
+                  <a:cs typeface="+mn-cs"/>
+                </a:defRPr>
+              </a:lvl6pPr>
+              <a:lvl7pPr marL="2743128" algn="l" defTabSz="914376" rtl="0" eaLnBrk="1" latinLnBrk="0" hangingPunct="1">
+                <a:defRPr sz="1800" kern="1200">
+                  <a:solidFill>
+                    <a:schemeClr val="lt1"/>
+                  </a:solidFill>
+                  <a:latin typeface="+mn-lt"/>
+                  <a:ea typeface="+mn-ea"/>
+                  <a:cs typeface="+mn-cs"/>
+                </a:defRPr>
+              </a:lvl7pPr>
+              <a:lvl8pPr marL="3200316" algn="l" defTabSz="914376" rtl="0" eaLnBrk="1" latinLnBrk="0" hangingPunct="1">
+                <a:defRPr sz="1800" kern="1200">
+                  <a:solidFill>
+                    <a:schemeClr val="lt1"/>
+                  </a:solidFill>
+                  <a:latin typeface="+mn-lt"/>
+                  <a:ea typeface="+mn-ea"/>
+                  <a:cs typeface="+mn-cs"/>
+                </a:defRPr>
+              </a:lvl8pPr>
+              <a:lvl9pPr marL="3657504" algn="l" defTabSz="914376" rtl="0" eaLnBrk="1" latinLnBrk="0" hangingPunct="1">
+                <a:defRPr sz="1800" kern="1200">
+                  <a:solidFill>
+                    <a:schemeClr val="lt1"/>
+                  </a:solidFill>
+                  <a:latin typeface="+mn-lt"/>
+                  <a:ea typeface="+mn-ea"/>
+                  <a:cs typeface="+mn-cs"/>
+                </a:defRPr>
+              </a:lvl9pPr>
+            </a:lstStyle>
+            <a:p>
+              <a:pPr algn="ctr"/>
+              <a:r>
+                <a:rPr lang="fr-FR" sz="800" dirty="0" smtClean="0">
+                  <a:solidFill>
+                    <a:srgbClr val="000000"/>
+                  </a:solidFill>
+                </a:rPr>
+                <a:t>Outil de synchronisation</a:t>
+              </a:r>
+              <a:endParaRPr lang="fr-FR" sz="800" dirty="0">
+                <a:solidFill>
+                  <a:srgbClr val="000000"/>
+                </a:solidFill>
+              </a:endParaRPr>
+            </a:p>
+          </p:txBody>
+        </p:sp>
+        <p:sp>
+          <p:nvSpPr>
+            <p:cNvPr id="32" name="Rectangle 31"/>
+            <p:cNvSpPr/>
+            <p:nvPr/>
+          </p:nvSpPr>
+          <p:spPr>
+            <a:xfrm>
+              <a:off x="6142261" y="2626106"/>
+              <a:ext cx="963725" cy="318549"/>
+            </a:xfrm>
+            <a:prstGeom prst="rect">
+              <a:avLst/>
+            </a:prstGeom>
+          </p:spPr>
+          <p:txBody>
+            <a:bodyPr wrap="none">
+              <a:spAutoFit/>
+            </a:bodyPr>
+            <a:lstStyle>
+              <a:defPPr>
+                <a:defRPr lang="fr-FR"/>
+              </a:defPPr>
+              <a:lvl1pPr marL="0" algn="l" defTabSz="914376" rtl="0" eaLnBrk="1" latinLnBrk="0" hangingPunct="1">
+                <a:defRPr sz="1800" kern="1200">
+                  <a:solidFill>
+                    <a:schemeClr val="tx1"/>
+                  </a:solidFill>
+                  <a:latin typeface="+mn-lt"/>
+                  <a:ea typeface="+mn-ea"/>
+                  <a:cs typeface="+mn-cs"/>
+                </a:defRPr>
+              </a:lvl1pPr>
+              <a:lvl2pPr marL="457188" algn="l" defTabSz="914376" rtl="0" eaLnBrk="1" latinLnBrk="0" hangingPunct="1">
+                <a:defRPr sz="1800" kern="1200">
+                  <a:solidFill>
+                    <a:schemeClr val="tx1"/>
+                  </a:solidFill>
+                  <a:latin typeface="+mn-lt"/>
+                  <a:ea typeface="+mn-ea"/>
+                  <a:cs typeface="+mn-cs"/>
+                </a:defRPr>
+              </a:lvl2pPr>
+              <a:lvl3pPr marL="914376" algn="l" defTabSz="914376" rtl="0" eaLnBrk="1" latinLnBrk="0" hangingPunct="1">
+                <a:defRPr sz="1800" kern="1200">
+                  <a:solidFill>
+                    <a:schemeClr val="tx1"/>
+                  </a:solidFill>
+                  <a:latin typeface="+mn-lt"/>
+                  <a:ea typeface="+mn-ea"/>
+                  <a:cs typeface="+mn-cs"/>
+                </a:defRPr>
+              </a:lvl3pPr>
+              <a:lvl4pPr marL="1371564" algn="l" defTabSz="914376" rtl="0" eaLnBrk="1" latinLnBrk="0" hangingPunct="1">
+                <a:defRPr sz="1800" kern="1200">
+                  <a:solidFill>
+                    <a:schemeClr val="tx1"/>
+                  </a:solidFill>
+                  <a:latin typeface="+mn-lt"/>
+                  <a:ea typeface="+mn-ea"/>
+                  <a:cs typeface="+mn-cs"/>
+                </a:defRPr>
+              </a:lvl4pPr>
+              <a:lvl5pPr marL="1828752" algn="l" defTabSz="914376" rtl="0" eaLnBrk="1" latinLnBrk="0" hangingPunct="1">
+                <a:defRPr sz="1800" kern="1200">
+                  <a:solidFill>
+                    <a:schemeClr val="tx1"/>
+                  </a:solidFill>
+                  <a:latin typeface="+mn-lt"/>
+                  <a:ea typeface="+mn-ea"/>
+                  <a:cs typeface="+mn-cs"/>
+                </a:defRPr>
+              </a:lvl5pPr>
+              <a:lvl6pPr marL="2285940" algn="l" defTabSz="914376" rtl="0" eaLnBrk="1" latinLnBrk="0" hangingPunct="1">
+                <a:defRPr sz="1800" kern="1200">
+                  <a:solidFill>
+                    <a:schemeClr val="tx1"/>
+                  </a:solidFill>
+                  <a:latin typeface="+mn-lt"/>
+                  <a:ea typeface="+mn-ea"/>
+                  <a:cs typeface="+mn-cs"/>
+                </a:defRPr>
+              </a:lvl6pPr>
+              <a:lvl7pPr marL="2743128" algn="l" defTabSz="914376" rtl="0" eaLnBrk="1" latinLnBrk="0" hangingPunct="1">
+                <a:defRPr sz="1800" kern="1200">
+                  <a:solidFill>
+                    <a:schemeClr val="tx1"/>
+                  </a:solidFill>
+                  <a:latin typeface="+mn-lt"/>
+                  <a:ea typeface="+mn-ea"/>
+                  <a:cs typeface="+mn-cs"/>
+                </a:defRPr>
+              </a:lvl7pPr>
+              <a:lvl8pPr marL="3200316" algn="l" defTabSz="914376" rtl="0" eaLnBrk="1" latinLnBrk="0" hangingPunct="1">
+                <a:defRPr sz="1800" kern="1200">
+                  <a:solidFill>
+                    <a:schemeClr val="tx1"/>
+                  </a:solidFill>
+                  <a:latin typeface="+mn-lt"/>
+                  <a:ea typeface="+mn-ea"/>
+                  <a:cs typeface="+mn-cs"/>
+                </a:defRPr>
+              </a:lvl8pPr>
+              <a:lvl9pPr marL="3657504" algn="l" defTabSz="914376" rtl="0" eaLnBrk="1" latinLnBrk="0" hangingPunct="1">
+                <a:defRPr sz="1800" kern="1200">
+                  <a:solidFill>
+                    <a:schemeClr val="tx1"/>
+                  </a:solidFill>
+                  <a:latin typeface="+mn-lt"/>
+                  <a:ea typeface="+mn-ea"/>
+                  <a:cs typeface="+mn-cs"/>
+                </a:defRPr>
+              </a:lvl9pPr>
+            </a:lstStyle>
+            <a:p>
+              <a:pPr algn="ctr">
+                <a:lnSpc>
+                  <a:spcPct val="140000"/>
+                </a:lnSpc>
+              </a:pPr>
+              <a:r>
+                <a:rPr lang="fr-FR" sz="1050" dirty="0">
+                  <a:solidFill>
+                    <a:schemeClr val="bg1"/>
+                  </a:solidFill>
+                </a:rPr>
+                <a:t> </a:t>
+              </a:r>
+              <a:r>
+                <a:rPr lang="fr-FR" sz="1050" dirty="0" smtClean="0">
+                  <a:solidFill>
+                    <a:schemeClr val="bg1"/>
+                  </a:solidFill>
+                </a:rPr>
+                <a:t>Plateforme</a:t>
+              </a:r>
+              <a:endParaRPr lang="fr-FR" sz="1050" dirty="0">
+                <a:solidFill>
+                  <a:schemeClr val="bg1"/>
+                </a:solidFill>
+              </a:endParaRPr>
+            </a:p>
+          </p:txBody>
+        </p:sp>
+        <p:sp>
+          <p:nvSpPr>
+            <p:cNvPr id="33" name="Accolade ouvrante 12"/>
+            <p:cNvSpPr/>
+            <p:nvPr/>
+          </p:nvSpPr>
+          <p:spPr>
+            <a:xfrm rot="10800000">
+              <a:off x="7897810" y="2994667"/>
+              <a:ext cx="111127" cy="666749"/>
+            </a:xfrm>
+            <a:prstGeom prst="leftBrace">
+              <a:avLst>
+                <a:gd name="adj1" fmla="val 40333"/>
+                <a:gd name="adj2" fmla="val 50000"/>
+              </a:avLst>
+            </a:prstGeom>
+            <a:ln w="19050" cmpd="sng"/>
+          </p:spPr>
+          <p:style>
+            <a:lnRef idx="1">
+              <a:schemeClr val="dk1"/>
+            </a:lnRef>
+            <a:fillRef idx="0">
+              <a:schemeClr val="dk1"/>
+            </a:fillRef>
+            <a:effectRef idx="0">
+              <a:schemeClr val="dk1"/>
+            </a:effectRef>
+            <a:fontRef idx="minor">
+              <a:schemeClr val="tx1"/>
+            </a:fontRef>
+          </p:style>
+          <p:txBody>
+            <a:bodyPr rtlCol="0" anchor="ctr"/>
+            <a:lstStyle>
+              <a:defPPr>
+                <a:defRPr lang="fr-FR"/>
+              </a:defPPr>
+              <a:lvl1pPr marL="0" algn="l" defTabSz="914376" rtl="0" eaLnBrk="1" latinLnBrk="0" hangingPunct="1">
+                <a:defRPr sz="1800" kern="1200">
+                  <a:solidFill>
+                    <a:schemeClr val="tx1"/>
+                  </a:solidFill>
+                  <a:latin typeface="+mn-lt"/>
+                  <a:ea typeface="+mn-ea"/>
+                  <a:cs typeface="+mn-cs"/>
+                </a:defRPr>
+              </a:lvl1pPr>
+              <a:lvl2pPr marL="457188" algn="l" defTabSz="914376" rtl="0" eaLnBrk="1" latinLnBrk="0" hangingPunct="1">
+                <a:defRPr sz="1800" kern="1200">
+                  <a:solidFill>
+                    <a:schemeClr val="tx1"/>
+                  </a:solidFill>
+                  <a:latin typeface="+mn-lt"/>
+                  <a:ea typeface="+mn-ea"/>
+                  <a:cs typeface="+mn-cs"/>
+                </a:defRPr>
+              </a:lvl2pPr>
+              <a:lvl3pPr marL="914376" algn="l" defTabSz="914376" rtl="0" eaLnBrk="1" latinLnBrk="0" hangingPunct="1">
+                <a:defRPr sz="1800" kern="1200">
+                  <a:solidFill>
+                    <a:schemeClr val="tx1"/>
+                  </a:solidFill>
+                  <a:latin typeface="+mn-lt"/>
+                  <a:ea typeface="+mn-ea"/>
+                  <a:cs typeface="+mn-cs"/>
+                </a:defRPr>
+              </a:lvl3pPr>
+              <a:lvl4pPr marL="1371564" algn="l" defTabSz="914376" rtl="0" eaLnBrk="1" latinLnBrk="0" hangingPunct="1">
+                <a:defRPr sz="1800" kern="1200">
+                  <a:solidFill>
+                    <a:schemeClr val="tx1"/>
+                  </a:solidFill>
+                  <a:latin typeface="+mn-lt"/>
+                  <a:ea typeface="+mn-ea"/>
+                  <a:cs typeface="+mn-cs"/>
+                </a:defRPr>
+              </a:lvl4pPr>
+              <a:lvl5pPr marL="1828752" algn="l" defTabSz="914376" rtl="0" eaLnBrk="1" latinLnBrk="0" hangingPunct="1">
+                <a:defRPr sz="1800" kern="1200">
+                  <a:solidFill>
+                    <a:schemeClr val="tx1"/>
+                  </a:solidFill>
+                  <a:latin typeface="+mn-lt"/>
+                  <a:ea typeface="+mn-ea"/>
+                  <a:cs typeface="+mn-cs"/>
+                </a:defRPr>
+              </a:lvl5pPr>
+              <a:lvl6pPr marL="2285940" algn="l" defTabSz="914376" rtl="0" eaLnBrk="1" latinLnBrk="0" hangingPunct="1">
+                <a:defRPr sz="1800" kern="1200">
+                  <a:solidFill>
+                    <a:schemeClr val="tx1"/>
+                  </a:solidFill>
+                  <a:latin typeface="+mn-lt"/>
+                  <a:ea typeface="+mn-ea"/>
+                  <a:cs typeface="+mn-cs"/>
+                </a:defRPr>
+              </a:lvl6pPr>
+              <a:lvl7pPr marL="2743128" algn="l" defTabSz="914376" rtl="0" eaLnBrk="1" latinLnBrk="0" hangingPunct="1">
+                <a:defRPr sz="1800" kern="1200">
+                  <a:solidFill>
+                    <a:schemeClr val="tx1"/>
+                  </a:solidFill>
+                  <a:latin typeface="+mn-lt"/>
+                  <a:ea typeface="+mn-ea"/>
+                  <a:cs typeface="+mn-cs"/>
+                </a:defRPr>
+              </a:lvl7pPr>
+              <a:lvl8pPr marL="3200316" algn="l" defTabSz="914376" rtl="0" eaLnBrk="1" latinLnBrk="0" hangingPunct="1">
+                <a:defRPr sz="1800" kern="1200">
+                  <a:solidFill>
+                    <a:schemeClr val="tx1"/>
+                  </a:solidFill>
+                  <a:latin typeface="+mn-lt"/>
+                  <a:ea typeface="+mn-ea"/>
+                  <a:cs typeface="+mn-cs"/>
+                </a:defRPr>
+              </a:lvl8pPr>
+              <a:lvl9pPr marL="3657504" algn="l" defTabSz="914376" rtl="0" eaLnBrk="1" latinLnBrk="0" hangingPunct="1">
+                <a:defRPr sz="1800" kern="1200">
+                  <a:solidFill>
+                    <a:schemeClr val="tx1"/>
+                  </a:solidFill>
+                  <a:latin typeface="+mn-lt"/>
+                  <a:ea typeface="+mn-ea"/>
+                  <a:cs typeface="+mn-cs"/>
+                </a:defRPr>
+              </a:lvl9pPr>
+            </a:lstStyle>
+            <a:p>
+              <a:pPr algn="ctr"/>
+              <a:endParaRPr lang="fr-FR"/>
+            </a:p>
+          </p:txBody>
+        </p:sp>
+        <p:sp>
+          <p:nvSpPr>
+            <p:cNvPr id="34" name="Accolade ouvrante 30"/>
+            <p:cNvSpPr/>
+            <p:nvPr/>
+          </p:nvSpPr>
+          <p:spPr>
+            <a:xfrm rot="10800000">
+              <a:off x="7905749" y="3701104"/>
+              <a:ext cx="103187" cy="492125"/>
+            </a:xfrm>
+            <a:prstGeom prst="leftBrace">
+              <a:avLst>
+                <a:gd name="adj1" fmla="val 40333"/>
+                <a:gd name="adj2" fmla="val 50000"/>
+              </a:avLst>
+            </a:prstGeom>
+            <a:ln w="19050" cmpd="sng"/>
+          </p:spPr>
+          <p:style>
+            <a:lnRef idx="1">
+              <a:schemeClr val="dk1"/>
+            </a:lnRef>
+            <a:fillRef idx="0">
+              <a:schemeClr val="dk1"/>
+            </a:fillRef>
+            <a:effectRef idx="0">
+              <a:schemeClr val="dk1"/>
+            </a:effectRef>
+            <a:fontRef idx="minor">
+              <a:schemeClr val="tx1"/>
+            </a:fontRef>
+          </p:style>
+          <p:txBody>
+            <a:bodyPr rtlCol="0" anchor="ctr"/>
+            <a:lstStyle>
+              <a:defPPr>
+                <a:defRPr lang="fr-FR"/>
+              </a:defPPr>
+              <a:lvl1pPr marL="0" algn="l" defTabSz="914376" rtl="0" eaLnBrk="1" latinLnBrk="0" hangingPunct="1">
+                <a:defRPr sz="1800" kern="1200">
+                  <a:solidFill>
+                    <a:schemeClr val="tx1"/>
+                  </a:solidFill>
+                  <a:latin typeface="+mn-lt"/>
+                  <a:ea typeface="+mn-ea"/>
+                  <a:cs typeface="+mn-cs"/>
+                </a:defRPr>
+              </a:lvl1pPr>
+              <a:lvl2pPr marL="457188" algn="l" defTabSz="914376" rtl="0" eaLnBrk="1" latinLnBrk="0" hangingPunct="1">
+                <a:defRPr sz="1800" kern="1200">
+                  <a:solidFill>
+                    <a:schemeClr val="tx1"/>
+                  </a:solidFill>
+                  <a:latin typeface="+mn-lt"/>
+                  <a:ea typeface="+mn-ea"/>
+                  <a:cs typeface="+mn-cs"/>
+                </a:defRPr>
+              </a:lvl2pPr>
+              <a:lvl3pPr marL="914376" algn="l" defTabSz="914376" rtl="0" eaLnBrk="1" latinLnBrk="0" hangingPunct="1">
+                <a:defRPr sz="1800" kern="1200">
+                  <a:solidFill>
+                    <a:schemeClr val="tx1"/>
+                  </a:solidFill>
+                  <a:latin typeface="+mn-lt"/>
+                  <a:ea typeface="+mn-ea"/>
+                  <a:cs typeface="+mn-cs"/>
+                </a:defRPr>
+              </a:lvl3pPr>
+              <a:lvl4pPr marL="1371564" algn="l" defTabSz="914376" rtl="0" eaLnBrk="1" latinLnBrk="0" hangingPunct="1">
+                <a:defRPr sz="1800" kern="1200">
+                  <a:solidFill>
+                    <a:schemeClr val="tx1"/>
+                  </a:solidFill>
+                  <a:latin typeface="+mn-lt"/>
+                  <a:ea typeface="+mn-ea"/>
+                  <a:cs typeface="+mn-cs"/>
+                </a:defRPr>
+              </a:lvl4pPr>
+              <a:lvl5pPr marL="1828752" algn="l" defTabSz="914376" rtl="0" eaLnBrk="1" latinLnBrk="0" hangingPunct="1">
+                <a:defRPr sz="1800" kern="1200">
+                  <a:solidFill>
+                    <a:schemeClr val="tx1"/>
+                  </a:solidFill>
+                  <a:latin typeface="+mn-lt"/>
+                  <a:ea typeface="+mn-ea"/>
+                  <a:cs typeface="+mn-cs"/>
+                </a:defRPr>
+              </a:lvl5pPr>
+              <a:lvl6pPr marL="2285940" algn="l" defTabSz="914376" rtl="0" eaLnBrk="1" latinLnBrk="0" hangingPunct="1">
+                <a:defRPr sz="1800" kern="1200">
+                  <a:solidFill>
+                    <a:schemeClr val="tx1"/>
+                  </a:solidFill>
+                  <a:latin typeface="+mn-lt"/>
+                  <a:ea typeface="+mn-ea"/>
+                  <a:cs typeface="+mn-cs"/>
+                </a:defRPr>
+              </a:lvl6pPr>
+              <a:lvl7pPr marL="2743128" algn="l" defTabSz="914376" rtl="0" eaLnBrk="1" latinLnBrk="0" hangingPunct="1">
+                <a:defRPr sz="1800" kern="1200">
+                  <a:solidFill>
+                    <a:schemeClr val="tx1"/>
+                  </a:solidFill>
+                  <a:latin typeface="+mn-lt"/>
+                  <a:ea typeface="+mn-ea"/>
+                  <a:cs typeface="+mn-cs"/>
+                </a:defRPr>
+              </a:lvl7pPr>
+              <a:lvl8pPr marL="3200316" algn="l" defTabSz="914376" rtl="0" eaLnBrk="1" latinLnBrk="0" hangingPunct="1">
+                <a:defRPr sz="1800" kern="1200">
+                  <a:solidFill>
+                    <a:schemeClr val="tx1"/>
+                  </a:solidFill>
+                  <a:latin typeface="+mn-lt"/>
+                  <a:ea typeface="+mn-ea"/>
+                  <a:cs typeface="+mn-cs"/>
+                </a:defRPr>
+              </a:lvl8pPr>
+              <a:lvl9pPr marL="3657504" algn="l" defTabSz="914376" rtl="0" eaLnBrk="1" latinLnBrk="0" hangingPunct="1">
+                <a:defRPr sz="1800" kern="1200">
+                  <a:solidFill>
+                    <a:schemeClr val="tx1"/>
+                  </a:solidFill>
+                  <a:latin typeface="+mn-lt"/>
+                  <a:ea typeface="+mn-ea"/>
+                  <a:cs typeface="+mn-cs"/>
+                </a:defRPr>
+              </a:lvl9pPr>
+            </a:lstStyle>
+            <a:p>
+              <a:pPr algn="ctr"/>
+              <a:endParaRPr lang="fr-FR"/>
+            </a:p>
+          </p:txBody>
+        </p:sp>
+        <p:sp>
+          <p:nvSpPr>
+            <p:cNvPr id="35" name="Rectangle 34"/>
+            <p:cNvSpPr/>
+            <p:nvPr/>
+          </p:nvSpPr>
+          <p:spPr>
+            <a:xfrm>
+              <a:off x="8087707" y="3204931"/>
+              <a:ext cx="429625" cy="246221"/>
+            </a:xfrm>
+            <a:prstGeom prst="rect">
+              <a:avLst/>
+            </a:prstGeom>
+          </p:spPr>
+          <p:txBody>
+            <a:bodyPr wrap="none">
+              <a:spAutoFit/>
+            </a:bodyPr>
+            <a:lstStyle>
+              <a:defPPr>
+                <a:defRPr lang="fr-FR"/>
+              </a:defPPr>
+              <a:lvl1pPr marL="0" algn="l" defTabSz="914376" rtl="0" eaLnBrk="1" latinLnBrk="0" hangingPunct="1">
+                <a:defRPr sz="1800" kern="1200">
+                  <a:solidFill>
+                    <a:schemeClr val="tx1"/>
+                  </a:solidFill>
+                  <a:latin typeface="+mn-lt"/>
+                  <a:ea typeface="+mn-ea"/>
+                  <a:cs typeface="+mn-cs"/>
+                </a:defRPr>
+              </a:lvl1pPr>
+              <a:lvl2pPr marL="457188" algn="l" defTabSz="914376" rtl="0" eaLnBrk="1" latinLnBrk="0" hangingPunct="1">
+                <a:defRPr sz="1800" kern="1200">
+                  <a:solidFill>
+                    <a:schemeClr val="tx1"/>
+                  </a:solidFill>
+                  <a:latin typeface="+mn-lt"/>
+                  <a:ea typeface="+mn-ea"/>
+                  <a:cs typeface="+mn-cs"/>
+                </a:defRPr>
+              </a:lvl2pPr>
+              <a:lvl3pPr marL="914376" algn="l" defTabSz="914376" rtl="0" eaLnBrk="1" latinLnBrk="0" hangingPunct="1">
+                <a:defRPr sz="1800" kern="1200">
+                  <a:solidFill>
+                    <a:schemeClr val="tx1"/>
+                  </a:solidFill>
+                  <a:latin typeface="+mn-lt"/>
+                  <a:ea typeface="+mn-ea"/>
+                  <a:cs typeface="+mn-cs"/>
+                </a:defRPr>
+              </a:lvl3pPr>
+              <a:lvl4pPr marL="1371564" algn="l" defTabSz="914376" rtl="0" eaLnBrk="1" latinLnBrk="0" hangingPunct="1">
+                <a:defRPr sz="1800" kern="1200">
+                  <a:solidFill>
+                    <a:schemeClr val="tx1"/>
+                  </a:solidFill>
+                  <a:latin typeface="+mn-lt"/>
+                  <a:ea typeface="+mn-ea"/>
+                  <a:cs typeface="+mn-cs"/>
+                </a:defRPr>
+              </a:lvl4pPr>
+              <a:lvl5pPr marL="1828752" algn="l" defTabSz="914376" rtl="0" eaLnBrk="1" latinLnBrk="0" hangingPunct="1">
+                <a:defRPr sz="1800" kern="1200">
+                  <a:solidFill>
+                    <a:schemeClr val="tx1"/>
+                  </a:solidFill>
+                  <a:latin typeface="+mn-lt"/>
+                  <a:ea typeface="+mn-ea"/>
+                  <a:cs typeface="+mn-cs"/>
+                </a:defRPr>
+              </a:lvl5pPr>
+              <a:lvl6pPr marL="2285940" algn="l" defTabSz="914376" rtl="0" eaLnBrk="1" latinLnBrk="0" hangingPunct="1">
+                <a:defRPr sz="1800" kern="1200">
+                  <a:solidFill>
+                    <a:schemeClr val="tx1"/>
+                  </a:solidFill>
+                  <a:latin typeface="+mn-lt"/>
+                  <a:ea typeface="+mn-ea"/>
+                  <a:cs typeface="+mn-cs"/>
+                </a:defRPr>
+              </a:lvl6pPr>
+              <a:lvl7pPr marL="2743128" algn="l" defTabSz="914376" rtl="0" eaLnBrk="1" latinLnBrk="0" hangingPunct="1">
+                <a:defRPr sz="1800" kern="1200">
+                  <a:solidFill>
+                    <a:schemeClr val="tx1"/>
+                  </a:solidFill>
+                  <a:latin typeface="+mn-lt"/>
+                  <a:ea typeface="+mn-ea"/>
+                  <a:cs typeface="+mn-cs"/>
+                </a:defRPr>
+              </a:lvl7pPr>
+              <a:lvl8pPr marL="3200316" algn="l" defTabSz="914376" rtl="0" eaLnBrk="1" latinLnBrk="0" hangingPunct="1">
+                <a:defRPr sz="1800" kern="1200">
+                  <a:solidFill>
+                    <a:schemeClr val="tx1"/>
+                  </a:solidFill>
+                  <a:latin typeface="+mn-lt"/>
+                  <a:ea typeface="+mn-ea"/>
+                  <a:cs typeface="+mn-cs"/>
+                </a:defRPr>
+              </a:lvl8pPr>
+              <a:lvl9pPr marL="3657504" algn="l" defTabSz="914376" rtl="0" eaLnBrk="1" latinLnBrk="0" hangingPunct="1">
+                <a:defRPr sz="1800" kern="1200">
+                  <a:solidFill>
+                    <a:schemeClr val="tx1"/>
+                  </a:solidFill>
+                  <a:latin typeface="+mn-lt"/>
+                  <a:ea typeface="+mn-ea"/>
+                  <a:cs typeface="+mn-cs"/>
+                </a:defRPr>
+              </a:lvl9pPr>
+            </a:lstStyle>
+            <a:p>
+              <a:pPr algn="ctr"/>
+              <a:r>
+                <a:rPr lang="fr-FR" sz="1000" dirty="0" err="1" smtClean="0">
+                  <a:solidFill>
+                    <a:srgbClr val="000000"/>
+                  </a:solidFill>
+                </a:rPr>
+                <a:t>Buy</a:t>
+              </a:r>
+              <a:endParaRPr lang="fr-FR" sz="1000" dirty="0"/>
+            </a:p>
+          </p:txBody>
+        </p:sp>
+        <p:sp>
+          <p:nvSpPr>
+            <p:cNvPr id="36" name="Rectangle 35"/>
+            <p:cNvSpPr/>
+            <p:nvPr/>
+          </p:nvSpPr>
+          <p:spPr>
+            <a:xfrm>
+              <a:off x="8042123" y="3800243"/>
+              <a:ext cx="520796" cy="246221"/>
+            </a:xfrm>
+            <a:prstGeom prst="rect">
+              <a:avLst/>
+            </a:prstGeom>
+          </p:spPr>
+          <p:txBody>
+            <a:bodyPr wrap="none">
+              <a:spAutoFit/>
+            </a:bodyPr>
+            <a:lstStyle>
+              <a:defPPr>
+                <a:defRPr lang="fr-FR"/>
+              </a:defPPr>
+              <a:lvl1pPr marL="0" algn="l" defTabSz="914376" rtl="0" eaLnBrk="1" latinLnBrk="0" hangingPunct="1">
+                <a:defRPr sz="1800" kern="1200">
+                  <a:solidFill>
+                    <a:schemeClr val="tx1"/>
+                  </a:solidFill>
+                  <a:latin typeface="+mn-lt"/>
+                  <a:ea typeface="+mn-ea"/>
+                  <a:cs typeface="+mn-cs"/>
+                </a:defRPr>
+              </a:lvl1pPr>
+              <a:lvl2pPr marL="457188" algn="l" defTabSz="914376" rtl="0" eaLnBrk="1" latinLnBrk="0" hangingPunct="1">
+                <a:defRPr sz="1800" kern="1200">
+                  <a:solidFill>
+                    <a:schemeClr val="tx1"/>
+                  </a:solidFill>
+                  <a:latin typeface="+mn-lt"/>
+                  <a:ea typeface="+mn-ea"/>
+                  <a:cs typeface="+mn-cs"/>
+                </a:defRPr>
+              </a:lvl2pPr>
+              <a:lvl3pPr marL="914376" algn="l" defTabSz="914376" rtl="0" eaLnBrk="1" latinLnBrk="0" hangingPunct="1">
+                <a:defRPr sz="1800" kern="1200">
+                  <a:solidFill>
+                    <a:schemeClr val="tx1"/>
+                  </a:solidFill>
+                  <a:latin typeface="+mn-lt"/>
+                  <a:ea typeface="+mn-ea"/>
+                  <a:cs typeface="+mn-cs"/>
+                </a:defRPr>
+              </a:lvl3pPr>
+              <a:lvl4pPr marL="1371564" algn="l" defTabSz="914376" rtl="0" eaLnBrk="1" latinLnBrk="0" hangingPunct="1">
+                <a:defRPr sz="1800" kern="1200">
+                  <a:solidFill>
+                    <a:schemeClr val="tx1"/>
+                  </a:solidFill>
+                  <a:latin typeface="+mn-lt"/>
+                  <a:ea typeface="+mn-ea"/>
+                  <a:cs typeface="+mn-cs"/>
+                </a:defRPr>
+              </a:lvl4pPr>
+              <a:lvl5pPr marL="1828752" algn="l" defTabSz="914376" rtl="0" eaLnBrk="1" latinLnBrk="0" hangingPunct="1">
+                <a:defRPr sz="1800" kern="1200">
+                  <a:solidFill>
+                    <a:schemeClr val="tx1"/>
+                  </a:solidFill>
+                  <a:latin typeface="+mn-lt"/>
+                  <a:ea typeface="+mn-ea"/>
+                  <a:cs typeface="+mn-cs"/>
+                </a:defRPr>
+              </a:lvl5pPr>
+              <a:lvl6pPr marL="2285940" algn="l" defTabSz="914376" rtl="0" eaLnBrk="1" latinLnBrk="0" hangingPunct="1">
+                <a:defRPr sz="1800" kern="1200">
+                  <a:solidFill>
+                    <a:schemeClr val="tx1"/>
+                  </a:solidFill>
+                  <a:latin typeface="+mn-lt"/>
+                  <a:ea typeface="+mn-ea"/>
+                  <a:cs typeface="+mn-cs"/>
+                </a:defRPr>
+              </a:lvl6pPr>
+              <a:lvl7pPr marL="2743128" algn="l" defTabSz="914376" rtl="0" eaLnBrk="1" latinLnBrk="0" hangingPunct="1">
+                <a:defRPr sz="1800" kern="1200">
+                  <a:solidFill>
+                    <a:schemeClr val="tx1"/>
+                  </a:solidFill>
+                  <a:latin typeface="+mn-lt"/>
+                  <a:ea typeface="+mn-ea"/>
+                  <a:cs typeface="+mn-cs"/>
+                </a:defRPr>
+              </a:lvl7pPr>
+              <a:lvl8pPr marL="3200316" algn="l" defTabSz="914376" rtl="0" eaLnBrk="1" latinLnBrk="0" hangingPunct="1">
+                <a:defRPr sz="1800" kern="1200">
+                  <a:solidFill>
+                    <a:schemeClr val="tx1"/>
+                  </a:solidFill>
+                  <a:latin typeface="+mn-lt"/>
+                  <a:ea typeface="+mn-ea"/>
+                  <a:cs typeface="+mn-cs"/>
+                </a:defRPr>
+              </a:lvl8pPr>
+              <a:lvl9pPr marL="3657504" algn="l" defTabSz="914376" rtl="0" eaLnBrk="1" latinLnBrk="0" hangingPunct="1">
+                <a:defRPr sz="1800" kern="1200">
+                  <a:solidFill>
+                    <a:schemeClr val="tx1"/>
+                  </a:solidFill>
+                  <a:latin typeface="+mn-lt"/>
+                  <a:ea typeface="+mn-ea"/>
+                  <a:cs typeface="+mn-cs"/>
+                </a:defRPr>
+              </a:lvl9pPr>
+            </a:lstStyle>
+            <a:p>
+              <a:pPr algn="ctr"/>
+              <a:r>
+                <a:rPr lang="fr-FR" sz="1000" dirty="0" err="1" smtClean="0">
+                  <a:solidFill>
+                    <a:srgbClr val="000000"/>
+                  </a:solidFill>
+                </a:rPr>
+                <a:t>Make</a:t>
+              </a:r>
+              <a:endParaRPr lang="fr-FR" sz="1000" dirty="0"/>
+            </a:p>
+          </p:txBody>
+        </p:sp>
+        <p:sp>
+          <p:nvSpPr>
+            <p:cNvPr id="37" name="Rectangle 36"/>
+            <p:cNvSpPr/>
+            <p:nvPr/>
+          </p:nvSpPr>
+          <p:spPr>
+            <a:xfrm>
+              <a:off x="5634399" y="2011870"/>
+              <a:ext cx="234506" cy="482364"/>
+            </a:xfrm>
+            <a:prstGeom prst="rect">
+              <a:avLst/>
+            </a:prstGeom>
+            <a:solidFill>
+              <a:schemeClr val="accent6"/>
+            </a:solidFill>
+            <a:ln w="3175" cmpd="sng">
+              <a:solidFill>
+                <a:schemeClr val="accent6">
+                  <a:lumMod val="50000"/>
+                </a:schemeClr>
+              </a:solidFill>
+            </a:ln>
+          </p:spPr>
+          <p:style>
+            <a:lnRef idx="2">
+              <a:schemeClr val="accent1">
+                <a:shade val="50000"/>
+              </a:schemeClr>
+            </a:lnRef>
+            <a:fillRef idx="1">
+              <a:schemeClr val="accent1"/>
+            </a:fillRef>
+            <a:effectRef idx="0">
+              <a:schemeClr val="accent1"/>
+            </a:effectRef>
+            <a:fontRef idx="minor">
+              <a:schemeClr val="lt1"/>
+            </a:fontRef>
+          </p:style>
+          <p:txBody>
+            <a:bodyPr vert="vert" lIns="36000" rIns="36000" rtlCol="0" anchor="ctr"/>
+            <a:lstStyle>
+              <a:defPPr>
+                <a:defRPr lang="fr-FR"/>
+              </a:defPPr>
+              <a:lvl1pPr marL="0" algn="l" defTabSz="914376" rtl="0" eaLnBrk="1" latinLnBrk="0" hangingPunct="1">
+                <a:defRPr sz="1800" kern="1200">
+                  <a:solidFill>
+                    <a:schemeClr val="lt1"/>
+                  </a:solidFill>
+                  <a:latin typeface="+mn-lt"/>
+                  <a:ea typeface="+mn-ea"/>
+                  <a:cs typeface="+mn-cs"/>
+                </a:defRPr>
+              </a:lvl1pPr>
+              <a:lvl2pPr marL="457188" algn="l" defTabSz="914376" rtl="0" eaLnBrk="1" latinLnBrk="0" hangingPunct="1">
+                <a:defRPr sz="1800" kern="1200">
+                  <a:solidFill>
+                    <a:schemeClr val="lt1"/>
+                  </a:solidFill>
+                  <a:latin typeface="+mn-lt"/>
+                  <a:ea typeface="+mn-ea"/>
+                  <a:cs typeface="+mn-cs"/>
+                </a:defRPr>
+              </a:lvl2pPr>
+              <a:lvl3pPr marL="914376" algn="l" defTabSz="914376" rtl="0" eaLnBrk="1" latinLnBrk="0" hangingPunct="1">
+                <a:defRPr sz="1800" kern="1200">
+                  <a:solidFill>
+                    <a:schemeClr val="lt1"/>
+                  </a:solidFill>
+                  <a:latin typeface="+mn-lt"/>
+                  <a:ea typeface="+mn-ea"/>
+                  <a:cs typeface="+mn-cs"/>
+                </a:defRPr>
+              </a:lvl3pPr>
+              <a:lvl4pPr marL="1371564" algn="l" defTabSz="914376" rtl="0" eaLnBrk="1" latinLnBrk="0" hangingPunct="1">
+                <a:defRPr sz="1800" kern="1200">
+                  <a:solidFill>
+                    <a:schemeClr val="lt1"/>
+                  </a:solidFill>
+                  <a:latin typeface="+mn-lt"/>
+                  <a:ea typeface="+mn-ea"/>
+                  <a:cs typeface="+mn-cs"/>
+                </a:defRPr>
+              </a:lvl4pPr>
+              <a:lvl5pPr marL="1828752" algn="l" defTabSz="914376" rtl="0" eaLnBrk="1" latinLnBrk="0" hangingPunct="1">
+                <a:defRPr sz="1800" kern="1200">
+                  <a:solidFill>
+                    <a:schemeClr val="lt1"/>
+                  </a:solidFill>
+                  <a:latin typeface="+mn-lt"/>
+                  <a:ea typeface="+mn-ea"/>
+                  <a:cs typeface="+mn-cs"/>
+                </a:defRPr>
+              </a:lvl5pPr>
+              <a:lvl6pPr marL="2285940" algn="l" defTabSz="914376" rtl="0" eaLnBrk="1" latinLnBrk="0" hangingPunct="1">
+                <a:defRPr sz="1800" kern="1200">
+                  <a:solidFill>
+                    <a:schemeClr val="lt1"/>
+                  </a:solidFill>
+                  <a:latin typeface="+mn-lt"/>
+                  <a:ea typeface="+mn-ea"/>
+                  <a:cs typeface="+mn-cs"/>
+                </a:defRPr>
+              </a:lvl6pPr>
+              <a:lvl7pPr marL="2743128" algn="l" defTabSz="914376" rtl="0" eaLnBrk="1" latinLnBrk="0" hangingPunct="1">
+                <a:defRPr sz="1800" kern="1200">
+                  <a:solidFill>
+                    <a:schemeClr val="lt1"/>
+                  </a:solidFill>
+                  <a:latin typeface="+mn-lt"/>
+                  <a:ea typeface="+mn-ea"/>
+                  <a:cs typeface="+mn-cs"/>
+                </a:defRPr>
+              </a:lvl7pPr>
+              <a:lvl8pPr marL="3200316" algn="l" defTabSz="914376" rtl="0" eaLnBrk="1" latinLnBrk="0" hangingPunct="1">
+                <a:defRPr sz="1800" kern="1200">
+                  <a:solidFill>
+                    <a:schemeClr val="lt1"/>
+                  </a:solidFill>
+                  <a:latin typeface="+mn-lt"/>
+                  <a:ea typeface="+mn-ea"/>
+                  <a:cs typeface="+mn-cs"/>
+                </a:defRPr>
+              </a:lvl8pPr>
+              <a:lvl9pPr marL="3657504" algn="l" defTabSz="914376" rtl="0" eaLnBrk="1" latinLnBrk="0" hangingPunct="1">
+                <a:defRPr sz="1800" kern="1200">
+                  <a:solidFill>
+                    <a:schemeClr val="lt1"/>
+                  </a:solidFill>
+                  <a:latin typeface="+mn-lt"/>
+                  <a:ea typeface="+mn-ea"/>
+                  <a:cs typeface="+mn-cs"/>
+                </a:defRPr>
+              </a:lvl9pPr>
+            </a:lstStyle>
+            <a:p>
+              <a:pPr algn="ctr"/>
+              <a:r>
+                <a:rPr lang="fr-FR" sz="900" dirty="0">
+                  <a:solidFill>
+                    <a:schemeClr val="bg1"/>
+                  </a:solidFill>
+                </a:rPr>
+                <a:t>Collecteurs</a:t>
+              </a:r>
+            </a:p>
+          </p:txBody>
+        </p:sp>
+        <p:sp>
+          <p:nvSpPr>
+            <p:cNvPr id="38" name="Rectangle 37"/>
+            <p:cNvSpPr/>
+            <p:nvPr/>
+          </p:nvSpPr>
+          <p:spPr>
+            <a:xfrm>
+              <a:off x="5906615" y="2015339"/>
+              <a:ext cx="561674" cy="485439"/>
+            </a:xfrm>
+            <a:prstGeom prst="rect">
+              <a:avLst/>
+            </a:prstGeom>
+            <a:solidFill>
+              <a:schemeClr val="accent6"/>
+            </a:solidFill>
+            <a:ln w="3175" cmpd="sng">
+              <a:solidFill>
+                <a:schemeClr val="accent6">
+                  <a:lumMod val="50000"/>
+                </a:schemeClr>
+              </a:solidFill>
+            </a:ln>
+          </p:spPr>
+          <p:style>
+            <a:lnRef idx="2">
+              <a:schemeClr val="accent1">
+                <a:shade val="50000"/>
+              </a:schemeClr>
+            </a:lnRef>
+            <a:fillRef idx="1">
+              <a:schemeClr val="accent1"/>
+            </a:fillRef>
+            <a:effectRef idx="0">
+              <a:schemeClr val="accent1"/>
+            </a:effectRef>
+            <a:fontRef idx="minor">
+              <a:schemeClr val="lt1"/>
+            </a:fontRef>
+          </p:style>
+          <p:txBody>
+            <a:bodyPr lIns="36000" rIns="36000" rtlCol="0" anchor="ctr"/>
+            <a:lstStyle>
+              <a:defPPr>
+                <a:defRPr lang="fr-FR"/>
+              </a:defPPr>
+              <a:lvl1pPr marL="0" algn="l" defTabSz="914376" rtl="0" eaLnBrk="1" latinLnBrk="0" hangingPunct="1">
+                <a:defRPr sz="1800" kern="1200">
+                  <a:solidFill>
+                    <a:schemeClr val="lt1"/>
+                  </a:solidFill>
+                  <a:latin typeface="+mn-lt"/>
+                  <a:ea typeface="+mn-ea"/>
+                  <a:cs typeface="+mn-cs"/>
+                </a:defRPr>
+              </a:lvl1pPr>
+              <a:lvl2pPr marL="457188" algn="l" defTabSz="914376" rtl="0" eaLnBrk="1" latinLnBrk="0" hangingPunct="1">
+                <a:defRPr sz="1800" kern="1200">
+                  <a:solidFill>
+                    <a:schemeClr val="lt1"/>
+                  </a:solidFill>
+                  <a:latin typeface="+mn-lt"/>
+                  <a:ea typeface="+mn-ea"/>
+                  <a:cs typeface="+mn-cs"/>
+                </a:defRPr>
+              </a:lvl2pPr>
+              <a:lvl3pPr marL="914376" algn="l" defTabSz="914376" rtl="0" eaLnBrk="1" latinLnBrk="0" hangingPunct="1">
+                <a:defRPr sz="1800" kern="1200">
+                  <a:solidFill>
+                    <a:schemeClr val="lt1"/>
+                  </a:solidFill>
+                  <a:latin typeface="+mn-lt"/>
+                  <a:ea typeface="+mn-ea"/>
+                  <a:cs typeface="+mn-cs"/>
+                </a:defRPr>
+              </a:lvl3pPr>
+              <a:lvl4pPr marL="1371564" algn="l" defTabSz="914376" rtl="0" eaLnBrk="1" latinLnBrk="0" hangingPunct="1">
+                <a:defRPr sz="1800" kern="1200">
+                  <a:solidFill>
+                    <a:schemeClr val="lt1"/>
+                  </a:solidFill>
+                  <a:latin typeface="+mn-lt"/>
+                  <a:ea typeface="+mn-ea"/>
+                  <a:cs typeface="+mn-cs"/>
+                </a:defRPr>
+              </a:lvl4pPr>
+              <a:lvl5pPr marL="1828752" algn="l" defTabSz="914376" rtl="0" eaLnBrk="1" latinLnBrk="0" hangingPunct="1">
+                <a:defRPr sz="1800" kern="1200">
+                  <a:solidFill>
+                    <a:schemeClr val="lt1"/>
+                  </a:solidFill>
+                  <a:latin typeface="+mn-lt"/>
+                  <a:ea typeface="+mn-ea"/>
+                  <a:cs typeface="+mn-cs"/>
+                </a:defRPr>
+              </a:lvl5pPr>
+              <a:lvl6pPr marL="2285940" algn="l" defTabSz="914376" rtl="0" eaLnBrk="1" latinLnBrk="0" hangingPunct="1">
+                <a:defRPr sz="1800" kern="1200">
+                  <a:solidFill>
+                    <a:schemeClr val="lt1"/>
+                  </a:solidFill>
+                  <a:latin typeface="+mn-lt"/>
+                  <a:ea typeface="+mn-ea"/>
+                  <a:cs typeface="+mn-cs"/>
+                </a:defRPr>
+              </a:lvl6pPr>
+              <a:lvl7pPr marL="2743128" algn="l" defTabSz="914376" rtl="0" eaLnBrk="1" latinLnBrk="0" hangingPunct="1">
+                <a:defRPr sz="1800" kern="1200">
+                  <a:solidFill>
+                    <a:schemeClr val="lt1"/>
+                  </a:solidFill>
+                  <a:latin typeface="+mn-lt"/>
+                  <a:ea typeface="+mn-ea"/>
+                  <a:cs typeface="+mn-cs"/>
+                </a:defRPr>
+              </a:lvl7pPr>
+              <a:lvl8pPr marL="3200316" algn="l" defTabSz="914376" rtl="0" eaLnBrk="1" latinLnBrk="0" hangingPunct="1">
+                <a:defRPr sz="1800" kern="1200">
+                  <a:solidFill>
+                    <a:schemeClr val="lt1"/>
+                  </a:solidFill>
+                  <a:latin typeface="+mn-lt"/>
+                  <a:ea typeface="+mn-ea"/>
+                  <a:cs typeface="+mn-cs"/>
+                </a:defRPr>
+              </a:lvl8pPr>
+              <a:lvl9pPr marL="3657504" algn="l" defTabSz="914376" rtl="0" eaLnBrk="1" latinLnBrk="0" hangingPunct="1">
+                <a:defRPr sz="1800" kern="1200">
+                  <a:solidFill>
+                    <a:schemeClr val="lt1"/>
+                  </a:solidFill>
+                  <a:latin typeface="+mn-lt"/>
+                  <a:ea typeface="+mn-ea"/>
+                  <a:cs typeface="+mn-cs"/>
+                </a:defRPr>
+              </a:lvl9pPr>
+            </a:lstStyle>
+            <a:p>
+              <a:pPr algn="ctr"/>
+              <a:r>
+                <a:rPr lang="fr-FR" sz="900" dirty="0">
+                  <a:solidFill>
+                    <a:schemeClr val="bg1"/>
+                  </a:solidFill>
+                </a:rPr>
+                <a:t>DQM</a:t>
+              </a:r>
+            </a:p>
+          </p:txBody>
+        </p:sp>
+        <p:sp>
+          <p:nvSpPr>
+            <p:cNvPr id="39" name="Rectangle 38"/>
+            <p:cNvSpPr/>
+            <p:nvPr/>
+          </p:nvSpPr>
+          <p:spPr>
+            <a:xfrm>
+              <a:off x="6502652" y="2015340"/>
+              <a:ext cx="565048" cy="485438"/>
+            </a:xfrm>
+            <a:prstGeom prst="rect">
+              <a:avLst/>
+            </a:prstGeom>
+            <a:solidFill>
+              <a:schemeClr val="accent1"/>
+            </a:solidFill>
+            <a:ln w="3175" cmpd="sng">
+              <a:solidFill>
+                <a:schemeClr val="accent1">
+                  <a:lumMod val="50000"/>
+                </a:schemeClr>
+              </a:solidFill>
+            </a:ln>
+          </p:spPr>
+          <p:style>
+            <a:lnRef idx="2">
+              <a:schemeClr val="accent1">
+                <a:shade val="50000"/>
+              </a:schemeClr>
+            </a:lnRef>
+            <a:fillRef idx="1">
+              <a:schemeClr val="accent1"/>
+            </a:fillRef>
+            <a:effectRef idx="0">
+              <a:schemeClr val="accent1"/>
+            </a:effectRef>
+            <a:fontRef idx="minor">
+              <a:schemeClr val="lt1"/>
+            </a:fontRef>
+          </p:style>
+          <p:txBody>
+            <a:bodyPr lIns="36000" rIns="36000" rtlCol="0" anchor="ctr"/>
+            <a:lstStyle>
+              <a:defPPr>
+                <a:defRPr lang="fr-FR"/>
+              </a:defPPr>
+              <a:lvl1pPr marL="0" algn="l" defTabSz="914376" rtl="0" eaLnBrk="1" latinLnBrk="0" hangingPunct="1">
+                <a:defRPr sz="1800" kern="1200">
+                  <a:solidFill>
+                    <a:schemeClr val="lt1"/>
+                  </a:solidFill>
+                  <a:latin typeface="+mn-lt"/>
+                  <a:ea typeface="+mn-ea"/>
+                  <a:cs typeface="+mn-cs"/>
+                </a:defRPr>
+              </a:lvl1pPr>
+              <a:lvl2pPr marL="457188" algn="l" defTabSz="914376" rtl="0" eaLnBrk="1" latinLnBrk="0" hangingPunct="1">
+                <a:defRPr sz="1800" kern="1200">
+                  <a:solidFill>
+                    <a:schemeClr val="lt1"/>
+                  </a:solidFill>
+                  <a:latin typeface="+mn-lt"/>
+                  <a:ea typeface="+mn-ea"/>
+                  <a:cs typeface="+mn-cs"/>
+                </a:defRPr>
+              </a:lvl2pPr>
+              <a:lvl3pPr marL="914376" algn="l" defTabSz="914376" rtl="0" eaLnBrk="1" latinLnBrk="0" hangingPunct="1">
+                <a:defRPr sz="1800" kern="1200">
+                  <a:solidFill>
+                    <a:schemeClr val="lt1"/>
+                  </a:solidFill>
+                  <a:latin typeface="+mn-lt"/>
+                  <a:ea typeface="+mn-ea"/>
+                  <a:cs typeface="+mn-cs"/>
+                </a:defRPr>
+              </a:lvl3pPr>
+              <a:lvl4pPr marL="1371564" algn="l" defTabSz="914376" rtl="0" eaLnBrk="1" latinLnBrk="0" hangingPunct="1">
+                <a:defRPr sz="1800" kern="1200">
+                  <a:solidFill>
+                    <a:schemeClr val="lt1"/>
+                  </a:solidFill>
+                  <a:latin typeface="+mn-lt"/>
+                  <a:ea typeface="+mn-ea"/>
+                  <a:cs typeface="+mn-cs"/>
+                </a:defRPr>
+              </a:lvl4pPr>
+              <a:lvl5pPr marL="1828752" algn="l" defTabSz="914376" rtl="0" eaLnBrk="1" latinLnBrk="0" hangingPunct="1">
+                <a:defRPr sz="1800" kern="1200">
+                  <a:solidFill>
+                    <a:schemeClr val="lt1"/>
+                  </a:solidFill>
+                  <a:latin typeface="+mn-lt"/>
+                  <a:ea typeface="+mn-ea"/>
+                  <a:cs typeface="+mn-cs"/>
+                </a:defRPr>
+              </a:lvl5pPr>
+              <a:lvl6pPr marL="2285940" algn="l" defTabSz="914376" rtl="0" eaLnBrk="1" latinLnBrk="0" hangingPunct="1">
+                <a:defRPr sz="1800" kern="1200">
+                  <a:solidFill>
+                    <a:schemeClr val="lt1"/>
+                  </a:solidFill>
+                  <a:latin typeface="+mn-lt"/>
+                  <a:ea typeface="+mn-ea"/>
+                  <a:cs typeface="+mn-cs"/>
+                </a:defRPr>
+              </a:lvl6pPr>
+              <a:lvl7pPr marL="2743128" algn="l" defTabSz="914376" rtl="0" eaLnBrk="1" latinLnBrk="0" hangingPunct="1">
+                <a:defRPr sz="1800" kern="1200">
+                  <a:solidFill>
+                    <a:schemeClr val="lt1"/>
+                  </a:solidFill>
+                  <a:latin typeface="+mn-lt"/>
+                  <a:ea typeface="+mn-ea"/>
+                  <a:cs typeface="+mn-cs"/>
+                </a:defRPr>
+              </a:lvl7pPr>
+              <a:lvl8pPr marL="3200316" algn="l" defTabSz="914376" rtl="0" eaLnBrk="1" latinLnBrk="0" hangingPunct="1">
+                <a:defRPr sz="1800" kern="1200">
+                  <a:solidFill>
+                    <a:schemeClr val="lt1"/>
+                  </a:solidFill>
+                  <a:latin typeface="+mn-lt"/>
+                  <a:ea typeface="+mn-ea"/>
+                  <a:cs typeface="+mn-cs"/>
+                </a:defRPr>
+              </a:lvl8pPr>
+              <a:lvl9pPr marL="3657504" algn="l" defTabSz="914376" rtl="0" eaLnBrk="1" latinLnBrk="0" hangingPunct="1">
+                <a:defRPr sz="1800" kern="1200">
+                  <a:solidFill>
+                    <a:schemeClr val="lt1"/>
+                  </a:solidFill>
+                  <a:latin typeface="+mn-lt"/>
+                  <a:ea typeface="+mn-ea"/>
+                  <a:cs typeface="+mn-cs"/>
+                </a:defRPr>
+              </a:lvl9pPr>
+            </a:lstStyle>
+            <a:p>
+              <a:pPr algn="ctr"/>
+              <a:r>
+                <a:rPr lang="fr-FR" sz="900" dirty="0">
+                  <a:solidFill>
+                    <a:schemeClr val="bg1"/>
+                  </a:solidFill>
+                </a:rPr>
+                <a:t>Data </a:t>
+              </a:r>
+              <a:r>
+                <a:rPr lang="fr-FR" sz="900" dirty="0" err="1">
+                  <a:solidFill>
+                    <a:schemeClr val="bg1"/>
+                  </a:solidFill>
+                </a:rPr>
+                <a:t>Mining</a:t>
+              </a:r>
+              <a:endParaRPr lang="fr-FR" sz="900" dirty="0">
+                <a:solidFill>
+                  <a:schemeClr val="bg1"/>
+                </a:solidFill>
+              </a:endParaRPr>
+            </a:p>
+          </p:txBody>
+        </p:sp>
+        <p:sp>
+          <p:nvSpPr>
+            <p:cNvPr id="40" name="Rectangle 39"/>
+            <p:cNvSpPr/>
+            <p:nvPr/>
+          </p:nvSpPr>
+          <p:spPr>
+            <a:xfrm>
+              <a:off x="7100845" y="2015340"/>
+              <a:ext cx="684312" cy="485438"/>
+            </a:xfrm>
+            <a:prstGeom prst="rect">
+              <a:avLst/>
+            </a:prstGeom>
+            <a:solidFill>
+              <a:schemeClr val="accent1"/>
+            </a:solidFill>
+            <a:ln w="3175" cmpd="sng">
+              <a:solidFill>
+                <a:schemeClr val="accent1">
+                  <a:lumMod val="50000"/>
+                </a:schemeClr>
+              </a:solidFill>
+            </a:ln>
+          </p:spPr>
+          <p:style>
+            <a:lnRef idx="2">
+              <a:schemeClr val="accent1">
+                <a:shade val="50000"/>
+              </a:schemeClr>
+            </a:lnRef>
+            <a:fillRef idx="1">
+              <a:schemeClr val="accent1"/>
+            </a:fillRef>
+            <a:effectRef idx="0">
+              <a:schemeClr val="accent1"/>
+            </a:effectRef>
+            <a:fontRef idx="minor">
+              <a:schemeClr val="lt1"/>
+            </a:fontRef>
+          </p:style>
+          <p:txBody>
+            <a:bodyPr lIns="36000" rIns="36000" rtlCol="0" anchor="ctr"/>
+            <a:lstStyle>
+              <a:defPPr>
+                <a:defRPr lang="fr-FR"/>
+              </a:defPPr>
+              <a:lvl1pPr marL="0" algn="l" defTabSz="914376" rtl="0" eaLnBrk="1" latinLnBrk="0" hangingPunct="1">
+                <a:defRPr sz="1800" kern="1200">
+                  <a:solidFill>
+                    <a:schemeClr val="lt1"/>
+                  </a:solidFill>
+                  <a:latin typeface="+mn-lt"/>
+                  <a:ea typeface="+mn-ea"/>
+                  <a:cs typeface="+mn-cs"/>
+                </a:defRPr>
+              </a:lvl1pPr>
+              <a:lvl2pPr marL="457188" algn="l" defTabSz="914376" rtl="0" eaLnBrk="1" latinLnBrk="0" hangingPunct="1">
+                <a:defRPr sz="1800" kern="1200">
+                  <a:solidFill>
+                    <a:schemeClr val="lt1"/>
+                  </a:solidFill>
+                  <a:latin typeface="+mn-lt"/>
+                  <a:ea typeface="+mn-ea"/>
+                  <a:cs typeface="+mn-cs"/>
+                </a:defRPr>
+              </a:lvl2pPr>
+              <a:lvl3pPr marL="914376" algn="l" defTabSz="914376" rtl="0" eaLnBrk="1" latinLnBrk="0" hangingPunct="1">
+                <a:defRPr sz="1800" kern="1200">
+                  <a:solidFill>
+                    <a:schemeClr val="lt1"/>
+                  </a:solidFill>
+                  <a:latin typeface="+mn-lt"/>
+                  <a:ea typeface="+mn-ea"/>
+                  <a:cs typeface="+mn-cs"/>
+                </a:defRPr>
+              </a:lvl3pPr>
+              <a:lvl4pPr marL="1371564" algn="l" defTabSz="914376" rtl="0" eaLnBrk="1" latinLnBrk="0" hangingPunct="1">
+                <a:defRPr sz="1800" kern="1200">
+                  <a:solidFill>
+                    <a:schemeClr val="lt1"/>
+                  </a:solidFill>
+                  <a:latin typeface="+mn-lt"/>
+                  <a:ea typeface="+mn-ea"/>
+                  <a:cs typeface="+mn-cs"/>
+                </a:defRPr>
+              </a:lvl4pPr>
+              <a:lvl5pPr marL="1828752" algn="l" defTabSz="914376" rtl="0" eaLnBrk="1" latinLnBrk="0" hangingPunct="1">
+                <a:defRPr sz="1800" kern="1200">
+                  <a:solidFill>
+                    <a:schemeClr val="lt1"/>
+                  </a:solidFill>
+                  <a:latin typeface="+mn-lt"/>
+                  <a:ea typeface="+mn-ea"/>
+                  <a:cs typeface="+mn-cs"/>
+                </a:defRPr>
+              </a:lvl5pPr>
+              <a:lvl6pPr marL="2285940" algn="l" defTabSz="914376" rtl="0" eaLnBrk="1" latinLnBrk="0" hangingPunct="1">
+                <a:defRPr sz="1800" kern="1200">
+                  <a:solidFill>
+                    <a:schemeClr val="lt1"/>
+                  </a:solidFill>
+                  <a:latin typeface="+mn-lt"/>
+                  <a:ea typeface="+mn-ea"/>
+                  <a:cs typeface="+mn-cs"/>
+                </a:defRPr>
+              </a:lvl6pPr>
+              <a:lvl7pPr marL="2743128" algn="l" defTabSz="914376" rtl="0" eaLnBrk="1" latinLnBrk="0" hangingPunct="1">
+                <a:defRPr sz="1800" kern="1200">
+                  <a:solidFill>
+                    <a:schemeClr val="lt1"/>
+                  </a:solidFill>
+                  <a:latin typeface="+mn-lt"/>
+                  <a:ea typeface="+mn-ea"/>
+                  <a:cs typeface="+mn-cs"/>
+                </a:defRPr>
+              </a:lvl7pPr>
+              <a:lvl8pPr marL="3200316" algn="l" defTabSz="914376" rtl="0" eaLnBrk="1" latinLnBrk="0" hangingPunct="1">
+                <a:defRPr sz="1800" kern="1200">
+                  <a:solidFill>
+                    <a:schemeClr val="lt1"/>
+                  </a:solidFill>
+                  <a:latin typeface="+mn-lt"/>
+                  <a:ea typeface="+mn-ea"/>
+                  <a:cs typeface="+mn-cs"/>
+                </a:defRPr>
+              </a:lvl8pPr>
+              <a:lvl9pPr marL="3657504" algn="l" defTabSz="914376" rtl="0" eaLnBrk="1" latinLnBrk="0" hangingPunct="1">
+                <a:defRPr sz="1800" kern="1200">
+                  <a:solidFill>
+                    <a:schemeClr val="lt1"/>
+                  </a:solidFill>
+                  <a:latin typeface="+mn-lt"/>
+                  <a:ea typeface="+mn-ea"/>
+                  <a:cs typeface="+mn-cs"/>
+                </a:defRPr>
+              </a:lvl9pPr>
+            </a:lstStyle>
+            <a:p>
+              <a:pPr algn="ctr"/>
+              <a:r>
+                <a:rPr lang="fr-FR" sz="800" dirty="0" err="1">
+                  <a:solidFill>
+                    <a:schemeClr val="bg1"/>
+                  </a:solidFill>
+                </a:rPr>
+                <a:t>Reporting</a:t>
+              </a:r>
+              <a:endParaRPr lang="fr-FR" sz="800" dirty="0">
+                <a:solidFill>
+                  <a:schemeClr val="bg1"/>
+                </a:solidFill>
+              </a:endParaRPr>
+            </a:p>
+          </p:txBody>
+        </p:sp>
+        <p:sp>
+          <p:nvSpPr>
+            <p:cNvPr id="41" name="Rectangle 40"/>
+            <p:cNvSpPr/>
+            <p:nvPr/>
+          </p:nvSpPr>
+          <p:spPr>
+            <a:xfrm>
+              <a:off x="5814725" y="1329193"/>
+              <a:ext cx="1455847" cy="392415"/>
+            </a:xfrm>
+            <a:prstGeom prst="rect">
+              <a:avLst/>
+            </a:prstGeom>
+          </p:spPr>
+          <p:txBody>
+            <a:bodyPr wrap="none">
+              <a:spAutoFit/>
+            </a:bodyPr>
+            <a:lstStyle>
+              <a:defPPr>
+                <a:defRPr lang="fr-FR"/>
+              </a:defPPr>
+              <a:lvl1pPr marL="0" algn="l" defTabSz="914376" rtl="0" eaLnBrk="1" latinLnBrk="0" hangingPunct="1">
+                <a:defRPr sz="1800" kern="1200">
+                  <a:solidFill>
+                    <a:schemeClr val="tx1"/>
+                  </a:solidFill>
+                  <a:latin typeface="+mn-lt"/>
+                  <a:ea typeface="+mn-ea"/>
+                  <a:cs typeface="+mn-cs"/>
+                </a:defRPr>
+              </a:lvl1pPr>
+              <a:lvl2pPr marL="457188" algn="l" defTabSz="914376" rtl="0" eaLnBrk="1" latinLnBrk="0" hangingPunct="1">
+                <a:defRPr sz="1800" kern="1200">
+                  <a:solidFill>
+                    <a:schemeClr val="tx1"/>
+                  </a:solidFill>
+                  <a:latin typeface="+mn-lt"/>
+                  <a:ea typeface="+mn-ea"/>
+                  <a:cs typeface="+mn-cs"/>
+                </a:defRPr>
+              </a:lvl2pPr>
+              <a:lvl3pPr marL="914376" algn="l" defTabSz="914376" rtl="0" eaLnBrk="1" latinLnBrk="0" hangingPunct="1">
+                <a:defRPr sz="1800" kern="1200">
+                  <a:solidFill>
+                    <a:schemeClr val="tx1"/>
+                  </a:solidFill>
+                  <a:latin typeface="+mn-lt"/>
+                  <a:ea typeface="+mn-ea"/>
+                  <a:cs typeface="+mn-cs"/>
+                </a:defRPr>
+              </a:lvl3pPr>
+              <a:lvl4pPr marL="1371564" algn="l" defTabSz="914376" rtl="0" eaLnBrk="1" latinLnBrk="0" hangingPunct="1">
+                <a:defRPr sz="1800" kern="1200">
+                  <a:solidFill>
+                    <a:schemeClr val="tx1"/>
+                  </a:solidFill>
+                  <a:latin typeface="+mn-lt"/>
+                  <a:ea typeface="+mn-ea"/>
+                  <a:cs typeface="+mn-cs"/>
+                </a:defRPr>
+              </a:lvl4pPr>
+              <a:lvl5pPr marL="1828752" algn="l" defTabSz="914376" rtl="0" eaLnBrk="1" latinLnBrk="0" hangingPunct="1">
+                <a:defRPr sz="1800" kern="1200">
+                  <a:solidFill>
+                    <a:schemeClr val="tx1"/>
+                  </a:solidFill>
+                  <a:latin typeface="+mn-lt"/>
+                  <a:ea typeface="+mn-ea"/>
+                  <a:cs typeface="+mn-cs"/>
+                </a:defRPr>
+              </a:lvl5pPr>
+              <a:lvl6pPr marL="2285940" algn="l" defTabSz="914376" rtl="0" eaLnBrk="1" latinLnBrk="0" hangingPunct="1">
+                <a:defRPr sz="1800" kern="1200">
+                  <a:solidFill>
+                    <a:schemeClr val="tx1"/>
+                  </a:solidFill>
+                  <a:latin typeface="+mn-lt"/>
+                  <a:ea typeface="+mn-ea"/>
+                  <a:cs typeface="+mn-cs"/>
+                </a:defRPr>
+              </a:lvl6pPr>
+              <a:lvl7pPr marL="2743128" algn="l" defTabSz="914376" rtl="0" eaLnBrk="1" latinLnBrk="0" hangingPunct="1">
+                <a:defRPr sz="1800" kern="1200">
+                  <a:solidFill>
+                    <a:schemeClr val="tx1"/>
+                  </a:solidFill>
+                  <a:latin typeface="+mn-lt"/>
+                  <a:ea typeface="+mn-ea"/>
+                  <a:cs typeface="+mn-cs"/>
+                </a:defRPr>
+              </a:lvl7pPr>
+              <a:lvl8pPr marL="3200316" algn="l" defTabSz="914376" rtl="0" eaLnBrk="1" latinLnBrk="0" hangingPunct="1">
+                <a:defRPr sz="1800" kern="1200">
+                  <a:solidFill>
+                    <a:schemeClr val="tx1"/>
+                  </a:solidFill>
+                  <a:latin typeface="+mn-lt"/>
+                  <a:ea typeface="+mn-ea"/>
+                  <a:cs typeface="+mn-cs"/>
+                </a:defRPr>
+              </a:lvl8pPr>
+              <a:lvl9pPr marL="3657504" algn="l" defTabSz="914376" rtl="0" eaLnBrk="1" latinLnBrk="0" hangingPunct="1">
+                <a:defRPr sz="1800" kern="1200">
+                  <a:solidFill>
+                    <a:schemeClr val="tx1"/>
+                  </a:solidFill>
+                  <a:latin typeface="+mn-lt"/>
+                  <a:ea typeface="+mn-ea"/>
+                  <a:cs typeface="+mn-cs"/>
+                </a:defRPr>
+              </a:lvl9pPr>
+            </a:lstStyle>
+            <a:p>
+              <a:pPr algn="ctr"/>
+              <a:r>
+                <a:rPr lang="fr-FR" sz="1050" dirty="0" smtClean="0">
+                  <a:solidFill>
+                    <a:schemeClr val="bg1"/>
+                  </a:solidFill>
+                </a:rPr>
+                <a:t>Module analytique</a:t>
+              </a:r>
+            </a:p>
+            <a:p>
+              <a:pPr algn="ctr"/>
+              <a:r>
+                <a:rPr lang="fr-FR" sz="900" dirty="0" smtClean="0">
+                  <a:solidFill>
+                    <a:schemeClr val="bg1"/>
+                  </a:solidFill>
+                </a:rPr>
+                <a:t>(Connaissance </a:t>
+              </a:r>
+              <a:r>
+                <a:rPr lang="fr-FR" sz="900" dirty="0">
+                  <a:solidFill>
+                    <a:schemeClr val="bg1"/>
+                  </a:solidFill>
+                </a:rPr>
+                <a:t>Client)</a:t>
+              </a:r>
+            </a:p>
+          </p:txBody>
+        </p:sp>
+        <p:sp>
+          <p:nvSpPr>
+            <p:cNvPr id="42" name="Organigramme : Disque magnétique 14"/>
+            <p:cNvSpPr/>
+            <p:nvPr/>
+          </p:nvSpPr>
+          <p:spPr>
+            <a:xfrm>
+              <a:off x="5533078" y="1421125"/>
+              <a:ext cx="241825" cy="249382"/>
+            </a:xfrm>
+            <a:prstGeom prst="flowChartMagneticDisk">
+              <a:avLst/>
+            </a:prstGeom>
+            <a:solidFill>
+              <a:schemeClr val="accent6"/>
+            </a:solidFill>
+            <a:ln w="3175">
+              <a:solidFill>
+                <a:schemeClr val="tx1"/>
+              </a:solidFill>
+            </a:ln>
+          </p:spPr>
+          <p:style>
+            <a:lnRef idx="2">
+              <a:schemeClr val="accent1">
+                <a:shade val="50000"/>
+              </a:schemeClr>
+            </a:lnRef>
+            <a:fillRef idx="1">
+              <a:schemeClr val="accent1"/>
+            </a:fillRef>
+            <a:effectRef idx="0">
+              <a:schemeClr val="accent1"/>
+            </a:effectRef>
+            <a:fontRef idx="minor">
+              <a:schemeClr val="lt1"/>
+            </a:fontRef>
+          </p:style>
+          <p:txBody>
+            <a:bodyPr rtlCol="0" anchor="ctr"/>
+            <a:lstStyle>
+              <a:defPPr>
+                <a:defRPr lang="fr-FR"/>
+              </a:defPPr>
+              <a:lvl1pPr marL="0" algn="l" defTabSz="914376" rtl="0" eaLnBrk="1" latinLnBrk="0" hangingPunct="1">
+                <a:defRPr sz="1800" kern="1200">
+                  <a:solidFill>
+                    <a:schemeClr val="lt1"/>
+                  </a:solidFill>
+                  <a:latin typeface="+mn-lt"/>
+                  <a:ea typeface="+mn-ea"/>
+                  <a:cs typeface="+mn-cs"/>
+                </a:defRPr>
+              </a:lvl1pPr>
+              <a:lvl2pPr marL="457188" algn="l" defTabSz="914376" rtl="0" eaLnBrk="1" latinLnBrk="0" hangingPunct="1">
+                <a:defRPr sz="1800" kern="1200">
+                  <a:solidFill>
+                    <a:schemeClr val="lt1"/>
+                  </a:solidFill>
+                  <a:latin typeface="+mn-lt"/>
+                  <a:ea typeface="+mn-ea"/>
+                  <a:cs typeface="+mn-cs"/>
+                </a:defRPr>
+              </a:lvl2pPr>
+              <a:lvl3pPr marL="914376" algn="l" defTabSz="914376" rtl="0" eaLnBrk="1" latinLnBrk="0" hangingPunct="1">
+                <a:defRPr sz="1800" kern="1200">
+                  <a:solidFill>
+                    <a:schemeClr val="lt1"/>
+                  </a:solidFill>
+                  <a:latin typeface="+mn-lt"/>
+                  <a:ea typeface="+mn-ea"/>
+                  <a:cs typeface="+mn-cs"/>
+                </a:defRPr>
+              </a:lvl3pPr>
+              <a:lvl4pPr marL="1371564" algn="l" defTabSz="914376" rtl="0" eaLnBrk="1" latinLnBrk="0" hangingPunct="1">
+                <a:defRPr sz="1800" kern="1200">
+                  <a:solidFill>
+                    <a:schemeClr val="lt1"/>
+                  </a:solidFill>
+                  <a:latin typeface="+mn-lt"/>
+                  <a:ea typeface="+mn-ea"/>
+                  <a:cs typeface="+mn-cs"/>
+                </a:defRPr>
+              </a:lvl4pPr>
+              <a:lvl5pPr marL="1828752" algn="l" defTabSz="914376" rtl="0" eaLnBrk="1" latinLnBrk="0" hangingPunct="1">
+                <a:defRPr sz="1800" kern="1200">
+                  <a:solidFill>
+                    <a:schemeClr val="lt1"/>
+                  </a:solidFill>
+                  <a:latin typeface="+mn-lt"/>
+                  <a:ea typeface="+mn-ea"/>
+                  <a:cs typeface="+mn-cs"/>
+                </a:defRPr>
+              </a:lvl5pPr>
+              <a:lvl6pPr marL="2285940" algn="l" defTabSz="914376" rtl="0" eaLnBrk="1" latinLnBrk="0" hangingPunct="1">
+                <a:defRPr sz="1800" kern="1200">
+                  <a:solidFill>
+                    <a:schemeClr val="lt1"/>
+                  </a:solidFill>
+                  <a:latin typeface="+mn-lt"/>
+                  <a:ea typeface="+mn-ea"/>
+                  <a:cs typeface="+mn-cs"/>
+                </a:defRPr>
+              </a:lvl6pPr>
+              <a:lvl7pPr marL="2743128" algn="l" defTabSz="914376" rtl="0" eaLnBrk="1" latinLnBrk="0" hangingPunct="1">
+                <a:defRPr sz="1800" kern="1200">
+                  <a:solidFill>
+                    <a:schemeClr val="lt1"/>
+                  </a:solidFill>
+                  <a:latin typeface="+mn-lt"/>
+                  <a:ea typeface="+mn-ea"/>
+                  <a:cs typeface="+mn-cs"/>
+                </a:defRPr>
+              </a:lvl7pPr>
+              <a:lvl8pPr marL="3200316" algn="l" defTabSz="914376" rtl="0" eaLnBrk="1" latinLnBrk="0" hangingPunct="1">
+                <a:defRPr sz="1800" kern="1200">
+                  <a:solidFill>
+                    <a:schemeClr val="lt1"/>
+                  </a:solidFill>
+                  <a:latin typeface="+mn-lt"/>
+                  <a:ea typeface="+mn-ea"/>
+                  <a:cs typeface="+mn-cs"/>
+                </a:defRPr>
+              </a:lvl8pPr>
+              <a:lvl9pPr marL="3657504" algn="l" defTabSz="914376" rtl="0" eaLnBrk="1" latinLnBrk="0" hangingPunct="1">
+                <a:defRPr sz="1800" kern="1200">
+                  <a:solidFill>
+                    <a:schemeClr val="lt1"/>
+                  </a:solidFill>
+                  <a:latin typeface="+mn-lt"/>
+                  <a:ea typeface="+mn-ea"/>
+                  <a:cs typeface="+mn-cs"/>
+                </a:defRPr>
+              </a:lvl9pPr>
+            </a:lstStyle>
+            <a:p>
+              <a:pPr algn="ctr"/>
+              <a:endParaRPr lang="fr-FR"/>
+            </a:p>
+          </p:txBody>
+        </p:sp>
+        <p:sp>
+          <p:nvSpPr>
+            <p:cNvPr id="43" name="Flèche vers le haut 46"/>
+            <p:cNvSpPr/>
+            <p:nvPr/>
+          </p:nvSpPr>
+          <p:spPr>
+            <a:xfrm>
+              <a:off x="5659536" y="2465492"/>
+              <a:ext cx="218029" cy="288192"/>
+            </a:xfrm>
+            <a:prstGeom prst="upArrow">
+              <a:avLst/>
+            </a:prstGeom>
+          </p:spPr>
+          <p:style>
+            <a:lnRef idx="2">
+              <a:schemeClr val="accent1">
+                <a:shade val="50000"/>
+              </a:schemeClr>
+            </a:lnRef>
+            <a:fillRef idx="1">
+              <a:schemeClr val="accent1"/>
+            </a:fillRef>
+            <a:effectRef idx="0">
+              <a:schemeClr val="accent1"/>
+            </a:effectRef>
+            <a:fontRef idx="minor">
+              <a:schemeClr val="lt1"/>
+            </a:fontRef>
+          </p:style>
+          <p:txBody>
+            <a:bodyPr rtlCol="0" anchor="ctr"/>
+            <a:lstStyle>
+              <a:defPPr>
+                <a:defRPr lang="fr-FR"/>
+              </a:defPPr>
+              <a:lvl1pPr marL="0" algn="l" defTabSz="914376" rtl="0" eaLnBrk="1" latinLnBrk="0" hangingPunct="1">
+                <a:defRPr sz="1800" kern="1200">
+                  <a:solidFill>
+                    <a:schemeClr val="lt1"/>
+                  </a:solidFill>
+                  <a:latin typeface="+mn-lt"/>
+                  <a:ea typeface="+mn-ea"/>
+                  <a:cs typeface="+mn-cs"/>
+                </a:defRPr>
+              </a:lvl1pPr>
+              <a:lvl2pPr marL="457188" algn="l" defTabSz="914376" rtl="0" eaLnBrk="1" latinLnBrk="0" hangingPunct="1">
+                <a:defRPr sz="1800" kern="1200">
+                  <a:solidFill>
+                    <a:schemeClr val="lt1"/>
+                  </a:solidFill>
+                  <a:latin typeface="+mn-lt"/>
+                  <a:ea typeface="+mn-ea"/>
+                  <a:cs typeface="+mn-cs"/>
+                </a:defRPr>
+              </a:lvl2pPr>
+              <a:lvl3pPr marL="914376" algn="l" defTabSz="914376" rtl="0" eaLnBrk="1" latinLnBrk="0" hangingPunct="1">
+                <a:defRPr sz="1800" kern="1200">
+                  <a:solidFill>
+                    <a:schemeClr val="lt1"/>
+                  </a:solidFill>
+                  <a:latin typeface="+mn-lt"/>
+                  <a:ea typeface="+mn-ea"/>
+                  <a:cs typeface="+mn-cs"/>
+                </a:defRPr>
+              </a:lvl3pPr>
+              <a:lvl4pPr marL="1371564" algn="l" defTabSz="914376" rtl="0" eaLnBrk="1" latinLnBrk="0" hangingPunct="1">
+                <a:defRPr sz="1800" kern="1200">
+                  <a:solidFill>
+                    <a:schemeClr val="lt1"/>
+                  </a:solidFill>
+                  <a:latin typeface="+mn-lt"/>
+                  <a:ea typeface="+mn-ea"/>
+                  <a:cs typeface="+mn-cs"/>
+                </a:defRPr>
+              </a:lvl4pPr>
+              <a:lvl5pPr marL="1828752" algn="l" defTabSz="914376" rtl="0" eaLnBrk="1" latinLnBrk="0" hangingPunct="1">
+                <a:defRPr sz="1800" kern="1200">
+                  <a:solidFill>
+                    <a:schemeClr val="lt1"/>
+                  </a:solidFill>
+                  <a:latin typeface="+mn-lt"/>
+                  <a:ea typeface="+mn-ea"/>
+                  <a:cs typeface="+mn-cs"/>
+                </a:defRPr>
+              </a:lvl5pPr>
+              <a:lvl6pPr marL="2285940" algn="l" defTabSz="914376" rtl="0" eaLnBrk="1" latinLnBrk="0" hangingPunct="1">
+                <a:defRPr sz="1800" kern="1200">
+                  <a:solidFill>
+                    <a:schemeClr val="lt1"/>
+                  </a:solidFill>
+                  <a:latin typeface="+mn-lt"/>
+                  <a:ea typeface="+mn-ea"/>
+                  <a:cs typeface="+mn-cs"/>
+                </a:defRPr>
+              </a:lvl6pPr>
+              <a:lvl7pPr marL="2743128" algn="l" defTabSz="914376" rtl="0" eaLnBrk="1" latinLnBrk="0" hangingPunct="1">
+                <a:defRPr sz="1800" kern="1200">
+                  <a:solidFill>
+                    <a:schemeClr val="lt1"/>
+                  </a:solidFill>
+                  <a:latin typeface="+mn-lt"/>
+                  <a:ea typeface="+mn-ea"/>
+                  <a:cs typeface="+mn-cs"/>
+                </a:defRPr>
+              </a:lvl7pPr>
+              <a:lvl8pPr marL="3200316" algn="l" defTabSz="914376" rtl="0" eaLnBrk="1" latinLnBrk="0" hangingPunct="1">
+                <a:defRPr sz="1800" kern="1200">
+                  <a:solidFill>
+                    <a:schemeClr val="lt1"/>
+                  </a:solidFill>
+                  <a:latin typeface="+mn-lt"/>
+                  <a:ea typeface="+mn-ea"/>
+                  <a:cs typeface="+mn-cs"/>
+                </a:defRPr>
+              </a:lvl8pPr>
+              <a:lvl9pPr marL="3657504" algn="l" defTabSz="914376" rtl="0" eaLnBrk="1" latinLnBrk="0" hangingPunct="1">
+                <a:defRPr sz="1800" kern="1200">
+                  <a:solidFill>
+                    <a:schemeClr val="lt1"/>
+                  </a:solidFill>
+                  <a:latin typeface="+mn-lt"/>
+                  <a:ea typeface="+mn-ea"/>
+                  <a:cs typeface="+mn-cs"/>
+                </a:defRPr>
+              </a:lvl9pPr>
+            </a:lstStyle>
+            <a:p>
+              <a:pPr algn="ctr"/>
+              <a:endParaRPr lang="fr-FR"/>
+            </a:p>
+          </p:txBody>
+        </p:sp>
+        <p:sp>
+          <p:nvSpPr>
+            <p:cNvPr id="44" name="Flèche vers le haut 60"/>
+            <p:cNvSpPr/>
+            <p:nvPr/>
+          </p:nvSpPr>
+          <p:spPr>
+            <a:xfrm>
+              <a:off x="5404781" y="1970585"/>
+              <a:ext cx="218029" cy="288192"/>
+            </a:xfrm>
+            <a:prstGeom prst="upArrow">
+              <a:avLst/>
+            </a:prstGeom>
+            <a:scene3d>
+              <a:camera prst="orthographicFront">
+                <a:rot lat="0" lon="0" rev="16200000"/>
+              </a:camera>
+              <a:lightRig rig="threePt" dir="t"/>
+            </a:scene3d>
+          </p:spPr>
+          <p:style>
+            <a:lnRef idx="2">
+              <a:schemeClr val="accent1">
+                <a:shade val="50000"/>
+              </a:schemeClr>
+            </a:lnRef>
+            <a:fillRef idx="1">
+              <a:schemeClr val="accent1"/>
+            </a:fillRef>
+            <a:effectRef idx="0">
+              <a:schemeClr val="accent1"/>
+            </a:effectRef>
+            <a:fontRef idx="minor">
+              <a:schemeClr val="lt1"/>
+            </a:fontRef>
+          </p:style>
+          <p:txBody>
+            <a:bodyPr rtlCol="0" anchor="ctr"/>
+            <a:lstStyle>
+              <a:defPPr>
+                <a:defRPr lang="fr-FR"/>
+              </a:defPPr>
+              <a:lvl1pPr marL="0" algn="l" defTabSz="914376" rtl="0" eaLnBrk="1" latinLnBrk="0" hangingPunct="1">
+                <a:defRPr sz="1800" kern="1200">
+                  <a:solidFill>
+                    <a:schemeClr val="lt1"/>
+                  </a:solidFill>
+                  <a:latin typeface="+mn-lt"/>
+                  <a:ea typeface="+mn-ea"/>
+                  <a:cs typeface="+mn-cs"/>
+                </a:defRPr>
+              </a:lvl1pPr>
+              <a:lvl2pPr marL="457188" algn="l" defTabSz="914376" rtl="0" eaLnBrk="1" latinLnBrk="0" hangingPunct="1">
+                <a:defRPr sz="1800" kern="1200">
+                  <a:solidFill>
+                    <a:schemeClr val="lt1"/>
+                  </a:solidFill>
+                  <a:latin typeface="+mn-lt"/>
+                  <a:ea typeface="+mn-ea"/>
+                  <a:cs typeface="+mn-cs"/>
+                </a:defRPr>
+              </a:lvl2pPr>
+              <a:lvl3pPr marL="914376" algn="l" defTabSz="914376" rtl="0" eaLnBrk="1" latinLnBrk="0" hangingPunct="1">
+                <a:defRPr sz="1800" kern="1200">
+                  <a:solidFill>
+                    <a:schemeClr val="lt1"/>
+                  </a:solidFill>
+                  <a:latin typeface="+mn-lt"/>
+                  <a:ea typeface="+mn-ea"/>
+                  <a:cs typeface="+mn-cs"/>
+                </a:defRPr>
+              </a:lvl3pPr>
+              <a:lvl4pPr marL="1371564" algn="l" defTabSz="914376" rtl="0" eaLnBrk="1" latinLnBrk="0" hangingPunct="1">
+                <a:defRPr sz="1800" kern="1200">
+                  <a:solidFill>
+                    <a:schemeClr val="lt1"/>
+                  </a:solidFill>
+                  <a:latin typeface="+mn-lt"/>
+                  <a:ea typeface="+mn-ea"/>
+                  <a:cs typeface="+mn-cs"/>
+                </a:defRPr>
+              </a:lvl4pPr>
+              <a:lvl5pPr marL="1828752" algn="l" defTabSz="914376" rtl="0" eaLnBrk="1" latinLnBrk="0" hangingPunct="1">
+                <a:defRPr sz="1800" kern="1200">
+                  <a:solidFill>
+                    <a:schemeClr val="lt1"/>
+                  </a:solidFill>
+                  <a:latin typeface="+mn-lt"/>
+                  <a:ea typeface="+mn-ea"/>
+                  <a:cs typeface="+mn-cs"/>
+                </a:defRPr>
+              </a:lvl5pPr>
+              <a:lvl6pPr marL="2285940" algn="l" defTabSz="914376" rtl="0" eaLnBrk="1" latinLnBrk="0" hangingPunct="1">
+                <a:defRPr sz="1800" kern="1200">
+                  <a:solidFill>
+                    <a:schemeClr val="lt1"/>
+                  </a:solidFill>
+                  <a:latin typeface="+mn-lt"/>
+                  <a:ea typeface="+mn-ea"/>
+                  <a:cs typeface="+mn-cs"/>
+                </a:defRPr>
+              </a:lvl6pPr>
+              <a:lvl7pPr marL="2743128" algn="l" defTabSz="914376" rtl="0" eaLnBrk="1" latinLnBrk="0" hangingPunct="1">
+                <a:defRPr sz="1800" kern="1200">
+                  <a:solidFill>
+                    <a:schemeClr val="lt1"/>
+                  </a:solidFill>
+                  <a:latin typeface="+mn-lt"/>
+                  <a:ea typeface="+mn-ea"/>
+                  <a:cs typeface="+mn-cs"/>
+                </a:defRPr>
+              </a:lvl7pPr>
+              <a:lvl8pPr marL="3200316" algn="l" defTabSz="914376" rtl="0" eaLnBrk="1" latinLnBrk="0" hangingPunct="1">
+                <a:defRPr sz="1800" kern="1200">
+                  <a:solidFill>
+                    <a:schemeClr val="lt1"/>
+                  </a:solidFill>
+                  <a:latin typeface="+mn-lt"/>
+                  <a:ea typeface="+mn-ea"/>
+                  <a:cs typeface="+mn-cs"/>
+                </a:defRPr>
+              </a:lvl8pPr>
+              <a:lvl9pPr marL="3657504" algn="l" defTabSz="914376" rtl="0" eaLnBrk="1" latinLnBrk="0" hangingPunct="1">
+                <a:defRPr sz="1800" kern="1200">
+                  <a:solidFill>
+                    <a:schemeClr val="lt1"/>
+                  </a:solidFill>
+                  <a:latin typeface="+mn-lt"/>
+                  <a:ea typeface="+mn-ea"/>
+                  <a:cs typeface="+mn-cs"/>
+                </a:defRPr>
+              </a:lvl9pPr>
+            </a:lstStyle>
+            <a:p>
+              <a:pPr algn="ctr"/>
+              <a:endParaRPr lang="fr-FR"/>
+            </a:p>
+          </p:txBody>
+        </p:sp>
+        <p:sp>
+          <p:nvSpPr>
+            <p:cNvPr id="45" name="Flèche courbée vers la gauche 61"/>
+            <p:cNvSpPr/>
+            <p:nvPr/>
+          </p:nvSpPr>
+          <p:spPr>
+            <a:xfrm>
+              <a:off x="7511214" y="2372453"/>
+              <a:ext cx="280668" cy="510079"/>
+            </a:xfrm>
+            <a:prstGeom prst="curvedLeftArrow">
+              <a:avLst/>
+            </a:prstGeom>
+          </p:spPr>
+          <p:style>
+            <a:lnRef idx="2">
+              <a:schemeClr val="accent1">
+                <a:shade val="50000"/>
+              </a:schemeClr>
+            </a:lnRef>
+            <a:fillRef idx="1">
+              <a:schemeClr val="accent1"/>
+            </a:fillRef>
+            <a:effectRef idx="0">
+              <a:schemeClr val="accent1"/>
+            </a:effectRef>
+            <a:fontRef idx="minor">
+              <a:schemeClr val="lt1"/>
+            </a:fontRef>
+          </p:style>
+          <p:txBody>
+            <a:bodyPr rot="0" spcFirstLastPara="0" vert="horz" wrap="square" lIns="91440" tIns="45720" rIns="91440" bIns="45720" numCol="1" spcCol="0" rtlCol="0" fromWordArt="0" anchor="ctr" anchorCtr="0" forceAA="0" compatLnSpc="1">
+              <a:prstTxWarp prst="textNoShape">
+                <a:avLst/>
+              </a:prstTxWarp>
+              <a:noAutofit/>
+            </a:bodyPr>
+            <a:lstStyle>
+              <a:defPPr>
+                <a:defRPr lang="fr-FR"/>
+              </a:defPPr>
+              <a:lvl1pPr marL="0" algn="l" defTabSz="914376" rtl="0" eaLnBrk="1" latinLnBrk="0" hangingPunct="1">
+                <a:defRPr sz="1800" kern="1200">
+                  <a:solidFill>
+                    <a:schemeClr val="lt1"/>
+                  </a:solidFill>
+                  <a:latin typeface="+mn-lt"/>
+                  <a:ea typeface="+mn-ea"/>
+                  <a:cs typeface="+mn-cs"/>
+                </a:defRPr>
+              </a:lvl1pPr>
+              <a:lvl2pPr marL="457188" algn="l" defTabSz="914376" rtl="0" eaLnBrk="1" latinLnBrk="0" hangingPunct="1">
+                <a:defRPr sz="1800" kern="1200">
+                  <a:solidFill>
+                    <a:schemeClr val="lt1"/>
+                  </a:solidFill>
+                  <a:latin typeface="+mn-lt"/>
+                  <a:ea typeface="+mn-ea"/>
+                  <a:cs typeface="+mn-cs"/>
+                </a:defRPr>
+              </a:lvl2pPr>
+              <a:lvl3pPr marL="914376" algn="l" defTabSz="914376" rtl="0" eaLnBrk="1" latinLnBrk="0" hangingPunct="1">
+                <a:defRPr sz="1800" kern="1200">
+                  <a:solidFill>
+                    <a:schemeClr val="lt1"/>
+                  </a:solidFill>
+                  <a:latin typeface="+mn-lt"/>
+                  <a:ea typeface="+mn-ea"/>
+                  <a:cs typeface="+mn-cs"/>
+                </a:defRPr>
+              </a:lvl3pPr>
+              <a:lvl4pPr marL="1371564" algn="l" defTabSz="914376" rtl="0" eaLnBrk="1" latinLnBrk="0" hangingPunct="1">
+                <a:defRPr sz="1800" kern="1200">
+                  <a:solidFill>
+                    <a:schemeClr val="lt1"/>
+                  </a:solidFill>
+                  <a:latin typeface="+mn-lt"/>
+                  <a:ea typeface="+mn-ea"/>
+                  <a:cs typeface="+mn-cs"/>
+                </a:defRPr>
+              </a:lvl4pPr>
+              <a:lvl5pPr marL="1828752" algn="l" defTabSz="914376" rtl="0" eaLnBrk="1" latinLnBrk="0" hangingPunct="1">
+                <a:defRPr sz="1800" kern="1200">
+                  <a:solidFill>
+                    <a:schemeClr val="lt1"/>
+                  </a:solidFill>
+                  <a:latin typeface="+mn-lt"/>
+                  <a:ea typeface="+mn-ea"/>
+                  <a:cs typeface="+mn-cs"/>
+                </a:defRPr>
+              </a:lvl5pPr>
+              <a:lvl6pPr marL="2285940" algn="l" defTabSz="914376" rtl="0" eaLnBrk="1" latinLnBrk="0" hangingPunct="1">
+                <a:defRPr sz="1800" kern="1200">
+                  <a:solidFill>
+                    <a:schemeClr val="lt1"/>
+                  </a:solidFill>
+                  <a:latin typeface="+mn-lt"/>
+                  <a:ea typeface="+mn-ea"/>
+                  <a:cs typeface="+mn-cs"/>
+                </a:defRPr>
+              </a:lvl6pPr>
+              <a:lvl7pPr marL="2743128" algn="l" defTabSz="914376" rtl="0" eaLnBrk="1" latinLnBrk="0" hangingPunct="1">
+                <a:defRPr sz="1800" kern="1200">
+                  <a:solidFill>
+                    <a:schemeClr val="lt1"/>
+                  </a:solidFill>
+                  <a:latin typeface="+mn-lt"/>
+                  <a:ea typeface="+mn-ea"/>
+                  <a:cs typeface="+mn-cs"/>
+                </a:defRPr>
+              </a:lvl7pPr>
+              <a:lvl8pPr marL="3200316" algn="l" defTabSz="914376" rtl="0" eaLnBrk="1" latinLnBrk="0" hangingPunct="1">
+                <a:defRPr sz="1800" kern="1200">
+                  <a:solidFill>
+                    <a:schemeClr val="lt1"/>
+                  </a:solidFill>
+                  <a:latin typeface="+mn-lt"/>
+                  <a:ea typeface="+mn-ea"/>
+                  <a:cs typeface="+mn-cs"/>
+                </a:defRPr>
+              </a:lvl8pPr>
+              <a:lvl9pPr marL="3657504" algn="l" defTabSz="914376" rtl="0" eaLnBrk="1" latinLnBrk="0" hangingPunct="1">
+                <a:defRPr sz="1800" kern="1200">
+                  <a:solidFill>
+                    <a:schemeClr val="lt1"/>
+                  </a:solidFill>
+                  <a:latin typeface="+mn-lt"/>
+                  <a:ea typeface="+mn-ea"/>
+                  <a:cs typeface="+mn-cs"/>
+                </a:defRPr>
+              </a:lvl9pPr>
+            </a:lstStyle>
+            <a:p>
+              <a:pPr algn="ctr"/>
+              <a:endParaRPr lang="fr-FR">
+                <a:solidFill>
+                  <a:schemeClr val="tx1"/>
+                </a:solidFill>
+              </a:endParaRPr>
+            </a:p>
+          </p:txBody>
+        </p:sp>
+      </p:grpSp>
+      <p:sp>
+        <p:nvSpPr>
+          <p:cNvPr id="20" name="Rectangle 19"/>
+          <p:cNvSpPr/>
+          <p:nvPr/>
+        </p:nvSpPr>
+        <p:spPr>
+          <a:xfrm>
+            <a:off x="5558824" y="1764584"/>
+            <a:ext cx="2142029" cy="218562"/>
+          </a:xfrm>
+          <a:prstGeom prst="rect">
+            <a:avLst/>
+          </a:prstGeom>
+          <a:solidFill>
+            <a:schemeClr val="accent6"/>
+          </a:solidFill>
+          <a:ln w="3175" cmpd="sng">
+            <a:solidFill>
+              <a:schemeClr val="accent6">
+                <a:lumMod val="50000"/>
+              </a:schemeClr>
+            </a:solidFill>
+          </a:ln>
+        </p:spPr>
+        <p:style>
+          <a:lnRef idx="2">
+            <a:schemeClr val="accent1">
+              <a:shade val="50000"/>
+            </a:schemeClr>
+          </a:lnRef>
+          <a:fillRef idx="1">
+            <a:schemeClr val="accent1"/>
+          </a:fillRef>
+          <a:effectRef idx="0">
+            <a:schemeClr val="accent1"/>
+          </a:effectRef>
+          <a:fontRef idx="minor">
+            <a:schemeClr val="lt1"/>
+          </a:fontRef>
+        </p:style>
+        <p:txBody>
+          <a:bodyPr lIns="36000" rIns="36000" rtlCol="0" anchor="ctr"/>
+          <a:lstStyle>
+            <a:defPPr>
+              <a:defRPr lang="fr-FR"/>
+            </a:defPPr>
+            <a:lvl1pPr marL="0" algn="l" defTabSz="914376" rtl="0" eaLnBrk="1" latinLnBrk="0" hangingPunct="1">
+              <a:defRPr sz="1800" kern="1200">
+                <a:solidFill>
+                  <a:schemeClr val="lt1"/>
+                </a:solidFill>
+                <a:latin typeface="+mn-lt"/>
+                <a:ea typeface="+mn-ea"/>
+                <a:cs typeface="+mn-cs"/>
+              </a:defRPr>
+            </a:lvl1pPr>
+            <a:lvl2pPr marL="457188" algn="l" defTabSz="914376" rtl="0" eaLnBrk="1" latinLnBrk="0" hangingPunct="1">
+              <a:defRPr sz="1800" kern="1200">
+                <a:solidFill>
+                  <a:schemeClr val="lt1"/>
+                </a:solidFill>
+                <a:latin typeface="+mn-lt"/>
+                <a:ea typeface="+mn-ea"/>
+                <a:cs typeface="+mn-cs"/>
+              </a:defRPr>
+            </a:lvl2pPr>
+            <a:lvl3pPr marL="914376" algn="l" defTabSz="914376" rtl="0" eaLnBrk="1" latinLnBrk="0" hangingPunct="1">
+              <a:defRPr sz="1800" kern="1200">
+                <a:solidFill>
+                  <a:schemeClr val="lt1"/>
+                </a:solidFill>
+                <a:latin typeface="+mn-lt"/>
+                <a:ea typeface="+mn-ea"/>
+                <a:cs typeface="+mn-cs"/>
+              </a:defRPr>
+            </a:lvl3pPr>
+            <a:lvl4pPr marL="1371564" algn="l" defTabSz="914376" rtl="0" eaLnBrk="1" latinLnBrk="0" hangingPunct="1">
+              <a:defRPr sz="1800" kern="1200">
+                <a:solidFill>
+                  <a:schemeClr val="lt1"/>
+                </a:solidFill>
+                <a:latin typeface="+mn-lt"/>
+                <a:ea typeface="+mn-ea"/>
+                <a:cs typeface="+mn-cs"/>
+              </a:defRPr>
+            </a:lvl4pPr>
+            <a:lvl5pPr marL="1828752" algn="l" defTabSz="914376" rtl="0" eaLnBrk="1" latinLnBrk="0" hangingPunct="1">
+              <a:defRPr sz="1800" kern="1200">
+                <a:solidFill>
+                  <a:schemeClr val="lt1"/>
+                </a:solidFill>
+                <a:latin typeface="+mn-lt"/>
+                <a:ea typeface="+mn-ea"/>
+                <a:cs typeface="+mn-cs"/>
+              </a:defRPr>
+            </a:lvl5pPr>
+            <a:lvl6pPr marL="2285940" algn="l" defTabSz="914376" rtl="0" eaLnBrk="1" latinLnBrk="0" hangingPunct="1">
+              <a:defRPr sz="1800" kern="1200">
+                <a:solidFill>
+                  <a:schemeClr val="lt1"/>
+                </a:solidFill>
+                <a:latin typeface="+mn-lt"/>
+                <a:ea typeface="+mn-ea"/>
+                <a:cs typeface="+mn-cs"/>
+              </a:defRPr>
+            </a:lvl6pPr>
+            <a:lvl7pPr marL="2743128" algn="l" defTabSz="914376" rtl="0" eaLnBrk="1" latinLnBrk="0" hangingPunct="1">
+              <a:defRPr sz="1800" kern="1200">
+                <a:solidFill>
+                  <a:schemeClr val="lt1"/>
+                </a:solidFill>
+                <a:latin typeface="+mn-lt"/>
+                <a:ea typeface="+mn-ea"/>
+                <a:cs typeface="+mn-cs"/>
+              </a:defRPr>
+            </a:lvl7pPr>
+            <a:lvl8pPr marL="3200316" algn="l" defTabSz="914376" rtl="0" eaLnBrk="1" latinLnBrk="0" hangingPunct="1">
+              <a:defRPr sz="1800" kern="1200">
+                <a:solidFill>
+                  <a:schemeClr val="lt1"/>
+                </a:solidFill>
+                <a:latin typeface="+mn-lt"/>
+                <a:ea typeface="+mn-ea"/>
+                <a:cs typeface="+mn-cs"/>
+              </a:defRPr>
+            </a:lvl8pPr>
+            <a:lvl9pPr marL="3657504" algn="l" defTabSz="914376" rtl="0" eaLnBrk="1" latinLnBrk="0" hangingPunct="1">
+              <a:defRPr sz="1800" kern="1200">
+                <a:solidFill>
+                  <a:schemeClr val="lt1"/>
+                </a:solidFill>
+                <a:latin typeface="+mn-lt"/>
+                <a:ea typeface="+mn-ea"/>
+                <a:cs typeface="+mn-cs"/>
+              </a:defRPr>
+            </a:lvl9pPr>
+          </a:lstStyle>
+          <a:p>
+            <a:pPr algn="ctr"/>
+            <a:r>
+              <a:rPr lang="fr-FR" sz="900" dirty="0" smtClean="0">
+                <a:solidFill>
+                  <a:schemeClr val="bg1"/>
+                </a:solidFill>
+              </a:rPr>
+              <a:t>Vision client 360</a:t>
+            </a:r>
+            <a:endParaRPr lang="fr-FR" sz="900" dirty="0">
+              <a:solidFill>
+                <a:schemeClr val="bg1"/>
+              </a:solidFill>
+            </a:endParaRPr>
+          </a:p>
+        </p:txBody>
+      </p:sp>
+      <p:sp>
+        <p:nvSpPr>
+          <p:cNvPr id="51" name="Cube 50"/>
+          <p:cNvSpPr/>
+          <p:nvPr/>
+        </p:nvSpPr>
+        <p:spPr>
+          <a:xfrm>
+            <a:off x="524235" y="2321869"/>
+            <a:ext cx="1609366" cy="540355"/>
+          </a:xfrm>
+          <a:prstGeom prst="cube">
+            <a:avLst/>
+          </a:prstGeom>
+          <a:solidFill>
+            <a:schemeClr val="accent1"/>
+          </a:solidFill>
+          <a:ln w="3175" cmpd="sng">
+            <a:solidFill>
+              <a:schemeClr val="accent1">
+                <a:lumMod val="75000"/>
+              </a:schemeClr>
+            </a:solidFill>
+          </a:ln>
+        </p:spPr>
+        <p:style>
+          <a:lnRef idx="2">
+            <a:schemeClr val="accent1">
+              <a:shade val="50000"/>
+            </a:schemeClr>
+          </a:lnRef>
+          <a:fillRef idx="1">
+            <a:schemeClr val="accent1"/>
+          </a:fillRef>
+          <a:effectRef idx="0">
+            <a:schemeClr val="accent1"/>
+          </a:effectRef>
+          <a:fontRef idx="minor">
+            <a:schemeClr val="lt1"/>
+          </a:fontRef>
+        </p:style>
+        <p:txBody>
+          <a:bodyPr rtlCol="0" anchor="t"/>
+          <a:lstStyle>
+            <a:defPPr>
+              <a:defRPr lang="fr-FR"/>
+            </a:defPPr>
+            <a:lvl1pPr marL="0" algn="l" defTabSz="914376" rtl="0" eaLnBrk="1" latinLnBrk="0" hangingPunct="1">
+              <a:defRPr sz="1800" kern="1200">
+                <a:solidFill>
+                  <a:schemeClr val="lt1"/>
+                </a:solidFill>
+                <a:latin typeface="+mn-lt"/>
+                <a:ea typeface="+mn-ea"/>
+                <a:cs typeface="+mn-cs"/>
+              </a:defRPr>
+            </a:lvl1pPr>
+            <a:lvl2pPr marL="457188" algn="l" defTabSz="914376" rtl="0" eaLnBrk="1" latinLnBrk="0" hangingPunct="1">
+              <a:defRPr sz="1800" kern="1200">
+                <a:solidFill>
+                  <a:schemeClr val="lt1"/>
+                </a:solidFill>
+                <a:latin typeface="+mn-lt"/>
+                <a:ea typeface="+mn-ea"/>
+                <a:cs typeface="+mn-cs"/>
+              </a:defRPr>
+            </a:lvl2pPr>
+            <a:lvl3pPr marL="914376" algn="l" defTabSz="914376" rtl="0" eaLnBrk="1" latinLnBrk="0" hangingPunct="1">
+              <a:defRPr sz="1800" kern="1200">
+                <a:solidFill>
+                  <a:schemeClr val="lt1"/>
+                </a:solidFill>
+                <a:latin typeface="+mn-lt"/>
+                <a:ea typeface="+mn-ea"/>
+                <a:cs typeface="+mn-cs"/>
+              </a:defRPr>
+            </a:lvl3pPr>
+            <a:lvl4pPr marL="1371564" algn="l" defTabSz="914376" rtl="0" eaLnBrk="1" latinLnBrk="0" hangingPunct="1">
+              <a:defRPr sz="1800" kern="1200">
+                <a:solidFill>
+                  <a:schemeClr val="lt1"/>
+                </a:solidFill>
+                <a:latin typeface="+mn-lt"/>
+                <a:ea typeface="+mn-ea"/>
+                <a:cs typeface="+mn-cs"/>
+              </a:defRPr>
+            </a:lvl4pPr>
+            <a:lvl5pPr marL="1828752" algn="l" defTabSz="914376" rtl="0" eaLnBrk="1" latinLnBrk="0" hangingPunct="1">
+              <a:defRPr sz="1800" kern="1200">
+                <a:solidFill>
+                  <a:schemeClr val="lt1"/>
+                </a:solidFill>
+                <a:latin typeface="+mn-lt"/>
+                <a:ea typeface="+mn-ea"/>
+                <a:cs typeface="+mn-cs"/>
+              </a:defRPr>
+            </a:lvl5pPr>
+            <a:lvl6pPr marL="2285940" algn="l" defTabSz="914376" rtl="0" eaLnBrk="1" latinLnBrk="0" hangingPunct="1">
+              <a:defRPr sz="1800" kern="1200">
+                <a:solidFill>
+                  <a:schemeClr val="lt1"/>
+                </a:solidFill>
+                <a:latin typeface="+mn-lt"/>
+                <a:ea typeface="+mn-ea"/>
+                <a:cs typeface="+mn-cs"/>
+              </a:defRPr>
+            </a:lvl6pPr>
+            <a:lvl7pPr marL="2743128" algn="l" defTabSz="914376" rtl="0" eaLnBrk="1" latinLnBrk="0" hangingPunct="1">
+              <a:defRPr sz="1800" kern="1200">
+                <a:solidFill>
+                  <a:schemeClr val="lt1"/>
+                </a:solidFill>
+                <a:latin typeface="+mn-lt"/>
+                <a:ea typeface="+mn-ea"/>
+                <a:cs typeface="+mn-cs"/>
+              </a:defRPr>
+            </a:lvl7pPr>
+            <a:lvl8pPr marL="3200316" algn="l" defTabSz="914376" rtl="0" eaLnBrk="1" latinLnBrk="0" hangingPunct="1">
+              <a:defRPr sz="1800" kern="1200">
+                <a:solidFill>
+                  <a:schemeClr val="lt1"/>
+                </a:solidFill>
+                <a:latin typeface="+mn-lt"/>
+                <a:ea typeface="+mn-ea"/>
+                <a:cs typeface="+mn-cs"/>
+              </a:defRPr>
+            </a:lvl8pPr>
+            <a:lvl9pPr marL="3657504" algn="l" defTabSz="914376" rtl="0" eaLnBrk="1" latinLnBrk="0" hangingPunct="1">
+              <a:defRPr sz="1800" kern="1200">
+                <a:solidFill>
+                  <a:schemeClr val="lt1"/>
+                </a:solidFill>
+                <a:latin typeface="+mn-lt"/>
+                <a:ea typeface="+mn-ea"/>
+                <a:cs typeface="+mn-cs"/>
+              </a:defRPr>
+            </a:lvl9pPr>
+          </a:lstStyle>
+          <a:p>
+            <a:pPr algn="ctr">
               <a:lnSpc>
-                <a:spcPct val="120000"/>
+                <a:spcPct val="130000"/>
               </a:lnSpc>
-              <a:spcBef>
-                <a:spcPct val="0"/>
-              </a:spcBef>
-              <a:buFont typeface="+mj-lt"/>
-              <a:buAutoNum type="arabicPeriod"/>
             </a:pPr>
-            <a:r>
-              <a:rPr lang="fr-FR" sz="2000" b="1" dirty="0" smtClean="0">
+            <a:endParaRPr lang="fr-FR" sz="1000">
+              <a:solidFill>
+                <a:schemeClr val="bg1"/>
+              </a:solidFill>
+            </a:endParaRPr>
+          </a:p>
+        </p:txBody>
+      </p:sp>
+      <p:sp>
+        <p:nvSpPr>
+          <p:cNvPr id="52" name="Cube 51"/>
+          <p:cNvSpPr/>
+          <p:nvPr/>
+        </p:nvSpPr>
+        <p:spPr>
+          <a:xfrm>
+            <a:off x="524235" y="3041247"/>
+            <a:ext cx="1609366" cy="540355"/>
+          </a:xfrm>
+          <a:prstGeom prst="cube">
+            <a:avLst/>
+          </a:prstGeom>
+          <a:solidFill>
+            <a:schemeClr val="accent1"/>
+          </a:solidFill>
+          <a:ln w="3175" cmpd="sng">
+            <a:solidFill>
+              <a:schemeClr val="accent1">
+                <a:lumMod val="75000"/>
+              </a:schemeClr>
+            </a:solidFill>
+          </a:ln>
+        </p:spPr>
+        <p:style>
+          <a:lnRef idx="2">
+            <a:schemeClr val="accent1">
+              <a:shade val="50000"/>
+            </a:schemeClr>
+          </a:lnRef>
+          <a:fillRef idx="1">
+            <a:schemeClr val="accent1"/>
+          </a:fillRef>
+          <a:effectRef idx="0">
+            <a:schemeClr val="accent1"/>
+          </a:effectRef>
+          <a:fontRef idx="minor">
+            <a:schemeClr val="lt1"/>
+          </a:fontRef>
+        </p:style>
+        <p:txBody>
+          <a:bodyPr rtlCol="0" anchor="t"/>
+          <a:lstStyle>
+            <a:defPPr>
+              <a:defRPr lang="fr-FR"/>
+            </a:defPPr>
+            <a:lvl1pPr marL="0" algn="l" defTabSz="914376" rtl="0" eaLnBrk="1" latinLnBrk="0" hangingPunct="1">
+              <a:defRPr sz="1800" kern="1200">
+                <a:solidFill>
+                  <a:schemeClr val="lt1"/>
+                </a:solidFill>
+                <a:latin typeface="+mn-lt"/>
+                <a:ea typeface="+mn-ea"/>
+                <a:cs typeface="+mn-cs"/>
+              </a:defRPr>
+            </a:lvl1pPr>
+            <a:lvl2pPr marL="457188" algn="l" defTabSz="914376" rtl="0" eaLnBrk="1" latinLnBrk="0" hangingPunct="1">
+              <a:defRPr sz="1800" kern="1200">
+                <a:solidFill>
+                  <a:schemeClr val="lt1"/>
+                </a:solidFill>
+                <a:latin typeface="+mn-lt"/>
+                <a:ea typeface="+mn-ea"/>
+                <a:cs typeface="+mn-cs"/>
+              </a:defRPr>
+            </a:lvl2pPr>
+            <a:lvl3pPr marL="914376" algn="l" defTabSz="914376" rtl="0" eaLnBrk="1" latinLnBrk="0" hangingPunct="1">
+              <a:defRPr sz="1800" kern="1200">
+                <a:solidFill>
+                  <a:schemeClr val="lt1"/>
+                </a:solidFill>
+                <a:latin typeface="+mn-lt"/>
+                <a:ea typeface="+mn-ea"/>
+                <a:cs typeface="+mn-cs"/>
+              </a:defRPr>
+            </a:lvl3pPr>
+            <a:lvl4pPr marL="1371564" algn="l" defTabSz="914376" rtl="0" eaLnBrk="1" latinLnBrk="0" hangingPunct="1">
+              <a:defRPr sz="1800" kern="1200">
+                <a:solidFill>
+                  <a:schemeClr val="lt1"/>
+                </a:solidFill>
+                <a:latin typeface="+mn-lt"/>
+                <a:ea typeface="+mn-ea"/>
+                <a:cs typeface="+mn-cs"/>
+              </a:defRPr>
+            </a:lvl4pPr>
+            <a:lvl5pPr marL="1828752" algn="l" defTabSz="914376" rtl="0" eaLnBrk="1" latinLnBrk="0" hangingPunct="1">
+              <a:defRPr sz="1800" kern="1200">
+                <a:solidFill>
+                  <a:schemeClr val="lt1"/>
+                </a:solidFill>
+                <a:latin typeface="+mn-lt"/>
+                <a:ea typeface="+mn-ea"/>
+                <a:cs typeface="+mn-cs"/>
+              </a:defRPr>
+            </a:lvl5pPr>
+            <a:lvl6pPr marL="2285940" algn="l" defTabSz="914376" rtl="0" eaLnBrk="1" latinLnBrk="0" hangingPunct="1">
+              <a:defRPr sz="1800" kern="1200">
+                <a:solidFill>
+                  <a:schemeClr val="lt1"/>
+                </a:solidFill>
+                <a:latin typeface="+mn-lt"/>
+                <a:ea typeface="+mn-ea"/>
+                <a:cs typeface="+mn-cs"/>
+              </a:defRPr>
+            </a:lvl6pPr>
+            <a:lvl7pPr marL="2743128" algn="l" defTabSz="914376" rtl="0" eaLnBrk="1" latinLnBrk="0" hangingPunct="1">
+              <a:defRPr sz="1800" kern="1200">
+                <a:solidFill>
+                  <a:schemeClr val="lt1"/>
+                </a:solidFill>
+                <a:latin typeface="+mn-lt"/>
+                <a:ea typeface="+mn-ea"/>
+                <a:cs typeface="+mn-cs"/>
+              </a:defRPr>
+            </a:lvl7pPr>
+            <a:lvl8pPr marL="3200316" algn="l" defTabSz="914376" rtl="0" eaLnBrk="1" latinLnBrk="0" hangingPunct="1">
+              <a:defRPr sz="1800" kern="1200">
+                <a:solidFill>
+                  <a:schemeClr val="lt1"/>
+                </a:solidFill>
+                <a:latin typeface="+mn-lt"/>
+                <a:ea typeface="+mn-ea"/>
+                <a:cs typeface="+mn-cs"/>
+              </a:defRPr>
+            </a:lvl8pPr>
+            <a:lvl9pPr marL="3657504" algn="l" defTabSz="914376" rtl="0" eaLnBrk="1" latinLnBrk="0" hangingPunct="1">
+              <a:defRPr sz="1800" kern="1200">
+                <a:solidFill>
+                  <a:schemeClr val="lt1"/>
+                </a:solidFill>
+                <a:latin typeface="+mn-lt"/>
+                <a:ea typeface="+mn-ea"/>
+                <a:cs typeface="+mn-cs"/>
+              </a:defRPr>
+            </a:lvl9pPr>
+          </a:lstStyle>
+          <a:p>
+            <a:pPr algn="ctr">
+              <a:lnSpc>
+                <a:spcPct val="130000"/>
+              </a:lnSpc>
+            </a:pPr>
+            <a:endParaRPr lang="fr-FR" sz="1000">
+              <a:solidFill>
+                <a:schemeClr val="bg1"/>
+              </a:solidFill>
+            </a:endParaRPr>
+          </a:p>
+        </p:txBody>
+      </p:sp>
+      <p:sp>
+        <p:nvSpPr>
+          <p:cNvPr id="53" name="Cube 52"/>
+          <p:cNvSpPr/>
+          <p:nvPr/>
+        </p:nvSpPr>
+        <p:spPr>
+          <a:xfrm>
+            <a:off x="2340465" y="1603687"/>
+            <a:ext cx="742262" cy="3316972"/>
+          </a:xfrm>
+          <a:prstGeom prst="cube">
+            <a:avLst/>
+          </a:prstGeom>
+          <a:solidFill>
+            <a:schemeClr val="accent1"/>
+          </a:solidFill>
+          <a:ln w="3175" cmpd="sng">
+            <a:solidFill>
+              <a:schemeClr val="accent1">
+                <a:lumMod val="75000"/>
+              </a:schemeClr>
+            </a:solidFill>
+          </a:ln>
+        </p:spPr>
+        <p:style>
+          <a:lnRef idx="2">
+            <a:schemeClr val="accent1">
+              <a:shade val="50000"/>
+            </a:schemeClr>
+          </a:lnRef>
+          <a:fillRef idx="1">
+            <a:schemeClr val="accent1"/>
+          </a:fillRef>
+          <a:effectRef idx="0">
+            <a:schemeClr val="accent1"/>
+          </a:effectRef>
+          <a:fontRef idx="minor">
+            <a:schemeClr val="lt1"/>
+          </a:fontRef>
+        </p:style>
+        <p:txBody>
+          <a:bodyPr rtlCol="0" anchor="t"/>
+          <a:lstStyle>
+            <a:defPPr>
+              <a:defRPr lang="fr-FR"/>
+            </a:defPPr>
+            <a:lvl1pPr marL="0" algn="l" defTabSz="914376" rtl="0" eaLnBrk="1" latinLnBrk="0" hangingPunct="1">
+              <a:defRPr sz="1800" kern="1200">
+                <a:solidFill>
+                  <a:schemeClr val="lt1"/>
+                </a:solidFill>
+                <a:latin typeface="+mn-lt"/>
+                <a:ea typeface="+mn-ea"/>
+                <a:cs typeface="+mn-cs"/>
+              </a:defRPr>
+            </a:lvl1pPr>
+            <a:lvl2pPr marL="457188" algn="l" defTabSz="914376" rtl="0" eaLnBrk="1" latinLnBrk="0" hangingPunct="1">
+              <a:defRPr sz="1800" kern="1200">
+                <a:solidFill>
+                  <a:schemeClr val="lt1"/>
+                </a:solidFill>
+                <a:latin typeface="+mn-lt"/>
+                <a:ea typeface="+mn-ea"/>
+                <a:cs typeface="+mn-cs"/>
+              </a:defRPr>
+            </a:lvl2pPr>
+            <a:lvl3pPr marL="914376" algn="l" defTabSz="914376" rtl="0" eaLnBrk="1" latinLnBrk="0" hangingPunct="1">
+              <a:defRPr sz="1800" kern="1200">
+                <a:solidFill>
+                  <a:schemeClr val="lt1"/>
+                </a:solidFill>
+                <a:latin typeface="+mn-lt"/>
+                <a:ea typeface="+mn-ea"/>
+                <a:cs typeface="+mn-cs"/>
+              </a:defRPr>
+            </a:lvl3pPr>
+            <a:lvl4pPr marL="1371564" algn="l" defTabSz="914376" rtl="0" eaLnBrk="1" latinLnBrk="0" hangingPunct="1">
+              <a:defRPr sz="1800" kern="1200">
+                <a:solidFill>
+                  <a:schemeClr val="lt1"/>
+                </a:solidFill>
+                <a:latin typeface="+mn-lt"/>
+                <a:ea typeface="+mn-ea"/>
+                <a:cs typeface="+mn-cs"/>
+              </a:defRPr>
+            </a:lvl4pPr>
+            <a:lvl5pPr marL="1828752" algn="l" defTabSz="914376" rtl="0" eaLnBrk="1" latinLnBrk="0" hangingPunct="1">
+              <a:defRPr sz="1800" kern="1200">
+                <a:solidFill>
+                  <a:schemeClr val="lt1"/>
+                </a:solidFill>
+                <a:latin typeface="+mn-lt"/>
+                <a:ea typeface="+mn-ea"/>
+                <a:cs typeface="+mn-cs"/>
+              </a:defRPr>
+            </a:lvl5pPr>
+            <a:lvl6pPr marL="2285940" algn="l" defTabSz="914376" rtl="0" eaLnBrk="1" latinLnBrk="0" hangingPunct="1">
+              <a:defRPr sz="1800" kern="1200">
+                <a:solidFill>
+                  <a:schemeClr val="lt1"/>
+                </a:solidFill>
+                <a:latin typeface="+mn-lt"/>
+                <a:ea typeface="+mn-ea"/>
+                <a:cs typeface="+mn-cs"/>
+              </a:defRPr>
+            </a:lvl6pPr>
+            <a:lvl7pPr marL="2743128" algn="l" defTabSz="914376" rtl="0" eaLnBrk="1" latinLnBrk="0" hangingPunct="1">
+              <a:defRPr sz="1800" kern="1200">
+                <a:solidFill>
+                  <a:schemeClr val="lt1"/>
+                </a:solidFill>
+                <a:latin typeface="+mn-lt"/>
+                <a:ea typeface="+mn-ea"/>
+                <a:cs typeface="+mn-cs"/>
+              </a:defRPr>
+            </a:lvl7pPr>
+            <a:lvl8pPr marL="3200316" algn="l" defTabSz="914376" rtl="0" eaLnBrk="1" latinLnBrk="0" hangingPunct="1">
+              <a:defRPr sz="1800" kern="1200">
+                <a:solidFill>
+                  <a:schemeClr val="lt1"/>
+                </a:solidFill>
+                <a:latin typeface="+mn-lt"/>
+                <a:ea typeface="+mn-ea"/>
+                <a:cs typeface="+mn-cs"/>
+              </a:defRPr>
+            </a:lvl8pPr>
+            <a:lvl9pPr marL="3657504" algn="l" defTabSz="914376" rtl="0" eaLnBrk="1" latinLnBrk="0" hangingPunct="1">
+              <a:defRPr sz="1800" kern="1200">
+                <a:solidFill>
+                  <a:schemeClr val="lt1"/>
+                </a:solidFill>
+                <a:latin typeface="+mn-lt"/>
+                <a:ea typeface="+mn-ea"/>
+                <a:cs typeface="+mn-cs"/>
+              </a:defRPr>
+            </a:lvl9pPr>
+          </a:lstStyle>
+          <a:p>
+            <a:pPr algn="ctr">
+              <a:lnSpc>
+                <a:spcPct val="130000"/>
+              </a:lnSpc>
+            </a:pPr>
+            <a:endParaRPr lang="fr-FR" sz="1000">
+              <a:solidFill>
+                <a:schemeClr val="bg1"/>
+              </a:solidFill>
+            </a:endParaRPr>
+          </a:p>
+        </p:txBody>
+      </p:sp>
+      <p:sp>
+        <p:nvSpPr>
+          <p:cNvPr id="3" name="TextBox 2"/>
+          <p:cNvSpPr txBox="1"/>
+          <p:nvPr/>
+        </p:nvSpPr>
+        <p:spPr>
+          <a:xfrm>
+            <a:off x="503287" y="1791956"/>
+            <a:ext cx="1441199" cy="276999"/>
+          </a:xfrm>
+          <a:prstGeom prst="rect">
+            <a:avLst/>
+          </a:prstGeom>
+          <a:noFill/>
+        </p:spPr>
+        <p:txBody>
+          <a:bodyPr wrap="square" rtlCol="0">
+            <a:spAutoFit/>
+          </a:bodyPr>
+          <a:lstStyle/>
+          <a:p>
+            <a:pPr algn="ctr"/>
+            <a:r>
+              <a:rPr lang="fr-FR" sz="1200" b="1" dirty="0" err="1" smtClean="0">
                 <a:solidFill>
                   <a:schemeClr val="bg1"/>
                 </a:solidFill>
-                <a:latin typeface="+mj-lt"/>
-                <a:ea typeface="+mj-ea"/>
-                <a:cs typeface="Segoe UI" pitchFamily="34" charset="0"/>
               </a:rPr>
-              <a:t>Intégration du SPAD Real Time</a:t>
-            </a:r>
+              <a:t>Scheduler</a:t>
+            </a:r>
+            <a:endParaRPr lang="fr-FR" sz="1400" b="1" dirty="0">
+              <a:solidFill>
+                <a:schemeClr val="bg1"/>
+              </a:solidFill>
+            </a:endParaRPr>
+          </a:p>
+        </p:txBody>
+      </p:sp>
+      <p:sp>
+        <p:nvSpPr>
+          <p:cNvPr id="54" name="TextBox 53"/>
+          <p:cNvSpPr txBox="1"/>
+          <p:nvPr/>
+        </p:nvSpPr>
+        <p:spPr>
+          <a:xfrm>
+            <a:off x="524235" y="2438711"/>
+            <a:ext cx="1441199" cy="461665"/>
+          </a:xfrm>
+          <a:prstGeom prst="rect">
+            <a:avLst/>
+          </a:prstGeom>
+          <a:noFill/>
+        </p:spPr>
+        <p:txBody>
+          <a:bodyPr wrap="square" rtlCol="0">
+            <a:spAutoFit/>
+          </a:bodyPr>
+          <a:lstStyle/>
+          <a:p>
+            <a:pPr algn="ctr"/>
+            <a:r>
+              <a:rPr lang="fr-FR" sz="1200" b="1" dirty="0" smtClean="0">
+                <a:solidFill>
+                  <a:schemeClr val="bg1"/>
+                </a:solidFill>
+              </a:rPr>
+              <a:t>Connecteur social</a:t>
+            </a:r>
+            <a:endParaRPr lang="fr-FR" sz="1200" b="1" dirty="0">
+              <a:solidFill>
+                <a:schemeClr val="bg1"/>
+              </a:solidFill>
+            </a:endParaRPr>
+          </a:p>
+        </p:txBody>
+      </p:sp>
+      <p:sp>
+        <p:nvSpPr>
+          <p:cNvPr id="55" name="Cube 54"/>
+          <p:cNvSpPr/>
+          <p:nvPr/>
+        </p:nvSpPr>
+        <p:spPr>
+          <a:xfrm>
+            <a:off x="524235" y="3708317"/>
+            <a:ext cx="1609366" cy="540355"/>
+          </a:xfrm>
+          <a:prstGeom prst="cube">
+            <a:avLst/>
+          </a:prstGeom>
+          <a:solidFill>
+            <a:schemeClr val="accent1"/>
+          </a:solidFill>
+          <a:ln w="3175" cmpd="sng">
+            <a:solidFill>
+              <a:schemeClr val="accent1">
+                <a:lumMod val="75000"/>
+              </a:schemeClr>
+            </a:solidFill>
+          </a:ln>
+        </p:spPr>
+        <p:style>
+          <a:lnRef idx="2">
+            <a:schemeClr val="accent1">
+              <a:shade val="50000"/>
+            </a:schemeClr>
+          </a:lnRef>
+          <a:fillRef idx="1">
+            <a:schemeClr val="accent1"/>
+          </a:fillRef>
+          <a:effectRef idx="0">
+            <a:schemeClr val="accent1"/>
+          </a:effectRef>
+          <a:fontRef idx="minor">
+            <a:schemeClr val="lt1"/>
+          </a:fontRef>
+        </p:style>
+        <p:txBody>
+          <a:bodyPr rtlCol="0" anchor="t"/>
+          <a:lstStyle>
+            <a:defPPr>
+              <a:defRPr lang="fr-FR"/>
+            </a:defPPr>
+            <a:lvl1pPr marL="0" algn="l" defTabSz="914376" rtl="0" eaLnBrk="1" latinLnBrk="0" hangingPunct="1">
+              <a:defRPr sz="1800" kern="1200">
+                <a:solidFill>
+                  <a:schemeClr val="lt1"/>
+                </a:solidFill>
+                <a:latin typeface="+mn-lt"/>
+                <a:ea typeface="+mn-ea"/>
+                <a:cs typeface="+mn-cs"/>
+              </a:defRPr>
+            </a:lvl1pPr>
+            <a:lvl2pPr marL="457188" algn="l" defTabSz="914376" rtl="0" eaLnBrk="1" latinLnBrk="0" hangingPunct="1">
+              <a:defRPr sz="1800" kern="1200">
+                <a:solidFill>
+                  <a:schemeClr val="lt1"/>
+                </a:solidFill>
+                <a:latin typeface="+mn-lt"/>
+                <a:ea typeface="+mn-ea"/>
+                <a:cs typeface="+mn-cs"/>
+              </a:defRPr>
+            </a:lvl2pPr>
+            <a:lvl3pPr marL="914376" algn="l" defTabSz="914376" rtl="0" eaLnBrk="1" latinLnBrk="0" hangingPunct="1">
+              <a:defRPr sz="1800" kern="1200">
+                <a:solidFill>
+                  <a:schemeClr val="lt1"/>
+                </a:solidFill>
+                <a:latin typeface="+mn-lt"/>
+                <a:ea typeface="+mn-ea"/>
+                <a:cs typeface="+mn-cs"/>
+              </a:defRPr>
+            </a:lvl3pPr>
+            <a:lvl4pPr marL="1371564" algn="l" defTabSz="914376" rtl="0" eaLnBrk="1" latinLnBrk="0" hangingPunct="1">
+              <a:defRPr sz="1800" kern="1200">
+                <a:solidFill>
+                  <a:schemeClr val="lt1"/>
+                </a:solidFill>
+                <a:latin typeface="+mn-lt"/>
+                <a:ea typeface="+mn-ea"/>
+                <a:cs typeface="+mn-cs"/>
+              </a:defRPr>
+            </a:lvl4pPr>
+            <a:lvl5pPr marL="1828752" algn="l" defTabSz="914376" rtl="0" eaLnBrk="1" latinLnBrk="0" hangingPunct="1">
+              <a:defRPr sz="1800" kern="1200">
+                <a:solidFill>
+                  <a:schemeClr val="lt1"/>
+                </a:solidFill>
+                <a:latin typeface="+mn-lt"/>
+                <a:ea typeface="+mn-ea"/>
+                <a:cs typeface="+mn-cs"/>
+              </a:defRPr>
+            </a:lvl5pPr>
+            <a:lvl6pPr marL="2285940" algn="l" defTabSz="914376" rtl="0" eaLnBrk="1" latinLnBrk="0" hangingPunct="1">
+              <a:defRPr sz="1800" kern="1200">
+                <a:solidFill>
+                  <a:schemeClr val="lt1"/>
+                </a:solidFill>
+                <a:latin typeface="+mn-lt"/>
+                <a:ea typeface="+mn-ea"/>
+                <a:cs typeface="+mn-cs"/>
+              </a:defRPr>
+            </a:lvl6pPr>
+            <a:lvl7pPr marL="2743128" algn="l" defTabSz="914376" rtl="0" eaLnBrk="1" latinLnBrk="0" hangingPunct="1">
+              <a:defRPr sz="1800" kern="1200">
+                <a:solidFill>
+                  <a:schemeClr val="lt1"/>
+                </a:solidFill>
+                <a:latin typeface="+mn-lt"/>
+                <a:ea typeface="+mn-ea"/>
+                <a:cs typeface="+mn-cs"/>
+              </a:defRPr>
+            </a:lvl7pPr>
+            <a:lvl8pPr marL="3200316" algn="l" defTabSz="914376" rtl="0" eaLnBrk="1" latinLnBrk="0" hangingPunct="1">
+              <a:defRPr sz="1800" kern="1200">
+                <a:solidFill>
+                  <a:schemeClr val="lt1"/>
+                </a:solidFill>
+                <a:latin typeface="+mn-lt"/>
+                <a:ea typeface="+mn-ea"/>
+                <a:cs typeface="+mn-cs"/>
+              </a:defRPr>
+            </a:lvl8pPr>
+            <a:lvl9pPr marL="3657504" algn="l" defTabSz="914376" rtl="0" eaLnBrk="1" latinLnBrk="0" hangingPunct="1">
+              <a:defRPr sz="1800" kern="1200">
+                <a:solidFill>
+                  <a:schemeClr val="lt1"/>
+                </a:solidFill>
+                <a:latin typeface="+mn-lt"/>
+                <a:ea typeface="+mn-ea"/>
+                <a:cs typeface="+mn-cs"/>
+              </a:defRPr>
+            </a:lvl9pPr>
+          </a:lstStyle>
+          <a:p>
+            <a:pPr algn="ctr">
+              <a:lnSpc>
+                <a:spcPct val="130000"/>
+              </a:lnSpc>
+            </a:pPr>
+            <a:endParaRPr lang="fr-FR" sz="1000">
+              <a:solidFill>
+                <a:schemeClr val="bg1"/>
+              </a:solidFill>
+            </a:endParaRPr>
+          </a:p>
+        </p:txBody>
+      </p:sp>
+      <p:sp>
+        <p:nvSpPr>
+          <p:cNvPr id="58" name="TextBox 57"/>
+          <p:cNvSpPr txBox="1"/>
+          <p:nvPr/>
+        </p:nvSpPr>
+        <p:spPr>
+          <a:xfrm>
+            <a:off x="530520" y="3134119"/>
+            <a:ext cx="1441199" cy="461665"/>
+          </a:xfrm>
+          <a:prstGeom prst="rect">
+            <a:avLst/>
+          </a:prstGeom>
+          <a:noFill/>
+        </p:spPr>
+        <p:txBody>
+          <a:bodyPr wrap="square" rtlCol="0">
+            <a:spAutoFit/>
+          </a:bodyPr>
+          <a:lstStyle/>
+          <a:p>
+            <a:pPr algn="ctr"/>
+            <a:r>
+              <a:rPr lang="fr-FR" sz="1200" b="1" dirty="0" smtClean="0">
+                <a:solidFill>
+                  <a:schemeClr val="bg1"/>
+                </a:solidFill>
+              </a:rPr>
+              <a:t>Gestionnaire des mails</a:t>
+            </a:r>
+            <a:endParaRPr lang="fr-FR" sz="1200" b="1" dirty="0">
+              <a:solidFill>
+                <a:schemeClr val="bg1"/>
+              </a:solidFill>
+            </a:endParaRPr>
+          </a:p>
+        </p:txBody>
+      </p:sp>
+      <p:sp>
+        <p:nvSpPr>
+          <p:cNvPr id="59" name="TextBox 58"/>
+          <p:cNvSpPr txBox="1"/>
+          <p:nvPr/>
+        </p:nvSpPr>
+        <p:spPr>
+          <a:xfrm>
+            <a:off x="489457" y="3806114"/>
+            <a:ext cx="1572627" cy="461665"/>
+          </a:xfrm>
+          <a:prstGeom prst="rect">
+            <a:avLst/>
+          </a:prstGeom>
+          <a:noFill/>
+        </p:spPr>
+        <p:txBody>
+          <a:bodyPr wrap="square" rtlCol="0">
+            <a:spAutoFit/>
+          </a:bodyPr>
+          <a:lstStyle/>
+          <a:p>
+            <a:pPr algn="ctr"/>
+            <a:r>
+              <a:rPr lang="fr-FR" sz="1200" b="1" dirty="0" smtClean="0">
+                <a:solidFill>
+                  <a:schemeClr val="bg1"/>
+                </a:solidFill>
+              </a:rPr>
+              <a:t>Gestionnaire des compagnes</a:t>
+            </a:r>
+            <a:endParaRPr lang="fr-FR" sz="1200" b="1" dirty="0">
+              <a:solidFill>
+                <a:schemeClr val="bg1"/>
+              </a:solidFill>
+            </a:endParaRPr>
           </a:p>
         </p:txBody>
       </p:sp>
     </p:spTree>
     <p:extLst>
       <p:ext uri="{BB962C8B-B14F-4D97-AF65-F5344CB8AC3E}">
-        <p14:creationId xmlns:p14="http://schemas.microsoft.com/office/powerpoint/2010/main" val="2713816254"/>
+        <p14:creationId xmlns:p14="http://schemas.microsoft.com/office/powerpoint/2010/main" val="1475937047"/>
       </p:ext>
     </p:extLst>
   </p:cSld>
@@ -6691,13 +12806,16 @@
           <a:p>
             <a:r>
               <a:rPr lang="fr-FR" dirty="0" smtClean="0"/>
-              <a:t>Contribution </a:t>
+              <a:t>Projet </a:t>
+            </a:r>
+            <a:r>
+              <a:rPr lang="fr-FR" dirty="0" err="1"/>
+              <a:t>Coheris</a:t>
             </a:r>
             <a:r>
               <a:rPr lang="fr-FR" dirty="0"/>
-              <a:t>au projet</a:t>
-            </a:r>
-            <a:endParaRPr lang="fr-FR" dirty="0"/>
+              <a:t> Nouvelle Offre</a:t>
+            </a:r>
           </a:p>
         </p:txBody>
       </p:sp>
@@ -6781,18 +12899,7 @@
                 <a:ea typeface="+mj-ea"/>
                 <a:cs typeface="Segoe UI" pitchFamily="34" charset="0"/>
               </a:rPr>
-              <a:t>Module </a:t>
-            </a:r>
-            <a:r>
-              <a:rPr lang="fr-FR" b="1" dirty="0" err="1">
-                <a:solidFill>
-                  <a:srgbClr val="776271"/>
-                </a:solidFill>
-                <a:latin typeface="+mj-lt"/>
-                <a:ea typeface="+mj-ea"/>
-                <a:cs typeface="Segoe UI" pitchFamily="34" charset="0"/>
-              </a:rPr>
-              <a:t>Scheduler</a:t>
+              <a:t>Architecture 2/2</a:t>
             </a:r>
             <a:endParaRPr lang="fr-FR" b="1" dirty="0">
               <a:solidFill>
@@ -6804,21 +12911,6 @@
             </a:endParaRPr>
           </a:p>
           <a:p>
-            <a:pPr marL="0" lvl="1" algn="r">
-              <a:spcBef>
-                <a:spcPct val="0"/>
-              </a:spcBef>
-            </a:pPr>
-            <a:endParaRPr lang="fr-FR" b="1" dirty="0">
-              <a:solidFill>
-                <a:srgbClr val="776271"/>
-              </a:solidFill>
-              <a:latin typeface="+mj-lt"/>
-              <a:ea typeface="+mj-ea"/>
-              <a:cs typeface="Segoe UI" pitchFamily="34" charset="0"/>
-            </a:endParaRPr>
-          </a:p>
-          <a:p>
             <a:pPr algn="r"/>
             <a:r>
               <a:rPr lang="fr-FR" sz="1800" cap="none" dirty="0" smtClean="0"/>
@@ -6831,7 +12923,7 @@
     </p:spTree>
     <p:extLst>
       <p:ext uri="{BB962C8B-B14F-4D97-AF65-F5344CB8AC3E}">
-        <p14:creationId xmlns:p14="http://schemas.microsoft.com/office/powerpoint/2010/main" val="1514126415"/>
+        <p14:creationId xmlns:p14="http://schemas.microsoft.com/office/powerpoint/2010/main" val="4238071138"/>
       </p:ext>
     </p:extLst>
   </p:cSld>
@@ -6870,7 +12962,69 @@
       </p:grpSpPr>
       <p:sp>
         <p:nvSpPr>
-          <p:cNvPr id="2" name="Espace réservé du numéro de diapositive 1"/>
+          <p:cNvPr id="2" name="Titre 1"/>
+          <p:cNvSpPr>
+            <a:spLocks noGrp="1"/>
+          </p:cNvSpPr>
+          <p:nvPr>
+            <p:ph type="title"/>
+          </p:nvPr>
+        </p:nvSpPr>
+        <p:spPr>
+          <a:xfrm>
+            <a:off x="2555776" y="2281597"/>
+            <a:ext cx="5940154" cy="864096"/>
+          </a:xfrm>
+        </p:spPr>
+        <p:txBody>
+          <a:bodyPr/>
+          <a:lstStyle/>
+          <a:p>
+            <a:pPr>
+              <a:lnSpc>
+                <a:spcPct val="120000"/>
+              </a:lnSpc>
+            </a:pPr>
+            <a:r>
+              <a:rPr lang="fr-FR" dirty="0" smtClean="0"/>
+              <a:t>Contribution </a:t>
+            </a:r>
+            <a:r>
+              <a:rPr lang="fr-FR" dirty="0"/>
+              <a:t>au </a:t>
+            </a:r>
+            <a:r>
+              <a:rPr lang="fr-FR" dirty="0" smtClean="0"/>
+              <a:t>projet</a:t>
+            </a:r>
+            <a:r>
+              <a:rPr lang="fr-FR" dirty="0"/>
+              <a:t/>
+            </a:r>
+            <a:br>
+              <a:rPr lang="fr-FR" dirty="0"/>
+            </a:br>
+            <a:r>
+              <a:rPr lang="fr-FR" dirty="0" smtClean="0"/>
+              <a:t/>
+            </a:r>
+            <a:br>
+              <a:rPr lang="fr-FR" dirty="0" smtClean="0"/>
+            </a:br>
+            <a:r>
+              <a:rPr lang="fr-FR" dirty="0"/>
+              <a:t/>
+            </a:r>
+            <a:br>
+              <a:rPr lang="fr-FR" dirty="0"/>
+            </a:br>
+            <a:endParaRPr lang="fr-FR" dirty="0"/>
+          </a:p>
+        </p:txBody>
+      </p:sp>
+      <p:sp>
+        <p:nvSpPr>
+          <p:cNvPr id="3" name="Espace réservé du numéro de diapositive 2"/>
           <p:cNvSpPr>
             <a:spLocks noGrp="1"/>
           </p:cNvSpPr>
@@ -6894,62 +13048,7 @@
       </p:sp>
       <p:sp>
         <p:nvSpPr>
-          <p:cNvPr id="4" name="Titre 3"/>
-          <p:cNvSpPr>
-            <a:spLocks noGrp="1"/>
-          </p:cNvSpPr>
-          <p:nvPr>
-            <p:ph type="title"/>
-          </p:nvPr>
-        </p:nvSpPr>
-        <p:spPr/>
-        <p:txBody>
-          <a:bodyPr/>
-          <a:lstStyle/>
-          <a:p>
-            <a:r>
-              <a:rPr lang="fr-FR" dirty="0" smtClean="0"/>
-              <a:t>Contribution </a:t>
-            </a:r>
-            <a:r>
-              <a:rPr lang="fr-FR" dirty="0"/>
-              <a:t>au projet</a:t>
-            </a:r>
-            <a:endParaRPr lang="fr-FR" dirty="0"/>
-          </a:p>
-        </p:txBody>
-      </p:sp>
-      <p:sp>
-        <p:nvSpPr>
-          <p:cNvPr id="5" name="Espace réservé du texte 4"/>
-          <p:cNvSpPr>
-            <a:spLocks noGrp="1"/>
-          </p:cNvSpPr>
-          <p:nvPr>
-            <p:ph type="body" sz="quarter" idx="12"/>
-          </p:nvPr>
-        </p:nvSpPr>
-        <p:spPr/>
-        <p:txBody>
-          <a:bodyPr/>
-          <a:lstStyle/>
-          <a:p>
-            <a:pPr lvl="1"/>
-            <a:endParaRPr lang="fr-FR" dirty="0" smtClean="0"/>
-          </a:p>
-          <a:p>
-            <a:pPr lvl="1"/>
-            <a:endParaRPr lang="fr-FR" dirty="0" smtClean="0"/>
-          </a:p>
-          <a:p>
-            <a:pPr lvl="1"/>
-            <a:endParaRPr lang="fr-FR" dirty="0"/>
-          </a:p>
-        </p:txBody>
-      </p:sp>
-      <p:sp>
-        <p:nvSpPr>
-          <p:cNvPr id="6" name="Titre 3"/>
+          <p:cNvPr id="4" name="Titre 1"/>
           <p:cNvSpPr txBox="1">
             <a:spLocks/>
           </p:cNvSpPr>
@@ -6957,17 +13056,15 @@
         </p:nvSpPr>
         <p:spPr>
           <a:xfrm>
-            <a:off x="524235" y="680365"/>
-            <a:ext cx="8064000" cy="468000"/>
+            <a:off x="2624093" y="2275907"/>
+            <a:ext cx="5940154" cy="864096"/>
           </a:xfrm>
           <a:prstGeom prst="rect">
             <a:avLst/>
           </a:prstGeom>
         </p:spPr>
         <p:txBody>
-          <a:bodyPr vert="horz" wrap="square" lIns="0" tIns="0" rIns="0" bIns="0" rtlCol="0" anchor="t" anchorCtr="0">
-            <a:noAutofit/>
-          </a:bodyPr>
+          <a:bodyPr wrap="square" anchor="b" anchorCtr="0"/>
           <a:lstStyle>
             <a:lvl1pPr algn="l" defTabSz="914376" rtl="0" eaLnBrk="1" latinLnBrk="0" hangingPunct="1">
               <a:spcBef>
@@ -6976,7 +13073,7 @@
               <a:buNone/>
               <a:defRPr sz="2400" b="1" kern="1200" cap="all" spc="0" baseline="0">
                 <a:solidFill>
-                  <a:srgbClr val="776271"/>
+                  <a:schemeClr val="bg1"/>
                 </a:solidFill>
                 <a:latin typeface="+mj-lt"/>
                 <a:ea typeface="+mj-ea"/>
@@ -6985,15 +13082,20 @@
             </a:lvl1pPr>
           </a:lstStyle>
           <a:p>
-            <a:pPr marL="0" lvl="1" algn="r">
+            <a:pPr marL="457200" lvl="1" indent="-457200">
+              <a:lnSpc>
+                <a:spcPct val="120000"/>
+              </a:lnSpc>
               <a:spcBef>
                 <a:spcPct val="0"/>
               </a:spcBef>
+              <a:buFont typeface="+mj-lt"/>
+              <a:buAutoNum type="arabicPeriod"/>
             </a:pPr>
             <a:r>
-              <a:rPr lang="fr-FR" b="1" dirty="0" smtClean="0">
-                <a:solidFill>
-                  <a:srgbClr val="776271"/>
+              <a:rPr lang="fr-FR" sz="2000" b="1" dirty="0" smtClean="0">
+                <a:solidFill>
+                  <a:schemeClr val="bg1"/>
                 </a:solidFill>
                 <a:latin typeface="+mj-lt"/>
                 <a:ea typeface="+mj-ea"/>
@@ -7002,26 +13104,19 @@
               <a:t>Module </a:t>
             </a:r>
             <a:r>
-              <a:rPr lang="fr-FR" b="1" dirty="0">
-                <a:solidFill>
-                  <a:srgbClr val="776271"/>
+              <a:rPr lang="fr-FR" sz="2000" b="1" dirty="0" err="1" smtClean="0">
+                <a:solidFill>
+                  <a:schemeClr val="bg1"/>
                 </a:solidFill>
                 <a:latin typeface="+mj-lt"/>
                 <a:ea typeface="+mj-ea"/>
                 <a:cs typeface="Segoe UI" pitchFamily="34" charset="0"/>
               </a:rPr>
-              <a:t>Social</a:t>
-            </a:r>
-          </a:p>
-          <a:p>
-            <a:pPr marL="0" lvl="1" algn="r">
-              <a:spcBef>
-                <a:spcPct val="0"/>
-              </a:spcBef>
-            </a:pPr>
-            <a:endParaRPr lang="fr-FR" b="1" dirty="0">
+              <a:t>Scheduler</a:t>
+            </a:r>
+            <a:endParaRPr lang="fr-FR" sz="2000" b="1" dirty="0" smtClean="0">
               <a:solidFill>
-                <a:srgbClr val="776271"/>
+                <a:schemeClr val="bg1"/>
               </a:solidFill>
               <a:latin typeface="+mj-lt"/>
               <a:ea typeface="+mj-ea"/>
@@ -7029,34 +13124,57 @@
             </a:endParaRPr>
           </a:p>
           <a:p>
-            <a:pPr marL="0" lvl="1" algn="r">
+            <a:pPr marL="457200" lvl="1" indent="-457200">
+              <a:lnSpc>
+                <a:spcPct val="120000"/>
+              </a:lnSpc>
               <a:spcBef>
                 <a:spcPct val="0"/>
               </a:spcBef>
+              <a:buFont typeface="+mj-lt"/>
+              <a:buAutoNum type="arabicPeriod"/>
             </a:pPr>
-            <a:endParaRPr lang="fr-FR" b="1" dirty="0">
-              <a:solidFill>
-                <a:srgbClr val="776271"/>
-              </a:solidFill>
-              <a:latin typeface="+mj-lt"/>
-              <a:ea typeface="+mj-ea"/>
-              <a:cs typeface="Segoe UI" pitchFamily="34" charset="0"/>
-            </a:endParaRPr>
-          </a:p>
-          <a:p>
-            <a:pPr algn="r"/>
-            <a:r>
-              <a:rPr lang="fr-FR" sz="1800" cap="none" dirty="0" smtClean="0"/>
-              <a:t> </a:t>
-            </a:r>
-            <a:endParaRPr lang="fr-FR" sz="1800" cap="none" dirty="0"/>
+            <a:r>
+              <a:rPr lang="fr-FR" sz="2000" b="1" dirty="0" smtClean="0">
+                <a:solidFill>
+                  <a:schemeClr val="bg1"/>
+                </a:solidFill>
+                <a:latin typeface="+mj-lt"/>
+                <a:ea typeface="+mj-ea"/>
+                <a:cs typeface="Segoe UI" pitchFamily="34" charset="0"/>
+              </a:rPr>
+              <a:t>Module Social</a:t>
+            </a:r>
+          </a:p>
+          <a:p>
+            <a:pPr marL="457200" lvl="1" indent="-457200">
+              <a:lnSpc>
+                <a:spcPct val="120000"/>
+              </a:lnSpc>
+              <a:spcBef>
+                <a:spcPct val="0"/>
+              </a:spcBef>
+              <a:buFont typeface="+mj-lt"/>
+              <a:buAutoNum type="arabicPeriod"/>
+            </a:pPr>
+            <a:r>
+              <a:rPr lang="fr-FR" sz="2000" b="1" dirty="0" smtClean="0">
+                <a:solidFill>
+                  <a:schemeClr val="bg1"/>
+                </a:solidFill>
+                <a:latin typeface="+mj-lt"/>
+                <a:ea typeface="+mj-ea"/>
+                <a:cs typeface="Segoe UI" pitchFamily="34" charset="0"/>
+              </a:rPr>
+              <a:t>Intégration du SPAD Real Time</a:t>
+            </a:r>
           </a:p>
         </p:txBody>
       </p:sp>
     </p:spTree>
     <p:extLst>
       <p:ext uri="{BB962C8B-B14F-4D97-AF65-F5344CB8AC3E}">
-        <p14:creationId xmlns:p14="http://schemas.microsoft.com/office/powerpoint/2010/main" val="930834374"/>
+        <p14:creationId xmlns:p14="http://schemas.microsoft.com/office/powerpoint/2010/main" val="2713816254"/>
       </p:ext>
     </p:extLst>
   </p:cSld>
@@ -7140,7 +13258,6 @@
               <a:rPr lang="fr-FR" dirty="0"/>
               <a:t>au projet</a:t>
             </a:r>
-            <a:endParaRPr lang="fr-FR" dirty="0"/>
           </a:p>
         </p:txBody>
       </p:sp>
@@ -7224,10 +13341,10 @@
                 <a:ea typeface="+mj-ea"/>
                 <a:cs typeface="Segoe UI" pitchFamily="34" charset="0"/>
               </a:rPr>
-              <a:t>Intégration </a:t>
-            </a:r>
-            <a:r>
-              <a:rPr lang="fr-FR" b="1" dirty="0">
+              <a:t>Module </a:t>
+            </a:r>
+            <a:r>
+              <a:rPr lang="fr-FR" b="1" dirty="0" err="1">
                 <a:solidFill>
                   <a:srgbClr val="776271"/>
                 </a:solidFill>
@@ -7235,25 +13352,7 @@
                 <a:ea typeface="+mj-ea"/>
                 <a:cs typeface="Segoe UI" pitchFamily="34" charset="0"/>
               </a:rPr>
-              <a:t>du SPAD Real Time</a:t>
-            </a:r>
-          </a:p>
-          <a:p>
-            <a:pPr marL="0" lvl="1" algn="r">
-              <a:spcBef>
-                <a:spcPct val="0"/>
-              </a:spcBef>
-            </a:pPr>
-            <a:r>
-              <a:rPr lang="fr-FR" b="1" dirty="0" smtClean="0">
-                <a:solidFill>
-                  <a:srgbClr val="776271"/>
-                </a:solidFill>
-                <a:latin typeface="+mj-lt"/>
-                <a:ea typeface="+mj-ea"/>
-                <a:cs typeface="Segoe UI" pitchFamily="34" charset="0"/>
-              </a:rPr>
-              <a:t> </a:t>
+              <a:t>Scheduler</a:t>
             </a:r>
             <a:endParaRPr lang="fr-FR" b="1" dirty="0">
               <a:solidFill>
@@ -7280,21 +13379,6 @@
             </a:endParaRPr>
           </a:p>
           <a:p>
-            <a:pPr marL="0" lvl="1" algn="r">
-              <a:spcBef>
-                <a:spcPct val="0"/>
-              </a:spcBef>
-            </a:pPr>
-            <a:endParaRPr lang="fr-FR" b="1" dirty="0">
-              <a:solidFill>
-                <a:srgbClr val="776271"/>
-              </a:solidFill>
-              <a:latin typeface="+mj-lt"/>
-              <a:ea typeface="+mj-ea"/>
-              <a:cs typeface="Segoe UI" pitchFamily="34" charset="0"/>
-            </a:endParaRPr>
-          </a:p>
-          <a:p>
             <a:pPr algn="r"/>
             <a:r>
               <a:rPr lang="fr-FR" sz="1800" cap="none" dirty="0" smtClean="0"/>
@@ -7307,7 +13391,7 @@
     </p:spTree>
     <p:extLst>
       <p:ext uri="{BB962C8B-B14F-4D97-AF65-F5344CB8AC3E}">
-        <p14:creationId xmlns:p14="http://schemas.microsoft.com/office/powerpoint/2010/main" val="1734691450"/>
+        <p14:creationId xmlns:p14="http://schemas.microsoft.com/office/powerpoint/2010/main" val="1514126415"/>
       </p:ext>
     </p:extLst>
   </p:cSld>
@@ -7346,50 +13430,7 @@
       </p:grpSpPr>
       <p:sp>
         <p:nvSpPr>
-          <p:cNvPr id="2" name="Titre 1"/>
-          <p:cNvSpPr>
-            <a:spLocks noGrp="1"/>
-          </p:cNvSpPr>
-          <p:nvPr>
-            <p:ph type="title"/>
-          </p:nvPr>
-        </p:nvSpPr>
-        <p:spPr>
-          <a:xfrm>
-            <a:off x="2555776" y="2281597"/>
-            <a:ext cx="5940154" cy="864096"/>
-          </a:xfrm>
-        </p:spPr>
-        <p:txBody>
-          <a:bodyPr/>
-          <a:lstStyle/>
-          <a:p>
-            <a:pPr>
-              <a:lnSpc>
-                <a:spcPct val="120000"/>
-              </a:lnSpc>
-            </a:pPr>
-            <a:r>
-              <a:rPr lang="fr-FR" dirty="0" smtClean="0"/>
-              <a:t>BILAN</a:t>
-            </a:r>
-            <a:br>
-              <a:rPr lang="fr-FR" dirty="0" smtClean="0"/>
-            </a:br>
-            <a:r>
-              <a:rPr lang="fr-FR" dirty="0"/>
-              <a:t/>
-            </a:r>
-            <a:br>
-              <a:rPr lang="fr-FR" dirty="0"/>
-            </a:br>
-            <a:endParaRPr lang="fr-FR" dirty="0"/>
-          </a:p>
-        </p:txBody>
-      </p:sp>
-      <p:sp>
-        <p:nvSpPr>
-          <p:cNvPr id="3" name="Espace réservé du numéro de diapositive 2"/>
+          <p:cNvPr id="2" name="Espace réservé du numéro de diapositive 1"/>
           <p:cNvSpPr>
             <a:spLocks noGrp="1"/>
           </p:cNvSpPr>
@@ -7413,7 +13454,61 @@
       </p:sp>
       <p:sp>
         <p:nvSpPr>
-          <p:cNvPr id="4" name="Titre 1"/>
+          <p:cNvPr id="4" name="Titre 3"/>
+          <p:cNvSpPr>
+            <a:spLocks noGrp="1"/>
+          </p:cNvSpPr>
+          <p:nvPr>
+            <p:ph type="title"/>
+          </p:nvPr>
+        </p:nvSpPr>
+        <p:spPr/>
+        <p:txBody>
+          <a:bodyPr/>
+          <a:lstStyle/>
+          <a:p>
+            <a:r>
+              <a:rPr lang="fr-FR" dirty="0" smtClean="0"/>
+              <a:t>Contribution </a:t>
+            </a:r>
+            <a:r>
+              <a:rPr lang="fr-FR" dirty="0"/>
+              <a:t>au projet</a:t>
+            </a:r>
+          </a:p>
+        </p:txBody>
+      </p:sp>
+      <p:sp>
+        <p:nvSpPr>
+          <p:cNvPr id="5" name="Espace réservé du texte 4"/>
+          <p:cNvSpPr>
+            <a:spLocks noGrp="1"/>
+          </p:cNvSpPr>
+          <p:nvPr>
+            <p:ph type="body" sz="quarter" idx="12"/>
+          </p:nvPr>
+        </p:nvSpPr>
+        <p:spPr/>
+        <p:txBody>
+          <a:bodyPr/>
+          <a:lstStyle/>
+          <a:p>
+            <a:pPr lvl="1"/>
+            <a:endParaRPr lang="fr-FR" dirty="0" smtClean="0"/>
+          </a:p>
+          <a:p>
+            <a:pPr lvl="1"/>
+            <a:endParaRPr lang="fr-FR" dirty="0" smtClean="0"/>
+          </a:p>
+          <a:p>
+            <a:pPr lvl="1"/>
+            <a:endParaRPr lang="fr-FR" dirty="0"/>
+          </a:p>
+        </p:txBody>
+      </p:sp>
+      <p:sp>
+        <p:nvSpPr>
+          <p:cNvPr id="6" name="Titre 3"/>
           <p:cNvSpPr txBox="1">
             <a:spLocks/>
           </p:cNvSpPr>
@@ -7421,15 +13516,17 @@
         </p:nvSpPr>
         <p:spPr>
           <a:xfrm>
-            <a:off x="2624093" y="2275907"/>
-            <a:ext cx="5940154" cy="864096"/>
+            <a:off x="524235" y="680365"/>
+            <a:ext cx="8064000" cy="468000"/>
           </a:xfrm>
           <a:prstGeom prst="rect">
             <a:avLst/>
           </a:prstGeom>
         </p:spPr>
         <p:txBody>
-          <a:bodyPr wrap="square" anchor="b" anchorCtr="0"/>
+          <a:bodyPr vert="horz" wrap="square" lIns="0" tIns="0" rIns="0" bIns="0" rtlCol="0" anchor="t" anchorCtr="0">
+            <a:noAutofit/>
+          </a:bodyPr>
           <a:lstStyle>
             <a:lvl1pPr algn="l" defTabSz="914376" rtl="0" eaLnBrk="1" latinLnBrk="0" hangingPunct="1">
               <a:spcBef>
@@ -7438,7 +13535,7 @@
               <a:buNone/>
               <a:defRPr sz="2400" b="1" kern="1200" cap="all" spc="0" baseline="0">
                 <a:solidFill>
-                  <a:schemeClr val="bg1"/>
+                  <a:srgbClr val="776271"/>
                 </a:solidFill>
                 <a:latin typeface="+mj-lt"/>
                 <a:ea typeface="+mj-ea"/>
@@ -7447,19 +13544,43 @@
             </a:lvl1pPr>
           </a:lstStyle>
           <a:p>
-            <a:pPr marL="457200" lvl="1" indent="-457200">
-              <a:lnSpc>
-                <a:spcPct val="120000"/>
-              </a:lnSpc>
+            <a:pPr marL="0" lvl="1" algn="r">
               <a:spcBef>
                 <a:spcPct val="0"/>
               </a:spcBef>
-              <a:buFont typeface="+mj-lt"/>
-              <a:buAutoNum type="arabicPeriod"/>
             </a:pPr>
-            <a:endParaRPr lang="fr-FR" sz="2000" b="1" dirty="0" smtClean="0">
+            <a:r>
+              <a:rPr lang="fr-FR" b="1" dirty="0" smtClean="0">
+                <a:solidFill>
+                  <a:srgbClr val="776271"/>
+                </a:solidFill>
+                <a:latin typeface="+mj-lt"/>
+                <a:ea typeface="+mj-ea"/>
+                <a:cs typeface="Segoe UI" pitchFamily="34" charset="0"/>
+              </a:rPr>
+              <a:t>Module </a:t>
+            </a:r>
+            <a:r>
+              <a:rPr lang="fr-FR" b="1" dirty="0">
+                <a:solidFill>
+                  <a:srgbClr val="776271"/>
+                </a:solidFill>
+                <a:latin typeface="+mj-lt"/>
+                <a:ea typeface="+mj-ea"/>
+                <a:cs typeface="Segoe UI" pitchFamily="34" charset="0"/>
+              </a:rPr>
+              <a:t>Social</a:t>
+            </a:r>
+          </a:p>
+          <a:p>
+            <a:pPr marL="0" lvl="1" algn="r">
+              <a:spcBef>
+                <a:spcPct val="0"/>
+              </a:spcBef>
+            </a:pPr>
+            <a:endParaRPr lang="fr-FR" b="1" dirty="0">
               <a:solidFill>
-                <a:schemeClr val="bg1"/>
+                <a:srgbClr val="776271"/>
               </a:solidFill>
               <a:latin typeface="+mj-lt"/>
               <a:ea typeface="+mj-ea"/>
@@ -7467,19 +13588,14 @@
             </a:endParaRPr>
           </a:p>
           <a:p>
-            <a:pPr marL="457200" lvl="1" indent="-457200">
-              <a:lnSpc>
-                <a:spcPct val="120000"/>
-              </a:lnSpc>
+            <a:pPr marL="0" lvl="1" algn="r">
               <a:spcBef>
                 <a:spcPct val="0"/>
               </a:spcBef>
-              <a:buFont typeface="+mj-lt"/>
-              <a:buAutoNum type="arabicPeriod"/>
             </a:pPr>
-            <a:endParaRPr lang="fr-FR" sz="2000" b="1" dirty="0">
+            <a:endParaRPr lang="fr-FR" b="1" dirty="0">
               <a:solidFill>
-                <a:schemeClr val="bg1"/>
+                <a:srgbClr val="776271"/>
               </a:solidFill>
               <a:latin typeface="+mj-lt"/>
               <a:ea typeface="+mj-ea"/>
@@ -7487,68 +13603,19 @@
             </a:endParaRPr>
           </a:p>
           <a:p>
-            <a:pPr marL="457200" lvl="1" indent="-457200">
-              <a:lnSpc>
-                <a:spcPct val="120000"/>
-              </a:lnSpc>
-              <a:spcBef>
-                <a:spcPct val="0"/>
-              </a:spcBef>
-              <a:buFont typeface="+mj-lt"/>
-              <a:buAutoNum type="arabicPeriod"/>
-            </a:pPr>
-            <a:r>
-              <a:rPr lang="fr-FR" sz="2000" b="1" dirty="0" smtClean="0">
-                <a:solidFill>
-                  <a:schemeClr val="bg1"/>
-                </a:solidFill>
-                <a:cs typeface="Segoe UI" pitchFamily="34" charset="0"/>
-              </a:rPr>
-              <a:t>Les acquis</a:t>
-            </a:r>
-          </a:p>
-          <a:p>
-            <a:pPr marL="457200" lvl="1" indent="-457200">
-              <a:lnSpc>
-                <a:spcPct val="120000"/>
-              </a:lnSpc>
-              <a:spcBef>
-                <a:spcPct val="0"/>
-              </a:spcBef>
-              <a:buFont typeface="+mj-lt"/>
-              <a:buAutoNum type="arabicPeriod"/>
-            </a:pPr>
-            <a:r>
-              <a:rPr lang="fr-FR" sz="2000" b="1" dirty="0">
-                <a:solidFill>
-                  <a:schemeClr val="bg1"/>
-                </a:solidFill>
-                <a:cs typeface="Segoe UI" pitchFamily="34" charset="0"/>
-              </a:rPr>
-              <a:t>Intérêts du </a:t>
-            </a:r>
-            <a:r>
-              <a:rPr lang="fr-FR" sz="2000" b="1" dirty="0" smtClean="0">
-                <a:solidFill>
-                  <a:schemeClr val="bg1"/>
-                </a:solidFill>
-                <a:cs typeface="Segoe UI" pitchFamily="34" charset="0"/>
-              </a:rPr>
-              <a:t>stage</a:t>
-            </a:r>
-            <a:endParaRPr lang="fr-FR" sz="2000" b="1" dirty="0">
-              <a:solidFill>
-                <a:schemeClr val="bg1"/>
-              </a:solidFill>
-              <a:cs typeface="Segoe UI" pitchFamily="34" charset="0"/>
-            </a:endParaRPr>
+            <a:pPr algn="r"/>
+            <a:r>
+              <a:rPr lang="fr-FR" sz="1800" cap="none" dirty="0" smtClean="0"/>
+              <a:t> </a:t>
+            </a:r>
+            <a:endParaRPr lang="fr-FR" sz="1800" cap="none" dirty="0"/>
           </a:p>
         </p:txBody>
       </p:sp>
     </p:spTree>
     <p:extLst>
       <p:ext uri="{BB962C8B-B14F-4D97-AF65-F5344CB8AC3E}">
-        <p14:creationId xmlns:p14="http://schemas.microsoft.com/office/powerpoint/2010/main" val="3362692136"/>
+        <p14:creationId xmlns:p14="http://schemas.microsoft.com/office/powerpoint/2010/main" val="930834374"/>
       </p:ext>
     </p:extLst>
   </p:cSld>
@@ -7626,9 +13693,12 @@
           <a:p>
             <a:r>
               <a:rPr lang="fr-FR" dirty="0" smtClean="0"/>
-              <a:t>BILAN</a:t>
-            </a:r>
-            <a:endParaRPr lang="fr-FR" dirty="0"/>
+              <a:t>Contribution </a:t>
+            </a:r>
+            <a:r>
+              <a:rPr lang="fr-FR" dirty="0"/>
+              <a:t>au projet</a:t>
+            </a:r>
           </a:p>
         </p:txBody>
       </p:sp>
@@ -7712,7 +13782,7 @@
                 <a:ea typeface="+mj-ea"/>
                 <a:cs typeface="Segoe UI" pitchFamily="34" charset="0"/>
               </a:rPr>
-              <a:t>Les </a:t>
+              <a:t>Intégration </a:t>
             </a:r>
             <a:r>
               <a:rPr lang="fr-FR" b="1" dirty="0">
@@ -7723,8 +13793,34 @@
                 <a:ea typeface="+mj-ea"/>
                 <a:cs typeface="Segoe UI" pitchFamily="34" charset="0"/>
               </a:rPr>
-              <a:t>acquis</a:t>
-            </a:r>
+              <a:t>du SPAD Real Time</a:t>
+            </a:r>
+          </a:p>
+          <a:p>
+            <a:pPr marL="0" lvl="1" algn="r">
+              <a:spcBef>
+                <a:spcPct val="0"/>
+              </a:spcBef>
+            </a:pPr>
+            <a:r>
+              <a:rPr lang="fr-FR" b="1" dirty="0" smtClean="0">
+                <a:solidFill>
+                  <a:srgbClr val="776271"/>
+                </a:solidFill>
+                <a:latin typeface="+mj-lt"/>
+                <a:ea typeface="+mj-ea"/>
+                <a:cs typeface="Segoe UI" pitchFamily="34" charset="0"/>
+              </a:rPr>
+              <a:t> </a:t>
+            </a:r>
+            <a:endParaRPr lang="fr-FR" b="1" dirty="0">
+              <a:solidFill>
+                <a:srgbClr val="776271"/>
+              </a:solidFill>
+              <a:latin typeface="+mj-lt"/>
+              <a:ea typeface="+mj-ea"/>
+              <a:cs typeface="Segoe UI" pitchFamily="34" charset="0"/>
+            </a:endParaRPr>
           </a:p>
           <a:p>
             <a:pPr marL="0" lvl="1" algn="r">
@@ -7747,17 +13843,6 @@
                 <a:spcPct val="0"/>
               </a:spcBef>
             </a:pPr>
-            <a:r>
-              <a:rPr lang="fr-FR" b="1" dirty="0" smtClean="0">
-                <a:solidFill>
-                  <a:srgbClr val="776271"/>
-                </a:solidFill>
-                <a:latin typeface="+mj-lt"/>
-                <a:ea typeface="+mj-ea"/>
-                <a:cs typeface="Segoe UI" pitchFamily="34" charset="0"/>
-              </a:rPr>
-              <a:t> </a:t>
-            </a:r>
             <a:endParaRPr lang="fr-FR" b="1" dirty="0">
               <a:solidFill>
                 <a:srgbClr val="776271"/>
@@ -7768,36 +13853,6 @@
             </a:endParaRPr>
           </a:p>
           <a:p>
-            <a:pPr marL="0" lvl="1" algn="r">
-              <a:spcBef>
-                <a:spcPct val="0"/>
-              </a:spcBef>
-            </a:pPr>
-            <a:endParaRPr lang="fr-FR" b="1" dirty="0">
-              <a:solidFill>
-                <a:srgbClr val="776271"/>
-              </a:solidFill>
-              <a:latin typeface="+mj-lt"/>
-              <a:ea typeface="+mj-ea"/>
-              <a:cs typeface="Segoe UI" pitchFamily="34" charset="0"/>
-            </a:endParaRPr>
-          </a:p>
-          <a:p>
-            <a:pPr marL="0" lvl="1" algn="r">
-              <a:spcBef>
-                <a:spcPct val="0"/>
-              </a:spcBef>
-            </a:pPr>
-            <a:endParaRPr lang="fr-FR" b="1" dirty="0">
-              <a:solidFill>
-                <a:srgbClr val="776271"/>
-              </a:solidFill>
-              <a:latin typeface="+mj-lt"/>
-              <a:ea typeface="+mj-ea"/>
-              <a:cs typeface="Segoe UI" pitchFamily="34" charset="0"/>
-            </a:endParaRPr>
-          </a:p>
-          <a:p>
             <a:pPr algn="r"/>
             <a:r>
               <a:rPr lang="fr-FR" sz="1800" cap="none" dirty="0" smtClean="0"/>
@@ -7810,7 +13865,7 @@
     </p:spTree>
     <p:extLst>
       <p:ext uri="{BB962C8B-B14F-4D97-AF65-F5344CB8AC3E}">
-        <p14:creationId xmlns:p14="http://schemas.microsoft.com/office/powerpoint/2010/main" val="1496514109"/>
+        <p14:creationId xmlns:p14="http://schemas.microsoft.com/office/powerpoint/2010/main" val="1734691450"/>
       </p:ext>
     </p:extLst>
   </p:cSld>
@@ -7849,7 +13904,50 @@
       </p:grpSpPr>
       <p:sp>
         <p:nvSpPr>
-          <p:cNvPr id="2" name="Espace réservé du numéro de diapositive 1"/>
+          <p:cNvPr id="2" name="Titre 1"/>
+          <p:cNvSpPr>
+            <a:spLocks noGrp="1"/>
+          </p:cNvSpPr>
+          <p:nvPr>
+            <p:ph type="title"/>
+          </p:nvPr>
+        </p:nvSpPr>
+        <p:spPr>
+          <a:xfrm>
+            <a:off x="2555776" y="2281597"/>
+            <a:ext cx="5940154" cy="864096"/>
+          </a:xfrm>
+        </p:spPr>
+        <p:txBody>
+          <a:bodyPr/>
+          <a:lstStyle/>
+          <a:p>
+            <a:pPr>
+              <a:lnSpc>
+                <a:spcPct val="120000"/>
+              </a:lnSpc>
+            </a:pPr>
+            <a:r>
+              <a:rPr lang="fr-FR" dirty="0" smtClean="0"/>
+              <a:t>BILAN</a:t>
+            </a:r>
+            <a:br>
+              <a:rPr lang="fr-FR" dirty="0" smtClean="0"/>
+            </a:br>
+            <a:r>
+              <a:rPr lang="fr-FR" dirty="0"/>
+              <a:t/>
+            </a:r>
+            <a:br>
+              <a:rPr lang="fr-FR" dirty="0"/>
+            </a:br>
+            <a:endParaRPr lang="fr-FR" dirty="0"/>
+          </a:p>
+        </p:txBody>
+      </p:sp>
+      <p:sp>
+        <p:nvSpPr>
+          <p:cNvPr id="3" name="Espace réservé du numéro de diapositive 2"/>
           <p:cNvSpPr>
             <a:spLocks noGrp="1"/>
           </p:cNvSpPr>
@@ -7873,58 +13971,7 @@
       </p:sp>
       <p:sp>
         <p:nvSpPr>
-          <p:cNvPr id="4" name="Titre 3"/>
-          <p:cNvSpPr>
-            <a:spLocks noGrp="1"/>
-          </p:cNvSpPr>
-          <p:nvPr>
-            <p:ph type="title"/>
-          </p:nvPr>
-        </p:nvSpPr>
-        <p:spPr/>
-        <p:txBody>
-          <a:bodyPr/>
-          <a:lstStyle/>
-          <a:p>
-            <a:r>
-              <a:rPr lang="fr-FR" dirty="0" smtClean="0"/>
-              <a:t>BILAN</a:t>
-            </a:r>
-            <a:endParaRPr lang="fr-FR" dirty="0"/>
-          </a:p>
-        </p:txBody>
-      </p:sp>
-      <p:sp>
-        <p:nvSpPr>
-          <p:cNvPr id="5" name="Espace réservé du texte 4"/>
-          <p:cNvSpPr>
-            <a:spLocks noGrp="1"/>
-          </p:cNvSpPr>
-          <p:nvPr>
-            <p:ph type="body" sz="quarter" idx="12"/>
-          </p:nvPr>
-        </p:nvSpPr>
-        <p:spPr/>
-        <p:txBody>
-          <a:bodyPr/>
-          <a:lstStyle/>
-          <a:p>
-            <a:pPr lvl="1"/>
-            <a:endParaRPr lang="fr-FR" dirty="0" smtClean="0"/>
-          </a:p>
-          <a:p>
-            <a:pPr lvl="1"/>
-            <a:endParaRPr lang="fr-FR" dirty="0" smtClean="0"/>
-          </a:p>
-          <a:p>
-            <a:pPr lvl="1"/>
-            <a:endParaRPr lang="fr-FR" dirty="0"/>
-          </a:p>
-        </p:txBody>
-      </p:sp>
-      <p:sp>
-        <p:nvSpPr>
-          <p:cNvPr id="6" name="Titre 3"/>
+          <p:cNvPr id="4" name="Titre 1"/>
           <p:cNvSpPr txBox="1">
             <a:spLocks/>
           </p:cNvSpPr>
@@ -7932,17 +13979,15 @@
         </p:nvSpPr>
         <p:spPr>
           <a:xfrm>
-            <a:off x="524235" y="680365"/>
-            <a:ext cx="8064000" cy="468000"/>
+            <a:off x="2624093" y="2275907"/>
+            <a:ext cx="5940154" cy="864096"/>
           </a:xfrm>
           <a:prstGeom prst="rect">
             <a:avLst/>
           </a:prstGeom>
         </p:spPr>
         <p:txBody>
-          <a:bodyPr vert="horz" wrap="square" lIns="0" tIns="0" rIns="0" bIns="0" rtlCol="0" anchor="t" anchorCtr="0">
-            <a:noAutofit/>
-          </a:bodyPr>
+          <a:bodyPr wrap="square" anchor="b" anchorCtr="0"/>
           <a:lstStyle>
             <a:lvl1pPr algn="l" defTabSz="914376" rtl="0" eaLnBrk="1" latinLnBrk="0" hangingPunct="1">
               <a:spcBef>
@@ -7951,7 +13996,7 @@
               <a:buNone/>
               <a:defRPr sz="2400" b="1" kern="1200" cap="all" spc="0" baseline="0">
                 <a:solidFill>
-                  <a:srgbClr val="776271"/>
+                  <a:schemeClr val="bg1"/>
                 </a:solidFill>
                 <a:latin typeface="+mj-lt"/>
                 <a:ea typeface="+mj-ea"/>
@@ -7960,43 +14005,19 @@
             </a:lvl1pPr>
           </a:lstStyle>
           <a:p>
-            <a:pPr marL="0" lvl="1" algn="r">
+            <a:pPr marL="457200" lvl="1" indent="-457200">
+              <a:lnSpc>
+                <a:spcPct val="120000"/>
+              </a:lnSpc>
               <a:spcBef>
                 <a:spcPct val="0"/>
               </a:spcBef>
+              <a:buFont typeface="+mj-lt"/>
+              <a:buAutoNum type="arabicPeriod"/>
             </a:pPr>
-            <a:r>
-              <a:rPr lang="fr-FR" b="1" dirty="0" smtClean="0">
-                <a:solidFill>
-                  <a:srgbClr val="776271"/>
-                </a:solidFill>
-                <a:latin typeface="+mj-lt"/>
-                <a:ea typeface="+mj-ea"/>
-                <a:cs typeface="Segoe UI" pitchFamily="34" charset="0"/>
-              </a:rPr>
-              <a:t>Intérêts </a:t>
-            </a:r>
-            <a:r>
-              <a:rPr lang="fr-FR" b="1" dirty="0">
-                <a:solidFill>
-                  <a:srgbClr val="776271"/>
-                </a:solidFill>
-                <a:latin typeface="+mj-lt"/>
-                <a:ea typeface="+mj-ea"/>
-                <a:cs typeface="Segoe UI" pitchFamily="34" charset="0"/>
-              </a:rPr>
-              <a:t>du stage</a:t>
-            </a:r>
-          </a:p>
-          <a:p>
-            <a:pPr marL="0" lvl="1" algn="r">
-              <a:spcBef>
-                <a:spcPct val="0"/>
-              </a:spcBef>
-            </a:pPr>
-            <a:endParaRPr lang="fr-FR" b="1" dirty="0">
+            <a:endParaRPr lang="fr-FR" sz="2000" b="1" dirty="0" smtClean="0">
               <a:solidFill>
-                <a:srgbClr val="776271"/>
+                <a:schemeClr val="bg1"/>
               </a:solidFill>
               <a:latin typeface="+mj-lt"/>
               <a:ea typeface="+mj-ea"/>
@@ -8004,25 +14025,19 @@
             </a:endParaRPr>
           </a:p>
           <a:p>
-            <a:pPr marL="0" lvl="1" algn="r">
+            <a:pPr marL="457200" lvl="1" indent="-457200">
+              <a:lnSpc>
+                <a:spcPct val="120000"/>
+              </a:lnSpc>
               <a:spcBef>
                 <a:spcPct val="0"/>
               </a:spcBef>
+              <a:buFont typeface="+mj-lt"/>
+              <a:buAutoNum type="arabicPeriod"/>
             </a:pPr>
-            <a:r>
-              <a:rPr lang="fr-FR" b="1" dirty="0" smtClean="0">
-                <a:solidFill>
-                  <a:srgbClr val="776271"/>
-                </a:solidFill>
-                <a:latin typeface="+mj-lt"/>
-                <a:ea typeface="+mj-ea"/>
-                <a:cs typeface="Segoe UI" pitchFamily="34" charset="0"/>
-              </a:rPr>
-              <a:t> </a:t>
-            </a:r>
-            <a:endParaRPr lang="fr-FR" b="1" dirty="0">
+            <a:endParaRPr lang="fr-FR" sz="2000" b="1" dirty="0">
               <a:solidFill>
-                <a:srgbClr val="776271"/>
+                <a:schemeClr val="bg1"/>
               </a:solidFill>
               <a:latin typeface="+mj-lt"/>
               <a:ea typeface="+mj-ea"/>
@@ -8030,49 +14045,68 @@
             </a:endParaRPr>
           </a:p>
           <a:p>
-            <a:pPr marL="0" lvl="1" algn="r">
+            <a:pPr marL="457200" lvl="1" indent="-457200">
+              <a:lnSpc>
+                <a:spcPct val="120000"/>
+              </a:lnSpc>
               <a:spcBef>
                 <a:spcPct val="0"/>
               </a:spcBef>
+              <a:buFont typeface="+mj-lt"/>
+              <a:buAutoNum type="arabicPeriod"/>
             </a:pPr>
-            <a:endParaRPr lang="fr-FR" b="1" dirty="0">
-              <a:solidFill>
-                <a:srgbClr val="776271"/>
-              </a:solidFill>
-              <a:latin typeface="+mj-lt"/>
-              <a:ea typeface="+mj-ea"/>
-              <a:cs typeface="Segoe UI" pitchFamily="34" charset="0"/>
-            </a:endParaRPr>
-          </a:p>
-          <a:p>
-            <a:pPr marL="0" lvl="1" algn="r">
+            <a:r>
+              <a:rPr lang="fr-FR" sz="2000" b="1" dirty="0" smtClean="0">
+                <a:solidFill>
+                  <a:schemeClr val="bg1"/>
+                </a:solidFill>
+                <a:cs typeface="Segoe UI" pitchFamily="34" charset="0"/>
+              </a:rPr>
+              <a:t>Les acquis</a:t>
+            </a:r>
+          </a:p>
+          <a:p>
+            <a:pPr marL="457200" lvl="1" indent="-457200">
+              <a:lnSpc>
+                <a:spcPct val="120000"/>
+              </a:lnSpc>
               <a:spcBef>
                 <a:spcPct val="0"/>
               </a:spcBef>
+              <a:buFont typeface="+mj-lt"/>
+              <a:buAutoNum type="arabicPeriod"/>
             </a:pPr>
-            <a:endParaRPr lang="fr-FR" b="1" dirty="0">
+            <a:r>
+              <a:rPr lang="fr-FR" sz="2000" b="1" dirty="0">
+                <a:solidFill>
+                  <a:schemeClr val="bg1"/>
+                </a:solidFill>
+                <a:cs typeface="Segoe UI" pitchFamily="34" charset="0"/>
+              </a:rPr>
+              <a:t>Intérêts du </a:t>
+            </a:r>
+            <a:r>
+              <a:rPr lang="fr-FR" sz="2000" b="1" dirty="0" smtClean="0">
+                <a:solidFill>
+                  <a:schemeClr val="bg1"/>
+                </a:solidFill>
+                <a:cs typeface="Segoe UI" pitchFamily="34" charset="0"/>
+              </a:rPr>
+              <a:t>stage</a:t>
+            </a:r>
+            <a:endParaRPr lang="fr-FR" sz="2000" b="1" dirty="0">
               <a:solidFill>
-                <a:srgbClr val="776271"/>
+                <a:schemeClr val="bg1"/>
               </a:solidFill>
-              <a:latin typeface="+mj-lt"/>
-              <a:ea typeface="+mj-ea"/>
               <a:cs typeface="Segoe UI" pitchFamily="34" charset="0"/>
             </a:endParaRPr>
-          </a:p>
-          <a:p>
-            <a:pPr algn="r"/>
-            <a:r>
-              <a:rPr lang="fr-FR" sz="1800" cap="none" dirty="0" smtClean="0"/>
-              <a:t> </a:t>
-            </a:r>
-            <a:endParaRPr lang="fr-FR" sz="1800" cap="none" dirty="0"/>
           </a:p>
         </p:txBody>
       </p:sp>
     </p:spTree>
     <p:extLst>
       <p:ext uri="{BB962C8B-B14F-4D97-AF65-F5344CB8AC3E}">
-        <p14:creationId xmlns:p14="http://schemas.microsoft.com/office/powerpoint/2010/main" val="1501665431"/>
+        <p14:creationId xmlns:p14="http://schemas.microsoft.com/office/powerpoint/2010/main" val="3362692136"/>
       </p:ext>
     </p:extLst>
   </p:cSld>
@@ -8111,7 +14145,31 @@
       </p:grpSpPr>
       <p:sp>
         <p:nvSpPr>
-          <p:cNvPr id="2" name="Titre 1"/>
+          <p:cNvPr id="2" name="Espace réservé du numéro de diapositive 1"/>
+          <p:cNvSpPr>
+            <a:spLocks noGrp="1"/>
+          </p:cNvSpPr>
+          <p:nvPr>
+            <p:ph type="sldNum" sz="quarter" idx="4"/>
+          </p:nvPr>
+        </p:nvSpPr>
+        <p:spPr/>
+        <p:txBody>
+          <a:bodyPr/>
+          <a:lstStyle/>
+          <a:p>
+            <a:fld id="{B84A105C-F3ED-46C4-A7CB-5C6E41B87207}" type="slidenum">
+              <a:rPr lang="fr-FR" smtClean="0"/>
+              <a:pPr/>
+              <a:t>18</a:t>
+            </a:fld>
+            <a:endParaRPr lang="fr-FR" dirty="0"/>
+          </a:p>
+        </p:txBody>
+      </p:sp>
+      <p:sp>
+        <p:nvSpPr>
+          <p:cNvPr id="4" name="Titre 3"/>
           <p:cNvSpPr>
             <a:spLocks noGrp="1"/>
           </p:cNvSpPr>
@@ -8126,7 +14184,7 @@
           <a:p>
             <a:r>
               <a:rPr lang="fr-FR" dirty="0" smtClean="0"/>
-              <a:t>Démo</a:t>
+              <a:t>BILAN</a:t>
             </a:r>
             <a:endParaRPr lang="fr-FR" dirty="0"/>
           </a:p>
@@ -8134,12 +14192,12 @@
       </p:sp>
       <p:sp>
         <p:nvSpPr>
-          <p:cNvPr id="3" name="Espace réservé du numéro de diapositive 2"/>
+          <p:cNvPr id="5" name="Espace réservé du texte 4"/>
           <p:cNvSpPr>
             <a:spLocks noGrp="1"/>
           </p:cNvSpPr>
           <p:nvPr>
-            <p:ph type="sldNum" sz="quarter" idx="4"/>
+            <p:ph type="body" sz="quarter" idx="12"/>
           </p:nvPr>
         </p:nvSpPr>
         <p:spPr/>
@@ -8147,19 +14205,170 @@
           <a:bodyPr/>
           <a:lstStyle/>
           <a:p>
-            <a:fld id="{B84A105C-F3ED-46C4-A7CB-5C6E41B87207}" type="slidenum">
-              <a:rPr lang="fr-FR" smtClean="0"/>
-              <a:pPr/>
-              <a:t>18</a:t>
-            </a:fld>
+            <a:pPr lvl="1"/>
+            <a:endParaRPr lang="fr-FR" dirty="0" smtClean="0"/>
+          </a:p>
+          <a:p>
+            <a:pPr lvl="1"/>
+            <a:endParaRPr lang="fr-FR" dirty="0" smtClean="0"/>
+          </a:p>
+          <a:p>
+            <a:pPr lvl="1"/>
             <a:endParaRPr lang="fr-FR" dirty="0"/>
+          </a:p>
+        </p:txBody>
+      </p:sp>
+      <p:sp>
+        <p:nvSpPr>
+          <p:cNvPr id="6" name="Titre 3"/>
+          <p:cNvSpPr txBox="1">
+            <a:spLocks/>
+          </p:cNvSpPr>
+          <p:nvPr/>
+        </p:nvSpPr>
+        <p:spPr>
+          <a:xfrm>
+            <a:off x="524235" y="680365"/>
+            <a:ext cx="8064000" cy="468000"/>
+          </a:xfrm>
+          <a:prstGeom prst="rect">
+            <a:avLst/>
+          </a:prstGeom>
+        </p:spPr>
+        <p:txBody>
+          <a:bodyPr vert="horz" wrap="square" lIns="0" tIns="0" rIns="0" bIns="0" rtlCol="0" anchor="t" anchorCtr="0">
+            <a:noAutofit/>
+          </a:bodyPr>
+          <a:lstStyle>
+            <a:lvl1pPr algn="l" defTabSz="914376" rtl="0" eaLnBrk="1" latinLnBrk="0" hangingPunct="1">
+              <a:spcBef>
+                <a:spcPct val="0"/>
+              </a:spcBef>
+              <a:buNone/>
+              <a:defRPr sz="2400" b="1" kern="1200" cap="all" spc="0" baseline="0">
+                <a:solidFill>
+                  <a:srgbClr val="776271"/>
+                </a:solidFill>
+                <a:latin typeface="+mj-lt"/>
+                <a:ea typeface="+mj-ea"/>
+                <a:cs typeface="Segoe UI" pitchFamily="34" charset="0"/>
+              </a:defRPr>
+            </a:lvl1pPr>
+          </a:lstStyle>
+          <a:p>
+            <a:pPr marL="0" lvl="1" algn="r">
+              <a:spcBef>
+                <a:spcPct val="0"/>
+              </a:spcBef>
+            </a:pPr>
+            <a:r>
+              <a:rPr lang="fr-FR" b="1" dirty="0" smtClean="0">
+                <a:solidFill>
+                  <a:srgbClr val="776271"/>
+                </a:solidFill>
+                <a:latin typeface="+mj-lt"/>
+                <a:ea typeface="+mj-ea"/>
+                <a:cs typeface="Segoe UI" pitchFamily="34" charset="0"/>
+              </a:rPr>
+              <a:t>Les </a:t>
+            </a:r>
+            <a:r>
+              <a:rPr lang="fr-FR" b="1" dirty="0">
+                <a:solidFill>
+                  <a:srgbClr val="776271"/>
+                </a:solidFill>
+                <a:latin typeface="+mj-lt"/>
+                <a:ea typeface="+mj-ea"/>
+                <a:cs typeface="Segoe UI" pitchFamily="34" charset="0"/>
+              </a:rPr>
+              <a:t>acquis</a:t>
+            </a:r>
+          </a:p>
+          <a:p>
+            <a:pPr marL="0" lvl="1" algn="r">
+              <a:spcBef>
+                <a:spcPct val="0"/>
+              </a:spcBef>
+            </a:pPr>
+            <a:endParaRPr lang="fr-FR" b="1" dirty="0">
+              <a:solidFill>
+                <a:srgbClr val="776271"/>
+              </a:solidFill>
+              <a:latin typeface="+mj-lt"/>
+              <a:ea typeface="+mj-ea"/>
+              <a:cs typeface="Segoe UI" pitchFamily="34" charset="0"/>
+            </a:endParaRPr>
+          </a:p>
+          <a:p>
+            <a:pPr marL="0" lvl="1" algn="r">
+              <a:spcBef>
+                <a:spcPct val="0"/>
+              </a:spcBef>
+            </a:pPr>
+            <a:r>
+              <a:rPr lang="fr-FR" b="1" dirty="0" smtClean="0">
+                <a:solidFill>
+                  <a:srgbClr val="776271"/>
+                </a:solidFill>
+                <a:latin typeface="+mj-lt"/>
+                <a:ea typeface="+mj-ea"/>
+                <a:cs typeface="Segoe UI" pitchFamily="34" charset="0"/>
+              </a:rPr>
+              <a:t> </a:t>
+            </a:r>
+            <a:endParaRPr lang="fr-FR" b="1" dirty="0">
+              <a:solidFill>
+                <a:srgbClr val="776271"/>
+              </a:solidFill>
+              <a:latin typeface="+mj-lt"/>
+              <a:ea typeface="+mj-ea"/>
+              <a:cs typeface="Segoe UI" pitchFamily="34" charset="0"/>
+            </a:endParaRPr>
+          </a:p>
+          <a:p>
+            <a:pPr marL="0" lvl="1" algn="r">
+              <a:spcBef>
+                <a:spcPct val="0"/>
+              </a:spcBef>
+            </a:pPr>
+            <a:endParaRPr lang="fr-FR" b="1" dirty="0">
+              <a:solidFill>
+                <a:srgbClr val="776271"/>
+              </a:solidFill>
+              <a:latin typeface="+mj-lt"/>
+              <a:ea typeface="+mj-ea"/>
+              <a:cs typeface="Segoe UI" pitchFamily="34" charset="0"/>
+            </a:endParaRPr>
+          </a:p>
+          <a:p>
+            <a:pPr marL="0" lvl="1" algn="r">
+              <a:spcBef>
+                <a:spcPct val="0"/>
+              </a:spcBef>
+            </a:pPr>
+            <a:endParaRPr lang="fr-FR" b="1" dirty="0">
+              <a:solidFill>
+                <a:srgbClr val="776271"/>
+              </a:solidFill>
+              <a:latin typeface="+mj-lt"/>
+              <a:ea typeface="+mj-ea"/>
+              <a:cs typeface="Segoe UI" pitchFamily="34" charset="0"/>
+            </a:endParaRPr>
+          </a:p>
+          <a:p>
+            <a:pPr algn="r"/>
+            <a:r>
+              <a:rPr lang="fr-FR" sz="1800" cap="none" dirty="0" smtClean="0"/>
+              <a:t> </a:t>
+            </a:r>
+            <a:endParaRPr lang="fr-FR" sz="1800" cap="none" dirty="0"/>
           </a:p>
         </p:txBody>
       </p:sp>
     </p:spTree>
     <p:extLst>
       <p:ext uri="{BB962C8B-B14F-4D97-AF65-F5344CB8AC3E}">
-        <p14:creationId xmlns:p14="http://schemas.microsoft.com/office/powerpoint/2010/main" val="1312311297"/>
+        <p14:creationId xmlns:p14="http://schemas.microsoft.com/office/powerpoint/2010/main" val="1496514109"/>
       </p:ext>
     </p:extLst>
   </p:cSld>
@@ -8198,7 +14407,31 @@
       </p:grpSpPr>
       <p:sp>
         <p:nvSpPr>
-          <p:cNvPr id="2" name="Titre 1"/>
+          <p:cNvPr id="2" name="Espace réservé du numéro de diapositive 1"/>
+          <p:cNvSpPr>
+            <a:spLocks noGrp="1"/>
+          </p:cNvSpPr>
+          <p:nvPr>
+            <p:ph type="sldNum" sz="quarter" idx="4"/>
+          </p:nvPr>
+        </p:nvSpPr>
+        <p:spPr/>
+        <p:txBody>
+          <a:bodyPr/>
+          <a:lstStyle/>
+          <a:p>
+            <a:fld id="{B84A105C-F3ED-46C4-A7CB-5C6E41B87207}" type="slidenum">
+              <a:rPr lang="fr-FR" smtClean="0"/>
+              <a:pPr/>
+              <a:t>19</a:t>
+            </a:fld>
+            <a:endParaRPr lang="fr-FR" dirty="0"/>
+          </a:p>
+        </p:txBody>
+      </p:sp>
+      <p:sp>
+        <p:nvSpPr>
+          <p:cNvPr id="4" name="Titre 3"/>
           <p:cNvSpPr>
             <a:spLocks noGrp="1"/>
           </p:cNvSpPr>
@@ -8213,7 +14446,7 @@
           <a:p>
             <a:r>
               <a:rPr lang="fr-FR" dirty="0" smtClean="0"/>
-              <a:t>Questions ?</a:t>
+              <a:t>BILAN</a:t>
             </a:r>
             <a:endParaRPr lang="fr-FR" dirty="0"/>
           </a:p>
@@ -8221,12 +14454,12 @@
       </p:sp>
       <p:sp>
         <p:nvSpPr>
-          <p:cNvPr id="3" name="Espace réservé du numéro de diapositive 2"/>
+          <p:cNvPr id="5" name="Espace réservé du texte 4"/>
           <p:cNvSpPr>
             <a:spLocks noGrp="1"/>
           </p:cNvSpPr>
           <p:nvPr>
-            <p:ph type="sldNum" sz="quarter" idx="4"/>
+            <p:ph type="body" sz="quarter" idx="12"/>
           </p:nvPr>
         </p:nvSpPr>
         <p:spPr/>
@@ -8234,19 +14467,170 @@
           <a:bodyPr/>
           <a:lstStyle/>
           <a:p>
-            <a:fld id="{B84A105C-F3ED-46C4-A7CB-5C6E41B87207}" type="slidenum">
-              <a:rPr lang="fr-FR" smtClean="0"/>
-              <a:pPr/>
-              <a:t>19</a:t>
-            </a:fld>
+            <a:pPr lvl="1"/>
+            <a:endParaRPr lang="fr-FR" dirty="0" smtClean="0"/>
+          </a:p>
+          <a:p>
+            <a:pPr lvl="1"/>
+            <a:endParaRPr lang="fr-FR" dirty="0" smtClean="0"/>
+          </a:p>
+          <a:p>
+            <a:pPr lvl="1"/>
             <a:endParaRPr lang="fr-FR" dirty="0"/>
+          </a:p>
+        </p:txBody>
+      </p:sp>
+      <p:sp>
+        <p:nvSpPr>
+          <p:cNvPr id="6" name="Titre 3"/>
+          <p:cNvSpPr txBox="1">
+            <a:spLocks/>
+          </p:cNvSpPr>
+          <p:nvPr/>
+        </p:nvSpPr>
+        <p:spPr>
+          <a:xfrm>
+            <a:off x="524235" y="680365"/>
+            <a:ext cx="8064000" cy="468000"/>
+          </a:xfrm>
+          <a:prstGeom prst="rect">
+            <a:avLst/>
+          </a:prstGeom>
+        </p:spPr>
+        <p:txBody>
+          <a:bodyPr vert="horz" wrap="square" lIns="0" tIns="0" rIns="0" bIns="0" rtlCol="0" anchor="t" anchorCtr="0">
+            <a:noAutofit/>
+          </a:bodyPr>
+          <a:lstStyle>
+            <a:lvl1pPr algn="l" defTabSz="914376" rtl="0" eaLnBrk="1" latinLnBrk="0" hangingPunct="1">
+              <a:spcBef>
+                <a:spcPct val="0"/>
+              </a:spcBef>
+              <a:buNone/>
+              <a:defRPr sz="2400" b="1" kern="1200" cap="all" spc="0" baseline="0">
+                <a:solidFill>
+                  <a:srgbClr val="776271"/>
+                </a:solidFill>
+                <a:latin typeface="+mj-lt"/>
+                <a:ea typeface="+mj-ea"/>
+                <a:cs typeface="Segoe UI" pitchFamily="34" charset="0"/>
+              </a:defRPr>
+            </a:lvl1pPr>
+          </a:lstStyle>
+          <a:p>
+            <a:pPr marL="0" lvl="1" algn="r">
+              <a:spcBef>
+                <a:spcPct val="0"/>
+              </a:spcBef>
+            </a:pPr>
+            <a:r>
+              <a:rPr lang="fr-FR" b="1" dirty="0" smtClean="0">
+                <a:solidFill>
+                  <a:srgbClr val="776271"/>
+                </a:solidFill>
+                <a:latin typeface="+mj-lt"/>
+                <a:ea typeface="+mj-ea"/>
+                <a:cs typeface="Segoe UI" pitchFamily="34" charset="0"/>
+              </a:rPr>
+              <a:t>Intérêts </a:t>
+            </a:r>
+            <a:r>
+              <a:rPr lang="fr-FR" b="1" dirty="0">
+                <a:solidFill>
+                  <a:srgbClr val="776271"/>
+                </a:solidFill>
+                <a:latin typeface="+mj-lt"/>
+                <a:ea typeface="+mj-ea"/>
+                <a:cs typeface="Segoe UI" pitchFamily="34" charset="0"/>
+              </a:rPr>
+              <a:t>du stage</a:t>
+            </a:r>
+          </a:p>
+          <a:p>
+            <a:pPr marL="0" lvl="1" algn="r">
+              <a:spcBef>
+                <a:spcPct val="0"/>
+              </a:spcBef>
+            </a:pPr>
+            <a:endParaRPr lang="fr-FR" b="1" dirty="0">
+              <a:solidFill>
+                <a:srgbClr val="776271"/>
+              </a:solidFill>
+              <a:latin typeface="+mj-lt"/>
+              <a:ea typeface="+mj-ea"/>
+              <a:cs typeface="Segoe UI" pitchFamily="34" charset="0"/>
+            </a:endParaRPr>
+          </a:p>
+          <a:p>
+            <a:pPr marL="0" lvl="1" algn="r">
+              <a:spcBef>
+                <a:spcPct val="0"/>
+              </a:spcBef>
+            </a:pPr>
+            <a:r>
+              <a:rPr lang="fr-FR" b="1" dirty="0" smtClean="0">
+                <a:solidFill>
+                  <a:srgbClr val="776271"/>
+                </a:solidFill>
+                <a:latin typeface="+mj-lt"/>
+                <a:ea typeface="+mj-ea"/>
+                <a:cs typeface="Segoe UI" pitchFamily="34" charset="0"/>
+              </a:rPr>
+              <a:t> </a:t>
+            </a:r>
+            <a:endParaRPr lang="fr-FR" b="1" dirty="0">
+              <a:solidFill>
+                <a:srgbClr val="776271"/>
+              </a:solidFill>
+              <a:latin typeface="+mj-lt"/>
+              <a:ea typeface="+mj-ea"/>
+              <a:cs typeface="Segoe UI" pitchFamily="34" charset="0"/>
+            </a:endParaRPr>
+          </a:p>
+          <a:p>
+            <a:pPr marL="0" lvl="1" algn="r">
+              <a:spcBef>
+                <a:spcPct val="0"/>
+              </a:spcBef>
+            </a:pPr>
+            <a:endParaRPr lang="fr-FR" b="1" dirty="0">
+              <a:solidFill>
+                <a:srgbClr val="776271"/>
+              </a:solidFill>
+              <a:latin typeface="+mj-lt"/>
+              <a:ea typeface="+mj-ea"/>
+              <a:cs typeface="Segoe UI" pitchFamily="34" charset="0"/>
+            </a:endParaRPr>
+          </a:p>
+          <a:p>
+            <a:pPr marL="0" lvl="1" algn="r">
+              <a:spcBef>
+                <a:spcPct val="0"/>
+              </a:spcBef>
+            </a:pPr>
+            <a:endParaRPr lang="fr-FR" b="1" dirty="0">
+              <a:solidFill>
+                <a:srgbClr val="776271"/>
+              </a:solidFill>
+              <a:latin typeface="+mj-lt"/>
+              <a:ea typeface="+mj-ea"/>
+              <a:cs typeface="Segoe UI" pitchFamily="34" charset="0"/>
+            </a:endParaRPr>
+          </a:p>
+          <a:p>
+            <a:pPr algn="r"/>
+            <a:r>
+              <a:rPr lang="fr-FR" sz="1800" cap="none" dirty="0" smtClean="0"/>
+              <a:t> </a:t>
+            </a:r>
+            <a:endParaRPr lang="fr-FR" sz="1800" cap="none" dirty="0"/>
           </a:p>
         </p:txBody>
       </p:sp>
     </p:spTree>
     <p:extLst>
       <p:ext uri="{BB962C8B-B14F-4D97-AF65-F5344CB8AC3E}">
-        <p14:creationId xmlns:p14="http://schemas.microsoft.com/office/powerpoint/2010/main" val="3107422579"/>
+        <p14:creationId xmlns:p14="http://schemas.microsoft.com/office/powerpoint/2010/main" val="1501665431"/>
       </p:ext>
     </p:extLst>
   </p:cSld>
@@ -8360,7 +14744,6 @@
               <a:rPr lang="fr-FR" sz="2000" i="1" dirty="0" smtClean="0"/>
               <a:t>Introduction </a:t>
             </a:r>
-            <a:endParaRPr lang="fr-FR" sz="2000" i="1" dirty="0" smtClean="0"/>
           </a:p>
           <a:p>
             <a:pPr>
@@ -8400,7 +14783,6 @@
               <a:rPr lang="fr-FR" sz="2000" dirty="0" smtClean="0"/>
               <a:t> Nouvelle Offre</a:t>
             </a:r>
-            <a:endParaRPr lang="fr-FR" sz="2000" dirty="0" smtClean="0"/>
           </a:p>
           <a:p>
             <a:pPr>
@@ -8421,11 +14803,7 @@
             </a:pPr>
             <a:r>
               <a:rPr lang="fr-FR" sz="2000" dirty="0" smtClean="0"/>
-              <a:t>B</a:t>
-            </a:r>
-            <a:r>
-              <a:rPr lang="fr-FR" sz="2000" dirty="0" smtClean="0"/>
-              <a:t>ilan</a:t>
+              <a:t>Bilan</a:t>
             </a:r>
           </a:p>
           <a:p>
@@ -8438,7 +14816,6 @@
               <a:rPr lang="fr-FR" sz="2000" dirty="0" smtClean="0"/>
               <a:t>Démo</a:t>
             </a:r>
-            <a:endParaRPr lang="fr-FR" sz="2000" dirty="0" smtClean="0"/>
           </a:p>
           <a:p>
             <a:pPr marL="0" indent="0">
@@ -8451,7 +14828,6 @@
               <a:rPr lang="fr-FR" sz="2000" i="1" dirty="0" smtClean="0"/>
               <a:t>Conclusion</a:t>
             </a:r>
-            <a:endParaRPr lang="fr-FR" sz="2000" i="1" dirty="0" smtClean="0"/>
           </a:p>
         </p:txBody>
       </p:sp>
@@ -8497,6 +14873,180 @@
       </p:grpSpPr>
       <p:sp>
         <p:nvSpPr>
+          <p:cNvPr id="2" name="Titre 1"/>
+          <p:cNvSpPr>
+            <a:spLocks noGrp="1"/>
+          </p:cNvSpPr>
+          <p:nvPr>
+            <p:ph type="title"/>
+          </p:nvPr>
+        </p:nvSpPr>
+        <p:spPr/>
+        <p:txBody>
+          <a:bodyPr/>
+          <a:lstStyle/>
+          <a:p>
+            <a:r>
+              <a:rPr lang="fr-FR" dirty="0" smtClean="0"/>
+              <a:t>Démo</a:t>
+            </a:r>
+            <a:endParaRPr lang="fr-FR" dirty="0"/>
+          </a:p>
+        </p:txBody>
+      </p:sp>
+      <p:sp>
+        <p:nvSpPr>
+          <p:cNvPr id="3" name="Espace réservé du numéro de diapositive 2"/>
+          <p:cNvSpPr>
+            <a:spLocks noGrp="1"/>
+          </p:cNvSpPr>
+          <p:nvPr>
+            <p:ph type="sldNum" sz="quarter" idx="4"/>
+          </p:nvPr>
+        </p:nvSpPr>
+        <p:spPr/>
+        <p:txBody>
+          <a:bodyPr/>
+          <a:lstStyle/>
+          <a:p>
+            <a:fld id="{B84A105C-F3ED-46C4-A7CB-5C6E41B87207}" type="slidenum">
+              <a:rPr lang="fr-FR" smtClean="0"/>
+              <a:pPr/>
+              <a:t>20</a:t>
+            </a:fld>
+            <a:endParaRPr lang="fr-FR" dirty="0"/>
+          </a:p>
+        </p:txBody>
+      </p:sp>
+    </p:spTree>
+    <p:extLst>
+      <p:ext uri="{BB962C8B-B14F-4D97-AF65-F5344CB8AC3E}">
+        <p14:creationId xmlns:p14="http://schemas.microsoft.com/office/powerpoint/2010/main" val="1312311297"/>
+      </p:ext>
+    </p:extLst>
+  </p:cSld>
+  <p:clrMapOvr>
+    <a:masterClrMapping/>
+  </p:clrMapOvr>
+  <p:transition>
+    <p:fade/>
+  </p:transition>
+  <p:timing>
+    <p:tnLst>
+      <p:par>
+        <p:cTn id="1" dur="indefinite" restart="never" nodeType="tmRoot"/>
+      </p:par>
+    </p:tnLst>
+  </p:timing>
+</p:sld>
+</file>
+
+<file path=ppt/slides/slide21.xml><?xml version="1.0" encoding="utf-8"?>
+<p:sld xmlns:a="http://schemas.openxmlformats.org/drawingml/2006/main" xmlns:r="http://schemas.openxmlformats.org/officeDocument/2006/relationships" xmlns:p="http://schemas.openxmlformats.org/presentationml/2006/main">
+  <p:cSld>
+    <p:spTree>
+      <p:nvGrpSpPr>
+        <p:cNvPr id="1" name=""/>
+        <p:cNvGrpSpPr/>
+        <p:nvPr/>
+      </p:nvGrpSpPr>
+      <p:grpSpPr>
+        <a:xfrm>
+          <a:off x="0" y="0"/>
+          <a:ext cx="0" cy="0"/>
+          <a:chOff x="0" y="0"/>
+          <a:chExt cx="0" cy="0"/>
+        </a:xfrm>
+      </p:grpSpPr>
+      <p:sp>
+        <p:nvSpPr>
+          <p:cNvPr id="2" name="Titre 1"/>
+          <p:cNvSpPr>
+            <a:spLocks noGrp="1"/>
+          </p:cNvSpPr>
+          <p:nvPr>
+            <p:ph type="title"/>
+          </p:nvPr>
+        </p:nvSpPr>
+        <p:spPr/>
+        <p:txBody>
+          <a:bodyPr/>
+          <a:lstStyle/>
+          <a:p>
+            <a:r>
+              <a:rPr lang="fr-FR" dirty="0" smtClean="0"/>
+              <a:t>Questions ?</a:t>
+            </a:r>
+            <a:endParaRPr lang="fr-FR" dirty="0"/>
+          </a:p>
+        </p:txBody>
+      </p:sp>
+      <p:sp>
+        <p:nvSpPr>
+          <p:cNvPr id="3" name="Espace réservé du numéro de diapositive 2"/>
+          <p:cNvSpPr>
+            <a:spLocks noGrp="1"/>
+          </p:cNvSpPr>
+          <p:nvPr>
+            <p:ph type="sldNum" sz="quarter" idx="4"/>
+          </p:nvPr>
+        </p:nvSpPr>
+        <p:spPr/>
+        <p:txBody>
+          <a:bodyPr/>
+          <a:lstStyle/>
+          <a:p>
+            <a:fld id="{B84A105C-F3ED-46C4-A7CB-5C6E41B87207}" type="slidenum">
+              <a:rPr lang="fr-FR" smtClean="0"/>
+              <a:pPr/>
+              <a:t>21</a:t>
+            </a:fld>
+            <a:endParaRPr lang="fr-FR" dirty="0"/>
+          </a:p>
+        </p:txBody>
+      </p:sp>
+    </p:spTree>
+    <p:extLst>
+      <p:ext uri="{BB962C8B-B14F-4D97-AF65-F5344CB8AC3E}">
+        <p14:creationId xmlns:p14="http://schemas.microsoft.com/office/powerpoint/2010/main" val="3107422579"/>
+      </p:ext>
+    </p:extLst>
+  </p:cSld>
+  <p:clrMapOvr>
+    <a:masterClrMapping/>
+  </p:clrMapOvr>
+  <p:transition>
+    <p:fade/>
+  </p:transition>
+  <p:timing>
+    <p:tnLst>
+      <p:par>
+        <p:cTn id="1" dur="indefinite" restart="never" nodeType="tmRoot"/>
+      </p:par>
+    </p:tnLst>
+  </p:timing>
+</p:sld>
+</file>
+
+<file path=ppt/slides/slide22.xml><?xml version="1.0" encoding="utf-8"?>
+<p:sld xmlns:a="http://schemas.openxmlformats.org/drawingml/2006/main" xmlns:r="http://schemas.openxmlformats.org/officeDocument/2006/relationships" xmlns:p="http://schemas.openxmlformats.org/presentationml/2006/main">
+  <p:cSld>
+    <p:spTree>
+      <p:nvGrpSpPr>
+        <p:cNvPr id="1" name=""/>
+        <p:cNvGrpSpPr/>
+        <p:nvPr/>
+      </p:nvGrpSpPr>
+      <p:grpSpPr>
+        <a:xfrm>
+          <a:off x="0" y="0"/>
+          <a:ext cx="0" cy="0"/>
+          <a:chOff x="0" y="0"/>
+          <a:chExt cx="0" cy="0"/>
+        </a:xfrm>
+      </p:grpSpPr>
+      <p:sp>
+        <p:nvSpPr>
           <p:cNvPr id="2" name="Espace réservé du numéro de diapositive 1"/>
           <p:cNvSpPr>
             <a:spLocks noGrp="1"/>
@@ -8513,7 +15063,7 @@
             <a:fld id="{B84A105C-F3ED-46C4-A7CB-5C6E41B87207}" type="slidenum">
               <a:rPr lang="fr-FR" smtClean="0"/>
               <a:pPr/>
-              <a:t>20</a:t>
+              <a:t>22</a:t>
             </a:fld>
             <a:endParaRPr lang="fr-FR" dirty="0"/>
           </a:p>
@@ -8941,7 +15491,7 @@
               <a:buAutoNum type="arabicPeriod"/>
             </a:pPr>
             <a:r>
-              <a:rPr lang="fr-FR" sz="2000" b="1" dirty="0">
+              <a:rPr lang="fr-FR" sz="2000" b="1" dirty="0" smtClean="0">
                 <a:solidFill>
                   <a:schemeClr val="bg1"/>
                 </a:solidFill>
@@ -8949,7 +15499,18 @@
                 <a:ea typeface="+mj-ea"/>
                 <a:cs typeface="Segoe UI" pitchFamily="34" charset="0"/>
               </a:rPr>
-              <a:t>L’équipe R&amp;D CRM</a:t>
+              <a:t>Pôle </a:t>
+            </a:r>
+            <a:r>
+              <a:rPr lang="fr-FR" sz="2000" b="1" dirty="0">
+                <a:solidFill>
+                  <a:schemeClr val="bg1"/>
+                </a:solidFill>
+                <a:latin typeface="+mj-lt"/>
+                <a:ea typeface="+mj-ea"/>
+                <a:cs typeface="Segoe UI" pitchFamily="34" charset="0"/>
+              </a:rPr>
+              <a:t>R&amp;D CRM</a:t>
             </a:r>
           </a:p>
         </p:txBody>
@@ -9060,16 +15621,104 @@
           <a:bodyPr/>
           <a:lstStyle/>
           <a:p>
+            <a:r>
+              <a:rPr lang="fr-FR" sz="1800" dirty="0" smtClean="0"/>
+              <a:t>Éditeur français </a:t>
+            </a:r>
+            <a:r>
+              <a:rPr lang="fr-FR" sz="1800" dirty="0"/>
+              <a:t>de logiciels de </a:t>
+            </a:r>
+            <a:r>
+              <a:rPr lang="fr-FR" sz="1800" dirty="0" smtClean="0"/>
+              <a:t>CRM et </a:t>
+            </a:r>
+            <a:r>
+              <a:rPr lang="fr-FR" sz="1800" dirty="0" err="1" smtClean="0"/>
+              <a:t>Analytics</a:t>
+            </a:r>
+            <a:r>
+              <a:rPr lang="fr-FR" sz="1800" dirty="0" smtClean="0"/>
+              <a:t>, </a:t>
+            </a:r>
+          </a:p>
+          <a:p>
             <a:pPr lvl="1"/>
-            <a:endParaRPr lang="fr-FR" dirty="0" smtClean="0"/>
+            <a:r>
+              <a:rPr lang="fr-FR" sz="1600" dirty="0"/>
+              <a:t>150 </a:t>
+            </a:r>
+            <a:r>
+              <a:rPr lang="fr-FR" sz="1600" dirty="0">
+                <a:latin typeface="Tahoma" pitchFamily="34" charset="0"/>
+              </a:rPr>
+              <a:t>employés </a:t>
+            </a:r>
           </a:p>
           <a:p>
             <a:pPr lvl="1"/>
-            <a:endParaRPr lang="fr-FR" dirty="0" smtClean="0"/>
+            <a:r>
+              <a:rPr lang="fr-FR" sz="1600" dirty="0"/>
+              <a:t>Produits utilisés par des PME et des multinationales, dans 80 pays</a:t>
+            </a:r>
           </a:p>
           <a:p>
             <a:pPr lvl="1"/>
-            <a:endParaRPr lang="fr-FR" dirty="0"/>
+            <a:r>
+              <a:rPr lang="fr-FR" sz="1600" dirty="0"/>
+              <a:t>14,58</a:t>
+            </a:r>
+            <a:r>
+              <a:rPr lang="fr-FR" sz="1600" dirty="0">
+                <a:latin typeface="Tahoma" pitchFamily="34" charset="0"/>
+              </a:rPr>
+              <a:t> M</a:t>
+            </a:r>
+            <a:r>
+              <a:rPr lang="fr-FR" sz="1600" dirty="0"/>
+              <a:t>€</a:t>
+            </a:r>
+            <a:r>
+              <a:rPr lang="fr-FR" sz="1600" dirty="0">
+                <a:latin typeface="Tahoma" pitchFamily="34" charset="0"/>
+              </a:rPr>
+              <a:t> de CA en 2014</a:t>
+            </a:r>
+          </a:p>
+          <a:p>
+            <a:endParaRPr lang="fr-FR" sz="1800" dirty="0" smtClean="0"/>
+          </a:p>
+          <a:p>
+            <a:r>
+              <a:rPr lang="fr-FR" sz="1800" dirty="0"/>
+              <a:t>L</a:t>
+            </a:r>
+            <a:r>
+              <a:rPr lang="fr-FR" sz="1800" dirty="0" smtClean="0"/>
+              <a:t>eader </a:t>
+            </a:r>
+            <a:r>
+              <a:rPr lang="fr-FR" sz="1800" dirty="0"/>
+              <a:t>dans la gestion des Forces de Vente </a:t>
+            </a:r>
+            <a:r>
+              <a:rPr lang="fr-FR" sz="1800" dirty="0" smtClean="0"/>
+              <a:t>nomades</a:t>
+            </a:r>
+          </a:p>
+          <a:p>
+            <a:pPr lvl="1"/>
+            <a:endParaRPr lang="fr-FR" dirty="0">
+              <a:latin typeface="Tahoma" pitchFamily="34" charset="0"/>
+            </a:endParaRPr>
+          </a:p>
+          <a:p>
+            <a:pPr marL="0" indent="0">
+              <a:buNone/>
+            </a:pPr>
+            <a:endParaRPr lang="fr-FR" dirty="0">
+              <a:latin typeface="Tahoma" pitchFamily="34" charset="0"/>
+            </a:endParaRPr>
           </a:p>
         </p:txBody>
       </p:sp>
@@ -9226,16 +15875,74 @@
           <a:bodyPr/>
           <a:lstStyle/>
           <a:p>
+            <a:r>
+              <a:rPr lang="fr-FR" sz="1800" dirty="0"/>
+              <a:t>CRM et Customer </a:t>
+            </a:r>
+            <a:r>
+              <a:rPr lang="fr-FR" sz="1800" dirty="0" smtClean="0"/>
+              <a:t>intelligence</a:t>
+            </a:r>
+          </a:p>
+          <a:p>
             <a:pPr lvl="1"/>
+            <a:r>
+              <a:rPr lang="fr-FR" sz="1600" dirty="0" smtClean="0"/>
+              <a:t>Relation client et service client</a:t>
+            </a:r>
+          </a:p>
+          <a:p>
+            <a:pPr lvl="2"/>
+            <a:r>
+              <a:rPr lang="fr-FR" sz="1400" u="sng" dirty="0" err="1" smtClean="0"/>
+              <a:t>Coheris</a:t>
+            </a:r>
+            <a:r>
+              <a:rPr lang="fr-FR" sz="1400" u="sng" dirty="0" smtClean="0"/>
+              <a:t> CRM </a:t>
+            </a:r>
+          </a:p>
+          <a:p>
+            <a:pPr lvl="1"/>
+            <a:r>
+              <a:rPr lang="fr-FR" sz="1600" dirty="0" smtClean="0"/>
+              <a:t>Pilotage des forces de vente</a:t>
+            </a:r>
+          </a:p>
+          <a:p>
+            <a:pPr lvl="2"/>
+            <a:r>
+              <a:rPr lang="fr-FR" sz="1400" dirty="0" err="1" smtClean="0"/>
+              <a:t>Coheris</a:t>
+            </a:r>
+            <a:r>
+              <a:rPr lang="fr-FR" sz="1400" dirty="0" smtClean="0"/>
+              <a:t> CRM Sales </a:t>
+            </a:r>
+          </a:p>
+          <a:p>
+            <a:pPr lvl="1"/>
+            <a:r>
+              <a:rPr lang="fr-FR" sz="1600" dirty="0" smtClean="0"/>
+              <a:t>Pilotage des compagnes de marketing</a:t>
+            </a:r>
+          </a:p>
+          <a:p>
+            <a:pPr lvl="2"/>
+            <a:r>
+              <a:rPr lang="fr-FR" sz="1400" dirty="0" err="1" smtClean="0"/>
+              <a:t>Coheris</a:t>
+            </a:r>
+            <a:r>
+              <a:rPr lang="fr-FR" sz="1400" dirty="0" smtClean="0"/>
+              <a:t> CRM Marketing</a:t>
+            </a:r>
+          </a:p>
+          <a:p>
+            <a:pPr marL="360000" lvl="2" indent="0">
+              <a:buNone/>
+            </a:pPr>
             <a:endParaRPr lang="fr-FR" dirty="0" smtClean="0"/>
-          </a:p>
-          <a:p>
-            <a:pPr lvl="1"/>
-            <a:endParaRPr lang="fr-FR" dirty="0" smtClean="0"/>
-          </a:p>
-          <a:p>
-            <a:pPr lvl="1"/>
-            <a:endParaRPr lang="fr-FR" dirty="0"/>
           </a:p>
         </p:txBody>
       </p:sp>
@@ -9280,16 +15987,57 @@
             <a:pPr algn="r"/>
             <a:r>
               <a:rPr lang="fr-FR" sz="1800" cap="none" dirty="0" smtClean="0"/>
-              <a:t>Produits </a:t>
+              <a:t>Produits 1/2 </a:t>
             </a:r>
             <a:endParaRPr lang="fr-FR" sz="1800" cap="none" dirty="0"/>
           </a:p>
         </p:txBody>
       </p:sp>
+      <p:pic>
+        <p:nvPicPr>
+          <p:cNvPr id="1026" name="Picture 2" descr="N:\Stage\rapportPFE\Print screen\logiciel-crm.png"/>
+          <p:cNvPicPr>
+            <a:picLocks noChangeAspect="1" noChangeArrowheads="1"/>
+          </p:cNvPicPr>
+          <p:nvPr/>
+        </p:nvPicPr>
+        <p:blipFill>
+          <a:blip r:embed="rId2">
+            <a:extLst>
+              <a:ext uri="{28A0092B-C50C-407E-A947-70E740481C1C}">
+                <a14:useLocalDpi xmlns:a14="http://schemas.microsoft.com/office/drawing/2010/main" val="0"/>
+              </a:ext>
+            </a:extLst>
+          </a:blip>
+          <a:srcRect/>
+          <a:stretch>
+            <a:fillRect/>
+          </a:stretch>
+        </p:blipFill>
+        <p:spPr bwMode="auto">
+          <a:xfrm>
+            <a:off x="4950372" y="2301422"/>
+            <a:ext cx="3338099" cy="2672047"/>
+          </a:xfrm>
+          <a:prstGeom prst="rect">
+            <a:avLst/>
+          </a:prstGeom>
+          <a:noFill/>
+          <a:extLst>
+            <a:ext uri="{909E8E84-426E-40DD-AFC4-6F175D3DCCD1}">
+              <a14:hiddenFill xmlns:a14="http://schemas.microsoft.com/office/drawing/2010/main">
+                <a:solidFill>
+                  <a:srgbClr val="FFFFFF"/>
+                </a:solidFill>
+              </a14:hiddenFill>
+            </a:ext>
+          </a:extLst>
+        </p:spPr>
+      </p:pic>
     </p:spTree>
     <p:extLst>
       <p:ext uri="{BB962C8B-B14F-4D97-AF65-F5344CB8AC3E}">
-        <p14:creationId xmlns:p14="http://schemas.microsoft.com/office/powerpoint/2010/main" val="3430600080"/>
+        <p14:creationId xmlns:p14="http://schemas.microsoft.com/office/powerpoint/2010/main" val="896574252"/>
       </p:ext>
     </p:extLst>
   </p:cSld>
@@ -9392,16 +16140,123 @@
           <a:bodyPr/>
           <a:lstStyle/>
           <a:p>
+            <a:r>
+              <a:rPr lang="fr-FR" sz="1800" dirty="0" err="1" smtClean="0"/>
+              <a:t>Analytics</a:t>
+            </a:r>
+            <a:r>
+              <a:rPr lang="fr-FR" sz="1800" dirty="0" smtClean="0"/>
+              <a:t> et Data Intelligence</a:t>
+            </a:r>
+          </a:p>
+          <a:p>
             <a:pPr lvl="1"/>
+            <a:r>
+              <a:rPr lang="fr-FR" sz="1600" dirty="0" smtClean="0"/>
+              <a:t>Datamining et Business </a:t>
+            </a:r>
+            <a:r>
+              <a:rPr lang="fr-FR" sz="1600" dirty="0" err="1" smtClean="0"/>
+              <a:t>Analytics</a:t>
+            </a:r>
+            <a:endParaRPr lang="fr-FR" sz="1600" dirty="0" smtClean="0"/>
+          </a:p>
+          <a:p>
+            <a:pPr lvl="2"/>
+            <a:r>
+              <a:rPr lang="fr-FR" sz="1400" dirty="0" err="1" smtClean="0"/>
+              <a:t>Coheris</a:t>
+            </a:r>
+            <a:r>
+              <a:rPr lang="fr-FR" sz="1400" dirty="0" smtClean="0"/>
+              <a:t> </a:t>
+            </a:r>
+            <a:r>
+              <a:rPr lang="fr-FR" sz="1400" dirty="0" err="1" smtClean="0"/>
+              <a:t>Analytics</a:t>
+            </a:r>
+            <a:r>
+              <a:rPr lang="fr-FR" sz="1400" dirty="0" smtClean="0"/>
+              <a:t> </a:t>
+            </a:r>
+            <a:r>
+              <a:rPr lang="fr-FR" sz="1400" dirty="0" err="1" smtClean="0"/>
+              <a:t>Spad</a:t>
+            </a:r>
+            <a:r>
+              <a:rPr lang="fr-FR" sz="1400" dirty="0" smtClean="0"/>
+              <a:t>, </a:t>
+            </a:r>
+          </a:p>
+          <a:p>
+            <a:pPr lvl="2"/>
+            <a:r>
+              <a:rPr lang="fr-FR" sz="1400" u="sng" dirty="0" err="1" smtClean="0"/>
+              <a:t>Coheris</a:t>
+            </a:r>
+            <a:r>
+              <a:rPr lang="fr-FR" sz="1400" u="sng" dirty="0" smtClean="0"/>
+              <a:t> </a:t>
+            </a:r>
+            <a:r>
+              <a:rPr lang="fr-FR" sz="1400" u="sng" dirty="0" err="1"/>
+              <a:t>Analytics</a:t>
+            </a:r>
+            <a:r>
+              <a:rPr lang="fr-FR" sz="1400" u="sng" dirty="0"/>
+              <a:t> </a:t>
+            </a:r>
+            <a:r>
+              <a:rPr lang="fr-FR" sz="1400" u="sng" dirty="0" err="1" smtClean="0"/>
+              <a:t>Spad</a:t>
+            </a:r>
+            <a:r>
+              <a:rPr lang="fr-FR" sz="1400" u="sng" dirty="0" smtClean="0"/>
+              <a:t> </a:t>
+            </a:r>
+            <a:r>
+              <a:rPr lang="fr-FR" sz="1400" u="sng" dirty="0" err="1" smtClean="0"/>
+              <a:t>Deployment</a:t>
+            </a:r>
+            <a:r>
+              <a:rPr lang="fr-FR" sz="1400" u="sng" dirty="0" smtClean="0"/>
+              <a:t> Server</a:t>
+            </a:r>
+          </a:p>
+          <a:p>
+            <a:pPr lvl="1"/>
+            <a:r>
+              <a:rPr lang="fr-FR" sz="1600" dirty="0" smtClean="0"/>
+              <a:t>Business Intelligence et </a:t>
+            </a:r>
+            <a:r>
+              <a:rPr lang="fr-FR" sz="1600" dirty="0" err="1" smtClean="0"/>
+              <a:t>Reporting</a:t>
+            </a:r>
+            <a:endParaRPr lang="fr-FR" sz="1600" dirty="0" smtClean="0"/>
+          </a:p>
+          <a:p>
+            <a:pPr lvl="2"/>
+            <a:r>
+              <a:rPr lang="fr-FR" sz="1400" dirty="0" err="1" smtClean="0"/>
+              <a:t>Coheris</a:t>
+            </a:r>
+            <a:r>
+              <a:rPr lang="fr-FR" sz="1400" dirty="0" smtClean="0"/>
+              <a:t> </a:t>
+            </a:r>
+            <a:r>
+              <a:rPr lang="fr-FR" sz="1400" dirty="0" err="1" smtClean="0"/>
+              <a:t>Analytics</a:t>
+            </a:r>
+            <a:r>
+              <a:rPr lang="fr-FR" sz="1400" dirty="0" smtClean="0"/>
+              <a:t> Liberty</a:t>
+            </a:r>
+          </a:p>
+          <a:p>
+            <a:pPr lvl="2"/>
             <a:endParaRPr lang="fr-FR" dirty="0" smtClean="0"/>
-          </a:p>
-          <a:p>
-            <a:pPr lvl="1"/>
-            <a:endParaRPr lang="fr-FR" dirty="0" smtClean="0"/>
-          </a:p>
-          <a:p>
-            <a:pPr lvl="1"/>
-            <a:endParaRPr lang="fr-FR" dirty="0"/>
           </a:p>
         </p:txBody>
       </p:sp>
@@ -9443,48 +16298,60 @@
             </a:lvl1pPr>
           </a:lstStyle>
           <a:p>
-            <a:pPr marL="0" lvl="1" algn="r">
-              <a:spcBef>
-                <a:spcPct val="0"/>
-              </a:spcBef>
-            </a:pPr>
-            <a:r>
-              <a:rPr lang="fr-FR" b="1" dirty="0" smtClean="0">
-                <a:solidFill>
-                  <a:srgbClr val="776271"/>
-                </a:solidFill>
-                <a:latin typeface="+mj-lt"/>
-                <a:ea typeface="+mj-ea"/>
-                <a:cs typeface="Segoe UI" pitchFamily="34" charset="0"/>
-              </a:rPr>
-              <a:t>L’équipe </a:t>
-            </a:r>
-            <a:r>
-              <a:rPr lang="fr-FR" b="1" dirty="0">
-                <a:solidFill>
-                  <a:srgbClr val="776271"/>
-                </a:solidFill>
-                <a:latin typeface="+mj-lt"/>
-                <a:ea typeface="+mj-ea"/>
-                <a:cs typeface="Segoe UI" pitchFamily="34" charset="0"/>
-              </a:rPr>
-              <a:t>R&amp;D CRM</a:t>
-            </a:r>
-          </a:p>
-          <a:p>
             <a:pPr algn="r"/>
             <a:r>
               <a:rPr lang="fr-FR" sz="1800" cap="none" dirty="0" smtClean="0"/>
-              <a:t> </a:t>
+              <a:t>Produits 2/2 </a:t>
             </a:r>
             <a:endParaRPr lang="fr-FR" sz="1800" cap="none" dirty="0"/>
           </a:p>
         </p:txBody>
       </p:sp>
+      <p:pic>
+        <p:nvPicPr>
+          <p:cNvPr id="1027" name="Picture 3" descr="N:\Stage\rapportPFE\Print screen\analytics-data-intelligence.png"/>
+          <p:cNvPicPr>
+            <a:picLocks noChangeAspect="1" noChangeArrowheads="1"/>
+          </p:cNvPicPr>
+          <p:nvPr/>
+        </p:nvPicPr>
+        <p:blipFill>
+          <a:blip r:embed="rId2">
+            <a:extLst>
+              <a:ext uri="{28A0092B-C50C-407E-A947-70E740481C1C}">
+                <a14:useLocalDpi xmlns:a14="http://schemas.microsoft.com/office/drawing/2010/main" val="0"/>
+              </a:ext>
+            </a:extLst>
+          </a:blip>
+          <a:srcRect/>
+          <a:stretch>
+            <a:fillRect/>
+          </a:stretch>
+        </p:blipFill>
+        <p:spPr bwMode="auto">
+          <a:xfrm>
+            <a:off x="4929344" y="2304179"/>
+            <a:ext cx="3347591" cy="2814361"/>
+          </a:xfrm>
+          <a:prstGeom prst="rect">
+            <a:avLst/>
+          </a:prstGeom>
+          <a:noFill/>
+          <a:extLst>
+            <a:ext uri="{909E8E84-426E-40DD-AFC4-6F175D3DCCD1}">
+              <a14:hiddenFill xmlns:a14="http://schemas.microsoft.com/office/drawing/2010/main">
+                <a:solidFill>
+                  <a:srgbClr val="FFFFFF"/>
+                </a:solidFill>
+              </a14:hiddenFill>
+            </a:ext>
+          </a:extLst>
+        </p:spPr>
+      </p:pic>
     </p:spTree>
     <p:extLst>
       <p:ext uri="{BB962C8B-B14F-4D97-AF65-F5344CB8AC3E}">
-        <p14:creationId xmlns:p14="http://schemas.microsoft.com/office/powerpoint/2010/main" val="1984626629"/>
+        <p14:creationId xmlns:p14="http://schemas.microsoft.com/office/powerpoint/2010/main" val="3430600080"/>
       </p:ext>
     </p:extLst>
   </p:cSld>
@@ -9521,64 +16388,39 @@
           <a:chExt cx="0" cy="0"/>
         </a:xfrm>
       </p:grpSpPr>
+      <p:pic>
+        <p:nvPicPr>
+          <p:cNvPr id="7" name="Image 1"/>
+          <p:cNvPicPr/>
+          <p:nvPr/>
+        </p:nvPicPr>
+        <p:blipFill>
+          <a:blip r:embed="rId2" cstate="print"/>
+          <a:srcRect/>
+          <a:stretch>
+            <a:fillRect/>
+          </a:stretch>
+        </p:blipFill>
+        <p:spPr bwMode="auto">
+          <a:xfrm>
+            <a:off x="5053699" y="2714633"/>
+            <a:ext cx="4007524" cy="2498462"/>
+          </a:xfrm>
+          <a:prstGeom prst="rect">
+            <a:avLst/>
+          </a:prstGeom>
+          <a:noFill/>
+          <a:ln w="9525">
+            <a:noFill/>
+            <a:miter lim="800000"/>
+            <a:headEnd/>
+            <a:tailEnd/>
+          </a:ln>
+        </p:spPr>
+      </p:pic>
       <p:sp>
         <p:nvSpPr>
-          <p:cNvPr id="2" name="Titre 1"/>
-          <p:cNvSpPr>
-            <a:spLocks noGrp="1"/>
-          </p:cNvSpPr>
-          <p:nvPr>
-            <p:ph type="title"/>
-          </p:nvPr>
-        </p:nvSpPr>
-        <p:spPr>
-          <a:xfrm>
-            <a:off x="2555776" y="2281597"/>
-            <a:ext cx="5940154" cy="864096"/>
-          </a:xfrm>
-        </p:spPr>
-        <p:txBody>
-          <a:bodyPr/>
-          <a:lstStyle/>
-          <a:p>
-            <a:pPr>
-              <a:lnSpc>
-                <a:spcPct val="120000"/>
-              </a:lnSpc>
-            </a:pPr>
-            <a:r>
-              <a:rPr lang="fr-FR" dirty="0" smtClean="0"/>
-              <a:t>Projet </a:t>
-            </a:r>
-            <a:r>
-              <a:rPr lang="fr-FR" dirty="0" err="1"/>
-              <a:t>Coheris</a:t>
-            </a:r>
-            <a:r>
-              <a:rPr lang="fr-FR" dirty="0"/>
-              <a:t> Nouvelle </a:t>
-            </a:r>
-            <a:r>
-              <a:rPr lang="fr-FR" dirty="0" smtClean="0"/>
-              <a:t>Offre</a:t>
-            </a:r>
-            <a:br>
-              <a:rPr lang="fr-FR" dirty="0" smtClean="0"/>
-            </a:br>
-            <a:r>
-              <a:rPr lang="fr-FR" dirty="0"/>
-              <a:t/>
-            </a:r>
-            <a:br>
-              <a:rPr lang="fr-FR" dirty="0"/>
-            </a:br>
-            <a:endParaRPr lang="fr-FR" dirty="0"/>
-          </a:p>
-        </p:txBody>
-      </p:sp>
-      <p:sp>
-        <p:nvSpPr>
-          <p:cNvPr id="3" name="Espace réservé du numéro de diapositive 2"/>
+          <p:cNvPr id="2" name="Espace réservé du numéro de diapositive 1"/>
           <p:cNvSpPr>
             <a:spLocks noGrp="1"/>
           </p:cNvSpPr>
@@ -9602,7 +16444,165 @@
       </p:sp>
       <p:sp>
         <p:nvSpPr>
-          <p:cNvPr id="4" name="Titre 1"/>
+          <p:cNvPr id="4" name="Titre 3"/>
+          <p:cNvSpPr>
+            <a:spLocks noGrp="1"/>
+          </p:cNvSpPr>
+          <p:nvPr>
+            <p:ph type="title"/>
+          </p:nvPr>
+        </p:nvSpPr>
+        <p:spPr/>
+        <p:txBody>
+          <a:bodyPr/>
+          <a:lstStyle/>
+          <a:p>
+            <a:r>
+              <a:rPr lang="fr-FR" dirty="0"/>
+              <a:t>Présentation de </a:t>
+            </a:r>
+            <a:r>
+              <a:rPr lang="fr-FR" dirty="0" err="1"/>
+              <a:t>Coheris</a:t>
+            </a:r>
+            <a:endParaRPr lang="fr-FR" dirty="0"/>
+          </a:p>
+        </p:txBody>
+      </p:sp>
+      <p:sp>
+        <p:nvSpPr>
+          <p:cNvPr id="5" name="Espace réservé du texte 4"/>
+          <p:cNvSpPr>
+            <a:spLocks noGrp="1"/>
+          </p:cNvSpPr>
+          <p:nvPr>
+            <p:ph type="body" sz="quarter" idx="12"/>
+          </p:nvPr>
+        </p:nvSpPr>
+        <p:spPr>
+          <a:xfrm>
+            <a:off x="539999" y="1266172"/>
+            <a:ext cx="8048235" cy="3809828"/>
+          </a:xfrm>
+        </p:spPr>
+        <p:txBody>
+          <a:bodyPr/>
+          <a:lstStyle/>
+          <a:p>
+            <a:r>
+              <a:rPr lang="fr-FR" sz="1800" dirty="0" smtClean="0"/>
+              <a:t>Équipe de </a:t>
+            </a:r>
+            <a:r>
+              <a:rPr lang="fr-FR" sz="1800" dirty="0"/>
+              <a:t>10 </a:t>
+            </a:r>
+            <a:r>
+              <a:rPr lang="fr-FR" sz="1800" dirty="0" smtClean="0"/>
+              <a:t>ingénieurs experts en Java EE</a:t>
+            </a:r>
+          </a:p>
+          <a:p>
+            <a:pPr marL="0" indent="0">
+              <a:buNone/>
+            </a:pPr>
+            <a:endParaRPr lang="fr-FR" sz="1800" dirty="0" smtClean="0"/>
+          </a:p>
+          <a:p>
+            <a:r>
+              <a:rPr lang="fr-FR" sz="1800" dirty="0"/>
+              <a:t>T</a:t>
+            </a:r>
+            <a:r>
+              <a:rPr lang="fr-FR" sz="1800" dirty="0" smtClean="0"/>
+              <a:t>ravaille </a:t>
+            </a:r>
+            <a:r>
+              <a:rPr lang="fr-FR" sz="1800" dirty="0"/>
+              <a:t>en mode </a:t>
+            </a:r>
+            <a:r>
+              <a:rPr lang="fr-FR" sz="1800" dirty="0" smtClean="0"/>
+              <a:t>agile</a:t>
+            </a:r>
+          </a:p>
+          <a:p>
+            <a:pPr lvl="1"/>
+            <a:r>
+              <a:rPr lang="fr-FR" sz="1600" dirty="0"/>
+              <a:t>mis en place la méthode SCRUM depuis 4 ans </a:t>
+            </a:r>
+            <a:endParaRPr lang="fr-FR" sz="1600" dirty="0" smtClean="0"/>
+          </a:p>
+          <a:p>
+            <a:pPr lvl="1"/>
+            <a:r>
+              <a:rPr lang="fr-FR" sz="1600" dirty="0"/>
+              <a:t>o</a:t>
+            </a:r>
+            <a:r>
+              <a:rPr lang="fr-FR" sz="1600" dirty="0" smtClean="0"/>
+              <a:t>bjectifs : évoluer </a:t>
+            </a:r>
+            <a:r>
+              <a:rPr lang="fr-FR" sz="1600" dirty="0" err="1" smtClean="0"/>
+              <a:t>Coheris</a:t>
+            </a:r>
+            <a:r>
+              <a:rPr lang="fr-FR" sz="1600" dirty="0" smtClean="0"/>
+              <a:t> CRM </a:t>
+            </a:r>
+          </a:p>
+          <a:p>
+            <a:pPr lvl="2"/>
+            <a:r>
+              <a:rPr lang="fr-FR" sz="1400" dirty="0" smtClean="0"/>
+              <a:t>2 à 3 release </a:t>
+            </a:r>
+            <a:r>
+              <a:rPr lang="fr-FR" sz="1400" dirty="0"/>
+              <a:t>évolutifs </a:t>
+            </a:r>
+            <a:r>
+              <a:rPr lang="fr-FR" sz="1400" dirty="0" smtClean="0"/>
+              <a:t>par an</a:t>
+            </a:r>
+          </a:p>
+          <a:p>
+            <a:pPr lvl="2"/>
+            <a:r>
+              <a:rPr lang="fr-FR" sz="1400" dirty="0"/>
+              <a:t>10 releases correctives par an </a:t>
+            </a:r>
+            <a:r>
+              <a:rPr lang="fr-FR" sz="1400" dirty="0" smtClean="0"/>
+              <a:t> </a:t>
+            </a:r>
+          </a:p>
+          <a:p>
+            <a:pPr lvl="1"/>
+            <a:endParaRPr lang="fr-FR" dirty="0" smtClean="0"/>
+          </a:p>
+          <a:p>
+            <a:r>
+              <a:rPr lang="fr-FR" dirty="0" smtClean="0"/>
+              <a:t>Contribution au développement de la     				 nouvelle offre </a:t>
+            </a:r>
+            <a:r>
+              <a:rPr lang="fr-FR" dirty="0" err="1" smtClean="0"/>
+              <a:t>Cohris</a:t>
+            </a:r>
+            <a:r>
+              <a:rPr lang="fr-FR" dirty="0" smtClean="0"/>
+              <a:t> depuis Mai 2015</a:t>
+            </a:r>
+            <a:endParaRPr lang="fr-FR" dirty="0"/>
+          </a:p>
+        </p:txBody>
+      </p:sp>
+      <p:sp>
+        <p:nvSpPr>
+          <p:cNvPr id="6" name="Titre 3"/>
           <p:cNvSpPr txBox="1">
             <a:spLocks/>
           </p:cNvSpPr>
@@ -9610,15 +16610,17 @@
         </p:nvSpPr>
         <p:spPr>
           <a:xfrm>
-            <a:off x="2624093" y="2275907"/>
-            <a:ext cx="5940154" cy="864096"/>
+            <a:off x="524235" y="680365"/>
+            <a:ext cx="8064000" cy="468000"/>
           </a:xfrm>
           <a:prstGeom prst="rect">
             <a:avLst/>
           </a:prstGeom>
         </p:spPr>
         <p:txBody>
-          <a:bodyPr wrap="square" anchor="b" anchorCtr="0"/>
+          <a:bodyPr vert="horz" wrap="square" lIns="0" tIns="0" rIns="0" bIns="0" rtlCol="0" anchor="t" anchorCtr="0">
+            <a:noAutofit/>
+          </a:bodyPr>
           <a:lstStyle>
             <a:lvl1pPr algn="l" defTabSz="914376" rtl="0" eaLnBrk="1" latinLnBrk="0" hangingPunct="1">
               <a:spcBef>
@@ -9627,7 +16629,7 @@
               <a:buNone/>
               <a:defRPr sz="2400" b="1" kern="1200" cap="all" spc="0" baseline="0">
                 <a:solidFill>
-                  <a:schemeClr val="bg1"/>
+                  <a:srgbClr val="776271"/>
                 </a:solidFill>
                 <a:latin typeface="+mj-lt"/>
                 <a:ea typeface="+mj-ea"/>
@@ -9636,57 +16638,48 @@
             </a:lvl1pPr>
           </a:lstStyle>
           <a:p>
-            <a:pPr marL="457200" lvl="1" indent="-457200">
-              <a:lnSpc>
-                <a:spcPct val="120000"/>
-              </a:lnSpc>
+            <a:pPr marL="0" lvl="1" algn="r">
               <a:spcBef>
                 <a:spcPct val="0"/>
               </a:spcBef>
-              <a:buFont typeface="+mj-lt"/>
-              <a:buAutoNum type="arabicPeriod"/>
             </a:pPr>
             <a:r>
-              <a:rPr lang="fr-FR" sz="2000" b="1" dirty="0" smtClean="0">
-                <a:solidFill>
-                  <a:schemeClr val="bg1"/>
+              <a:rPr lang="fr-FR" b="1" dirty="0" smtClean="0">
+                <a:solidFill>
+                  <a:srgbClr val="776271"/>
                 </a:solidFill>
                 <a:latin typeface="+mj-lt"/>
                 <a:ea typeface="+mj-ea"/>
                 <a:cs typeface="Segoe UI" pitchFamily="34" charset="0"/>
               </a:rPr>
-              <a:t>Présentation</a:t>
-            </a:r>
-          </a:p>
-          <a:p>
-            <a:pPr marL="457200" lvl="1" indent="-457200">
-              <a:lnSpc>
-                <a:spcPct val="120000"/>
-              </a:lnSpc>
-              <a:spcBef>
-                <a:spcPct val="0"/>
-              </a:spcBef>
-              <a:buFont typeface="+mj-lt"/>
-              <a:buAutoNum type="arabicPeriod"/>
-            </a:pPr>
-            <a:r>
-              <a:rPr lang="fr-FR" sz="2000" b="1" dirty="0" smtClean="0">
-                <a:solidFill>
-                  <a:schemeClr val="bg1"/>
+              <a:t>Pôle </a:t>
+            </a:r>
+            <a:r>
+              <a:rPr lang="fr-FR" b="1" dirty="0">
+                <a:solidFill>
+                  <a:srgbClr val="776271"/>
                 </a:solidFill>
                 <a:latin typeface="+mj-lt"/>
                 <a:ea typeface="+mj-ea"/>
                 <a:cs typeface="Segoe UI" pitchFamily="34" charset="0"/>
               </a:rPr>
-              <a:t>Architecture</a:t>
-            </a:r>
+              <a:t>R&amp;D CRM</a:t>
+            </a:r>
+          </a:p>
+          <a:p>
+            <a:pPr algn="r"/>
+            <a:r>
+              <a:rPr lang="fr-FR" sz="1800" cap="none" dirty="0" smtClean="0"/>
+              <a:t> </a:t>
+            </a:r>
+            <a:endParaRPr lang="fr-FR" sz="1800" cap="none" dirty="0"/>
           </a:p>
         </p:txBody>
       </p:sp>
     </p:spTree>
     <p:extLst>
       <p:ext uri="{BB962C8B-B14F-4D97-AF65-F5344CB8AC3E}">
-        <p14:creationId xmlns:p14="http://schemas.microsoft.com/office/powerpoint/2010/main" val="1026138728"/>
+        <p14:creationId xmlns:p14="http://schemas.microsoft.com/office/powerpoint/2010/main" val="1984626629"/>
       </p:ext>
     </p:extLst>
   </p:cSld>
@@ -9725,7 +16718,62 @@
       </p:grpSpPr>
       <p:sp>
         <p:nvSpPr>
-          <p:cNvPr id="2" name="Espace réservé du numéro de diapositive 1"/>
+          <p:cNvPr id="2" name="Titre 1"/>
+          <p:cNvSpPr>
+            <a:spLocks noGrp="1"/>
+          </p:cNvSpPr>
+          <p:nvPr>
+            <p:ph type="title"/>
+          </p:nvPr>
+        </p:nvSpPr>
+        <p:spPr>
+          <a:xfrm>
+            <a:off x="2555776" y="2281597"/>
+            <a:ext cx="5940154" cy="864096"/>
+          </a:xfrm>
+        </p:spPr>
+        <p:txBody>
+          <a:bodyPr/>
+          <a:lstStyle/>
+          <a:p>
+            <a:pPr>
+              <a:lnSpc>
+                <a:spcPct val="120000"/>
+              </a:lnSpc>
+            </a:pPr>
+            <a:r>
+              <a:rPr lang="fr-FR" dirty="0" smtClean="0"/>
+              <a:t>Projet </a:t>
+            </a:r>
+            <a:r>
+              <a:rPr lang="fr-FR" dirty="0" err="1"/>
+              <a:t>Coheris</a:t>
+            </a:r>
+            <a:r>
+              <a:rPr lang="fr-FR" dirty="0"/>
+              <a:t> Nouvelle </a:t>
+            </a:r>
+            <a:r>
+              <a:rPr lang="fr-FR" dirty="0" smtClean="0"/>
+              <a:t>Offre</a:t>
+            </a:r>
+            <a:br>
+              <a:rPr lang="fr-FR" dirty="0" smtClean="0"/>
+            </a:br>
+            <a:r>
+              <a:rPr lang="fr-FR" dirty="0"/>
+              <a:t/>
+            </a:r>
+            <a:br>
+              <a:rPr lang="fr-FR" dirty="0"/>
+            </a:br>
+            <a:endParaRPr lang="fr-FR" dirty="0"/>
+          </a:p>
+        </p:txBody>
+      </p:sp>
+      <p:sp>
+        <p:nvSpPr>
+          <p:cNvPr id="3" name="Espace réservé du numéro de diapositive 2"/>
           <p:cNvSpPr>
             <a:spLocks noGrp="1"/>
           </p:cNvSpPr>
@@ -9749,66 +16797,7 @@
       </p:sp>
       <p:sp>
         <p:nvSpPr>
-          <p:cNvPr id="4" name="Titre 3"/>
-          <p:cNvSpPr>
-            <a:spLocks noGrp="1"/>
-          </p:cNvSpPr>
-          <p:nvPr>
-            <p:ph type="title"/>
-          </p:nvPr>
-        </p:nvSpPr>
-        <p:spPr/>
-        <p:txBody>
-          <a:bodyPr/>
-          <a:lstStyle/>
-          <a:p>
-            <a:r>
-              <a:rPr lang="fr-FR" dirty="0" smtClean="0"/>
-              <a:t>Projet </a:t>
-            </a:r>
-            <a:r>
-              <a:rPr lang="fr-FR" dirty="0" err="1"/>
-              <a:t>Coheris</a:t>
-            </a:r>
-            <a:r>
-              <a:rPr lang="fr-FR" dirty="0"/>
-              <a:t> Nouvelle Offre</a:t>
-            </a:r>
-            <a:endParaRPr lang="fr-FR" dirty="0"/>
-          </a:p>
-        </p:txBody>
-      </p:sp>
-      <p:sp>
-        <p:nvSpPr>
-          <p:cNvPr id="5" name="Espace réservé du texte 4"/>
-          <p:cNvSpPr>
-            <a:spLocks noGrp="1"/>
-          </p:cNvSpPr>
-          <p:nvPr>
-            <p:ph type="body" sz="quarter" idx="12"/>
-          </p:nvPr>
-        </p:nvSpPr>
-        <p:spPr/>
-        <p:txBody>
-          <a:bodyPr/>
-          <a:lstStyle/>
-          <a:p>
-            <a:pPr lvl="1"/>
-            <a:endParaRPr lang="fr-FR" dirty="0" smtClean="0"/>
-          </a:p>
-          <a:p>
-            <a:pPr lvl="1"/>
-            <a:endParaRPr lang="fr-FR" dirty="0" smtClean="0"/>
-          </a:p>
-          <a:p>
-            <a:pPr lvl="1"/>
-            <a:endParaRPr lang="fr-FR" dirty="0"/>
-          </a:p>
-        </p:txBody>
-      </p:sp>
-      <p:sp>
-        <p:nvSpPr>
-          <p:cNvPr id="6" name="Titre 3"/>
+          <p:cNvPr id="4" name="Titre 1"/>
           <p:cNvSpPr txBox="1">
             <a:spLocks/>
           </p:cNvSpPr>
@@ -9816,17 +16805,15 @@
         </p:nvSpPr>
         <p:spPr>
           <a:xfrm>
-            <a:off x="524235" y="680365"/>
-            <a:ext cx="8064000" cy="468000"/>
+            <a:off x="2624093" y="2275907"/>
+            <a:ext cx="5940154" cy="864096"/>
           </a:xfrm>
           <a:prstGeom prst="rect">
             <a:avLst/>
           </a:prstGeom>
         </p:spPr>
         <p:txBody>
-          <a:bodyPr vert="horz" wrap="square" lIns="0" tIns="0" rIns="0" bIns="0" rtlCol="0" anchor="t" anchorCtr="0">
-            <a:noAutofit/>
-          </a:bodyPr>
+          <a:bodyPr wrap="square" anchor="b" anchorCtr="0"/>
           <a:lstStyle>
             <a:lvl1pPr algn="l" defTabSz="914376" rtl="0" eaLnBrk="1" latinLnBrk="0" hangingPunct="1">
               <a:spcBef>
@@ -9835,7 +16822,7 @@
               <a:buNone/>
               <a:defRPr sz="2400" b="1" kern="1200" cap="all" spc="0" baseline="0">
                 <a:solidFill>
-                  <a:srgbClr val="776271"/>
+                  <a:schemeClr val="bg1"/>
                 </a:solidFill>
                 <a:latin typeface="+mj-lt"/>
                 <a:ea typeface="+mj-ea"/>
@@ -9844,15 +16831,20 @@
             </a:lvl1pPr>
           </a:lstStyle>
           <a:p>
-            <a:pPr marL="0" lvl="1" algn="r">
+            <a:pPr marL="457200" lvl="1" indent="-457200">
+              <a:lnSpc>
+                <a:spcPct val="120000"/>
+              </a:lnSpc>
               <a:spcBef>
                 <a:spcPct val="0"/>
               </a:spcBef>
+              <a:buFont typeface="+mj-lt"/>
+              <a:buAutoNum type="arabicPeriod"/>
             </a:pPr>
             <a:r>
-              <a:rPr lang="fr-FR" b="1" dirty="0" smtClean="0">
-                <a:solidFill>
-                  <a:srgbClr val="776271"/>
+              <a:rPr lang="fr-FR" sz="2000" b="1" dirty="0" smtClean="0">
+                <a:solidFill>
+                  <a:schemeClr val="bg1"/>
                 </a:solidFill>
                 <a:latin typeface="+mj-lt"/>
                 <a:ea typeface="+mj-ea"/>
@@ -9860,29 +16852,36 @@
               </a:rPr>
               <a:t>Présentation</a:t>
             </a:r>
-            <a:endParaRPr lang="fr-FR" b="1" dirty="0">
-              <a:solidFill>
-                <a:srgbClr val="776271"/>
-              </a:solidFill>
-              <a:latin typeface="+mj-lt"/>
-              <a:ea typeface="+mj-ea"/>
-              <a:cs typeface="Segoe UI" pitchFamily="34" charset="0"/>
-            </a:endParaRPr>
-          </a:p>
-          <a:p>
-            <a:pPr algn="r"/>
-            <a:r>
-              <a:rPr lang="fr-FR" sz="1800" cap="none" dirty="0" smtClean="0"/>
-              <a:t> </a:t>
-            </a:r>
-            <a:endParaRPr lang="fr-FR" sz="1800" cap="none" dirty="0"/>
+          </a:p>
+          <a:p>
+            <a:pPr marL="457200" lvl="1" indent="-457200">
+              <a:lnSpc>
+                <a:spcPct val="120000"/>
+              </a:lnSpc>
+              <a:spcBef>
+                <a:spcPct val="0"/>
+              </a:spcBef>
+              <a:buFont typeface="+mj-lt"/>
+              <a:buAutoNum type="arabicPeriod"/>
+            </a:pPr>
+            <a:r>
+              <a:rPr lang="fr-FR" sz="2000" b="1" dirty="0" smtClean="0">
+                <a:solidFill>
+                  <a:schemeClr val="bg1"/>
+                </a:solidFill>
+                <a:latin typeface="+mj-lt"/>
+                <a:ea typeface="+mj-ea"/>
+                <a:cs typeface="Segoe UI" pitchFamily="34" charset="0"/>
+              </a:rPr>
+              <a:t>Architecture</a:t>
+            </a:r>
           </a:p>
         </p:txBody>
       </p:sp>
     </p:spTree>
     <p:extLst>
       <p:ext uri="{BB962C8B-B14F-4D97-AF65-F5344CB8AC3E}">
-        <p14:creationId xmlns:p14="http://schemas.microsoft.com/office/powerpoint/2010/main" val="2414362635"/>
+        <p14:creationId xmlns:p14="http://schemas.microsoft.com/office/powerpoint/2010/main" val="1026138728"/>
       </p:ext>
     </p:extLst>
   </p:cSld>
@@ -9970,7 +16969,6 @@
               <a:rPr lang="fr-FR" dirty="0"/>
               <a:t> Nouvelle Offre</a:t>
             </a:r>
-            <a:endParaRPr lang="fr-FR" dirty="0"/>
           </a:p>
         </p:txBody>
       </p:sp>
@@ -9989,16 +16987,186 @@
           <a:bodyPr/>
           <a:lstStyle/>
           <a:p>
+            <a:r>
+              <a:rPr lang="fr-FR" sz="1800" dirty="0" smtClean="0"/>
+              <a:t>Une nouvelle </a:t>
+            </a:r>
+            <a:r>
+              <a:rPr lang="fr-FR" sz="1800" dirty="0"/>
+              <a:t>offre </a:t>
+            </a:r>
+            <a:r>
+              <a:rPr lang="fr-FR" sz="1800" dirty="0" smtClean="0"/>
+              <a:t>modulaire </a:t>
+            </a:r>
+            <a:r>
+              <a:rPr lang="fr-FR" sz="1800" dirty="0"/>
+              <a:t>en mode </a:t>
+            </a:r>
+            <a:r>
+              <a:rPr lang="fr-FR" sz="1800" dirty="0" err="1" smtClean="0"/>
+              <a:t>SaaS</a:t>
+            </a:r>
+            <a:r>
+              <a:rPr lang="fr-FR" sz="1800" dirty="0" smtClean="0"/>
+              <a:t>/on-</a:t>
+            </a:r>
+            <a:r>
+              <a:rPr lang="fr-FR" sz="1800" dirty="0" err="1" smtClean="0"/>
+              <a:t>premise</a:t>
+            </a:r>
+            <a:endParaRPr lang="fr-FR" sz="1800" dirty="0" smtClean="0"/>
+          </a:p>
+          <a:p>
             <a:pPr lvl="1"/>
-            <a:endParaRPr lang="fr-FR" dirty="0" smtClean="0"/>
+            <a:r>
+              <a:rPr lang="fr-FR" sz="1600" dirty="0" smtClean="0"/>
+              <a:t>ajouter des modules </a:t>
+            </a:r>
+            <a:r>
+              <a:rPr lang="fr-FR" sz="1600" dirty="0"/>
+              <a:t>à la </a:t>
+            </a:r>
+            <a:r>
+              <a:rPr lang="fr-FR" sz="1600" dirty="0" smtClean="0"/>
+              <a:t>demande</a:t>
+            </a:r>
           </a:p>
           <a:p>
             <a:pPr lvl="1"/>
-            <a:endParaRPr lang="fr-FR" dirty="0" smtClean="0"/>
+            <a:r>
+              <a:rPr lang="fr-FR" sz="1600" dirty="0" smtClean="0"/>
+              <a:t>modules </a:t>
+            </a:r>
+            <a:r>
+              <a:rPr lang="fr-FR" sz="1600" dirty="0"/>
+              <a:t>peuvent être vendus </a:t>
+            </a:r>
+            <a:r>
+              <a:rPr lang="fr-FR" sz="1600" dirty="0" smtClean="0"/>
+              <a:t>indépendamment</a:t>
+            </a:r>
+          </a:p>
+          <a:p>
+            <a:pPr marL="180000" lvl="1" indent="0">
+              <a:buNone/>
+            </a:pPr>
+            <a:endParaRPr lang="fr-FR" sz="1600" dirty="0" smtClean="0"/>
+          </a:p>
+          <a:p>
+            <a:r>
+              <a:rPr lang="fr-FR" sz="1800" dirty="0"/>
+              <a:t>Un module </a:t>
+            </a:r>
           </a:p>
           <a:p>
             <a:pPr lvl="1"/>
-            <a:endParaRPr lang="fr-FR" dirty="0"/>
+            <a:r>
+              <a:rPr lang="fr-FR" sz="1600" dirty="0"/>
+              <a:t>Fonctionne de façon indépendante des autres modules </a:t>
+            </a:r>
+            <a:endParaRPr lang="fr-FR" sz="1600" dirty="0" smtClean="0"/>
+          </a:p>
+          <a:p>
+            <a:pPr lvl="2"/>
+            <a:r>
+              <a:rPr lang="fr-FR" sz="1400" i="1" dirty="0" err="1" smtClean="0"/>
+              <a:t>Standalone</a:t>
+            </a:r>
+            <a:r>
+              <a:rPr lang="fr-FR" sz="1400" dirty="0" smtClean="0"/>
+              <a:t> : </a:t>
+            </a:r>
+            <a:r>
+              <a:rPr lang="fr-FR" sz="1400" dirty="0" err="1" smtClean="0"/>
+              <a:t>Frontend</a:t>
+            </a:r>
+            <a:r>
+              <a:rPr lang="fr-FR" sz="1400" dirty="0" smtClean="0"/>
+              <a:t> (IHM) avec </a:t>
+            </a:r>
+            <a:r>
+              <a:rPr lang="fr-FR" sz="1400" dirty="0" err="1" smtClean="0"/>
+              <a:t>Backend</a:t>
+            </a:r>
+            <a:r>
+              <a:rPr lang="fr-FR" sz="1400" dirty="0" smtClean="0"/>
+              <a:t> (</a:t>
+            </a:r>
+            <a:r>
+              <a:rPr lang="fr-FR" sz="1400" dirty="0"/>
+              <a:t>les couches applicatives </a:t>
+            </a:r>
+            <a:r>
+              <a:rPr lang="fr-FR" sz="1400" dirty="0" smtClean="0"/>
+              <a:t>)</a:t>
+            </a:r>
+            <a:endParaRPr lang="fr-FR" sz="1400" dirty="0"/>
+          </a:p>
+          <a:p>
+            <a:pPr lvl="2"/>
+            <a:r>
+              <a:rPr lang="fr-FR" sz="1400" i="1" dirty="0" smtClean="0"/>
+              <a:t>CRM</a:t>
+            </a:r>
+            <a:r>
+              <a:rPr lang="fr-FR" sz="1400" dirty="0" smtClean="0"/>
+              <a:t>: API </a:t>
+            </a:r>
+            <a:r>
+              <a:rPr lang="fr-FR" sz="1400" dirty="0" err="1" smtClean="0"/>
+              <a:t>Rest</a:t>
+            </a:r>
+            <a:r>
+              <a:rPr lang="fr-FR" sz="1400" dirty="0" smtClean="0"/>
+              <a:t> avec </a:t>
+            </a:r>
+            <a:r>
+              <a:rPr lang="fr-FR" sz="1400" dirty="0" err="1" smtClean="0"/>
+              <a:t>Backend</a:t>
+            </a:r>
+            <a:endParaRPr lang="fr-FR" sz="1400" dirty="0" smtClean="0"/>
+          </a:p>
+          <a:p>
+            <a:pPr marL="360000" lvl="2" indent="0">
+              <a:buNone/>
+            </a:pPr>
+            <a:endParaRPr lang="fr-FR" sz="1100" dirty="0" smtClean="0"/>
+          </a:p>
+          <a:p>
+            <a:pPr lvl="1"/>
+            <a:r>
+              <a:rPr lang="fr-FR" sz="1600" dirty="0" smtClean="0"/>
+              <a:t>S’intègre </a:t>
+            </a:r>
+            <a:r>
+              <a:rPr lang="fr-FR" sz="1600" dirty="0"/>
+              <a:t>facilement dans </a:t>
+            </a:r>
+            <a:r>
+              <a:rPr lang="fr-FR" sz="1600" dirty="0" smtClean="0"/>
+              <a:t>les </a:t>
+            </a:r>
+            <a:r>
+              <a:rPr lang="fr-FR" sz="1600" dirty="0"/>
+              <a:t>système </a:t>
+            </a:r>
+            <a:r>
+              <a:rPr lang="fr-FR" sz="1600" dirty="0" smtClean="0"/>
+              <a:t>d’informations des Clients</a:t>
+            </a:r>
+          </a:p>
+          <a:p>
+            <a:pPr lvl="2"/>
+            <a:r>
+              <a:rPr lang="fr-FR" sz="1400" dirty="0"/>
+              <a:t>Différentes modes de </a:t>
+            </a:r>
+            <a:r>
+              <a:rPr lang="fr-FR" sz="1400" dirty="0" smtClean="0"/>
+              <a:t>déploiements</a:t>
+            </a:r>
+            <a:endParaRPr lang="fr-FR" sz="1400" dirty="0"/>
           </a:p>
         </p:txBody>
       </p:sp>
@@ -10054,7 +17222,7 @@
                 <a:ea typeface="+mj-ea"/>
                 <a:cs typeface="Segoe UI" pitchFamily="34" charset="0"/>
               </a:rPr>
-              <a:t>Architecture 1/2</a:t>
+              <a:t>Présentation 1/2</a:t>
             </a:r>
             <a:endParaRPr lang="fr-FR" b="1" dirty="0">
               <a:solidFill>
@@ -10078,7 +17246,7 @@
     </p:spTree>
     <p:extLst>
       <p:ext uri="{BB962C8B-B14F-4D97-AF65-F5344CB8AC3E}">
-        <p14:creationId xmlns:p14="http://schemas.microsoft.com/office/powerpoint/2010/main" val="1475937047"/>
+        <p14:creationId xmlns:p14="http://schemas.microsoft.com/office/powerpoint/2010/main" val="2414362635"/>
       </p:ext>
     </p:extLst>
   </p:cSld>

--- a/presentation.pptx
+++ b/presentation.pptx
@@ -133,7 +133,7 @@
   </p:defaultTextStyle>
   <p:extLst>
     <p:ext uri="{EFAFB233-063F-42B5-8137-9DF3F51BA10A}">
-      <p15:sldGuideLst xmlns:p15="http://schemas.microsoft.com/office/powerpoint/2012/main" xmlns="">
+      <p15:sldGuideLst xmlns:p15="http://schemas.microsoft.com/office/powerpoint/2012/main">
         <p15:guide id="1" orient="horz" pos="1800">
           <p15:clr>
             <a:srgbClr val="A4A3A4"/>
@@ -147,7 +147,7 @@
       </p15:sldGuideLst>
     </p:ext>
     <p:ext uri="{2D200454-40CA-4A62-9FC3-DE9A4176ACB9}">
-      <p15:notesGuideLst xmlns:p15="http://schemas.microsoft.com/office/powerpoint/2012/main" xmlns="">
+      <p15:notesGuideLst xmlns:p15="http://schemas.microsoft.com/office/powerpoint/2012/main">
         <p15:guide id="1" orient="horz" pos="3125" userDrawn="1">
           <p15:clr>
             <a:srgbClr val="A4A3A4"/>
@@ -169,7 +169,7 @@
   <p:cmAuthor id="1" name="Christophe DEBARRE" initials="CD" lastIdx="1" clrIdx="0">
     <p:extLst>
       <p:ext uri="{19B8F6BF-5375-455C-9EA6-DF929625EA0E}">
-        <p15:presenceInfo xmlns:p15="http://schemas.microsoft.com/office/powerpoint/2012/main" xmlns="" userId="S-1-5-21-891374478-1870800512-441284377-12145" providerId="AD"/>
+        <p15:presenceInfo xmlns:p15="http://schemas.microsoft.com/office/powerpoint/2012/main" userId="S-1-5-21-891374478-1870800512-441284377-12145" providerId="AD"/>
       </p:ext>
     </p:extLst>
   </p:cmAuthor>
@@ -419,7 +419,7 @@
             <a:fld id="{F6BEF4FE-806E-CA4E-B724-3701154B9369}" type="slidenum">
               <a:rPr lang="fr-FR" smtClean="0"/>
               <a:pPr/>
-              <a:t>‹#›</a:t>
+              <a:t>‹N°›</a:t>
             </a:fld>
             <a:endParaRPr lang="fr-FR"/>
           </a:p>
@@ -1144,7 +1144,7 @@
             <a:fld id="{B84A105C-F3ED-46C4-A7CB-5C6E41B87207}" type="slidenum">
               <a:rPr lang="fr-FR" smtClean="0"/>
               <a:pPr/>
-              <a:t>‹#›</a:t>
+              <a:t>‹N°›</a:t>
             </a:fld>
             <a:endParaRPr lang="fr-FR" dirty="0"/>
           </a:p>
@@ -1395,7 +1395,7 @@
             <a:fld id="{B84A105C-F3ED-46C4-A7CB-5C6E41B87207}" type="slidenum">
               <a:rPr lang="fr-FR" smtClean="0"/>
               <a:pPr/>
-              <a:t>‹#›</a:t>
+              <a:t>‹N°›</a:t>
             </a:fld>
             <a:endParaRPr lang="fr-FR" dirty="0"/>
           </a:p>
@@ -1622,7 +1622,7 @@
             <a:fld id="{B84A105C-F3ED-46C4-A7CB-5C6E41B87207}" type="slidenum">
               <a:rPr lang="fr-FR" smtClean="0"/>
               <a:pPr/>
-              <a:t>‹#›</a:t>
+              <a:t>‹N°›</a:t>
             </a:fld>
             <a:endParaRPr lang="fr-FR" dirty="0"/>
           </a:p>
@@ -1722,7 +1722,7 @@
             <a:fld id="{B84A105C-F3ED-46C4-A7CB-5C6E41B87207}" type="slidenum">
               <a:rPr lang="fr-FR" smtClean="0"/>
               <a:pPr/>
-              <a:t>‹#›</a:t>
+              <a:t>‹N°›</a:t>
             </a:fld>
             <a:endParaRPr lang="fr-FR" dirty="0"/>
           </a:p>
@@ -1969,7 +1969,7 @@
             <a:fld id="{B84A105C-F3ED-46C4-A7CB-5C6E41B87207}" type="slidenum">
               <a:rPr lang="fr-FR" smtClean="0"/>
               <a:pPr/>
-              <a:t>‹#›</a:t>
+              <a:t>‹N°›</a:t>
             </a:fld>
             <a:endParaRPr lang="fr-FR" dirty="0"/>
           </a:p>
@@ -3126,7 +3126,7 @@
             <a:fld id="{B84A105C-F3ED-46C4-A7CB-5C6E41B87207}" type="slidenum">
               <a:rPr lang="fr-FR" smtClean="0"/>
               <a:pPr/>
-              <a:t>‹#›</a:t>
+              <a:t>‹N°›</a:t>
             </a:fld>
             <a:endParaRPr lang="fr-FR" dirty="0"/>
           </a:p>
@@ -3544,7 +3544,7 @@
             <a:fld id="{B84A105C-F3ED-46C4-A7CB-5C6E41B87207}" type="slidenum">
               <a:rPr lang="fr-FR" smtClean="0"/>
               <a:pPr/>
-              <a:t>‹#›</a:t>
+              <a:t>‹N°›</a:t>
             </a:fld>
             <a:endParaRPr lang="fr-FR" dirty="0"/>
           </a:p>
@@ -3836,7 +3836,7 @@
             <a:fld id="{B84A105C-F3ED-46C4-A7CB-5C6E41B87207}" type="slidenum">
               <a:rPr lang="fr-FR" smtClean="0"/>
               <a:pPr/>
-              <a:t>‹#›</a:t>
+              <a:t>‹N°›</a:t>
             </a:fld>
             <a:endParaRPr lang="fr-FR" dirty="0"/>
           </a:p>
@@ -4067,7 +4067,7 @@
             <a:fld id="{B84A105C-F3ED-46C4-A7CB-5C6E41B87207}" type="slidenum">
               <a:rPr lang="fr-FR" smtClean="0"/>
               <a:pPr/>
-              <a:t>‹#›</a:t>
+              <a:t>‹N°›</a:t>
             </a:fld>
             <a:endParaRPr lang="fr-FR" dirty="0"/>
           </a:p>
@@ -4273,7 +4273,7 @@
             <a:fld id="{B84A105C-F3ED-46C4-A7CB-5C6E41B87207}" type="slidenum">
               <a:rPr lang="fr-FR" smtClean="0"/>
               <a:pPr/>
-              <a:t>‹#›</a:t>
+              <a:t>‹N°›</a:t>
             </a:fld>
             <a:endParaRPr lang="fr-FR" dirty="0"/>
           </a:p>
@@ -4350,7 +4350,7 @@
             <a:fld id="{B84A105C-F3ED-46C4-A7CB-5C6E41B87207}" type="slidenum">
               <a:rPr lang="fr-FR" smtClean="0"/>
               <a:pPr/>
-              <a:t>‹#›</a:t>
+              <a:t>‹N°›</a:t>
             </a:fld>
             <a:endParaRPr lang="fr-FR" dirty="0"/>
           </a:p>
@@ -4729,7 +4729,7 @@
             <a:fld id="{B84A105C-F3ED-46C4-A7CB-5C6E41B87207}" type="slidenum">
               <a:rPr lang="fr-FR" smtClean="0"/>
               <a:pPr/>
-              <a:t>‹#›</a:t>
+              <a:t>‹N°›</a:t>
             </a:fld>
             <a:endParaRPr lang="fr-FR" dirty="0"/>
           </a:p>
@@ -5077,7 +5077,7 @@
             <a:fld id="{B84A105C-F3ED-46C4-A7CB-5C6E41B87207}" type="slidenum">
               <a:rPr lang="fr-FR" smtClean="0"/>
               <a:pPr/>
-              <a:t>‹#›</a:t>
+              <a:t>‹N°›</a:t>
             </a:fld>
             <a:endParaRPr lang="fr-FR" dirty="0"/>
           </a:p>
@@ -5573,7 +5573,7 @@
             <a:fld id="{B84A105C-F3ED-46C4-A7CB-5C6E41B87207}" type="slidenum">
               <a:rPr lang="fr-FR" smtClean="0"/>
               <a:pPr/>
-              <a:t>‹#›</a:t>
+              <a:t>‹N°›</a:t>
             </a:fld>
             <a:endParaRPr lang="fr-FR" dirty="0"/>
           </a:p>
@@ -11901,18 +11901,7 @@
                 <a:ea typeface="+mj-ea"/>
                 <a:cs typeface="Segoe UI" pitchFamily="34" charset="0"/>
               </a:rPr>
-              <a:t>Architecture </a:t>
-            </a:r>
-            <a:r>
-              <a:rPr lang="fr-FR" b="1" dirty="0" smtClean="0">
-                <a:solidFill>
-                  <a:srgbClr val="776271"/>
-                </a:solidFill>
-                <a:latin typeface="+mj-lt"/>
-                <a:ea typeface="+mj-ea"/>
-                <a:cs typeface="Segoe UI" pitchFamily="34" charset="0"/>
-              </a:rPr>
-              <a:t>1/3</a:t>
+              <a:t>Architecture 1/3</a:t>
             </a:r>
             <a:endParaRPr lang="fr-FR" b="1" dirty="0">
               <a:solidFill>
@@ -11955,7 +11944,15 @@
           <a:p>
             <a:r>
               <a:rPr lang="fr-FR" sz="1800" dirty="0" smtClean="0"/>
-              <a:t>Nouvelle architecture est mis en place pour les modules</a:t>
+              <a:t>Nouvelle architecture est </a:t>
+            </a:r>
+            <a:r>
+              <a:rPr lang="fr-FR" sz="1800" dirty="0" smtClean="0"/>
+              <a:t>mise </a:t>
+            </a:r>
+            <a:r>
+              <a:rPr lang="fr-FR" sz="1800" dirty="0" smtClean="0"/>
+              <a:t>en place pour les modules</a:t>
             </a:r>
           </a:p>
           <a:p>
@@ -11985,7 +11982,11 @@
             <a:pPr lvl="2"/>
             <a:r>
               <a:rPr lang="fr-FR" sz="1400" dirty="0" smtClean="0"/>
-              <a:t>Nouvelle manière </a:t>
+              <a:t>Nouvelle </a:t>
+            </a:r>
+            <a:r>
+              <a:rPr lang="fr-FR" sz="1400" dirty="0" smtClean="0"/>
+              <a:t>manière</a:t>
             </a:r>
             <a:r>
               <a:rPr lang="fr-FR" sz="1400" b="1" dirty="0"/>
@@ -11996,8 +11997,12 @@
               <a:t>de </a:t>
             </a:r>
             <a:r>
+              <a:rPr lang="fr-FR" sz="1400" dirty="0" smtClean="0"/>
+              <a:t>penser à </a:t>
+            </a:r>
+            <a:r>
               <a:rPr lang="fr-FR" sz="1400" dirty="0"/>
-              <a:t>penser la conception autour du </a:t>
+              <a:t>la conception autour du </a:t>
             </a:r>
             <a:r>
               <a:rPr lang="fr-FR" sz="1400" dirty="0" smtClean="0"/>
@@ -12016,7 +12021,19 @@
             </a:r>
             <a:r>
               <a:rPr lang="fr-FR" sz="1400" dirty="0"/>
-              <a:t>et de communiquer avec les experts </a:t>
+              <a:t>et </a:t>
+            </a:r>
+            <a:r>
+              <a:rPr lang="fr-FR" sz="1400" dirty="0"/>
+              <a:t>c</a:t>
+            </a:r>
+            <a:r>
+              <a:rPr lang="fr-FR" sz="1400" dirty="0" smtClean="0"/>
+              <a:t>ommuniquer </a:t>
+            </a:r>
+            <a:r>
+              <a:rPr lang="fr-FR" sz="1400" dirty="0"/>
+              <a:t>avec les experts </a:t>
             </a:r>
             <a:r>
               <a:rPr lang="fr-FR" sz="1400" dirty="0" smtClean="0"/>
@@ -12068,7 +12085,7 @@
             </a:r>
             <a:r>
               <a:rPr lang="en-US" sz="1600" dirty="0"/>
-              <a:t>c</a:t>
+              <a:t>C</a:t>
             </a:r>
             <a:r>
               <a:rPr lang="en-US" sz="1600" dirty="0" smtClean="0"/>
@@ -12091,8 +12108,13 @@
             </a:r>
             <a:r>
               <a:rPr lang="fr-FR" sz="1400" dirty="0" smtClean="0"/>
-              <a:t>d’architecture système sépare  </a:t>
-            </a:r>
+              <a:t>d’architecture système </a:t>
+            </a:r>
+            <a:r>
+              <a:rPr lang="fr-FR" sz="1400" dirty="0" smtClean="0"/>
+              <a:t>séparé  </a:t>
+            </a:r>
+            <a:endParaRPr lang="fr-FR" sz="1400" dirty="0" smtClean="0"/>
           </a:p>
           <a:p>
             <a:pPr lvl="3"/>
@@ -12133,7 +12155,15 @@
             </a:r>
             <a:r>
               <a:rPr lang="fr-FR" sz="1200" dirty="0" smtClean="0"/>
-              <a:t>es donnés « command »</a:t>
+              <a:t>es </a:t>
+            </a:r>
+            <a:r>
+              <a:rPr lang="fr-FR" sz="1200" dirty="0" smtClean="0"/>
+              <a:t>données </a:t>
+            </a:r>
+            <a:r>
+              <a:rPr lang="fr-FR" sz="1200" dirty="0" smtClean="0"/>
+              <a:t>« command »</a:t>
             </a:r>
           </a:p>
           <a:p>
@@ -12178,7 +12208,6 @@
               <a:rPr lang="fr-FR" sz="1400" dirty="0"/>
               <a:t>dans un état antérieur des données</a:t>
             </a:r>
-            <a:endParaRPr lang="fr-FR" sz="1400" dirty="0"/>
           </a:p>
         </p:txBody>
       </p:sp>
@@ -12356,18 +12385,7 @@
                 <a:ea typeface="+mj-ea"/>
                 <a:cs typeface="Segoe UI" pitchFamily="34" charset="0"/>
               </a:rPr>
-              <a:t>Architecture </a:t>
-            </a:r>
-            <a:r>
-              <a:rPr lang="fr-FR" b="1" dirty="0" smtClean="0">
-                <a:solidFill>
-                  <a:srgbClr val="776271"/>
-                </a:solidFill>
-                <a:latin typeface="+mj-lt"/>
-                <a:ea typeface="+mj-ea"/>
-                <a:cs typeface="Segoe UI" pitchFamily="34" charset="0"/>
-              </a:rPr>
-              <a:t>2/3</a:t>
+              <a:t>Architecture 2/3</a:t>
             </a:r>
             <a:endParaRPr lang="fr-FR" b="1" dirty="0">
               <a:solidFill>
@@ -16909,29 +16927,7 @@
                 <a:ea typeface="+mj-ea"/>
                 <a:cs typeface="Segoe UI" pitchFamily="34" charset="0"/>
               </a:rPr>
-              <a:t>Sprint</a:t>
-            </a:r>
-            <a:r>
-              <a:rPr lang="fr-FR" sz="2000" b="1" dirty="0" smtClean="0">
-                <a:solidFill>
-                  <a:schemeClr val="bg1"/>
-                </a:solidFill>
-                <a:latin typeface="+mj-lt"/>
-                <a:ea typeface="+mj-ea"/>
-                <a:cs typeface="Segoe UI" pitchFamily="34" charset="0"/>
-              </a:rPr>
-              <a:t> </a:t>
-            </a:r>
-            <a:r>
-              <a:rPr lang="fr-FR" sz="2000" b="1" dirty="0" smtClean="0">
-                <a:solidFill>
-                  <a:schemeClr val="bg1"/>
-                </a:solidFill>
-                <a:latin typeface="+mj-lt"/>
-                <a:ea typeface="+mj-ea"/>
-                <a:cs typeface="Segoe UI" pitchFamily="34" charset="0"/>
-              </a:rPr>
-              <a:t>1 </a:t>
+              <a:t>Sprint 1 </a:t>
             </a:r>
             <a:r>
               <a:rPr lang="fr-FR" b="1" dirty="0" smtClean="0">
@@ -17017,29 +17013,7 @@
                 <a:ea typeface="+mj-ea"/>
                 <a:cs typeface="Segoe UI" pitchFamily="34" charset="0"/>
               </a:rPr>
-              <a:t>: Module Social &amp; Intégration </a:t>
-            </a:r>
-            <a:r>
-              <a:rPr lang="fr-FR" b="1" dirty="0" smtClean="0">
-                <a:solidFill>
-                  <a:schemeClr val="bg1"/>
-                </a:solidFill>
-                <a:latin typeface="+mj-lt"/>
-                <a:ea typeface="+mj-ea"/>
-                <a:cs typeface="Segoe UI" pitchFamily="34" charset="0"/>
-              </a:rPr>
-              <a:t>du SPAD Real </a:t>
-            </a:r>
-            <a:r>
-              <a:rPr lang="fr-FR" b="1" dirty="0" smtClean="0">
-                <a:solidFill>
-                  <a:schemeClr val="bg1"/>
-                </a:solidFill>
-                <a:latin typeface="+mj-lt"/>
-                <a:ea typeface="+mj-ea"/>
-                <a:cs typeface="Segoe UI" pitchFamily="34" charset="0"/>
-              </a:rPr>
-              <a:t>Time</a:t>
+              <a:t>: Module Social &amp; Intégration du SPAD Real Time</a:t>
             </a:r>
           </a:p>
           <a:p>
@@ -17097,14 +17071,6 @@
               </a:rPr>
               <a:t> et social</a:t>
             </a:r>
-            <a:endParaRPr lang="fr-FR" b="1" dirty="0" smtClean="0">
-              <a:solidFill>
-                <a:schemeClr val="bg1"/>
-              </a:solidFill>
-              <a:latin typeface="+mj-lt"/>
-              <a:ea typeface="+mj-ea"/>
-              <a:cs typeface="Segoe UI" pitchFamily="34" charset="0"/>
-            </a:endParaRPr>
           </a:p>
         </p:txBody>
       </p:sp>
@@ -17254,7 +17220,6 @@
               <a:rPr lang="fr-FR" dirty="0" smtClean="0"/>
               <a:t>1.0 de JEE 7</a:t>
             </a:r>
-            <a:endParaRPr lang="fr-FR" dirty="0" smtClean="0"/>
           </a:p>
           <a:p>
             <a:pPr lvl="1"/>
@@ -17291,11 +17256,7 @@
             </a:r>
             <a:r>
               <a:rPr lang="fr-FR" b="1" dirty="0"/>
-              <a:t>hoix était sur Quartz : </a:t>
-            </a:r>
-            <a:r>
-              <a:rPr lang="fr-FR" b="1" dirty="0"/>
-              <a:t>paramétrage très </a:t>
+              <a:t>hoix était sur Quartz : paramétrage très </a:t>
             </a:r>
             <a:r>
               <a:rPr lang="fr-FR" b="1" dirty="0" smtClean="0"/>
@@ -17450,7 +17411,15 @@
             <a:pPr lvl="1"/>
             <a:r>
               <a:rPr lang="fr-FR" dirty="0" smtClean="0"/>
-              <a:t>Création différente type de job</a:t>
+              <a:t>Création </a:t>
+            </a:r>
+            <a:r>
+              <a:rPr lang="fr-FR" dirty="0" smtClean="0"/>
+              <a:t>différente de </a:t>
+            </a:r>
+            <a:r>
+              <a:rPr lang="fr-FR" dirty="0" smtClean="0"/>
+              <a:t>type de job</a:t>
             </a:r>
           </a:p>
           <a:p>
@@ -18006,7 +17975,12 @@
             <p:ph type="body" sz="quarter" idx="12"/>
           </p:nvPr>
         </p:nvSpPr>
-        <p:spPr/>
+        <p:spPr>
+          <a:xfrm>
+            <a:off x="540000" y="1266172"/>
+            <a:ext cx="8064000" cy="3809828"/>
+          </a:xfrm>
+        </p:spPr>
         <p:txBody>
           <a:bodyPr/>
           <a:lstStyle/>
@@ -18039,7 +18013,15 @@
             <a:pPr lvl="1"/>
             <a:r>
               <a:rPr lang="fr-FR" sz="1600" dirty="0" smtClean="0"/>
-              <a:t>Mise en place des services dans la couche Application les tests du </a:t>
+              <a:t>Mise en place des services dans la couche Application </a:t>
+            </a:r>
+            <a:r>
+              <a:rPr lang="fr-FR" sz="1600" dirty="0" smtClean="0"/>
+              <a:t>des </a:t>
+            </a:r>
+            <a:r>
+              <a:rPr lang="fr-FR" sz="1600" dirty="0" smtClean="0"/>
+              <a:t>tests du </a:t>
             </a:r>
             <a:r>
               <a:rPr lang="fr-FR" sz="1600" dirty="0" err="1" smtClean="0"/>
@@ -18063,7 +18045,11 @@
             <a:pPr lvl="1"/>
             <a:r>
               <a:rPr lang="fr-FR" sz="1600" dirty="0" smtClean="0"/>
-              <a:t>Intégration du de l’existant connecteur </a:t>
+              <a:t>Intégration </a:t>
+            </a:r>
+            <a:r>
+              <a:rPr lang="fr-FR" sz="1600" dirty="0" smtClean="0"/>
+              <a:t>de l’existant connecteur </a:t>
             </a:r>
           </a:p>
           <a:p>
@@ -18125,7 +18111,27 @@
             <a:pPr lvl="1"/>
             <a:r>
               <a:rPr lang="fr-FR" sz="1600" dirty="0" smtClean="0"/>
-              <a:t>Ajouter le traitement de mise à jour de DB dans un tache dans le module </a:t>
+              <a:t>Ajout du </a:t>
+            </a:r>
+            <a:r>
+              <a:rPr lang="fr-FR" sz="1600" dirty="0" smtClean="0"/>
+              <a:t>traitement </a:t>
+            </a:r>
+            <a:r>
+              <a:rPr lang="fr-FR" sz="1600" dirty="0" smtClean="0"/>
+              <a:t>de la </a:t>
+            </a:r>
+            <a:r>
+              <a:rPr lang="fr-FR" sz="1600" dirty="0" smtClean="0"/>
+              <a:t>mise à jour de DB dans </a:t>
+            </a:r>
+            <a:r>
+              <a:rPr lang="fr-FR" sz="1600" dirty="0" smtClean="0"/>
+              <a:t>une tâche </a:t>
+            </a:r>
+            <a:r>
+              <a:rPr lang="fr-FR" sz="1600" dirty="0" smtClean="0"/>
+              <a:t>dans le module </a:t>
             </a:r>
             <a:r>
               <a:rPr lang="fr-FR" sz="1600" dirty="0" err="1" smtClean="0"/>
@@ -18432,11 +18438,7 @@
             <a:pPr lvl="1"/>
             <a:r>
               <a:rPr lang="fr-FR" dirty="0" smtClean="0"/>
-              <a:t>Serveur de déploiement </a:t>
-            </a:r>
-            <a:r>
-              <a:rPr lang="fr-FR" dirty="0" smtClean="0"/>
-              <a:t>qui permet d’utiliser </a:t>
+              <a:t>Serveur de déploiement qui permet d’utiliser </a:t>
             </a:r>
             <a:r>
               <a:rPr lang="fr-FR" dirty="0"/>
@@ -18474,34 +18476,39 @@
               <a:t> (Algorithmes </a:t>
             </a:r>
             <a:r>
-              <a:rPr lang="fr-FR" dirty="0" err="1" smtClean="0"/>
-              <a:t>Bayesien</a:t>
-            </a:r>
-            <a:r>
               <a:rPr lang="fr-FR" dirty="0" smtClean="0"/>
-              <a:t>)</a:t>
-            </a:r>
+              <a:t>Bayésien)</a:t>
+            </a:r>
+            <a:endParaRPr lang="fr-FR" dirty="0" smtClean="0"/>
           </a:p>
           <a:p>
             <a:pPr lvl="1"/>
             <a:r>
               <a:rPr lang="fr-FR" dirty="0" smtClean="0"/>
-              <a:t>Ajouter le model </a:t>
-            </a:r>
-            <a:r>
-              <a:rPr lang="fr-FR" dirty="0" err="1" smtClean="0"/>
-              <a:t>Bayesien</a:t>
+              <a:t>Ajout du </a:t>
             </a:r>
             <a:r>
               <a:rPr lang="fr-FR" dirty="0" smtClean="0"/>
-              <a:t> Motif métier qui qualifie le post : Demande, Opportunité, Intervention, Lead </a:t>
+              <a:t>model </a:t>
+            </a:r>
+            <a:r>
+              <a:rPr lang="fr-FR" dirty="0" smtClean="0"/>
+              <a:t>Bayésien </a:t>
+            </a:r>
+            <a:r>
+              <a:rPr lang="fr-FR" dirty="0" smtClean="0"/>
+              <a:t>Motif métier qui qualifie le post : Demande, Opportunité, Intervention, Lead </a:t>
             </a:r>
           </a:p>
           <a:p>
             <a:pPr lvl="1"/>
             <a:r>
               <a:rPr lang="fr-FR" dirty="0" smtClean="0"/>
-              <a:t>Ajouter les interfaces d’appels aux </a:t>
+              <a:t>Ajout des </a:t>
+            </a:r>
+            <a:r>
+              <a:rPr lang="fr-FR" dirty="0" smtClean="0"/>
+              <a:t>interfaces d’appels aux </a:t>
             </a:r>
             <a:r>
               <a:rPr lang="fr-FR" dirty="0" err="1" smtClean="0"/>
@@ -18516,8 +18523,9 @@
             <a:pPr lvl="1"/>
             <a:r>
               <a:rPr lang="fr-FR" dirty="0" smtClean="0"/>
-              <a:t>Par exemple :  </a:t>
-            </a:r>
+              <a:t>Exemple:  </a:t>
+            </a:r>
+            <a:endParaRPr lang="fr-FR" dirty="0" smtClean="0"/>
           </a:p>
           <a:p>
             <a:pPr lvl="1"/>
@@ -18834,7 +18842,6 @@
                 <a:rPr lang="fr-FR" sz="1200" dirty="0"/>
                 <a:t>Désigne le motif</a:t>
               </a:r>
-              <a:endParaRPr lang="fr-FR" sz="1200" dirty="0"/>
             </a:p>
           </p:txBody>
         </p:sp>
@@ -19959,7 +19966,15 @@
             </a:r>
             <a:r>
               <a:rPr lang="fr-FR" sz="1600" dirty="0" smtClean="0"/>
-              <a:t> Bean associé dans la couche Gui</a:t>
+              <a:t> Bean </a:t>
+            </a:r>
+            <a:r>
+              <a:rPr lang="fr-FR" sz="1600" dirty="0" smtClean="0"/>
+              <a:t>associés </a:t>
+            </a:r>
+            <a:r>
+              <a:rPr lang="fr-FR" sz="1600" dirty="0" smtClean="0"/>
+              <a:t>dans la couche Gui</a:t>
             </a:r>
           </a:p>
           <a:p>
@@ -19978,14 +19993,27 @@
             <a:pPr lvl="2"/>
             <a:r>
               <a:rPr lang="fr-FR" sz="1400" dirty="0" smtClean="0"/>
-              <a:t>Gestionnaire des taches </a:t>
-            </a:r>
+              <a:t>Gestionnaire des </a:t>
+            </a:r>
+            <a:r>
+              <a:rPr lang="fr-FR" sz="1400" dirty="0" smtClean="0"/>
+              <a:t>tâches </a:t>
+            </a:r>
+            <a:endParaRPr lang="fr-FR" sz="1400" dirty="0" smtClean="0"/>
           </a:p>
           <a:p>
             <a:pPr lvl="3"/>
             <a:r>
               <a:rPr lang="fr-FR" sz="1200" dirty="0" smtClean="0"/>
-              <a:t>listes des taches sauvegarder </a:t>
+              <a:t>listes des </a:t>
+            </a:r>
+            <a:r>
+              <a:rPr lang="fr-FR" sz="1200" dirty="0" smtClean="0"/>
+              <a:t>tâches </a:t>
+            </a:r>
+            <a:r>
+              <a:rPr lang="fr-FR" sz="1200" dirty="0" smtClean="0"/>
+              <a:t>sauvegarder </a:t>
             </a:r>
             <a:endParaRPr lang="fr-FR" sz="1200" dirty="0"/>
           </a:p>
@@ -20004,15 +20032,25 @@
             </a:r>
             <a:r>
               <a:rPr lang="fr-FR" sz="1200" dirty="0" smtClean="0"/>
-              <a:t>ormulaire dynamique d’ajout des taches </a:t>
-            </a:r>
+              <a:t>ormulaire dynamique d’ajout des </a:t>
+            </a:r>
+            <a:r>
+              <a:rPr lang="fr-FR" sz="1200" dirty="0" smtClean="0"/>
+              <a:t>tâches </a:t>
+            </a:r>
+            <a:endParaRPr lang="fr-FR" sz="1200" dirty="0" smtClean="0"/>
           </a:p>
           <a:p>
             <a:pPr lvl="2"/>
             <a:r>
               <a:rPr lang="fr-FR" sz="1400" dirty="0" smtClean="0"/>
-              <a:t>Gestionnaire des traitement</a:t>
-            </a:r>
+              <a:t>Gestionnaire des </a:t>
+            </a:r>
+            <a:r>
+              <a:rPr lang="fr-FR" sz="1400" dirty="0" smtClean="0"/>
+              <a:t>traitements</a:t>
+            </a:r>
+            <a:endParaRPr lang="fr-FR" sz="1400" dirty="0" smtClean="0"/>
           </a:p>
           <a:p>
             <a:pPr lvl="3"/>
@@ -20032,7 +20070,15 @@
             <a:pPr lvl="2"/>
             <a:r>
               <a:rPr lang="fr-FR" sz="1400" dirty="0" smtClean="0"/>
-              <a:t>Gestionnaire d’historique d’exécutions des taches et leurs états</a:t>
+              <a:t>Gestionnaire d’historique d’exécutions des </a:t>
+            </a:r>
+            <a:r>
+              <a:rPr lang="fr-FR" sz="1400" dirty="0" smtClean="0"/>
+              <a:t>tâches </a:t>
+            </a:r>
+            <a:r>
+              <a:rPr lang="fr-FR" sz="1400" dirty="0" smtClean="0"/>
+              <a:t>et leurs états</a:t>
             </a:r>
           </a:p>
           <a:p>
@@ -20134,18 +20180,7 @@
                 <a:ea typeface="+mj-ea"/>
                 <a:cs typeface="Segoe UI" pitchFamily="34" charset="0"/>
               </a:rPr>
-              <a:t>IHM </a:t>
-            </a:r>
-            <a:r>
-              <a:rPr lang="fr-FR" b="1" dirty="0" smtClean="0">
-                <a:solidFill>
-                  <a:srgbClr val="776271"/>
-                </a:solidFill>
-                <a:latin typeface="+mj-lt"/>
-                <a:ea typeface="+mj-ea"/>
-                <a:cs typeface="Segoe UI" pitchFamily="34" charset="0"/>
-              </a:rPr>
-              <a:t>module </a:t>
+              <a:t>IHM module </a:t>
             </a:r>
             <a:r>
               <a:rPr lang="fr-FR" b="1" dirty="0" err="1" smtClean="0">
@@ -20341,14 +20376,30 @@
             </a:r>
             <a:r>
               <a:rPr lang="fr-FR" sz="1800" dirty="0" smtClean="0"/>
-              <a:t> Bean associé dans la couche Gui</a:t>
+              <a:t> Bean </a:t>
+            </a:r>
+            <a:r>
+              <a:rPr lang="fr-FR" sz="1800" dirty="0" smtClean="0"/>
+              <a:t>associés </a:t>
+            </a:r>
+            <a:r>
+              <a:rPr lang="fr-FR" sz="1800" dirty="0" smtClean="0"/>
+              <a:t>dans la couche Gui</a:t>
             </a:r>
           </a:p>
           <a:p>
             <a:pPr lvl="2"/>
             <a:r>
               <a:rPr lang="fr-FR" sz="1600" dirty="0" smtClean="0"/>
-              <a:t>Tableau de Bord du des commentaires et des </a:t>
+              <a:t>Tableau de </a:t>
+            </a:r>
+            <a:r>
+              <a:rPr lang="fr-FR" sz="1600" dirty="0" smtClean="0"/>
+              <a:t>Bord </a:t>
+            </a:r>
+            <a:r>
+              <a:rPr lang="fr-FR" sz="1600" dirty="0" smtClean="0"/>
+              <a:t>des commentaires et des </a:t>
             </a:r>
             <a:r>
               <a:rPr lang="fr-FR" sz="1600" dirty="0" err="1" smtClean="0"/>
@@ -20479,18 +20530,7 @@
                 <a:ea typeface="+mj-ea"/>
                 <a:cs typeface="Segoe UI" pitchFamily="34" charset="0"/>
               </a:rPr>
-              <a:t>IHM </a:t>
-            </a:r>
-            <a:r>
-              <a:rPr lang="fr-FR" b="1" dirty="0" smtClean="0">
-                <a:solidFill>
-                  <a:srgbClr val="776271"/>
-                </a:solidFill>
-                <a:latin typeface="+mj-lt"/>
-                <a:ea typeface="+mj-ea"/>
-                <a:cs typeface="Segoe UI" pitchFamily="34" charset="0"/>
-              </a:rPr>
-              <a:t>module </a:t>
+              <a:t>IHM module </a:t>
             </a:r>
             <a:r>
               <a:rPr lang="fr-FR" b="1" dirty="0" err="1" smtClean="0">
@@ -20893,7 +20933,19 @@
           <a:p>
             <a:r>
               <a:rPr lang="fr-FR" dirty="0" smtClean="0"/>
-              <a:t>Développement de compétences techniques lors de la phase de développements.</a:t>
+              <a:t>Développement </a:t>
+            </a:r>
+            <a:r>
+              <a:rPr lang="fr-FR" dirty="0" smtClean="0"/>
+              <a:t>des </a:t>
+            </a:r>
+            <a:r>
+              <a:rPr lang="fr-FR" dirty="0" smtClean="0"/>
+              <a:t>compétences techniques lors de la phase de </a:t>
+            </a:r>
+            <a:r>
+              <a:rPr lang="fr-FR" dirty="0" smtClean="0"/>
+              <a:t>développement.</a:t>
             </a:r>
             <a:endParaRPr lang="fr-FR" dirty="0" smtClean="0"/>
           </a:p>
@@ -20945,7 +20997,15 @@
           <a:p>
             <a:r>
               <a:rPr lang="fr-FR" dirty="0"/>
-              <a:t>Développement de compétences </a:t>
+              <a:t>Développement </a:t>
+            </a:r>
+            <a:r>
+              <a:rPr lang="fr-FR" dirty="0" smtClean="0"/>
+              <a:t>des </a:t>
+            </a:r>
+            <a:r>
+              <a:rPr lang="fr-FR" dirty="0"/>
+              <a:t>compétences </a:t>
             </a:r>
             <a:r>
               <a:rPr lang="fr-FR" dirty="0" smtClean="0"/>
@@ -20981,8 +21041,8 @@
               <a:t>Communication avec d’autre </a:t>
             </a:r>
             <a:r>
-              <a:rPr lang="fr-FR" dirty="0" err="1" smtClean="0"/>
-              <a:t>colloborateurs</a:t>
+              <a:rPr lang="fr-FR" dirty="0" smtClean="0"/>
+              <a:t>collaborateurs</a:t>
             </a:r>
             <a:endParaRPr lang="fr-FR" dirty="0"/>
           </a:p>
@@ -21274,7 +21334,19 @@
               <a:rPr lang="fr-FR" dirty="0" smtClean="0">
                 <a:latin typeface="Tahoma" pitchFamily="34" charset="0"/>
               </a:rPr>
-              <a:t>es premiers modules basées sur l’architecture DDD et CQRS</a:t>
+              <a:t>es premiers modules </a:t>
+            </a:r>
+            <a:r>
+              <a:rPr lang="fr-FR" dirty="0" smtClean="0">
+                <a:latin typeface="Tahoma" pitchFamily="34" charset="0"/>
+              </a:rPr>
+              <a:t>basés </a:t>
+            </a:r>
+            <a:r>
+              <a:rPr lang="fr-FR" dirty="0" smtClean="0">
+                <a:latin typeface="Tahoma" pitchFamily="34" charset="0"/>
+              </a:rPr>
+              <a:t>sur l’architecture DDD et CQRS</a:t>
             </a:r>
           </a:p>
           <a:p>
@@ -22912,8 +22984,20 @@
           <a:p>
             <a:pPr lvl="1"/>
             <a:r>
+              <a:rPr lang="fr-FR" sz="1600" dirty="0" smtClean="0"/>
+              <a:t>mise </a:t>
+            </a:r>
+            <a:r>
               <a:rPr lang="fr-FR" sz="1600" dirty="0"/>
-              <a:t>mis en place la méthode SCRUM depuis 4 ans </a:t>
+              <a:t>en </a:t>
+            </a:r>
+            <a:r>
+              <a:rPr lang="fr-FR" sz="1600" dirty="0" smtClean="0"/>
+              <a:t>place de </a:t>
+            </a:r>
+            <a:r>
+              <a:rPr lang="fr-FR" sz="1600" dirty="0"/>
+              <a:t>la méthode SCRUM depuis 4 ans </a:t>
             </a:r>
             <a:endParaRPr lang="fr-FR" sz="1600" dirty="0" smtClean="0"/>
           </a:p>
@@ -23458,11 +23542,7 @@
             </a:r>
             <a:r>
               <a:rPr lang="fr-FR" sz="1400" dirty="0" smtClean="0"/>
-              <a:t> : </a:t>
-            </a:r>
-            <a:r>
-              <a:rPr lang="fr-FR" sz="1400" dirty="0" smtClean="0"/>
-              <a:t>module indépendant avec son IHM</a:t>
+              <a:t> : module indépendant avec son IHM</a:t>
             </a:r>
             <a:endParaRPr lang="fr-FR" sz="1400" dirty="0"/>
           </a:p>
@@ -23474,11 +23554,7 @@
             </a:r>
             <a:r>
               <a:rPr lang="fr-FR" sz="1400" dirty="0" smtClean="0"/>
-              <a:t>: </a:t>
-            </a:r>
-            <a:r>
-              <a:rPr lang="fr-FR" sz="1400" dirty="0" smtClean="0"/>
-              <a:t>module qui met en œuvre une API </a:t>
+              <a:t>: module qui met en œuvre une API </a:t>
             </a:r>
             <a:r>
               <a:rPr lang="fr-FR" sz="1400" dirty="0" err="1" smtClean="0"/>
@@ -23507,18 +23583,13 @@
               <a:t>les </a:t>
             </a:r>
             <a:r>
-              <a:rPr lang="fr-FR" sz="1600" dirty="0"/>
-              <a:t>système </a:t>
-            </a:r>
-            <a:r>
               <a:rPr lang="fr-FR" sz="1600" dirty="0" smtClean="0"/>
-              <a:t>d’informations des </a:t>
+              <a:t>systèmes </a:t>
             </a:r>
             <a:r>
               <a:rPr lang="fr-FR" sz="1600" dirty="0" smtClean="0"/>
-              <a:t>Clients</a:t>
-            </a:r>
-            <a:endParaRPr lang="fr-FR" sz="1600" dirty="0" smtClean="0"/>
+              <a:t>d’informations des Clients</a:t>
+            </a:r>
           </a:p>
         </p:txBody>
       </p:sp>
@@ -23868,7 +23939,7 @@
   <a:extraClrSchemeLst/>
   <a:extLst>
     <a:ext uri="{05A4C25C-085E-4340-85A3-A5531E510DB2}">
-      <thm15:themeFamily xmlns:thm15="http://schemas.microsoft.com/office/thememl/2012/main" xmlns="" name="coheris 2014" id="{A4A5088C-201A-4D0A-96CF-EE6E1307DAA7}" vid="{05A6D5B5-0C8E-42B6-B577-3B5EAF4DA472}"/>
+      <thm15:themeFamily xmlns:thm15="http://schemas.microsoft.com/office/thememl/2012/main" name="coheris 2014" id="{A4A5088C-201A-4D0A-96CF-EE6E1307DAA7}" vid="{05A6D5B5-0C8E-42B6-B577-3B5EAF4DA472}"/>
     </a:ext>
   </a:extLst>
 </a:theme>
